--- a/input/images-source/452.pptx
+++ b/input/images-source/452.pptx
@@ -2,18 +2,18 @@
 <file path=ppt/presentation.xml><?xml version="1.0" encoding="utf-8"?>
 <p:presentation xmlns:a="http://schemas.openxmlformats.org/drawingml/2006/main" xmlns:r="http://schemas.openxmlformats.org/officeDocument/2006/relationships" xmlns:p="http://schemas.openxmlformats.org/presentationml/2006/main" saveSubsetFonts="1">
   <p:sldMasterIdLst>
-    <p:sldMasterId id="2147483648" r:id="rId1"/>
+    <p:sldMasterId id="2147483660" r:id="rId1"/>
   </p:sldMasterIdLst>
   <p:sldIdLst>
     <p:sldId id="257" r:id="rId2"/>
   </p:sldIdLst>
-  <p:sldSz cx="12192000" cy="6858000"/>
+  <p:sldSz cx="9144000" cy="6858000" type="screen4x3"/>
   <p:notesSz cx="6858000" cy="9144000"/>
   <p:defaultTextStyle>
     <a:defPPr>
       <a:defRPr lang="en-US"/>
     </a:defPPr>
-    <a:lvl1pPr marL="0" algn="l" defTabSz="914400" rtl="0" eaLnBrk="1" latinLnBrk="0" hangingPunct="1">
+    <a:lvl1pPr marL="0" algn="l" defTabSz="457200" rtl="0" eaLnBrk="1" latinLnBrk="0" hangingPunct="1">
       <a:defRPr sz="1800" kern="1200">
         <a:solidFill>
           <a:schemeClr val="tx1"/>
@@ -23,7 +23,7 @@
         <a:cs typeface="+mn-cs"/>
       </a:defRPr>
     </a:lvl1pPr>
-    <a:lvl2pPr marL="457200" algn="l" defTabSz="914400" rtl="0" eaLnBrk="1" latinLnBrk="0" hangingPunct="1">
+    <a:lvl2pPr marL="457200" algn="l" defTabSz="457200" rtl="0" eaLnBrk="1" latinLnBrk="0" hangingPunct="1">
       <a:defRPr sz="1800" kern="1200">
         <a:solidFill>
           <a:schemeClr val="tx1"/>
@@ -33,7 +33,7 @@
         <a:cs typeface="+mn-cs"/>
       </a:defRPr>
     </a:lvl2pPr>
-    <a:lvl3pPr marL="914400" algn="l" defTabSz="914400" rtl="0" eaLnBrk="1" latinLnBrk="0" hangingPunct="1">
+    <a:lvl3pPr marL="914400" algn="l" defTabSz="457200" rtl="0" eaLnBrk="1" latinLnBrk="0" hangingPunct="1">
       <a:defRPr sz="1800" kern="1200">
         <a:solidFill>
           <a:schemeClr val="tx1"/>
@@ -43,7 +43,7 @@
         <a:cs typeface="+mn-cs"/>
       </a:defRPr>
     </a:lvl3pPr>
-    <a:lvl4pPr marL="1371600" algn="l" defTabSz="914400" rtl="0" eaLnBrk="1" latinLnBrk="0" hangingPunct="1">
+    <a:lvl4pPr marL="1371600" algn="l" defTabSz="457200" rtl="0" eaLnBrk="1" latinLnBrk="0" hangingPunct="1">
       <a:defRPr sz="1800" kern="1200">
         <a:solidFill>
           <a:schemeClr val="tx1"/>
@@ -53,7 +53,7 @@
         <a:cs typeface="+mn-cs"/>
       </a:defRPr>
     </a:lvl4pPr>
-    <a:lvl5pPr marL="1828800" algn="l" defTabSz="914400" rtl="0" eaLnBrk="1" latinLnBrk="0" hangingPunct="1">
+    <a:lvl5pPr marL="1828800" algn="l" defTabSz="457200" rtl="0" eaLnBrk="1" latinLnBrk="0" hangingPunct="1">
       <a:defRPr sz="1800" kern="1200">
         <a:solidFill>
           <a:schemeClr val="tx1"/>
@@ -63,7 +63,7 @@
         <a:cs typeface="+mn-cs"/>
       </a:defRPr>
     </a:lvl5pPr>
-    <a:lvl6pPr marL="2286000" algn="l" defTabSz="914400" rtl="0" eaLnBrk="1" latinLnBrk="0" hangingPunct="1">
+    <a:lvl6pPr marL="2286000" algn="l" defTabSz="457200" rtl="0" eaLnBrk="1" latinLnBrk="0" hangingPunct="1">
       <a:defRPr sz="1800" kern="1200">
         <a:solidFill>
           <a:schemeClr val="tx1"/>
@@ -73,7 +73,7 @@
         <a:cs typeface="+mn-cs"/>
       </a:defRPr>
     </a:lvl6pPr>
-    <a:lvl7pPr marL="2743200" algn="l" defTabSz="914400" rtl="0" eaLnBrk="1" latinLnBrk="0" hangingPunct="1">
+    <a:lvl7pPr marL="2743200" algn="l" defTabSz="457200" rtl="0" eaLnBrk="1" latinLnBrk="0" hangingPunct="1">
       <a:defRPr sz="1800" kern="1200">
         <a:solidFill>
           <a:schemeClr val="tx1"/>
@@ -83,7 +83,7 @@
         <a:cs typeface="+mn-cs"/>
       </a:defRPr>
     </a:lvl7pPr>
-    <a:lvl8pPr marL="3200400" algn="l" defTabSz="914400" rtl="0" eaLnBrk="1" latinLnBrk="0" hangingPunct="1">
+    <a:lvl8pPr marL="3200400" algn="l" defTabSz="457200" rtl="0" eaLnBrk="1" latinLnBrk="0" hangingPunct="1">
       <a:defRPr sz="1800" kern="1200">
         <a:solidFill>
           <a:schemeClr val="tx1"/>
@@ -93,7 +93,7 @@
         <a:cs typeface="+mn-cs"/>
       </a:defRPr>
     </a:lvl8pPr>
-    <a:lvl9pPr marL="3657600" algn="l" defTabSz="914400" rtl="0" eaLnBrk="1" latinLnBrk="0" hangingPunct="1">
+    <a:lvl9pPr marL="3657600" algn="l" defTabSz="457200" rtl="0" eaLnBrk="1" latinLnBrk="0" hangingPunct="1">
       <a:defRPr sz="1800" kern="1200">
         <a:solidFill>
           <a:schemeClr val="tx1"/>
@@ -104,6 +104,11 @@
       </a:defRPr>
     </a:lvl9pPr>
   </p:defaultTextStyle>
+  <p:extLst>
+    <p:ext uri="{EFAFB233-063F-42B5-8137-9DF3F51BA10A}">
+      <p15:sldGuideLst xmlns:p15="http://schemas.microsoft.com/office/powerpoint/2012/main"/>
+    </p:ext>
+  </p:extLst>
 </p:presentation>
 </file>
 
@@ -126,13 +131,7 @@
       </p:grpSpPr>
       <p:sp>
         <p:nvSpPr>
-          <p:cNvPr id="2" name="Title 1">
-            <a:extLst>
-              <a:ext uri="{FF2B5EF4-FFF2-40B4-BE49-F238E27FC236}">
-                <a16:creationId xmlns:a16="http://schemas.microsoft.com/office/drawing/2014/main" id="{7AF779C4-1D32-2A0D-3E98-43E9B5B0A278}"/>
-              </a:ext>
-            </a:extLst>
-          </p:cNvPr>
+          <p:cNvPr id="2" name="Title 1"/>
           <p:cNvSpPr>
             <a:spLocks noGrp="1"/>
           </p:cNvSpPr>
@@ -142,8 +141,8 @@
         </p:nvSpPr>
         <p:spPr>
           <a:xfrm>
-            <a:off x="1524000" y="1122363"/>
-            <a:ext cx="9144000" cy="2387600"/>
+            <a:off x="685800" y="1122363"/>
+            <a:ext cx="7772400" cy="2387600"/>
           </a:xfrm>
         </p:spPr>
         <p:txBody>
@@ -158,18 +157,13 @@
               <a:rPr lang="en-US"/>
               <a:t>Click to edit Master title style</a:t>
             </a:r>
-          </a:p>
-        </p:txBody>
-      </p:sp>
-      <p:sp>
-        <p:nvSpPr>
-          <p:cNvPr id="3" name="Subtitle 2">
-            <a:extLst>
-              <a:ext uri="{FF2B5EF4-FFF2-40B4-BE49-F238E27FC236}">
-                <a16:creationId xmlns:a16="http://schemas.microsoft.com/office/drawing/2014/main" id="{16D8120C-B274-3143-270F-8E491A0E880C}"/>
-              </a:ext>
-            </a:extLst>
-          </p:cNvPr>
+            <a:endParaRPr lang="en-US" dirty="0"/>
+          </a:p>
+        </p:txBody>
+      </p:sp>
+      <p:sp>
+        <p:nvSpPr>
+          <p:cNvPr id="3" name="Subtitle 2"/>
           <p:cNvSpPr>
             <a:spLocks noGrp="1"/>
           </p:cNvSpPr>
@@ -179,8 +173,8 @@
         </p:nvSpPr>
         <p:spPr>
           <a:xfrm>
-            <a:off x="1524000" y="3602038"/>
-            <a:ext cx="9144000" cy="1655762"/>
+            <a:off x="1143000" y="3602038"/>
+            <a:ext cx="6858000" cy="1655762"/>
           </a:xfrm>
         </p:spPr>
         <p:txBody>
@@ -228,18 +222,13 @@
               <a:rPr lang="en-US"/>
               <a:t>Click to edit Master subtitle style</a:t>
             </a:r>
-          </a:p>
-        </p:txBody>
-      </p:sp>
-      <p:sp>
-        <p:nvSpPr>
-          <p:cNvPr id="4" name="Date Placeholder 3">
-            <a:extLst>
-              <a:ext uri="{FF2B5EF4-FFF2-40B4-BE49-F238E27FC236}">
-                <a16:creationId xmlns:a16="http://schemas.microsoft.com/office/drawing/2014/main" id="{871E90A6-DBCF-631F-583D-C60D5F189ADB}"/>
-              </a:ext>
-            </a:extLst>
-          </p:cNvPr>
+            <a:endParaRPr lang="en-US" dirty="0"/>
+          </a:p>
+        </p:txBody>
+      </p:sp>
+      <p:sp>
+        <p:nvSpPr>
+          <p:cNvPr id="4" name="Date Placeholder 3"/>
           <p:cNvSpPr>
             <a:spLocks noGrp="1"/>
           </p:cNvSpPr>
@@ -254,7 +243,7 @@
           <a:p>
             <a:fld id="{F8362082-832E-4009-B638-D1DE76E58E97}" type="datetimeFigureOut">
               <a:rPr lang="en-US" smtClean="0"/>
-              <a:t>1/6/2023</a:t>
+              <a:t>1/12/2023</a:t>
             </a:fld>
             <a:endParaRPr lang="en-US"/>
           </a:p>
@@ -262,13 +251,7 @@
       </p:sp>
       <p:sp>
         <p:nvSpPr>
-          <p:cNvPr id="5" name="Footer Placeholder 4">
-            <a:extLst>
-              <a:ext uri="{FF2B5EF4-FFF2-40B4-BE49-F238E27FC236}">
-                <a16:creationId xmlns:a16="http://schemas.microsoft.com/office/drawing/2014/main" id="{DC6AD72A-3843-E184-5269-FCB78DB3782B}"/>
-              </a:ext>
-            </a:extLst>
-          </p:cNvPr>
+          <p:cNvPr id="5" name="Footer Placeholder 4"/>
           <p:cNvSpPr>
             <a:spLocks noGrp="1"/>
           </p:cNvSpPr>
@@ -287,13 +270,7 @@
       </p:sp>
       <p:sp>
         <p:nvSpPr>
-          <p:cNvPr id="6" name="Slide Number Placeholder 5">
-            <a:extLst>
-              <a:ext uri="{FF2B5EF4-FFF2-40B4-BE49-F238E27FC236}">
-                <a16:creationId xmlns:a16="http://schemas.microsoft.com/office/drawing/2014/main" id="{5F4CE2A5-60F7-5744-E31F-793BD28E4C33}"/>
-              </a:ext>
-            </a:extLst>
-          </p:cNvPr>
+          <p:cNvPr id="6" name="Slide Number Placeholder 5"/>
           <p:cNvSpPr>
             <a:spLocks noGrp="1"/>
           </p:cNvSpPr>
@@ -317,7 +294,7 @@
     </p:spTree>
     <p:extLst>
       <p:ext uri="{BB962C8B-B14F-4D97-AF65-F5344CB8AC3E}">
-        <p14:creationId xmlns:p14="http://schemas.microsoft.com/office/powerpoint/2010/main" val="2259509818"/>
+        <p14:creationId xmlns:p14="http://schemas.microsoft.com/office/powerpoint/2010/main" val="1948142729"/>
       </p:ext>
     </p:extLst>
   </p:cSld>
@@ -346,13 +323,7 @@
       </p:grpSpPr>
       <p:sp>
         <p:nvSpPr>
-          <p:cNvPr id="2" name="Title 1">
-            <a:extLst>
-              <a:ext uri="{FF2B5EF4-FFF2-40B4-BE49-F238E27FC236}">
-                <a16:creationId xmlns:a16="http://schemas.microsoft.com/office/drawing/2014/main" id="{9DB9CA48-DE2A-21DF-CF4C-2997210FF503}"/>
-              </a:ext>
-            </a:extLst>
-          </p:cNvPr>
+          <p:cNvPr id="2" name="Title 1"/>
           <p:cNvSpPr>
             <a:spLocks noGrp="1"/>
           </p:cNvSpPr>
@@ -369,18 +340,13 @@
               <a:rPr lang="en-US"/>
               <a:t>Click to edit Master title style</a:t>
             </a:r>
-          </a:p>
-        </p:txBody>
-      </p:sp>
-      <p:sp>
-        <p:nvSpPr>
-          <p:cNvPr id="3" name="Vertical Text Placeholder 2">
-            <a:extLst>
-              <a:ext uri="{FF2B5EF4-FFF2-40B4-BE49-F238E27FC236}">
-                <a16:creationId xmlns:a16="http://schemas.microsoft.com/office/drawing/2014/main" id="{664AA4E4-4359-CF72-508F-559BDCB0690D}"/>
-              </a:ext>
-            </a:extLst>
-          </p:cNvPr>
+            <a:endParaRPr lang="en-US" dirty="0"/>
+          </a:p>
+        </p:txBody>
+      </p:sp>
+      <p:sp>
+        <p:nvSpPr>
+          <p:cNvPr id="3" name="Vertical Text Placeholder 2"/>
           <p:cNvSpPr>
             <a:spLocks noGrp="1"/>
           </p:cNvSpPr>
@@ -426,18 +392,13 @@
               <a:rPr lang="en-US"/>
               <a:t>Fifth level</a:t>
             </a:r>
-          </a:p>
-        </p:txBody>
-      </p:sp>
-      <p:sp>
-        <p:nvSpPr>
-          <p:cNvPr id="4" name="Date Placeholder 3">
-            <a:extLst>
-              <a:ext uri="{FF2B5EF4-FFF2-40B4-BE49-F238E27FC236}">
-                <a16:creationId xmlns:a16="http://schemas.microsoft.com/office/drawing/2014/main" id="{0B652F17-2AE9-62ED-7C9A-F7E140340792}"/>
-              </a:ext>
-            </a:extLst>
-          </p:cNvPr>
+            <a:endParaRPr lang="en-US" dirty="0"/>
+          </a:p>
+        </p:txBody>
+      </p:sp>
+      <p:sp>
+        <p:nvSpPr>
+          <p:cNvPr id="4" name="Date Placeholder 3"/>
           <p:cNvSpPr>
             <a:spLocks noGrp="1"/>
           </p:cNvSpPr>
@@ -452,7 +413,7 @@
           <a:p>
             <a:fld id="{F8362082-832E-4009-B638-D1DE76E58E97}" type="datetimeFigureOut">
               <a:rPr lang="en-US" smtClean="0"/>
-              <a:t>1/6/2023</a:t>
+              <a:t>1/12/2023</a:t>
             </a:fld>
             <a:endParaRPr lang="en-US"/>
           </a:p>
@@ -460,13 +421,7 @@
       </p:sp>
       <p:sp>
         <p:nvSpPr>
-          <p:cNvPr id="5" name="Footer Placeholder 4">
-            <a:extLst>
-              <a:ext uri="{FF2B5EF4-FFF2-40B4-BE49-F238E27FC236}">
-                <a16:creationId xmlns:a16="http://schemas.microsoft.com/office/drawing/2014/main" id="{41A0D774-759C-3524-3573-63372CB46BEE}"/>
-              </a:ext>
-            </a:extLst>
-          </p:cNvPr>
+          <p:cNvPr id="5" name="Footer Placeholder 4"/>
           <p:cNvSpPr>
             <a:spLocks noGrp="1"/>
           </p:cNvSpPr>
@@ -485,13 +440,7 @@
       </p:sp>
       <p:sp>
         <p:nvSpPr>
-          <p:cNvPr id="6" name="Slide Number Placeholder 5">
-            <a:extLst>
-              <a:ext uri="{FF2B5EF4-FFF2-40B4-BE49-F238E27FC236}">
-                <a16:creationId xmlns:a16="http://schemas.microsoft.com/office/drawing/2014/main" id="{7F023E7E-BFB4-88F2-B46F-8443A73049BF}"/>
-              </a:ext>
-            </a:extLst>
-          </p:cNvPr>
+          <p:cNvPr id="6" name="Slide Number Placeholder 5"/>
           <p:cNvSpPr>
             <a:spLocks noGrp="1"/>
           </p:cNvSpPr>
@@ -515,7 +464,7 @@
     </p:spTree>
     <p:extLst>
       <p:ext uri="{BB962C8B-B14F-4D97-AF65-F5344CB8AC3E}">
-        <p14:creationId xmlns:p14="http://schemas.microsoft.com/office/powerpoint/2010/main" val="4015824173"/>
+        <p14:creationId xmlns:p14="http://schemas.microsoft.com/office/powerpoint/2010/main" val="1814882360"/>
       </p:ext>
     </p:extLst>
   </p:cSld>
@@ -544,13 +493,7 @@
       </p:grpSpPr>
       <p:sp>
         <p:nvSpPr>
-          <p:cNvPr id="2" name="Vertical Title 1">
-            <a:extLst>
-              <a:ext uri="{FF2B5EF4-FFF2-40B4-BE49-F238E27FC236}">
-                <a16:creationId xmlns:a16="http://schemas.microsoft.com/office/drawing/2014/main" id="{3FACB589-B97D-A79E-7C7D-192B5408E49C}"/>
-              </a:ext>
-            </a:extLst>
-          </p:cNvPr>
+          <p:cNvPr id="2" name="Vertical Title 1"/>
           <p:cNvSpPr>
             <a:spLocks noGrp="1"/>
           </p:cNvSpPr>
@@ -560,8 +503,8 @@
         </p:nvSpPr>
         <p:spPr>
           <a:xfrm>
-            <a:off x="8724900" y="365125"/>
-            <a:ext cx="2628900" cy="5811838"/>
+            <a:off x="6543675" y="365125"/>
+            <a:ext cx="1971675" cy="5811838"/>
           </a:xfrm>
         </p:spPr>
         <p:txBody>
@@ -572,18 +515,13 @@
               <a:rPr lang="en-US"/>
               <a:t>Click to edit Master title style</a:t>
             </a:r>
-          </a:p>
-        </p:txBody>
-      </p:sp>
-      <p:sp>
-        <p:nvSpPr>
-          <p:cNvPr id="3" name="Vertical Text Placeholder 2">
-            <a:extLst>
-              <a:ext uri="{FF2B5EF4-FFF2-40B4-BE49-F238E27FC236}">
-                <a16:creationId xmlns:a16="http://schemas.microsoft.com/office/drawing/2014/main" id="{2A417BA6-E69C-1FCA-9D47-FFA916E1C56B}"/>
-              </a:ext>
-            </a:extLst>
-          </p:cNvPr>
+            <a:endParaRPr lang="en-US" dirty="0"/>
+          </a:p>
+        </p:txBody>
+      </p:sp>
+      <p:sp>
+        <p:nvSpPr>
+          <p:cNvPr id="3" name="Vertical Text Placeholder 2"/>
           <p:cNvSpPr>
             <a:spLocks noGrp="1"/>
           </p:cNvSpPr>
@@ -593,8 +531,8 @@
         </p:nvSpPr>
         <p:spPr>
           <a:xfrm>
-            <a:off x="838200" y="365125"/>
-            <a:ext cx="7734300" cy="5811838"/>
+            <a:off x="628650" y="365125"/>
+            <a:ext cx="5800725" cy="5811838"/>
           </a:xfrm>
         </p:spPr>
         <p:txBody>
@@ -634,18 +572,13 @@
               <a:rPr lang="en-US"/>
               <a:t>Fifth level</a:t>
             </a:r>
-          </a:p>
-        </p:txBody>
-      </p:sp>
-      <p:sp>
-        <p:nvSpPr>
-          <p:cNvPr id="4" name="Date Placeholder 3">
-            <a:extLst>
-              <a:ext uri="{FF2B5EF4-FFF2-40B4-BE49-F238E27FC236}">
-                <a16:creationId xmlns:a16="http://schemas.microsoft.com/office/drawing/2014/main" id="{0104BADD-CDD8-4AE5-AD4B-BFE8C8B8D941}"/>
-              </a:ext>
-            </a:extLst>
-          </p:cNvPr>
+            <a:endParaRPr lang="en-US" dirty="0"/>
+          </a:p>
+        </p:txBody>
+      </p:sp>
+      <p:sp>
+        <p:nvSpPr>
+          <p:cNvPr id="4" name="Date Placeholder 3"/>
           <p:cNvSpPr>
             <a:spLocks noGrp="1"/>
           </p:cNvSpPr>
@@ -660,7 +593,7 @@
           <a:p>
             <a:fld id="{F8362082-832E-4009-B638-D1DE76E58E97}" type="datetimeFigureOut">
               <a:rPr lang="en-US" smtClean="0"/>
-              <a:t>1/6/2023</a:t>
+              <a:t>1/12/2023</a:t>
             </a:fld>
             <a:endParaRPr lang="en-US"/>
           </a:p>
@@ -668,13 +601,7 @@
       </p:sp>
       <p:sp>
         <p:nvSpPr>
-          <p:cNvPr id="5" name="Footer Placeholder 4">
-            <a:extLst>
-              <a:ext uri="{FF2B5EF4-FFF2-40B4-BE49-F238E27FC236}">
-                <a16:creationId xmlns:a16="http://schemas.microsoft.com/office/drawing/2014/main" id="{80B2EA5C-AF3D-1D56-E515-811F68C9A3BA}"/>
-              </a:ext>
-            </a:extLst>
-          </p:cNvPr>
+          <p:cNvPr id="5" name="Footer Placeholder 4"/>
           <p:cNvSpPr>
             <a:spLocks noGrp="1"/>
           </p:cNvSpPr>
@@ -693,13 +620,7 @@
       </p:sp>
       <p:sp>
         <p:nvSpPr>
-          <p:cNvPr id="6" name="Slide Number Placeholder 5">
-            <a:extLst>
-              <a:ext uri="{FF2B5EF4-FFF2-40B4-BE49-F238E27FC236}">
-                <a16:creationId xmlns:a16="http://schemas.microsoft.com/office/drawing/2014/main" id="{2AE42FED-C933-8433-9100-741C66B05F98}"/>
-              </a:ext>
-            </a:extLst>
-          </p:cNvPr>
+          <p:cNvPr id="6" name="Slide Number Placeholder 5"/>
           <p:cNvSpPr>
             <a:spLocks noGrp="1"/>
           </p:cNvSpPr>
@@ -723,7 +644,7 @@
     </p:spTree>
     <p:extLst>
       <p:ext uri="{BB962C8B-B14F-4D97-AF65-F5344CB8AC3E}">
-        <p14:creationId xmlns:p14="http://schemas.microsoft.com/office/powerpoint/2010/main" val="3105094839"/>
+        <p14:creationId xmlns:p14="http://schemas.microsoft.com/office/powerpoint/2010/main" val="1260571114"/>
       </p:ext>
     </p:extLst>
   </p:cSld>
@@ -752,13 +673,7 @@
       </p:grpSpPr>
       <p:sp>
         <p:nvSpPr>
-          <p:cNvPr id="2" name="Title 1">
-            <a:extLst>
-              <a:ext uri="{FF2B5EF4-FFF2-40B4-BE49-F238E27FC236}">
-                <a16:creationId xmlns:a16="http://schemas.microsoft.com/office/drawing/2014/main" id="{17134918-06FA-7879-3BE0-889F92E6B5B7}"/>
-              </a:ext>
-            </a:extLst>
-          </p:cNvPr>
+          <p:cNvPr id="2" name="Title 1"/>
           <p:cNvSpPr>
             <a:spLocks noGrp="1"/>
           </p:cNvSpPr>
@@ -775,18 +690,13 @@
               <a:rPr lang="en-US"/>
               <a:t>Click to edit Master title style</a:t>
             </a:r>
-          </a:p>
-        </p:txBody>
-      </p:sp>
-      <p:sp>
-        <p:nvSpPr>
-          <p:cNvPr id="3" name="Content Placeholder 2">
-            <a:extLst>
-              <a:ext uri="{FF2B5EF4-FFF2-40B4-BE49-F238E27FC236}">
-                <a16:creationId xmlns:a16="http://schemas.microsoft.com/office/drawing/2014/main" id="{1A2D0346-BEF1-E1BC-B037-18FD25AB516D}"/>
-              </a:ext>
-            </a:extLst>
-          </p:cNvPr>
+            <a:endParaRPr lang="en-US" dirty="0"/>
+          </a:p>
+        </p:txBody>
+      </p:sp>
+      <p:sp>
+        <p:nvSpPr>
+          <p:cNvPr id="3" name="Content Placeholder 2"/>
           <p:cNvSpPr>
             <a:spLocks noGrp="1"/>
           </p:cNvSpPr>
@@ -832,18 +742,13 @@
               <a:rPr lang="en-US"/>
               <a:t>Fifth level</a:t>
             </a:r>
-          </a:p>
-        </p:txBody>
-      </p:sp>
-      <p:sp>
-        <p:nvSpPr>
-          <p:cNvPr id="4" name="Date Placeholder 3">
-            <a:extLst>
-              <a:ext uri="{FF2B5EF4-FFF2-40B4-BE49-F238E27FC236}">
-                <a16:creationId xmlns:a16="http://schemas.microsoft.com/office/drawing/2014/main" id="{1912CC7B-6990-3837-A0FE-F8FB0509CB41}"/>
-              </a:ext>
-            </a:extLst>
-          </p:cNvPr>
+            <a:endParaRPr lang="en-US" dirty="0"/>
+          </a:p>
+        </p:txBody>
+      </p:sp>
+      <p:sp>
+        <p:nvSpPr>
+          <p:cNvPr id="4" name="Date Placeholder 3"/>
           <p:cNvSpPr>
             <a:spLocks noGrp="1"/>
           </p:cNvSpPr>
@@ -858,7 +763,7 @@
           <a:p>
             <a:fld id="{F8362082-832E-4009-B638-D1DE76E58E97}" type="datetimeFigureOut">
               <a:rPr lang="en-US" smtClean="0"/>
-              <a:t>1/6/2023</a:t>
+              <a:t>1/12/2023</a:t>
             </a:fld>
             <a:endParaRPr lang="en-US"/>
           </a:p>
@@ -866,13 +771,7 @@
       </p:sp>
       <p:sp>
         <p:nvSpPr>
-          <p:cNvPr id="5" name="Footer Placeholder 4">
-            <a:extLst>
-              <a:ext uri="{FF2B5EF4-FFF2-40B4-BE49-F238E27FC236}">
-                <a16:creationId xmlns:a16="http://schemas.microsoft.com/office/drawing/2014/main" id="{C1144F06-A70C-CEC4-A6B9-B3213AB4E4A3}"/>
-              </a:ext>
-            </a:extLst>
-          </p:cNvPr>
+          <p:cNvPr id="5" name="Footer Placeholder 4"/>
           <p:cNvSpPr>
             <a:spLocks noGrp="1"/>
           </p:cNvSpPr>
@@ -891,13 +790,7 @@
       </p:sp>
       <p:sp>
         <p:nvSpPr>
-          <p:cNvPr id="6" name="Slide Number Placeholder 5">
-            <a:extLst>
-              <a:ext uri="{FF2B5EF4-FFF2-40B4-BE49-F238E27FC236}">
-                <a16:creationId xmlns:a16="http://schemas.microsoft.com/office/drawing/2014/main" id="{ACDCB89A-253F-9825-7551-74F40243725B}"/>
-              </a:ext>
-            </a:extLst>
-          </p:cNvPr>
+          <p:cNvPr id="6" name="Slide Number Placeholder 5"/>
           <p:cNvSpPr>
             <a:spLocks noGrp="1"/>
           </p:cNvSpPr>
@@ -921,7 +814,7 @@
     </p:spTree>
     <p:extLst>
       <p:ext uri="{BB962C8B-B14F-4D97-AF65-F5344CB8AC3E}">
-        <p14:creationId xmlns:p14="http://schemas.microsoft.com/office/powerpoint/2010/main" val="2624775980"/>
+        <p14:creationId xmlns:p14="http://schemas.microsoft.com/office/powerpoint/2010/main" val="2973146892"/>
       </p:ext>
     </p:extLst>
   </p:cSld>
@@ -950,13 +843,7 @@
       </p:grpSpPr>
       <p:sp>
         <p:nvSpPr>
-          <p:cNvPr id="2" name="Title 1">
-            <a:extLst>
-              <a:ext uri="{FF2B5EF4-FFF2-40B4-BE49-F238E27FC236}">
-                <a16:creationId xmlns:a16="http://schemas.microsoft.com/office/drawing/2014/main" id="{9F363DE5-62EF-9C16-CA6A-6BAE2F50A31B}"/>
-              </a:ext>
-            </a:extLst>
-          </p:cNvPr>
+          <p:cNvPr id="2" name="Title 1"/>
           <p:cNvSpPr>
             <a:spLocks noGrp="1"/>
           </p:cNvSpPr>
@@ -966,8 +853,8 @@
         </p:nvSpPr>
         <p:spPr>
           <a:xfrm>
-            <a:off x="831850" y="1709738"/>
-            <a:ext cx="10515600" cy="2852737"/>
+            <a:off x="623888" y="1709739"/>
+            <a:ext cx="7886700" cy="2852737"/>
           </a:xfrm>
         </p:spPr>
         <p:txBody>
@@ -982,18 +869,13 @@
               <a:rPr lang="en-US"/>
               <a:t>Click to edit Master title style</a:t>
             </a:r>
-          </a:p>
-        </p:txBody>
-      </p:sp>
-      <p:sp>
-        <p:nvSpPr>
-          <p:cNvPr id="3" name="Text Placeholder 2">
-            <a:extLst>
-              <a:ext uri="{FF2B5EF4-FFF2-40B4-BE49-F238E27FC236}">
-                <a16:creationId xmlns:a16="http://schemas.microsoft.com/office/drawing/2014/main" id="{DCC5EA92-A5D4-F829-FBB7-752187D44079}"/>
-              </a:ext>
-            </a:extLst>
-          </p:cNvPr>
+            <a:endParaRPr lang="en-US" dirty="0"/>
+          </a:p>
+        </p:txBody>
+      </p:sp>
+      <p:sp>
+        <p:nvSpPr>
+          <p:cNvPr id="3" name="Text Placeholder 2"/>
           <p:cNvSpPr>
             <a:spLocks noGrp="1"/>
           </p:cNvSpPr>
@@ -1003,8 +885,8 @@
         </p:nvSpPr>
         <p:spPr>
           <a:xfrm>
-            <a:off x="831850" y="4589463"/>
-            <a:ext cx="10515600" cy="1500187"/>
+            <a:off x="623888" y="4589464"/>
+            <a:ext cx="7886700" cy="1500187"/>
           </a:xfrm>
         </p:spPr>
         <p:txBody>
@@ -1014,9 +896,7 @@
               <a:buNone/>
               <a:defRPr sz="2400">
                 <a:solidFill>
-                  <a:schemeClr val="tx1">
-                    <a:tint val="75000"/>
-                  </a:schemeClr>
+                  <a:schemeClr val="tx1"/>
                 </a:solidFill>
               </a:defRPr>
             </a:lvl1pPr>
@@ -1112,13 +992,7 @@
       </p:sp>
       <p:sp>
         <p:nvSpPr>
-          <p:cNvPr id="4" name="Date Placeholder 3">
-            <a:extLst>
-              <a:ext uri="{FF2B5EF4-FFF2-40B4-BE49-F238E27FC236}">
-                <a16:creationId xmlns:a16="http://schemas.microsoft.com/office/drawing/2014/main" id="{0544C466-8F8F-A43C-1157-74AD1ECD59A1}"/>
-              </a:ext>
-            </a:extLst>
-          </p:cNvPr>
+          <p:cNvPr id="4" name="Date Placeholder 3"/>
           <p:cNvSpPr>
             <a:spLocks noGrp="1"/>
           </p:cNvSpPr>
@@ -1133,7 +1007,7 @@
           <a:p>
             <a:fld id="{F8362082-832E-4009-B638-D1DE76E58E97}" type="datetimeFigureOut">
               <a:rPr lang="en-US" smtClean="0"/>
-              <a:t>1/6/2023</a:t>
+              <a:t>1/12/2023</a:t>
             </a:fld>
             <a:endParaRPr lang="en-US"/>
           </a:p>
@@ -1141,13 +1015,7 @@
       </p:sp>
       <p:sp>
         <p:nvSpPr>
-          <p:cNvPr id="5" name="Footer Placeholder 4">
-            <a:extLst>
-              <a:ext uri="{FF2B5EF4-FFF2-40B4-BE49-F238E27FC236}">
-                <a16:creationId xmlns:a16="http://schemas.microsoft.com/office/drawing/2014/main" id="{62F75649-07D0-2A33-00B5-13BB295FA51A}"/>
-              </a:ext>
-            </a:extLst>
-          </p:cNvPr>
+          <p:cNvPr id="5" name="Footer Placeholder 4"/>
           <p:cNvSpPr>
             <a:spLocks noGrp="1"/>
           </p:cNvSpPr>
@@ -1166,13 +1034,7 @@
       </p:sp>
       <p:sp>
         <p:nvSpPr>
-          <p:cNvPr id="6" name="Slide Number Placeholder 5">
-            <a:extLst>
-              <a:ext uri="{FF2B5EF4-FFF2-40B4-BE49-F238E27FC236}">
-                <a16:creationId xmlns:a16="http://schemas.microsoft.com/office/drawing/2014/main" id="{0CC5DEE2-D991-2571-4F6D-A91A94B5094C}"/>
-              </a:ext>
-            </a:extLst>
-          </p:cNvPr>
+          <p:cNvPr id="6" name="Slide Number Placeholder 5"/>
           <p:cNvSpPr>
             <a:spLocks noGrp="1"/>
           </p:cNvSpPr>
@@ -1196,7 +1058,7 @@
     </p:spTree>
     <p:extLst>
       <p:ext uri="{BB962C8B-B14F-4D97-AF65-F5344CB8AC3E}">
-        <p14:creationId xmlns:p14="http://schemas.microsoft.com/office/powerpoint/2010/main" val="1699655935"/>
+        <p14:creationId xmlns:p14="http://schemas.microsoft.com/office/powerpoint/2010/main" val="1849751034"/>
       </p:ext>
     </p:extLst>
   </p:cSld>
@@ -1225,13 +1087,7 @@
       </p:grpSpPr>
       <p:sp>
         <p:nvSpPr>
-          <p:cNvPr id="2" name="Title 1">
-            <a:extLst>
-              <a:ext uri="{FF2B5EF4-FFF2-40B4-BE49-F238E27FC236}">
-                <a16:creationId xmlns:a16="http://schemas.microsoft.com/office/drawing/2014/main" id="{34E121FD-6848-353F-51C8-FD08F3CC9F62}"/>
-              </a:ext>
-            </a:extLst>
-          </p:cNvPr>
+          <p:cNvPr id="2" name="Title 1"/>
           <p:cNvSpPr>
             <a:spLocks noGrp="1"/>
           </p:cNvSpPr>
@@ -1248,18 +1104,13 @@
               <a:rPr lang="en-US"/>
               <a:t>Click to edit Master title style</a:t>
             </a:r>
-          </a:p>
-        </p:txBody>
-      </p:sp>
-      <p:sp>
-        <p:nvSpPr>
-          <p:cNvPr id="3" name="Content Placeholder 2">
-            <a:extLst>
-              <a:ext uri="{FF2B5EF4-FFF2-40B4-BE49-F238E27FC236}">
-                <a16:creationId xmlns:a16="http://schemas.microsoft.com/office/drawing/2014/main" id="{9607556E-CC46-C4C0-C5E6-3D1105AADEF7}"/>
-              </a:ext>
-            </a:extLst>
-          </p:cNvPr>
+            <a:endParaRPr lang="en-US" dirty="0"/>
+          </a:p>
+        </p:txBody>
+      </p:sp>
+      <p:sp>
+        <p:nvSpPr>
+          <p:cNvPr id="3" name="Content Placeholder 2"/>
           <p:cNvSpPr>
             <a:spLocks noGrp="1"/>
           </p:cNvSpPr>
@@ -1269,8 +1120,8 @@
         </p:nvSpPr>
         <p:spPr>
           <a:xfrm>
-            <a:off x="838200" y="1825625"/>
-            <a:ext cx="5181600" cy="4351338"/>
+            <a:off x="628650" y="1825625"/>
+            <a:ext cx="3886200" cy="4351338"/>
           </a:xfrm>
         </p:spPr>
         <p:txBody>
@@ -1310,18 +1161,13 @@
               <a:rPr lang="en-US"/>
               <a:t>Fifth level</a:t>
             </a:r>
-          </a:p>
-        </p:txBody>
-      </p:sp>
-      <p:sp>
-        <p:nvSpPr>
-          <p:cNvPr id="4" name="Content Placeholder 3">
-            <a:extLst>
-              <a:ext uri="{FF2B5EF4-FFF2-40B4-BE49-F238E27FC236}">
-                <a16:creationId xmlns:a16="http://schemas.microsoft.com/office/drawing/2014/main" id="{927C1849-BE10-ADE4-B55B-E70DF1F206CC}"/>
-              </a:ext>
-            </a:extLst>
-          </p:cNvPr>
+            <a:endParaRPr lang="en-US" dirty="0"/>
+          </a:p>
+        </p:txBody>
+      </p:sp>
+      <p:sp>
+        <p:nvSpPr>
+          <p:cNvPr id="4" name="Content Placeholder 3"/>
           <p:cNvSpPr>
             <a:spLocks noGrp="1"/>
           </p:cNvSpPr>
@@ -1331,8 +1177,8 @@
         </p:nvSpPr>
         <p:spPr>
           <a:xfrm>
-            <a:off x="6172200" y="1825625"/>
-            <a:ext cx="5181600" cy="4351338"/>
+            <a:off x="4629150" y="1825625"/>
+            <a:ext cx="3886200" cy="4351338"/>
           </a:xfrm>
         </p:spPr>
         <p:txBody>
@@ -1372,18 +1218,13 @@
               <a:rPr lang="en-US"/>
               <a:t>Fifth level</a:t>
             </a:r>
-          </a:p>
-        </p:txBody>
-      </p:sp>
-      <p:sp>
-        <p:nvSpPr>
-          <p:cNvPr id="5" name="Date Placeholder 4">
-            <a:extLst>
-              <a:ext uri="{FF2B5EF4-FFF2-40B4-BE49-F238E27FC236}">
-                <a16:creationId xmlns:a16="http://schemas.microsoft.com/office/drawing/2014/main" id="{D4D5D47C-ECAD-09E5-03AC-9BA448267EBD}"/>
-              </a:ext>
-            </a:extLst>
-          </p:cNvPr>
+            <a:endParaRPr lang="en-US" dirty="0"/>
+          </a:p>
+        </p:txBody>
+      </p:sp>
+      <p:sp>
+        <p:nvSpPr>
+          <p:cNvPr id="5" name="Date Placeholder 4"/>
           <p:cNvSpPr>
             <a:spLocks noGrp="1"/>
           </p:cNvSpPr>
@@ -1398,7 +1239,7 @@
           <a:p>
             <a:fld id="{F8362082-832E-4009-B638-D1DE76E58E97}" type="datetimeFigureOut">
               <a:rPr lang="en-US" smtClean="0"/>
-              <a:t>1/6/2023</a:t>
+              <a:t>1/12/2023</a:t>
             </a:fld>
             <a:endParaRPr lang="en-US"/>
           </a:p>
@@ -1406,13 +1247,7 @@
       </p:sp>
       <p:sp>
         <p:nvSpPr>
-          <p:cNvPr id="6" name="Footer Placeholder 5">
-            <a:extLst>
-              <a:ext uri="{FF2B5EF4-FFF2-40B4-BE49-F238E27FC236}">
-                <a16:creationId xmlns:a16="http://schemas.microsoft.com/office/drawing/2014/main" id="{78DCCE3C-B8AF-9D4C-C9BF-D5D7B99D1DA9}"/>
-              </a:ext>
-            </a:extLst>
-          </p:cNvPr>
+          <p:cNvPr id="6" name="Footer Placeholder 5"/>
           <p:cNvSpPr>
             <a:spLocks noGrp="1"/>
           </p:cNvSpPr>
@@ -1431,13 +1266,7 @@
       </p:sp>
       <p:sp>
         <p:nvSpPr>
-          <p:cNvPr id="7" name="Slide Number Placeholder 6">
-            <a:extLst>
-              <a:ext uri="{FF2B5EF4-FFF2-40B4-BE49-F238E27FC236}">
-                <a16:creationId xmlns:a16="http://schemas.microsoft.com/office/drawing/2014/main" id="{18206FF8-030F-8A77-BCEA-F0AADAA41948}"/>
-              </a:ext>
-            </a:extLst>
-          </p:cNvPr>
+          <p:cNvPr id="7" name="Slide Number Placeholder 6"/>
           <p:cNvSpPr>
             <a:spLocks noGrp="1"/>
           </p:cNvSpPr>
@@ -1461,7 +1290,7 @@
     </p:spTree>
     <p:extLst>
       <p:ext uri="{BB962C8B-B14F-4D97-AF65-F5344CB8AC3E}">
-        <p14:creationId xmlns:p14="http://schemas.microsoft.com/office/powerpoint/2010/main" val="2216759308"/>
+        <p14:creationId xmlns:p14="http://schemas.microsoft.com/office/powerpoint/2010/main" val="348431908"/>
       </p:ext>
     </p:extLst>
   </p:cSld>
@@ -1490,13 +1319,7 @@
       </p:grpSpPr>
       <p:sp>
         <p:nvSpPr>
-          <p:cNvPr id="2" name="Title 1">
-            <a:extLst>
-              <a:ext uri="{FF2B5EF4-FFF2-40B4-BE49-F238E27FC236}">
-                <a16:creationId xmlns:a16="http://schemas.microsoft.com/office/drawing/2014/main" id="{B73E1681-59A5-49F4-DADA-5190D85939F2}"/>
-              </a:ext>
-            </a:extLst>
-          </p:cNvPr>
+          <p:cNvPr id="2" name="Title 1"/>
           <p:cNvSpPr>
             <a:spLocks noGrp="1"/>
           </p:cNvSpPr>
@@ -1506,8 +1329,8 @@
         </p:nvSpPr>
         <p:spPr>
           <a:xfrm>
-            <a:off x="839788" y="365125"/>
-            <a:ext cx="10515600" cy="1325563"/>
+            <a:off x="629841" y="365126"/>
+            <a:ext cx="7886700" cy="1325563"/>
           </a:xfrm>
         </p:spPr>
         <p:txBody>
@@ -1518,18 +1341,13 @@
               <a:rPr lang="en-US"/>
               <a:t>Click to edit Master title style</a:t>
             </a:r>
-          </a:p>
-        </p:txBody>
-      </p:sp>
-      <p:sp>
-        <p:nvSpPr>
-          <p:cNvPr id="3" name="Text Placeholder 2">
-            <a:extLst>
-              <a:ext uri="{FF2B5EF4-FFF2-40B4-BE49-F238E27FC236}">
-                <a16:creationId xmlns:a16="http://schemas.microsoft.com/office/drawing/2014/main" id="{CF155CA8-83B9-95C1-1982-2CAF0BCC37F4}"/>
-              </a:ext>
-            </a:extLst>
-          </p:cNvPr>
+            <a:endParaRPr lang="en-US" dirty="0"/>
+          </a:p>
+        </p:txBody>
+      </p:sp>
+      <p:sp>
+        <p:nvSpPr>
+          <p:cNvPr id="3" name="Text Placeholder 2"/>
           <p:cNvSpPr>
             <a:spLocks noGrp="1"/>
           </p:cNvSpPr>
@@ -1539,8 +1357,8 @@
         </p:nvSpPr>
         <p:spPr>
           <a:xfrm>
-            <a:off x="839788" y="1681163"/>
-            <a:ext cx="5157787" cy="823912"/>
+            <a:off x="629842" y="1681163"/>
+            <a:ext cx="3868340" cy="823912"/>
           </a:xfrm>
         </p:spPr>
         <p:txBody>
@@ -1594,13 +1412,7 @@
       </p:sp>
       <p:sp>
         <p:nvSpPr>
-          <p:cNvPr id="4" name="Content Placeholder 3">
-            <a:extLst>
-              <a:ext uri="{FF2B5EF4-FFF2-40B4-BE49-F238E27FC236}">
-                <a16:creationId xmlns:a16="http://schemas.microsoft.com/office/drawing/2014/main" id="{07A0F6FA-D394-D468-D82E-0D2343F008AE}"/>
-              </a:ext>
-            </a:extLst>
-          </p:cNvPr>
+          <p:cNvPr id="4" name="Content Placeholder 3"/>
           <p:cNvSpPr>
             <a:spLocks noGrp="1"/>
           </p:cNvSpPr>
@@ -1610,8 +1422,8 @@
         </p:nvSpPr>
         <p:spPr>
           <a:xfrm>
-            <a:off x="839788" y="2505075"/>
-            <a:ext cx="5157787" cy="3684588"/>
+            <a:off x="629842" y="2505075"/>
+            <a:ext cx="3868340" cy="3684588"/>
           </a:xfrm>
         </p:spPr>
         <p:txBody>
@@ -1651,18 +1463,13 @@
               <a:rPr lang="en-US"/>
               <a:t>Fifth level</a:t>
             </a:r>
-          </a:p>
-        </p:txBody>
-      </p:sp>
-      <p:sp>
-        <p:nvSpPr>
-          <p:cNvPr id="5" name="Text Placeholder 4">
-            <a:extLst>
-              <a:ext uri="{FF2B5EF4-FFF2-40B4-BE49-F238E27FC236}">
-                <a16:creationId xmlns:a16="http://schemas.microsoft.com/office/drawing/2014/main" id="{00F048ED-5927-0D0D-3CE2-220965C498F6}"/>
-              </a:ext>
-            </a:extLst>
-          </p:cNvPr>
+            <a:endParaRPr lang="en-US" dirty="0"/>
+          </a:p>
+        </p:txBody>
+      </p:sp>
+      <p:sp>
+        <p:nvSpPr>
+          <p:cNvPr id="5" name="Text Placeholder 4"/>
           <p:cNvSpPr>
             <a:spLocks noGrp="1"/>
           </p:cNvSpPr>
@@ -1672,8 +1479,8 @@
         </p:nvSpPr>
         <p:spPr>
           <a:xfrm>
-            <a:off x="6172200" y="1681163"/>
-            <a:ext cx="5183188" cy="823912"/>
+            <a:off x="4629150" y="1681163"/>
+            <a:ext cx="3887391" cy="823912"/>
           </a:xfrm>
         </p:spPr>
         <p:txBody>
@@ -1727,13 +1534,7 @@
       </p:sp>
       <p:sp>
         <p:nvSpPr>
-          <p:cNvPr id="6" name="Content Placeholder 5">
-            <a:extLst>
-              <a:ext uri="{FF2B5EF4-FFF2-40B4-BE49-F238E27FC236}">
-                <a16:creationId xmlns:a16="http://schemas.microsoft.com/office/drawing/2014/main" id="{A8A117C4-45C0-CA1D-DCE6-D4448580187A}"/>
-              </a:ext>
-            </a:extLst>
-          </p:cNvPr>
+          <p:cNvPr id="6" name="Content Placeholder 5"/>
           <p:cNvSpPr>
             <a:spLocks noGrp="1"/>
           </p:cNvSpPr>
@@ -1743,8 +1544,8 @@
         </p:nvSpPr>
         <p:spPr>
           <a:xfrm>
-            <a:off x="6172200" y="2505075"/>
-            <a:ext cx="5183188" cy="3684588"/>
+            <a:off x="4629150" y="2505075"/>
+            <a:ext cx="3887391" cy="3684588"/>
           </a:xfrm>
         </p:spPr>
         <p:txBody>
@@ -1784,18 +1585,13 @@
               <a:rPr lang="en-US"/>
               <a:t>Fifth level</a:t>
             </a:r>
-          </a:p>
-        </p:txBody>
-      </p:sp>
-      <p:sp>
-        <p:nvSpPr>
-          <p:cNvPr id="7" name="Date Placeholder 6">
-            <a:extLst>
-              <a:ext uri="{FF2B5EF4-FFF2-40B4-BE49-F238E27FC236}">
-                <a16:creationId xmlns:a16="http://schemas.microsoft.com/office/drawing/2014/main" id="{19146BC0-CD3B-AF33-8AD5-2F57E4C06C29}"/>
-              </a:ext>
-            </a:extLst>
-          </p:cNvPr>
+            <a:endParaRPr lang="en-US" dirty="0"/>
+          </a:p>
+        </p:txBody>
+      </p:sp>
+      <p:sp>
+        <p:nvSpPr>
+          <p:cNvPr id="7" name="Date Placeholder 6"/>
           <p:cNvSpPr>
             <a:spLocks noGrp="1"/>
           </p:cNvSpPr>
@@ -1810,7 +1606,7 @@
           <a:p>
             <a:fld id="{F8362082-832E-4009-B638-D1DE76E58E97}" type="datetimeFigureOut">
               <a:rPr lang="en-US" smtClean="0"/>
-              <a:t>1/6/2023</a:t>
+              <a:t>1/12/2023</a:t>
             </a:fld>
             <a:endParaRPr lang="en-US"/>
           </a:p>
@@ -1818,13 +1614,7 @@
       </p:sp>
       <p:sp>
         <p:nvSpPr>
-          <p:cNvPr id="8" name="Footer Placeholder 7">
-            <a:extLst>
-              <a:ext uri="{FF2B5EF4-FFF2-40B4-BE49-F238E27FC236}">
-                <a16:creationId xmlns:a16="http://schemas.microsoft.com/office/drawing/2014/main" id="{CD1069D2-3A56-E5C0-6774-D491AE5B0F9A}"/>
-              </a:ext>
-            </a:extLst>
-          </p:cNvPr>
+          <p:cNvPr id="8" name="Footer Placeholder 7"/>
           <p:cNvSpPr>
             <a:spLocks noGrp="1"/>
           </p:cNvSpPr>
@@ -1843,13 +1633,7 @@
       </p:sp>
       <p:sp>
         <p:nvSpPr>
-          <p:cNvPr id="9" name="Slide Number Placeholder 8">
-            <a:extLst>
-              <a:ext uri="{FF2B5EF4-FFF2-40B4-BE49-F238E27FC236}">
-                <a16:creationId xmlns:a16="http://schemas.microsoft.com/office/drawing/2014/main" id="{22E2DB13-C156-5BF5-8253-4080196A6ED3}"/>
-              </a:ext>
-            </a:extLst>
-          </p:cNvPr>
+          <p:cNvPr id="9" name="Slide Number Placeholder 8"/>
           <p:cNvSpPr>
             <a:spLocks noGrp="1"/>
           </p:cNvSpPr>
@@ -1873,7 +1657,7 @@
     </p:spTree>
     <p:extLst>
       <p:ext uri="{BB962C8B-B14F-4D97-AF65-F5344CB8AC3E}">
-        <p14:creationId xmlns:p14="http://schemas.microsoft.com/office/powerpoint/2010/main" val="3369050375"/>
+        <p14:creationId xmlns:p14="http://schemas.microsoft.com/office/powerpoint/2010/main" val="2641837843"/>
       </p:ext>
     </p:extLst>
   </p:cSld>
@@ -1902,13 +1686,7 @@
       </p:grpSpPr>
       <p:sp>
         <p:nvSpPr>
-          <p:cNvPr id="2" name="Title 1">
-            <a:extLst>
-              <a:ext uri="{FF2B5EF4-FFF2-40B4-BE49-F238E27FC236}">
-                <a16:creationId xmlns:a16="http://schemas.microsoft.com/office/drawing/2014/main" id="{EA45FAF2-4DCC-0187-9360-4C6E0EDAEB2C}"/>
-              </a:ext>
-            </a:extLst>
-          </p:cNvPr>
+          <p:cNvPr id="2" name="Title 1"/>
           <p:cNvSpPr>
             <a:spLocks noGrp="1"/>
           </p:cNvSpPr>
@@ -1925,18 +1703,13 @@
               <a:rPr lang="en-US"/>
               <a:t>Click to edit Master title style</a:t>
             </a:r>
-          </a:p>
-        </p:txBody>
-      </p:sp>
-      <p:sp>
-        <p:nvSpPr>
-          <p:cNvPr id="3" name="Date Placeholder 2">
-            <a:extLst>
-              <a:ext uri="{FF2B5EF4-FFF2-40B4-BE49-F238E27FC236}">
-                <a16:creationId xmlns:a16="http://schemas.microsoft.com/office/drawing/2014/main" id="{18DC01F9-6FB7-F446-2DB5-A7104F8FB06A}"/>
-              </a:ext>
-            </a:extLst>
-          </p:cNvPr>
+            <a:endParaRPr lang="en-US" dirty="0"/>
+          </a:p>
+        </p:txBody>
+      </p:sp>
+      <p:sp>
+        <p:nvSpPr>
+          <p:cNvPr id="3" name="Date Placeholder 2"/>
           <p:cNvSpPr>
             <a:spLocks noGrp="1"/>
           </p:cNvSpPr>
@@ -1951,7 +1724,7 @@
           <a:p>
             <a:fld id="{F8362082-832E-4009-B638-D1DE76E58E97}" type="datetimeFigureOut">
               <a:rPr lang="en-US" smtClean="0"/>
-              <a:t>1/6/2023</a:t>
+              <a:t>1/12/2023</a:t>
             </a:fld>
             <a:endParaRPr lang="en-US"/>
           </a:p>
@@ -1959,13 +1732,7 @@
       </p:sp>
       <p:sp>
         <p:nvSpPr>
-          <p:cNvPr id="4" name="Footer Placeholder 3">
-            <a:extLst>
-              <a:ext uri="{FF2B5EF4-FFF2-40B4-BE49-F238E27FC236}">
-                <a16:creationId xmlns:a16="http://schemas.microsoft.com/office/drawing/2014/main" id="{5AD53587-2C45-5477-F668-694EB36C6413}"/>
-              </a:ext>
-            </a:extLst>
-          </p:cNvPr>
+          <p:cNvPr id="4" name="Footer Placeholder 3"/>
           <p:cNvSpPr>
             <a:spLocks noGrp="1"/>
           </p:cNvSpPr>
@@ -1984,13 +1751,7 @@
       </p:sp>
       <p:sp>
         <p:nvSpPr>
-          <p:cNvPr id="5" name="Slide Number Placeholder 4">
-            <a:extLst>
-              <a:ext uri="{FF2B5EF4-FFF2-40B4-BE49-F238E27FC236}">
-                <a16:creationId xmlns:a16="http://schemas.microsoft.com/office/drawing/2014/main" id="{D38A6C2F-1365-D4FD-0625-4F9550754DC8}"/>
-              </a:ext>
-            </a:extLst>
-          </p:cNvPr>
+          <p:cNvPr id="5" name="Slide Number Placeholder 4"/>
           <p:cNvSpPr>
             <a:spLocks noGrp="1"/>
           </p:cNvSpPr>
@@ -2014,7 +1775,7 @@
     </p:spTree>
     <p:extLst>
       <p:ext uri="{BB962C8B-B14F-4D97-AF65-F5344CB8AC3E}">
-        <p14:creationId xmlns:p14="http://schemas.microsoft.com/office/powerpoint/2010/main" val="3930329529"/>
+        <p14:creationId xmlns:p14="http://schemas.microsoft.com/office/powerpoint/2010/main" val="3017636632"/>
       </p:ext>
     </p:extLst>
   </p:cSld>
@@ -2043,13 +1804,7 @@
       </p:grpSpPr>
       <p:sp>
         <p:nvSpPr>
-          <p:cNvPr id="2" name="Date Placeholder 1">
-            <a:extLst>
-              <a:ext uri="{FF2B5EF4-FFF2-40B4-BE49-F238E27FC236}">
-                <a16:creationId xmlns:a16="http://schemas.microsoft.com/office/drawing/2014/main" id="{5806AB98-ED25-910F-468A-60030CFFDDEB}"/>
-              </a:ext>
-            </a:extLst>
-          </p:cNvPr>
+          <p:cNvPr id="2" name="Date Placeholder 1"/>
           <p:cNvSpPr>
             <a:spLocks noGrp="1"/>
           </p:cNvSpPr>
@@ -2064,7 +1819,7 @@
           <a:p>
             <a:fld id="{F8362082-832E-4009-B638-D1DE76E58E97}" type="datetimeFigureOut">
               <a:rPr lang="en-US" smtClean="0"/>
-              <a:t>1/6/2023</a:t>
+              <a:t>1/12/2023</a:t>
             </a:fld>
             <a:endParaRPr lang="en-US"/>
           </a:p>
@@ -2072,13 +1827,7 @@
       </p:sp>
       <p:sp>
         <p:nvSpPr>
-          <p:cNvPr id="3" name="Footer Placeholder 2">
-            <a:extLst>
-              <a:ext uri="{FF2B5EF4-FFF2-40B4-BE49-F238E27FC236}">
-                <a16:creationId xmlns:a16="http://schemas.microsoft.com/office/drawing/2014/main" id="{3ED965B7-9902-9631-B319-5C71A7A4B031}"/>
-              </a:ext>
-            </a:extLst>
-          </p:cNvPr>
+          <p:cNvPr id="3" name="Footer Placeholder 2"/>
           <p:cNvSpPr>
             <a:spLocks noGrp="1"/>
           </p:cNvSpPr>
@@ -2097,13 +1846,7 @@
       </p:sp>
       <p:sp>
         <p:nvSpPr>
-          <p:cNvPr id="4" name="Slide Number Placeholder 3">
-            <a:extLst>
-              <a:ext uri="{FF2B5EF4-FFF2-40B4-BE49-F238E27FC236}">
-                <a16:creationId xmlns:a16="http://schemas.microsoft.com/office/drawing/2014/main" id="{B98665C4-5A2F-4CAF-29D4-2B8329DEF44A}"/>
-              </a:ext>
-            </a:extLst>
-          </p:cNvPr>
+          <p:cNvPr id="4" name="Slide Number Placeholder 3"/>
           <p:cNvSpPr>
             <a:spLocks noGrp="1"/>
           </p:cNvSpPr>
@@ -2127,7 +1870,7 @@
     </p:spTree>
     <p:extLst>
       <p:ext uri="{BB962C8B-B14F-4D97-AF65-F5344CB8AC3E}">
-        <p14:creationId xmlns:p14="http://schemas.microsoft.com/office/powerpoint/2010/main" val="2769490143"/>
+        <p14:creationId xmlns:p14="http://schemas.microsoft.com/office/powerpoint/2010/main" val="561425151"/>
       </p:ext>
     </p:extLst>
   </p:cSld>
@@ -2156,13 +1899,7 @@
       </p:grpSpPr>
       <p:sp>
         <p:nvSpPr>
-          <p:cNvPr id="2" name="Title 1">
-            <a:extLst>
-              <a:ext uri="{FF2B5EF4-FFF2-40B4-BE49-F238E27FC236}">
-                <a16:creationId xmlns:a16="http://schemas.microsoft.com/office/drawing/2014/main" id="{F308030A-3709-2FB9-4ABB-5BE229B0DFD2}"/>
-              </a:ext>
-            </a:extLst>
-          </p:cNvPr>
+          <p:cNvPr id="2" name="Title 1"/>
           <p:cNvSpPr>
             <a:spLocks noGrp="1"/>
           </p:cNvSpPr>
@@ -2172,8 +1909,8 @@
         </p:nvSpPr>
         <p:spPr>
           <a:xfrm>
-            <a:off x="839788" y="457200"/>
-            <a:ext cx="3932237" cy="1600200"/>
+            <a:off x="629841" y="457200"/>
+            <a:ext cx="2949178" cy="1600200"/>
           </a:xfrm>
         </p:spPr>
         <p:txBody>
@@ -2188,18 +1925,13 @@
               <a:rPr lang="en-US"/>
               <a:t>Click to edit Master title style</a:t>
             </a:r>
-          </a:p>
-        </p:txBody>
-      </p:sp>
-      <p:sp>
-        <p:nvSpPr>
-          <p:cNvPr id="3" name="Content Placeholder 2">
-            <a:extLst>
-              <a:ext uri="{FF2B5EF4-FFF2-40B4-BE49-F238E27FC236}">
-                <a16:creationId xmlns:a16="http://schemas.microsoft.com/office/drawing/2014/main" id="{FE4A6064-8B16-1497-9275-33F59817D795}"/>
-              </a:ext>
-            </a:extLst>
-          </p:cNvPr>
+            <a:endParaRPr lang="en-US" dirty="0"/>
+          </a:p>
+        </p:txBody>
+      </p:sp>
+      <p:sp>
+        <p:nvSpPr>
+          <p:cNvPr id="3" name="Content Placeholder 2"/>
           <p:cNvSpPr>
             <a:spLocks noGrp="1"/>
           </p:cNvSpPr>
@@ -2209,8 +1941,8 @@
         </p:nvSpPr>
         <p:spPr>
           <a:xfrm>
-            <a:off x="5183188" y="987425"/>
-            <a:ext cx="6172200" cy="4873625"/>
+            <a:off x="3887391" y="987426"/>
+            <a:ext cx="4629150" cy="4873625"/>
           </a:xfrm>
         </p:spPr>
         <p:txBody>
@@ -2278,18 +2010,13 @@
               <a:rPr lang="en-US"/>
               <a:t>Fifth level</a:t>
             </a:r>
-          </a:p>
-        </p:txBody>
-      </p:sp>
-      <p:sp>
-        <p:nvSpPr>
-          <p:cNvPr id="4" name="Text Placeholder 3">
-            <a:extLst>
-              <a:ext uri="{FF2B5EF4-FFF2-40B4-BE49-F238E27FC236}">
-                <a16:creationId xmlns:a16="http://schemas.microsoft.com/office/drawing/2014/main" id="{AFFC27E8-523C-1382-7808-AC0DB3919B79}"/>
-              </a:ext>
-            </a:extLst>
-          </p:cNvPr>
+            <a:endParaRPr lang="en-US" dirty="0"/>
+          </a:p>
+        </p:txBody>
+      </p:sp>
+      <p:sp>
+        <p:nvSpPr>
+          <p:cNvPr id="4" name="Text Placeholder 3"/>
           <p:cNvSpPr>
             <a:spLocks noGrp="1"/>
           </p:cNvSpPr>
@@ -2299,8 +2026,8 @@
         </p:nvSpPr>
         <p:spPr>
           <a:xfrm>
-            <a:off x="839788" y="2057400"/>
-            <a:ext cx="3932237" cy="3811588"/>
+            <a:off x="629841" y="2057400"/>
+            <a:ext cx="2949178" cy="3811588"/>
           </a:xfrm>
         </p:spPr>
         <p:txBody>
@@ -2354,13 +2081,7 @@
       </p:sp>
       <p:sp>
         <p:nvSpPr>
-          <p:cNvPr id="5" name="Date Placeholder 4">
-            <a:extLst>
-              <a:ext uri="{FF2B5EF4-FFF2-40B4-BE49-F238E27FC236}">
-                <a16:creationId xmlns:a16="http://schemas.microsoft.com/office/drawing/2014/main" id="{18065677-7CB4-4DAD-18E9-5046798161E5}"/>
-              </a:ext>
-            </a:extLst>
-          </p:cNvPr>
+          <p:cNvPr id="5" name="Date Placeholder 4"/>
           <p:cNvSpPr>
             <a:spLocks noGrp="1"/>
           </p:cNvSpPr>
@@ -2375,7 +2096,7 @@
           <a:p>
             <a:fld id="{F8362082-832E-4009-B638-D1DE76E58E97}" type="datetimeFigureOut">
               <a:rPr lang="en-US" smtClean="0"/>
-              <a:t>1/6/2023</a:t>
+              <a:t>1/12/2023</a:t>
             </a:fld>
             <a:endParaRPr lang="en-US"/>
           </a:p>
@@ -2383,13 +2104,7 @@
       </p:sp>
       <p:sp>
         <p:nvSpPr>
-          <p:cNvPr id="6" name="Footer Placeholder 5">
-            <a:extLst>
-              <a:ext uri="{FF2B5EF4-FFF2-40B4-BE49-F238E27FC236}">
-                <a16:creationId xmlns:a16="http://schemas.microsoft.com/office/drawing/2014/main" id="{BA002667-4BB1-C9C8-51D7-33FCCFD4F763}"/>
-              </a:ext>
-            </a:extLst>
-          </p:cNvPr>
+          <p:cNvPr id="6" name="Footer Placeholder 5"/>
           <p:cNvSpPr>
             <a:spLocks noGrp="1"/>
           </p:cNvSpPr>
@@ -2408,13 +2123,7 @@
       </p:sp>
       <p:sp>
         <p:nvSpPr>
-          <p:cNvPr id="7" name="Slide Number Placeholder 6">
-            <a:extLst>
-              <a:ext uri="{FF2B5EF4-FFF2-40B4-BE49-F238E27FC236}">
-                <a16:creationId xmlns:a16="http://schemas.microsoft.com/office/drawing/2014/main" id="{C151D26C-50DD-524F-16B0-2FFB406A2C66}"/>
-              </a:ext>
-            </a:extLst>
-          </p:cNvPr>
+          <p:cNvPr id="7" name="Slide Number Placeholder 6"/>
           <p:cNvSpPr>
             <a:spLocks noGrp="1"/>
           </p:cNvSpPr>
@@ -2438,7 +2147,7 @@
     </p:spTree>
     <p:extLst>
       <p:ext uri="{BB962C8B-B14F-4D97-AF65-F5344CB8AC3E}">
-        <p14:creationId xmlns:p14="http://schemas.microsoft.com/office/powerpoint/2010/main" val="2472653431"/>
+        <p14:creationId xmlns:p14="http://schemas.microsoft.com/office/powerpoint/2010/main" val="459661228"/>
       </p:ext>
     </p:extLst>
   </p:cSld>
@@ -2467,13 +2176,7 @@
       </p:grpSpPr>
       <p:sp>
         <p:nvSpPr>
-          <p:cNvPr id="2" name="Title 1">
-            <a:extLst>
-              <a:ext uri="{FF2B5EF4-FFF2-40B4-BE49-F238E27FC236}">
-                <a16:creationId xmlns:a16="http://schemas.microsoft.com/office/drawing/2014/main" id="{AF7DC88F-A132-FE2A-1FC3-E9E61CC13647}"/>
-              </a:ext>
-            </a:extLst>
-          </p:cNvPr>
+          <p:cNvPr id="2" name="Title 1"/>
           <p:cNvSpPr>
             <a:spLocks noGrp="1"/>
           </p:cNvSpPr>
@@ -2483,8 +2186,8 @@
         </p:nvSpPr>
         <p:spPr>
           <a:xfrm>
-            <a:off x="839788" y="457200"/>
-            <a:ext cx="3932237" cy="1600200"/>
+            <a:off x="629841" y="457200"/>
+            <a:ext cx="2949178" cy="1600200"/>
           </a:xfrm>
         </p:spPr>
         <p:txBody>
@@ -2499,20 +2202,15 @@
               <a:rPr lang="en-US"/>
               <a:t>Click to edit Master title style</a:t>
             </a:r>
-          </a:p>
-        </p:txBody>
-      </p:sp>
-      <p:sp>
-        <p:nvSpPr>
-          <p:cNvPr id="3" name="Picture Placeholder 2">
-            <a:extLst>
-              <a:ext uri="{FF2B5EF4-FFF2-40B4-BE49-F238E27FC236}">
-                <a16:creationId xmlns:a16="http://schemas.microsoft.com/office/drawing/2014/main" id="{2FD12D1F-C041-7B3D-7F89-28AD8B7DA4A3}"/>
-              </a:ext>
-            </a:extLst>
-          </p:cNvPr>
-          <p:cNvSpPr>
-            <a:spLocks noGrp="1"/>
+            <a:endParaRPr lang="en-US" dirty="0"/>
+          </a:p>
+        </p:txBody>
+      </p:sp>
+      <p:sp>
+        <p:nvSpPr>
+          <p:cNvPr id="3" name="Picture Placeholder 2"/>
+          <p:cNvSpPr>
+            <a:spLocks noGrp="1" noChangeAspect="1"/>
           </p:cNvSpPr>
           <p:nvPr>
             <p:ph type="pic" idx="1"/>
@@ -2520,8 +2218,73 @@
         </p:nvSpPr>
         <p:spPr>
           <a:xfrm>
-            <a:off x="5183188" y="987425"/>
-            <a:ext cx="6172200" cy="4873625"/>
+            <a:off x="3887391" y="987426"/>
+            <a:ext cx="4629150" cy="4873625"/>
+          </a:xfrm>
+        </p:spPr>
+        <p:txBody>
+          <a:bodyPr anchor="t"/>
+          <a:lstStyle>
+            <a:lvl1pPr marL="0" indent="0">
+              <a:buNone/>
+              <a:defRPr sz="3200"/>
+            </a:lvl1pPr>
+            <a:lvl2pPr marL="457200" indent="0">
+              <a:buNone/>
+              <a:defRPr sz="2800"/>
+            </a:lvl2pPr>
+            <a:lvl3pPr marL="914400" indent="0">
+              <a:buNone/>
+              <a:defRPr sz="2400"/>
+            </a:lvl3pPr>
+            <a:lvl4pPr marL="1371600" indent="0">
+              <a:buNone/>
+              <a:defRPr sz="2000"/>
+            </a:lvl4pPr>
+            <a:lvl5pPr marL="1828800" indent="0">
+              <a:buNone/>
+              <a:defRPr sz="2000"/>
+            </a:lvl5pPr>
+            <a:lvl6pPr marL="2286000" indent="0">
+              <a:buNone/>
+              <a:defRPr sz="2000"/>
+            </a:lvl6pPr>
+            <a:lvl7pPr marL="2743200" indent="0">
+              <a:buNone/>
+              <a:defRPr sz="2000"/>
+            </a:lvl7pPr>
+            <a:lvl8pPr marL="3200400" indent="0">
+              <a:buNone/>
+              <a:defRPr sz="2000"/>
+            </a:lvl8pPr>
+            <a:lvl9pPr marL="3657600" indent="0">
+              <a:buNone/>
+              <a:defRPr sz="2000"/>
+            </a:lvl9pPr>
+          </a:lstStyle>
+          <a:p>
+            <a:r>
+              <a:rPr lang="en-US"/>
+              <a:t>Click icon to add picture</a:t>
+            </a:r>
+            <a:endParaRPr lang="en-US" dirty="0"/>
+          </a:p>
+        </p:txBody>
+      </p:sp>
+      <p:sp>
+        <p:nvSpPr>
+          <p:cNvPr id="4" name="Text Placeholder 3"/>
+          <p:cNvSpPr>
+            <a:spLocks noGrp="1"/>
+          </p:cNvSpPr>
+          <p:nvPr>
+            <p:ph type="body" sz="half" idx="2"/>
+          </p:nvPr>
+        </p:nvSpPr>
+        <p:spPr>
+          <a:xfrm>
+            <a:off x="629841" y="2057400"/>
+            <a:ext cx="2949178" cy="3811588"/>
           </a:xfrm>
         </p:spPr>
         <p:txBody>
@@ -2529,73 +2292,6 @@
           <a:lstStyle>
             <a:lvl1pPr marL="0" indent="0">
               <a:buNone/>
-              <a:defRPr sz="3200"/>
-            </a:lvl1pPr>
-            <a:lvl2pPr marL="457200" indent="0">
-              <a:buNone/>
-              <a:defRPr sz="2800"/>
-            </a:lvl2pPr>
-            <a:lvl3pPr marL="914400" indent="0">
-              <a:buNone/>
-              <a:defRPr sz="2400"/>
-            </a:lvl3pPr>
-            <a:lvl4pPr marL="1371600" indent="0">
-              <a:buNone/>
-              <a:defRPr sz="2000"/>
-            </a:lvl4pPr>
-            <a:lvl5pPr marL="1828800" indent="0">
-              <a:buNone/>
-              <a:defRPr sz="2000"/>
-            </a:lvl5pPr>
-            <a:lvl6pPr marL="2286000" indent="0">
-              <a:buNone/>
-              <a:defRPr sz="2000"/>
-            </a:lvl6pPr>
-            <a:lvl7pPr marL="2743200" indent="0">
-              <a:buNone/>
-              <a:defRPr sz="2000"/>
-            </a:lvl7pPr>
-            <a:lvl8pPr marL="3200400" indent="0">
-              <a:buNone/>
-              <a:defRPr sz="2000"/>
-            </a:lvl8pPr>
-            <a:lvl9pPr marL="3657600" indent="0">
-              <a:buNone/>
-              <a:defRPr sz="2000"/>
-            </a:lvl9pPr>
-          </a:lstStyle>
-          <a:p>
-            <a:endParaRPr lang="en-US"/>
-          </a:p>
-        </p:txBody>
-      </p:sp>
-      <p:sp>
-        <p:nvSpPr>
-          <p:cNvPr id="4" name="Text Placeholder 3">
-            <a:extLst>
-              <a:ext uri="{FF2B5EF4-FFF2-40B4-BE49-F238E27FC236}">
-                <a16:creationId xmlns:a16="http://schemas.microsoft.com/office/drawing/2014/main" id="{1C14D853-81EC-4BB5-D4F5-13EC8993A8F7}"/>
-              </a:ext>
-            </a:extLst>
-          </p:cNvPr>
-          <p:cNvSpPr>
-            <a:spLocks noGrp="1"/>
-          </p:cNvSpPr>
-          <p:nvPr>
-            <p:ph type="body" sz="half" idx="2"/>
-          </p:nvPr>
-        </p:nvSpPr>
-        <p:spPr>
-          <a:xfrm>
-            <a:off x="839788" y="2057400"/>
-            <a:ext cx="3932237" cy="3811588"/>
-          </a:xfrm>
-        </p:spPr>
-        <p:txBody>
-          <a:bodyPr/>
-          <a:lstStyle>
-            <a:lvl1pPr marL="0" indent="0">
-              <a:buNone/>
               <a:defRPr sz="1600"/>
             </a:lvl1pPr>
             <a:lvl2pPr marL="457200" indent="0">
@@ -2642,13 +2338,7 @@
       </p:sp>
       <p:sp>
         <p:nvSpPr>
-          <p:cNvPr id="5" name="Date Placeholder 4">
-            <a:extLst>
-              <a:ext uri="{FF2B5EF4-FFF2-40B4-BE49-F238E27FC236}">
-                <a16:creationId xmlns:a16="http://schemas.microsoft.com/office/drawing/2014/main" id="{C82298A4-7312-0F8B-21DE-9E689A151B43}"/>
-              </a:ext>
-            </a:extLst>
-          </p:cNvPr>
+          <p:cNvPr id="5" name="Date Placeholder 4"/>
           <p:cNvSpPr>
             <a:spLocks noGrp="1"/>
           </p:cNvSpPr>
@@ -2663,7 +2353,7 @@
           <a:p>
             <a:fld id="{F8362082-832E-4009-B638-D1DE76E58E97}" type="datetimeFigureOut">
               <a:rPr lang="en-US" smtClean="0"/>
-              <a:t>1/6/2023</a:t>
+              <a:t>1/12/2023</a:t>
             </a:fld>
             <a:endParaRPr lang="en-US"/>
           </a:p>
@@ -2671,13 +2361,7 @@
       </p:sp>
       <p:sp>
         <p:nvSpPr>
-          <p:cNvPr id="6" name="Footer Placeholder 5">
-            <a:extLst>
-              <a:ext uri="{FF2B5EF4-FFF2-40B4-BE49-F238E27FC236}">
-                <a16:creationId xmlns:a16="http://schemas.microsoft.com/office/drawing/2014/main" id="{7A71607F-8222-D538-5D2B-3A8398DB20A0}"/>
-              </a:ext>
-            </a:extLst>
-          </p:cNvPr>
+          <p:cNvPr id="6" name="Footer Placeholder 5"/>
           <p:cNvSpPr>
             <a:spLocks noGrp="1"/>
           </p:cNvSpPr>
@@ -2696,13 +2380,7 @@
       </p:sp>
       <p:sp>
         <p:nvSpPr>
-          <p:cNvPr id="7" name="Slide Number Placeholder 6">
-            <a:extLst>
-              <a:ext uri="{FF2B5EF4-FFF2-40B4-BE49-F238E27FC236}">
-                <a16:creationId xmlns:a16="http://schemas.microsoft.com/office/drawing/2014/main" id="{A29914F3-56CD-11E0-2A7A-EAD0E3C4931A}"/>
-              </a:ext>
-            </a:extLst>
-          </p:cNvPr>
+          <p:cNvPr id="7" name="Slide Number Placeholder 6"/>
           <p:cNvSpPr>
             <a:spLocks noGrp="1"/>
           </p:cNvSpPr>
@@ -2726,7 +2404,7 @@
     </p:spTree>
     <p:extLst>
       <p:ext uri="{BB962C8B-B14F-4D97-AF65-F5344CB8AC3E}">
-        <p14:creationId xmlns:p14="http://schemas.microsoft.com/office/powerpoint/2010/main" val="2406905603"/>
+        <p14:creationId xmlns:p14="http://schemas.microsoft.com/office/powerpoint/2010/main" val="1816442715"/>
       </p:ext>
     </p:extLst>
   </p:cSld>
@@ -2760,13 +2438,7 @@
       </p:grpSpPr>
       <p:sp>
         <p:nvSpPr>
-          <p:cNvPr id="2" name="Title Placeholder 1">
-            <a:extLst>
-              <a:ext uri="{FF2B5EF4-FFF2-40B4-BE49-F238E27FC236}">
-                <a16:creationId xmlns:a16="http://schemas.microsoft.com/office/drawing/2014/main" id="{28D2E6AC-CB9B-3AA6-FBC3-5EBD80CB505F}"/>
-              </a:ext>
-            </a:extLst>
-          </p:cNvPr>
+          <p:cNvPr id="2" name="Title Placeholder 1"/>
           <p:cNvSpPr>
             <a:spLocks noGrp="1"/>
           </p:cNvSpPr>
@@ -2776,8 +2448,8 @@
         </p:nvSpPr>
         <p:spPr>
           <a:xfrm>
-            <a:off x="838200" y="365125"/>
-            <a:ext cx="10515600" cy="1325563"/>
+            <a:off x="628650" y="365126"/>
+            <a:ext cx="7886700" cy="1325563"/>
           </a:xfrm>
           <a:prstGeom prst="rect">
             <a:avLst/>
@@ -2793,18 +2465,13 @@
               <a:rPr lang="en-US"/>
               <a:t>Click to edit Master title style</a:t>
             </a:r>
-          </a:p>
-        </p:txBody>
-      </p:sp>
-      <p:sp>
-        <p:nvSpPr>
-          <p:cNvPr id="3" name="Text Placeholder 2">
-            <a:extLst>
-              <a:ext uri="{FF2B5EF4-FFF2-40B4-BE49-F238E27FC236}">
-                <a16:creationId xmlns:a16="http://schemas.microsoft.com/office/drawing/2014/main" id="{88E608B7-5F90-CB7A-9D6A-CE4783FDFA99}"/>
-              </a:ext>
-            </a:extLst>
-          </p:cNvPr>
+            <a:endParaRPr lang="en-US" dirty="0"/>
+          </a:p>
+        </p:txBody>
+      </p:sp>
+      <p:sp>
+        <p:nvSpPr>
+          <p:cNvPr id="3" name="Text Placeholder 2"/>
           <p:cNvSpPr>
             <a:spLocks noGrp="1"/>
           </p:cNvSpPr>
@@ -2814,8 +2481,8 @@
         </p:nvSpPr>
         <p:spPr>
           <a:xfrm>
-            <a:off x="838200" y="1825625"/>
-            <a:ext cx="10515600" cy="4351338"/>
+            <a:off x="628650" y="1825625"/>
+            <a:ext cx="7886700" cy="4351338"/>
           </a:xfrm>
           <a:prstGeom prst="rect">
             <a:avLst/>
@@ -2860,18 +2527,13 @@
               <a:rPr lang="en-US"/>
               <a:t>Fifth level</a:t>
             </a:r>
-          </a:p>
-        </p:txBody>
-      </p:sp>
-      <p:sp>
-        <p:nvSpPr>
-          <p:cNvPr id="4" name="Date Placeholder 3">
-            <a:extLst>
-              <a:ext uri="{FF2B5EF4-FFF2-40B4-BE49-F238E27FC236}">
-                <a16:creationId xmlns:a16="http://schemas.microsoft.com/office/drawing/2014/main" id="{E043301A-4F87-6944-05D9-8D95E4A3D474}"/>
-              </a:ext>
-            </a:extLst>
-          </p:cNvPr>
+            <a:endParaRPr lang="en-US" dirty="0"/>
+          </a:p>
+        </p:txBody>
+      </p:sp>
+      <p:sp>
+        <p:nvSpPr>
+          <p:cNvPr id="4" name="Date Placeholder 3"/>
           <p:cNvSpPr>
             <a:spLocks noGrp="1"/>
           </p:cNvSpPr>
@@ -2881,8 +2543,8 @@
         </p:nvSpPr>
         <p:spPr>
           <a:xfrm>
-            <a:off x="838200" y="6356350"/>
-            <a:ext cx="2743200" cy="365125"/>
+            <a:off x="628650" y="6356351"/>
+            <a:ext cx="2057400" cy="365125"/>
           </a:xfrm>
           <a:prstGeom prst="rect">
             <a:avLst/>
@@ -2904,7 +2566,7 @@
           <a:p>
             <a:fld id="{F8362082-832E-4009-B638-D1DE76E58E97}" type="datetimeFigureOut">
               <a:rPr lang="en-US" smtClean="0"/>
-              <a:t>1/6/2023</a:t>
+              <a:t>1/12/2023</a:t>
             </a:fld>
             <a:endParaRPr lang="en-US"/>
           </a:p>
@@ -2912,13 +2574,7 @@
       </p:sp>
       <p:sp>
         <p:nvSpPr>
-          <p:cNvPr id="5" name="Footer Placeholder 4">
-            <a:extLst>
-              <a:ext uri="{FF2B5EF4-FFF2-40B4-BE49-F238E27FC236}">
-                <a16:creationId xmlns:a16="http://schemas.microsoft.com/office/drawing/2014/main" id="{60BDF46F-01B9-FC40-3F89-920CE447B3F6}"/>
-              </a:ext>
-            </a:extLst>
-          </p:cNvPr>
+          <p:cNvPr id="5" name="Footer Placeholder 4"/>
           <p:cNvSpPr>
             <a:spLocks noGrp="1"/>
           </p:cNvSpPr>
@@ -2928,8 +2584,8 @@
         </p:nvSpPr>
         <p:spPr>
           <a:xfrm>
-            <a:off x="4038600" y="6356350"/>
-            <a:ext cx="4114800" cy="365125"/>
+            <a:off x="3028950" y="6356351"/>
+            <a:ext cx="3086100" cy="365125"/>
           </a:xfrm>
           <a:prstGeom prst="rect">
             <a:avLst/>
@@ -2955,13 +2611,7 @@
       </p:sp>
       <p:sp>
         <p:nvSpPr>
-          <p:cNvPr id="6" name="Slide Number Placeholder 5">
-            <a:extLst>
-              <a:ext uri="{FF2B5EF4-FFF2-40B4-BE49-F238E27FC236}">
-                <a16:creationId xmlns:a16="http://schemas.microsoft.com/office/drawing/2014/main" id="{AEF23185-359A-05ED-CE32-440E6CE0100E}"/>
-              </a:ext>
-            </a:extLst>
-          </p:cNvPr>
+          <p:cNvPr id="6" name="Slide Number Placeholder 5"/>
           <p:cNvSpPr>
             <a:spLocks noGrp="1"/>
           </p:cNvSpPr>
@@ -2971,8 +2621,8 @@
         </p:nvSpPr>
         <p:spPr>
           <a:xfrm>
-            <a:off x="8610600" y="6356350"/>
-            <a:ext cx="2743200" cy="365125"/>
+            <a:off x="6457950" y="6356351"/>
+            <a:ext cx="2057400" cy="365125"/>
           </a:xfrm>
           <a:prstGeom prst="rect">
             <a:avLst/>
@@ -3003,23 +2653,23 @@
     </p:spTree>
     <p:extLst>
       <p:ext uri="{BB962C8B-B14F-4D97-AF65-F5344CB8AC3E}">
-        <p14:creationId xmlns:p14="http://schemas.microsoft.com/office/powerpoint/2010/main" val="1816502612"/>
+        <p14:creationId xmlns:p14="http://schemas.microsoft.com/office/powerpoint/2010/main" val="935706543"/>
       </p:ext>
     </p:extLst>
   </p:cSld>
   <p:clrMap bg1="lt1" tx1="dk1" bg2="lt2" tx2="dk2" accent1="accent1" accent2="accent2" accent3="accent3" accent4="accent4" accent5="accent5" accent6="accent6" hlink="hlink" folHlink="folHlink"/>
   <p:sldLayoutIdLst>
-    <p:sldLayoutId id="2147483649" r:id="rId1"/>
-    <p:sldLayoutId id="2147483650" r:id="rId2"/>
-    <p:sldLayoutId id="2147483651" r:id="rId3"/>
-    <p:sldLayoutId id="2147483652" r:id="rId4"/>
-    <p:sldLayoutId id="2147483653" r:id="rId5"/>
-    <p:sldLayoutId id="2147483654" r:id="rId6"/>
-    <p:sldLayoutId id="2147483655" r:id="rId7"/>
-    <p:sldLayoutId id="2147483656" r:id="rId8"/>
-    <p:sldLayoutId id="2147483657" r:id="rId9"/>
-    <p:sldLayoutId id="2147483658" r:id="rId10"/>
-    <p:sldLayoutId id="2147483659" r:id="rId11"/>
+    <p:sldLayoutId id="2147483661" r:id="rId1"/>
+    <p:sldLayoutId id="2147483662" r:id="rId2"/>
+    <p:sldLayoutId id="2147483663" r:id="rId3"/>
+    <p:sldLayoutId id="2147483664" r:id="rId4"/>
+    <p:sldLayoutId id="2147483665" r:id="rId5"/>
+    <p:sldLayoutId id="2147483666" r:id="rId6"/>
+    <p:sldLayoutId id="2147483667" r:id="rId7"/>
+    <p:sldLayoutId id="2147483668" r:id="rId8"/>
+    <p:sldLayoutId id="2147483669" r:id="rId9"/>
+    <p:sldLayoutId id="2147483670" r:id="rId10"/>
+    <p:sldLayoutId id="2147483671" r:id="rId11"/>
   </p:sldLayoutIdLst>
   <p:txStyles>
     <p:titleStyle>
@@ -3335,7 +2985,7 @@
         </p:nvGrpSpPr>
         <p:grpSpPr>
           <a:xfrm>
-            <a:off x="2733870" y="877077"/>
+            <a:off x="1209870" y="877078"/>
             <a:ext cx="5943600" cy="4186555"/>
             <a:chOff x="0" y="0"/>
             <a:chExt cx="5943600" cy="4186555"/>
@@ -3432,17 +3082,13 @@
               </a:bodyPr>
               <a:lstStyle/>
               <a:p>
-                <a:pPr marL="0" marR="0" algn="ctr">
+                <a:pPr algn="ctr">
                   <a:spcBef>
                     <a:spcPts val="600"/>
                   </a:spcBef>
-                  <a:spcAft>
-                    <a:spcPts val="0"/>
-                  </a:spcAft>
                 </a:pPr>
                 <a:r>
                   <a:rPr lang="en-US" sz="1200">
-                    <a:effectLst/>
                     <a:latin typeface="Times New Roman" panose="02020603050405020304" pitchFamily="18" charset="0"/>
                     <a:ea typeface="Times New Roman" panose="02020603050405020304" pitchFamily="18" charset="0"/>
                   </a:rPr>
@@ -3510,27 +3156,18 @@
               </a:bodyPr>
               <a:lstStyle/>
               <a:p>
-                <a:pPr marL="0" marR="0" algn="ctr">
-                  <a:spcBef>
-                    <a:spcPts val="0"/>
-                  </a:spcBef>
-                  <a:spcAft>
-                    <a:spcPts val="0"/>
-                  </a:spcAft>
-                </a:pPr>
+                <a:pPr algn="ctr"/>
                 <a:r>
                   <a:rPr lang="en-US" sz="1000" b="1">
                     <a:solidFill>
                       <a:srgbClr val="0D0D0D"/>
                     </a:solidFill>
-                    <a:effectLst/>
                     <a:latin typeface="Times New Roman" panose="02020603050405020304" pitchFamily="18" charset="0"/>
                     <a:ea typeface="Arial Unicode MS" panose="020B0604020202020204" pitchFamily="34" charset="-128"/>
                   </a:rPr>
                   <a:t>Clinical Data Source</a:t>
                 </a:r>
                 <a:endParaRPr lang="en-US" sz="1200">
-                  <a:effectLst/>
                   <a:latin typeface="Times New Roman" panose="02020603050405020304" pitchFamily="18" charset="0"/>
                   <a:ea typeface="Times New Roman" panose="02020603050405020304" pitchFamily="18" charset="0"/>
                 </a:endParaRPr>
@@ -3637,14 +3274,14 @@
                 </a:ln>
                 <a:extLst>
                   <a:ext uri="{909E8E84-426E-40dd-AFC4-6F175D3DCCD1}">
-                    <a14:hiddenFill xmlns:wpc="http://schemas.microsoft.com/office/word/2010/wordprocessingCanvas" xmlns:mc="http://schemas.openxmlformats.org/markup-compatibility/2006" xmlns:m="http://schemas.openxmlformats.org/officeDocument/2006/math" xmlns:wp14="http://schemas.microsoft.com/office/word/2010/wordprocessingDrawing" xmlns:wp="http://schemas.openxmlformats.org/drawingml/2006/wordprocessingDrawing" xmlns:w14="http://schemas.microsoft.com/office/word/2010/wordml" xmlns:w15="http://schemas.microsoft.com/office/word/2012/wordml" xmlns:wpg="http://schemas.microsoft.com/office/word/2010/wordprocessingGroup" xmlns:wpi="http://schemas.microsoft.com/office/word/2010/wordprocessingInk" xmlns:wne="http://schemas.microsoft.com/office/word/2006/wordml" xmlns:wps="http://schemas.microsoft.com/office/word/2010/wordprocessingShape" xmlns:cx="http://schemas.microsoft.com/office/drawing/2014/chartex" xmlns:cx1="http://schemas.microsoft.com/office/drawing/2015/9/8/chartex" xmlns:cx2="http://schemas.microsoft.com/office/drawing/2015/10/21/chartex" xmlns:cx3="http://schemas.microsoft.com/office/drawing/2016/5/9/chartex" xmlns:cx4="http://schemas.microsoft.com/office/drawing/2016/5/10/chartex" xmlns:cx5="http://schemas.microsoft.com/office/drawing/2016/5/11/chartex" xmlns:cx6="http://schemas.microsoft.com/office/drawing/2016/5/12/chartex" xmlns:cx7="http://schemas.microsoft.com/office/drawing/2016/5/13/chartex" xmlns:cx8="http://schemas.microsoft.com/office/drawing/2016/5/14/chartex" xmlns:aink="http://schemas.microsoft.com/office/drawing/2016/ink" xmlns:am3d="http://schemas.microsoft.com/office/drawing/2017/model3d" xmlns:w16cid="http://schemas.microsoft.com/office/word/2016/wordml/cid" xmlns:w16se="http://schemas.microsoft.com/office/word/2015/wordml/symex" xmlns:a14="http://schemas.microsoft.com/office/drawing/2010/main" xmlns:w="http://schemas.openxmlformats.org/wordprocessingml/2006/main" xmlns:w10="urn:schemas-microsoft-com:office:word" xmlns:v="urn:schemas-microsoft-com:vml" xmlns:o="urn:schemas-microsoft-com:office:office" xmlns:mv="urn:schemas-microsoft-com:mac:vml" xmlns:mo="http://schemas.microsoft.com/office/mac/office/2008/main" xmlns="" xmlns:arto="http://schemas.microsoft.com/office/word/2006/arto" xmlns:lc="http://schemas.openxmlformats.org/drawingml/2006/lockedCanvas">
+                    <a14:hiddenFill xmlns:lc="http://schemas.openxmlformats.org/drawingml/2006/lockedCanvas" xmlns:arto="http://schemas.microsoft.com/office/word/2006/arto" xmlns="" xmlns:mo="http://schemas.microsoft.com/office/mac/office/2008/main" xmlns:mv="urn:schemas-microsoft-com:mac:vml" xmlns:o="urn:schemas-microsoft-com:office:office" xmlns:v="urn:schemas-microsoft-com:vml" xmlns:w10="urn:schemas-microsoft-com:office:word" xmlns:w="http://schemas.openxmlformats.org/wordprocessingml/2006/main" xmlns:a14="http://schemas.microsoft.com/office/drawing/2010/main" xmlns:w16se="http://schemas.microsoft.com/office/word/2015/wordml/symex" xmlns:w16cid="http://schemas.microsoft.com/office/word/2016/wordml/cid" xmlns:am3d="http://schemas.microsoft.com/office/drawing/2017/model3d" xmlns:aink="http://schemas.microsoft.com/office/drawing/2016/ink" xmlns:cx8="http://schemas.microsoft.com/office/drawing/2016/5/14/chartex" xmlns:cx7="http://schemas.microsoft.com/office/drawing/2016/5/13/chartex" xmlns:cx6="http://schemas.microsoft.com/office/drawing/2016/5/12/chartex" xmlns:cx5="http://schemas.microsoft.com/office/drawing/2016/5/11/chartex" xmlns:cx4="http://schemas.microsoft.com/office/drawing/2016/5/10/chartex" xmlns:cx3="http://schemas.microsoft.com/office/drawing/2016/5/9/chartex" xmlns:cx2="http://schemas.microsoft.com/office/drawing/2015/10/21/chartex" xmlns:cx1="http://schemas.microsoft.com/office/drawing/2015/9/8/chartex" xmlns:cx="http://schemas.microsoft.com/office/drawing/2014/chartex" xmlns:wps="http://schemas.microsoft.com/office/word/2010/wordprocessingShape" xmlns:wne="http://schemas.microsoft.com/office/word/2006/wordml" xmlns:wpi="http://schemas.microsoft.com/office/word/2010/wordprocessingInk" xmlns:wpg="http://schemas.microsoft.com/office/word/2010/wordprocessingGroup" xmlns:w15="http://schemas.microsoft.com/office/word/2012/wordml" xmlns:w14="http://schemas.microsoft.com/office/word/2010/wordml" xmlns:wp="http://schemas.openxmlformats.org/drawingml/2006/wordprocessingDrawing" xmlns:wp14="http://schemas.microsoft.com/office/word/2010/wordprocessingDrawing" xmlns:m="http://schemas.openxmlformats.org/officeDocument/2006/math" xmlns:mc="http://schemas.openxmlformats.org/markup-compatibility/2006" xmlns:wpc="http://schemas.microsoft.com/office/word/2010/wordprocessingCanvas">
                       <a:solidFill>
                         <a:srgbClr val="FFFFFF"/>
                       </a:solidFill>
                     </a14:hiddenFill>
                   </a:ext>
                   <a:ext uri="{91240B29-F687-4f45-9708-019B960494DF}">
-                    <a14:hiddenLine xmlns:wpc="http://schemas.microsoft.com/office/word/2010/wordprocessingCanvas" xmlns:mc="http://schemas.openxmlformats.org/markup-compatibility/2006" xmlns:m="http://schemas.openxmlformats.org/officeDocument/2006/math" xmlns:wp14="http://schemas.microsoft.com/office/word/2010/wordprocessingDrawing" xmlns:wp="http://schemas.openxmlformats.org/drawingml/2006/wordprocessingDrawing" xmlns:w14="http://schemas.microsoft.com/office/word/2010/wordml" xmlns:w15="http://schemas.microsoft.com/office/word/2012/wordml" xmlns:wpg="http://schemas.microsoft.com/office/word/2010/wordprocessingGroup" xmlns:wpi="http://schemas.microsoft.com/office/word/2010/wordprocessingInk" xmlns:wne="http://schemas.microsoft.com/office/word/2006/wordml" xmlns:wps="http://schemas.microsoft.com/office/word/2010/wordprocessingShape" xmlns:cx="http://schemas.microsoft.com/office/drawing/2014/chartex" xmlns:cx1="http://schemas.microsoft.com/office/drawing/2015/9/8/chartex" xmlns:cx2="http://schemas.microsoft.com/office/drawing/2015/10/21/chartex" xmlns:cx3="http://schemas.microsoft.com/office/drawing/2016/5/9/chartex" xmlns:cx4="http://schemas.microsoft.com/office/drawing/2016/5/10/chartex" xmlns:cx5="http://schemas.microsoft.com/office/drawing/2016/5/11/chartex" xmlns:cx6="http://schemas.microsoft.com/office/drawing/2016/5/12/chartex" xmlns:cx7="http://schemas.microsoft.com/office/drawing/2016/5/13/chartex" xmlns:cx8="http://schemas.microsoft.com/office/drawing/2016/5/14/chartex" xmlns:aink="http://schemas.microsoft.com/office/drawing/2016/ink" xmlns:am3d="http://schemas.microsoft.com/office/drawing/2017/model3d" xmlns:w16cid="http://schemas.microsoft.com/office/word/2016/wordml/cid" xmlns:w16se="http://schemas.microsoft.com/office/word/2015/wordml/symex" xmlns:a14="http://schemas.microsoft.com/office/drawing/2010/main" xmlns:w="http://schemas.openxmlformats.org/wordprocessingml/2006/main" xmlns:w10="urn:schemas-microsoft-com:office:word" xmlns:v="urn:schemas-microsoft-com:vml" xmlns:o="urn:schemas-microsoft-com:office:office" xmlns:mv="urn:schemas-microsoft-com:mac:vml" xmlns:mo="http://schemas.microsoft.com/office/mac/office/2008/main" xmlns="" xmlns:arto="http://schemas.microsoft.com/office/word/2006/arto" xmlns:lc="http://schemas.openxmlformats.org/drawingml/2006/lockedCanvas" w="19050">
+                    <a14:hiddenLine xmlns:lc="http://schemas.openxmlformats.org/drawingml/2006/lockedCanvas" xmlns:arto="http://schemas.microsoft.com/office/word/2006/arto" xmlns="" xmlns:mo="http://schemas.microsoft.com/office/mac/office/2008/main" xmlns:mv="urn:schemas-microsoft-com:mac:vml" xmlns:o="urn:schemas-microsoft-com:office:office" xmlns:v="urn:schemas-microsoft-com:vml" xmlns:w10="urn:schemas-microsoft-com:office:word" xmlns:w="http://schemas.openxmlformats.org/wordprocessingml/2006/main" xmlns:a14="http://schemas.microsoft.com/office/drawing/2010/main" xmlns:w16se="http://schemas.microsoft.com/office/word/2015/wordml/symex" xmlns:w16cid="http://schemas.microsoft.com/office/word/2016/wordml/cid" xmlns:am3d="http://schemas.microsoft.com/office/drawing/2017/model3d" xmlns:aink="http://schemas.microsoft.com/office/drawing/2016/ink" xmlns:cx8="http://schemas.microsoft.com/office/drawing/2016/5/14/chartex" xmlns:cx7="http://schemas.microsoft.com/office/drawing/2016/5/13/chartex" xmlns:cx6="http://schemas.microsoft.com/office/drawing/2016/5/12/chartex" xmlns:cx5="http://schemas.microsoft.com/office/drawing/2016/5/11/chartex" xmlns:cx4="http://schemas.microsoft.com/office/drawing/2016/5/10/chartex" xmlns:cx3="http://schemas.microsoft.com/office/drawing/2016/5/9/chartex" xmlns:cx2="http://schemas.microsoft.com/office/drawing/2015/10/21/chartex" xmlns:cx1="http://schemas.microsoft.com/office/drawing/2015/9/8/chartex" xmlns:cx="http://schemas.microsoft.com/office/drawing/2014/chartex" xmlns:wps="http://schemas.microsoft.com/office/word/2010/wordprocessingShape" xmlns:wne="http://schemas.microsoft.com/office/word/2006/wordml" xmlns:wpi="http://schemas.microsoft.com/office/word/2010/wordprocessingInk" xmlns:wpg="http://schemas.microsoft.com/office/word/2010/wordprocessingGroup" xmlns:w15="http://schemas.microsoft.com/office/word/2012/wordml" xmlns:w14="http://schemas.microsoft.com/office/word/2010/wordml" xmlns:wp="http://schemas.openxmlformats.org/drawingml/2006/wordprocessingDrawing" xmlns:wp14="http://schemas.microsoft.com/office/word/2010/wordprocessingDrawing" xmlns:m="http://schemas.openxmlformats.org/officeDocument/2006/math" xmlns:mc="http://schemas.openxmlformats.org/markup-compatibility/2006" xmlns:wpc="http://schemas.microsoft.com/office/word/2010/wordprocessingCanvas" w="19050">
                       <a:solidFill>
                         <a:srgbClr val="000000"/>
                       </a:solidFill>
@@ -3661,17 +3298,9 @@
                 </a:bodyPr>
                 <a:lstStyle/>
                 <a:p>
-                  <a:pPr marL="0" marR="0" algn="ctr">
-                    <a:spcBef>
-                      <a:spcPts val="0"/>
-                    </a:spcBef>
-                    <a:spcAft>
-                      <a:spcPts val="0"/>
-                    </a:spcAft>
-                  </a:pPr>
+                  <a:pPr algn="ctr"/>
                   <a:r>
                     <a:rPr lang="en-US" sz="1000" b="1">
-                      <a:effectLst/>
                       <a:latin typeface="Times New Roman" panose="02020603050405020304" pitchFamily="18" charset="0"/>
                       <a:ea typeface="Arial Unicode MS" panose="020B0604020202020204" pitchFamily="34" charset="-128"/>
                     </a:rPr>
@@ -3679,21 +3308,18 @@
                   </a:r>
                   <a:br>
                     <a:rPr lang="en-US" sz="1000" b="1">
-                      <a:effectLst/>
                       <a:latin typeface="Times New Roman" panose="02020603050405020304" pitchFamily="18" charset="0"/>
                       <a:ea typeface="Arial Unicode MS" panose="020B0604020202020204" pitchFamily="34" charset="-128"/>
                     </a:rPr>
                   </a:br>
                   <a:r>
                     <a:rPr lang="en-US" sz="1000" b="1">
-                      <a:effectLst/>
                       <a:latin typeface="Times New Roman" panose="02020603050405020304" pitchFamily="18" charset="0"/>
                       <a:ea typeface="Arial Unicode MS" panose="020B0604020202020204" pitchFamily="34" charset="-128"/>
                     </a:rPr>
                     <a:t>Repository</a:t>
                   </a:r>
                   <a:endParaRPr lang="en-US" sz="1200">
-                    <a:effectLst/>
                     <a:latin typeface="Times New Roman" panose="02020603050405020304" pitchFamily="18" charset="0"/>
                     <a:ea typeface="Times New Roman" panose="02020603050405020304" pitchFamily="18" charset="0"/>
                   </a:endParaRPr>
@@ -3781,14 +3407,14 @@
               </a:ln>
               <a:extLst>
                 <a:ext uri="{909E8E84-426E-40dd-AFC4-6F175D3DCCD1}">
-                  <a14:hiddenFill xmlns:wpc="http://schemas.microsoft.com/office/word/2010/wordprocessingCanvas" xmlns:mc="http://schemas.openxmlformats.org/markup-compatibility/2006" xmlns:m="http://schemas.openxmlformats.org/officeDocument/2006/math" xmlns:wp14="http://schemas.microsoft.com/office/word/2010/wordprocessingDrawing" xmlns:wp="http://schemas.openxmlformats.org/drawingml/2006/wordprocessingDrawing" xmlns:w14="http://schemas.microsoft.com/office/word/2010/wordml" xmlns:w15="http://schemas.microsoft.com/office/word/2012/wordml" xmlns:wpg="http://schemas.microsoft.com/office/word/2010/wordprocessingGroup" xmlns:wpi="http://schemas.microsoft.com/office/word/2010/wordprocessingInk" xmlns:wne="http://schemas.microsoft.com/office/word/2006/wordml" xmlns:wps="http://schemas.microsoft.com/office/word/2010/wordprocessingShape" xmlns:cx="http://schemas.microsoft.com/office/drawing/2014/chartex" xmlns:cx1="http://schemas.microsoft.com/office/drawing/2015/9/8/chartex" xmlns:cx2="http://schemas.microsoft.com/office/drawing/2015/10/21/chartex" xmlns:cx3="http://schemas.microsoft.com/office/drawing/2016/5/9/chartex" xmlns:cx4="http://schemas.microsoft.com/office/drawing/2016/5/10/chartex" xmlns:cx5="http://schemas.microsoft.com/office/drawing/2016/5/11/chartex" xmlns:cx6="http://schemas.microsoft.com/office/drawing/2016/5/12/chartex" xmlns:cx7="http://schemas.microsoft.com/office/drawing/2016/5/13/chartex" xmlns:cx8="http://schemas.microsoft.com/office/drawing/2016/5/14/chartex" xmlns:aink="http://schemas.microsoft.com/office/drawing/2016/ink" xmlns:am3d="http://schemas.microsoft.com/office/drawing/2017/model3d" xmlns:w16cid="http://schemas.microsoft.com/office/word/2016/wordml/cid" xmlns:w16se="http://schemas.microsoft.com/office/word/2015/wordml/symex" xmlns:a14="http://schemas.microsoft.com/office/drawing/2010/main" xmlns:w="http://schemas.openxmlformats.org/wordprocessingml/2006/main" xmlns:w10="urn:schemas-microsoft-com:office:word" xmlns:v="urn:schemas-microsoft-com:vml" xmlns:o="urn:schemas-microsoft-com:office:office" xmlns:mv="urn:schemas-microsoft-com:mac:vml" xmlns:mo="http://schemas.microsoft.com/office/mac/office/2008/main" xmlns="" xmlns:arto="http://schemas.microsoft.com/office/word/2006/arto" xmlns:lc="http://schemas.openxmlformats.org/drawingml/2006/lockedCanvas">
+                  <a14:hiddenFill xmlns:lc="http://schemas.openxmlformats.org/drawingml/2006/lockedCanvas" xmlns:arto="http://schemas.microsoft.com/office/word/2006/arto" xmlns="" xmlns:mo="http://schemas.microsoft.com/office/mac/office/2008/main" xmlns:mv="urn:schemas-microsoft-com:mac:vml" xmlns:o="urn:schemas-microsoft-com:office:office" xmlns:v="urn:schemas-microsoft-com:vml" xmlns:w10="urn:schemas-microsoft-com:office:word" xmlns:w="http://schemas.openxmlformats.org/wordprocessingml/2006/main" xmlns:a14="http://schemas.microsoft.com/office/drawing/2010/main" xmlns:w16se="http://schemas.microsoft.com/office/word/2015/wordml/symex" xmlns:w16cid="http://schemas.microsoft.com/office/word/2016/wordml/cid" xmlns:am3d="http://schemas.microsoft.com/office/drawing/2017/model3d" xmlns:aink="http://schemas.microsoft.com/office/drawing/2016/ink" xmlns:cx8="http://schemas.microsoft.com/office/drawing/2016/5/14/chartex" xmlns:cx7="http://schemas.microsoft.com/office/drawing/2016/5/13/chartex" xmlns:cx6="http://schemas.microsoft.com/office/drawing/2016/5/12/chartex" xmlns:cx5="http://schemas.microsoft.com/office/drawing/2016/5/11/chartex" xmlns:cx4="http://schemas.microsoft.com/office/drawing/2016/5/10/chartex" xmlns:cx3="http://schemas.microsoft.com/office/drawing/2016/5/9/chartex" xmlns:cx2="http://schemas.microsoft.com/office/drawing/2015/10/21/chartex" xmlns:cx1="http://schemas.microsoft.com/office/drawing/2015/9/8/chartex" xmlns:cx="http://schemas.microsoft.com/office/drawing/2014/chartex" xmlns:wps="http://schemas.microsoft.com/office/word/2010/wordprocessingShape" xmlns:wne="http://schemas.microsoft.com/office/word/2006/wordml" xmlns:wpi="http://schemas.microsoft.com/office/word/2010/wordprocessingInk" xmlns:wpg="http://schemas.microsoft.com/office/word/2010/wordprocessingGroup" xmlns:w15="http://schemas.microsoft.com/office/word/2012/wordml" xmlns:w14="http://schemas.microsoft.com/office/word/2010/wordml" xmlns:wp="http://schemas.openxmlformats.org/drawingml/2006/wordprocessingDrawing" xmlns:wp14="http://schemas.microsoft.com/office/word/2010/wordprocessingDrawing" xmlns:m="http://schemas.openxmlformats.org/officeDocument/2006/math" xmlns:mc="http://schemas.openxmlformats.org/markup-compatibility/2006" xmlns:wpc="http://schemas.microsoft.com/office/word/2010/wordprocessingCanvas">
                     <a:solidFill>
                       <a:srgbClr val="FFFFFF"/>
                     </a:solidFill>
                   </a14:hiddenFill>
                 </a:ext>
                 <a:ext uri="{91240B29-F687-4f45-9708-019B960494DF}">
-                  <a14:hiddenLine xmlns:wpc="http://schemas.microsoft.com/office/word/2010/wordprocessingCanvas" xmlns:mc="http://schemas.openxmlformats.org/markup-compatibility/2006" xmlns:m="http://schemas.openxmlformats.org/officeDocument/2006/math" xmlns:wp14="http://schemas.microsoft.com/office/word/2010/wordprocessingDrawing" xmlns:wp="http://schemas.openxmlformats.org/drawingml/2006/wordprocessingDrawing" xmlns:w14="http://schemas.microsoft.com/office/word/2010/wordml" xmlns:w15="http://schemas.microsoft.com/office/word/2012/wordml" xmlns:wpg="http://schemas.microsoft.com/office/word/2010/wordprocessingGroup" xmlns:wpi="http://schemas.microsoft.com/office/word/2010/wordprocessingInk" xmlns:wne="http://schemas.microsoft.com/office/word/2006/wordml" xmlns:wps="http://schemas.microsoft.com/office/word/2010/wordprocessingShape" xmlns:cx="http://schemas.microsoft.com/office/drawing/2014/chartex" xmlns:cx1="http://schemas.microsoft.com/office/drawing/2015/9/8/chartex" xmlns:cx2="http://schemas.microsoft.com/office/drawing/2015/10/21/chartex" xmlns:cx3="http://schemas.microsoft.com/office/drawing/2016/5/9/chartex" xmlns:cx4="http://schemas.microsoft.com/office/drawing/2016/5/10/chartex" xmlns:cx5="http://schemas.microsoft.com/office/drawing/2016/5/11/chartex" xmlns:cx6="http://schemas.microsoft.com/office/drawing/2016/5/12/chartex" xmlns:cx7="http://schemas.microsoft.com/office/drawing/2016/5/13/chartex" xmlns:cx8="http://schemas.microsoft.com/office/drawing/2016/5/14/chartex" xmlns:aink="http://schemas.microsoft.com/office/drawing/2016/ink" xmlns:am3d="http://schemas.microsoft.com/office/drawing/2017/model3d" xmlns:w16cid="http://schemas.microsoft.com/office/word/2016/wordml/cid" xmlns:w16se="http://schemas.microsoft.com/office/word/2015/wordml/symex" xmlns:a14="http://schemas.microsoft.com/office/drawing/2010/main" xmlns:w="http://schemas.openxmlformats.org/wordprocessingml/2006/main" xmlns:w10="urn:schemas-microsoft-com:office:word" xmlns:v="urn:schemas-microsoft-com:vml" xmlns:o="urn:schemas-microsoft-com:office:office" xmlns:mv="urn:schemas-microsoft-com:mac:vml" xmlns:mo="http://schemas.microsoft.com/office/mac/office/2008/main" xmlns="" xmlns:arto="http://schemas.microsoft.com/office/word/2006/arto" xmlns:lc="http://schemas.openxmlformats.org/drawingml/2006/lockedCanvas" w="19050">
+                  <a14:hiddenLine xmlns:lc="http://schemas.openxmlformats.org/drawingml/2006/lockedCanvas" xmlns:arto="http://schemas.microsoft.com/office/word/2006/arto" xmlns="" xmlns:mo="http://schemas.microsoft.com/office/mac/office/2008/main" xmlns:mv="urn:schemas-microsoft-com:mac:vml" xmlns:o="urn:schemas-microsoft-com:office:office" xmlns:v="urn:schemas-microsoft-com:vml" xmlns:w10="urn:schemas-microsoft-com:office:word" xmlns:w="http://schemas.openxmlformats.org/wordprocessingml/2006/main" xmlns:a14="http://schemas.microsoft.com/office/drawing/2010/main" xmlns:w16se="http://schemas.microsoft.com/office/word/2015/wordml/symex" xmlns:w16cid="http://schemas.microsoft.com/office/word/2016/wordml/cid" xmlns:am3d="http://schemas.microsoft.com/office/drawing/2017/model3d" xmlns:aink="http://schemas.microsoft.com/office/drawing/2016/ink" xmlns:cx8="http://schemas.microsoft.com/office/drawing/2016/5/14/chartex" xmlns:cx7="http://schemas.microsoft.com/office/drawing/2016/5/13/chartex" xmlns:cx6="http://schemas.microsoft.com/office/drawing/2016/5/12/chartex" xmlns:cx5="http://schemas.microsoft.com/office/drawing/2016/5/11/chartex" xmlns:cx4="http://schemas.microsoft.com/office/drawing/2016/5/10/chartex" xmlns:cx3="http://schemas.microsoft.com/office/drawing/2016/5/9/chartex" xmlns:cx2="http://schemas.microsoft.com/office/drawing/2015/10/21/chartex" xmlns:cx1="http://schemas.microsoft.com/office/drawing/2015/9/8/chartex" xmlns:cx="http://schemas.microsoft.com/office/drawing/2014/chartex" xmlns:wps="http://schemas.microsoft.com/office/word/2010/wordprocessingShape" xmlns:wne="http://schemas.microsoft.com/office/word/2006/wordml" xmlns:wpi="http://schemas.microsoft.com/office/word/2010/wordprocessingInk" xmlns:wpg="http://schemas.microsoft.com/office/word/2010/wordprocessingGroup" xmlns:w15="http://schemas.microsoft.com/office/word/2012/wordml" xmlns:w14="http://schemas.microsoft.com/office/word/2010/wordml" xmlns:wp="http://schemas.openxmlformats.org/drawingml/2006/wordprocessingDrawing" xmlns:wp14="http://schemas.microsoft.com/office/word/2010/wordprocessingDrawing" xmlns:m="http://schemas.openxmlformats.org/officeDocument/2006/math" xmlns:mc="http://schemas.openxmlformats.org/markup-compatibility/2006" xmlns:wpc="http://schemas.microsoft.com/office/word/2010/wordprocessingCanvas" w="19050">
                     <a:solidFill>
                       <a:srgbClr val="000000"/>
                     </a:solidFill>
@@ -3805,47 +3431,29 @@
               </a:bodyPr>
               <a:lstStyle/>
               <a:p>
-                <a:pPr marL="0" marR="0" algn="ctr">
-                  <a:spcBef>
-                    <a:spcPts val="0"/>
-                  </a:spcBef>
-                  <a:spcAft>
-                    <a:spcPts val="0"/>
-                  </a:spcAft>
-                </a:pPr>
+                <a:pPr algn="ctr"/>
                 <a:r>
                   <a:rPr lang="it-IT" sz="1000" b="1">
-                    <a:effectLst/>
                     <a:latin typeface="Times New Roman" panose="02020603050405020304" pitchFamily="18" charset="0"/>
                     <a:ea typeface="Arial Unicode MS" panose="020B0604020202020204" pitchFamily="34" charset="-128"/>
                   </a:rPr>
                   <a:t>Document </a:t>
                 </a:r>
                 <a:endParaRPr lang="en-US" sz="1200">
-                  <a:effectLst/>
                   <a:latin typeface="Times New Roman" panose="02020603050405020304" pitchFamily="18" charset="0"/>
                   <a:ea typeface="Times New Roman" panose="02020603050405020304" pitchFamily="18" charset="0"/>
                 </a:endParaRPr>
               </a:p>
               <a:p>
-                <a:pPr marL="0" marR="0" algn="ctr">
-                  <a:spcBef>
-                    <a:spcPts val="0"/>
-                  </a:spcBef>
-                  <a:spcAft>
-                    <a:spcPts val="0"/>
-                  </a:spcAft>
-                </a:pPr>
+                <a:pPr algn="ctr"/>
                 <a:r>
                   <a:rPr lang="it-IT" sz="1000" b="1">
-                    <a:effectLst/>
                     <a:latin typeface="Times New Roman" panose="02020603050405020304" pitchFamily="18" charset="0"/>
                     <a:ea typeface="Arial Unicode MS" panose="020B0604020202020204" pitchFamily="34" charset="-128"/>
                   </a:rPr>
                   <a:t>Registry</a:t>
                 </a:r>
                 <a:endParaRPr lang="en-US" sz="1200">
-                  <a:effectLst/>
                   <a:latin typeface="Times New Roman" panose="02020603050405020304" pitchFamily="18" charset="0"/>
                   <a:ea typeface="Times New Roman" panose="02020603050405020304" pitchFamily="18" charset="0"/>
                 </a:endParaRPr>
@@ -3934,14 +3542,14 @@
               </a:ln>
               <a:extLst>
                 <a:ext uri="{909E8E84-426E-40dd-AFC4-6F175D3DCCD1}">
-                  <a14:hiddenFill xmlns:wpc="http://schemas.microsoft.com/office/word/2010/wordprocessingCanvas" xmlns:mc="http://schemas.openxmlformats.org/markup-compatibility/2006" xmlns:m="http://schemas.openxmlformats.org/officeDocument/2006/math" xmlns:wp14="http://schemas.microsoft.com/office/word/2010/wordprocessingDrawing" xmlns:wp="http://schemas.openxmlformats.org/drawingml/2006/wordprocessingDrawing" xmlns:w14="http://schemas.microsoft.com/office/word/2010/wordml" xmlns:w15="http://schemas.microsoft.com/office/word/2012/wordml" xmlns:wpg="http://schemas.microsoft.com/office/word/2010/wordprocessingGroup" xmlns:wpi="http://schemas.microsoft.com/office/word/2010/wordprocessingInk" xmlns:wne="http://schemas.microsoft.com/office/word/2006/wordml" xmlns:wps="http://schemas.microsoft.com/office/word/2010/wordprocessingShape" xmlns:cx="http://schemas.microsoft.com/office/drawing/2014/chartex" xmlns:cx1="http://schemas.microsoft.com/office/drawing/2015/9/8/chartex" xmlns:cx2="http://schemas.microsoft.com/office/drawing/2015/10/21/chartex" xmlns:cx3="http://schemas.microsoft.com/office/drawing/2016/5/9/chartex" xmlns:cx4="http://schemas.microsoft.com/office/drawing/2016/5/10/chartex" xmlns:cx5="http://schemas.microsoft.com/office/drawing/2016/5/11/chartex" xmlns:cx6="http://schemas.microsoft.com/office/drawing/2016/5/12/chartex" xmlns:cx7="http://schemas.microsoft.com/office/drawing/2016/5/13/chartex" xmlns:cx8="http://schemas.microsoft.com/office/drawing/2016/5/14/chartex" xmlns:aink="http://schemas.microsoft.com/office/drawing/2016/ink" xmlns:am3d="http://schemas.microsoft.com/office/drawing/2017/model3d" xmlns:w16cid="http://schemas.microsoft.com/office/word/2016/wordml/cid" xmlns:w16se="http://schemas.microsoft.com/office/word/2015/wordml/symex" xmlns:a14="http://schemas.microsoft.com/office/drawing/2010/main" xmlns:w="http://schemas.openxmlformats.org/wordprocessingml/2006/main" xmlns:w10="urn:schemas-microsoft-com:office:word" xmlns:v="urn:schemas-microsoft-com:vml" xmlns:o="urn:schemas-microsoft-com:office:office" xmlns:mv="urn:schemas-microsoft-com:mac:vml" xmlns:mo="http://schemas.microsoft.com/office/mac/office/2008/main" xmlns="" xmlns:arto="http://schemas.microsoft.com/office/word/2006/arto" xmlns:lc="http://schemas.openxmlformats.org/drawingml/2006/lockedCanvas">
+                  <a14:hiddenFill xmlns:lc="http://schemas.openxmlformats.org/drawingml/2006/lockedCanvas" xmlns:arto="http://schemas.microsoft.com/office/word/2006/arto" xmlns="" xmlns:mo="http://schemas.microsoft.com/office/mac/office/2008/main" xmlns:mv="urn:schemas-microsoft-com:mac:vml" xmlns:o="urn:schemas-microsoft-com:office:office" xmlns:v="urn:schemas-microsoft-com:vml" xmlns:w10="urn:schemas-microsoft-com:office:word" xmlns:w="http://schemas.openxmlformats.org/wordprocessingml/2006/main" xmlns:a14="http://schemas.microsoft.com/office/drawing/2010/main" xmlns:w16se="http://schemas.microsoft.com/office/word/2015/wordml/symex" xmlns:w16cid="http://schemas.microsoft.com/office/word/2016/wordml/cid" xmlns:am3d="http://schemas.microsoft.com/office/drawing/2017/model3d" xmlns:aink="http://schemas.microsoft.com/office/drawing/2016/ink" xmlns:cx8="http://schemas.microsoft.com/office/drawing/2016/5/14/chartex" xmlns:cx7="http://schemas.microsoft.com/office/drawing/2016/5/13/chartex" xmlns:cx6="http://schemas.microsoft.com/office/drawing/2016/5/12/chartex" xmlns:cx5="http://schemas.microsoft.com/office/drawing/2016/5/11/chartex" xmlns:cx4="http://schemas.microsoft.com/office/drawing/2016/5/10/chartex" xmlns:cx3="http://schemas.microsoft.com/office/drawing/2016/5/9/chartex" xmlns:cx2="http://schemas.microsoft.com/office/drawing/2015/10/21/chartex" xmlns:cx1="http://schemas.microsoft.com/office/drawing/2015/9/8/chartex" xmlns:cx="http://schemas.microsoft.com/office/drawing/2014/chartex" xmlns:wps="http://schemas.microsoft.com/office/word/2010/wordprocessingShape" xmlns:wne="http://schemas.microsoft.com/office/word/2006/wordml" xmlns:wpi="http://schemas.microsoft.com/office/word/2010/wordprocessingInk" xmlns:wpg="http://schemas.microsoft.com/office/word/2010/wordprocessingGroup" xmlns:w15="http://schemas.microsoft.com/office/word/2012/wordml" xmlns:w14="http://schemas.microsoft.com/office/word/2010/wordml" xmlns:wp="http://schemas.openxmlformats.org/drawingml/2006/wordprocessingDrawing" xmlns:wp14="http://schemas.microsoft.com/office/word/2010/wordprocessingDrawing" xmlns:m="http://schemas.openxmlformats.org/officeDocument/2006/math" xmlns:mc="http://schemas.openxmlformats.org/markup-compatibility/2006" xmlns:wpc="http://schemas.microsoft.com/office/word/2010/wordprocessingCanvas">
                     <a:solidFill>
                       <a:srgbClr val="FFFFFF"/>
                     </a:solidFill>
                   </a14:hiddenFill>
                 </a:ext>
                 <a:ext uri="{91240B29-F687-4f45-9708-019B960494DF}">
-                  <a14:hiddenLine xmlns:wpc="http://schemas.microsoft.com/office/word/2010/wordprocessingCanvas" xmlns:mc="http://schemas.openxmlformats.org/markup-compatibility/2006" xmlns:m="http://schemas.openxmlformats.org/officeDocument/2006/math" xmlns:wp14="http://schemas.microsoft.com/office/word/2010/wordprocessingDrawing" xmlns:wp="http://schemas.openxmlformats.org/drawingml/2006/wordprocessingDrawing" xmlns:w14="http://schemas.microsoft.com/office/word/2010/wordml" xmlns:w15="http://schemas.microsoft.com/office/word/2012/wordml" xmlns:wpg="http://schemas.microsoft.com/office/word/2010/wordprocessingGroup" xmlns:wpi="http://schemas.microsoft.com/office/word/2010/wordprocessingInk" xmlns:wne="http://schemas.microsoft.com/office/word/2006/wordml" xmlns:wps="http://schemas.microsoft.com/office/word/2010/wordprocessingShape" xmlns:cx="http://schemas.microsoft.com/office/drawing/2014/chartex" xmlns:cx1="http://schemas.microsoft.com/office/drawing/2015/9/8/chartex" xmlns:cx2="http://schemas.microsoft.com/office/drawing/2015/10/21/chartex" xmlns:cx3="http://schemas.microsoft.com/office/drawing/2016/5/9/chartex" xmlns:cx4="http://schemas.microsoft.com/office/drawing/2016/5/10/chartex" xmlns:cx5="http://schemas.microsoft.com/office/drawing/2016/5/11/chartex" xmlns:cx6="http://schemas.microsoft.com/office/drawing/2016/5/12/chartex" xmlns:cx7="http://schemas.microsoft.com/office/drawing/2016/5/13/chartex" xmlns:cx8="http://schemas.microsoft.com/office/drawing/2016/5/14/chartex" xmlns:aink="http://schemas.microsoft.com/office/drawing/2016/ink" xmlns:am3d="http://schemas.microsoft.com/office/drawing/2017/model3d" xmlns:w16cid="http://schemas.microsoft.com/office/word/2016/wordml/cid" xmlns:w16se="http://schemas.microsoft.com/office/word/2015/wordml/symex" xmlns:a14="http://schemas.microsoft.com/office/drawing/2010/main" xmlns:w="http://schemas.openxmlformats.org/wordprocessingml/2006/main" xmlns:w10="urn:schemas-microsoft-com:office:word" xmlns:v="urn:schemas-microsoft-com:vml" xmlns:o="urn:schemas-microsoft-com:office:office" xmlns:mv="urn:schemas-microsoft-com:mac:vml" xmlns:mo="http://schemas.microsoft.com/office/mac/office/2008/main" xmlns="" xmlns:arto="http://schemas.microsoft.com/office/word/2006/arto" xmlns:lc="http://schemas.openxmlformats.org/drawingml/2006/lockedCanvas" w="9525">
+                  <a14:hiddenLine xmlns:lc="http://schemas.openxmlformats.org/drawingml/2006/lockedCanvas" xmlns:arto="http://schemas.microsoft.com/office/word/2006/arto" xmlns="" xmlns:mo="http://schemas.microsoft.com/office/mac/office/2008/main" xmlns:mv="urn:schemas-microsoft-com:mac:vml" xmlns:o="urn:schemas-microsoft-com:office:office" xmlns:v="urn:schemas-microsoft-com:vml" xmlns:w10="urn:schemas-microsoft-com:office:word" xmlns:w="http://schemas.openxmlformats.org/wordprocessingml/2006/main" xmlns:a14="http://schemas.microsoft.com/office/drawing/2010/main" xmlns:w16se="http://schemas.microsoft.com/office/word/2015/wordml/symex" xmlns:w16cid="http://schemas.microsoft.com/office/word/2016/wordml/cid" xmlns:am3d="http://schemas.microsoft.com/office/drawing/2017/model3d" xmlns:aink="http://schemas.microsoft.com/office/drawing/2016/ink" xmlns:cx8="http://schemas.microsoft.com/office/drawing/2016/5/14/chartex" xmlns:cx7="http://schemas.microsoft.com/office/drawing/2016/5/13/chartex" xmlns:cx6="http://schemas.microsoft.com/office/drawing/2016/5/12/chartex" xmlns:cx5="http://schemas.microsoft.com/office/drawing/2016/5/11/chartex" xmlns:cx4="http://schemas.microsoft.com/office/drawing/2016/5/10/chartex" xmlns:cx3="http://schemas.microsoft.com/office/drawing/2016/5/9/chartex" xmlns:cx2="http://schemas.microsoft.com/office/drawing/2015/10/21/chartex" xmlns:cx1="http://schemas.microsoft.com/office/drawing/2015/9/8/chartex" xmlns:cx="http://schemas.microsoft.com/office/drawing/2014/chartex" xmlns:wps="http://schemas.microsoft.com/office/word/2010/wordprocessingShape" xmlns:wne="http://schemas.microsoft.com/office/word/2006/wordml" xmlns:wpi="http://schemas.microsoft.com/office/word/2010/wordprocessingInk" xmlns:wpg="http://schemas.microsoft.com/office/word/2010/wordprocessingGroup" xmlns:w15="http://schemas.microsoft.com/office/word/2012/wordml" xmlns:w14="http://schemas.microsoft.com/office/word/2010/wordml" xmlns:wp="http://schemas.openxmlformats.org/drawingml/2006/wordprocessingDrawing" xmlns:wp14="http://schemas.microsoft.com/office/word/2010/wordprocessingDrawing" xmlns:m="http://schemas.openxmlformats.org/officeDocument/2006/math" xmlns:mc="http://schemas.openxmlformats.org/markup-compatibility/2006" xmlns:wpc="http://schemas.microsoft.com/office/word/2010/wordprocessingCanvas" w="9525">
                     <a:solidFill>
                       <a:srgbClr val="000000"/>
                     </a:solidFill>
@@ -3958,20 +3566,12 @@
               </a:bodyPr>
               <a:lstStyle/>
               <a:p>
-                <a:pPr marL="0" marR="0" algn="ctr">
-                  <a:spcBef>
-                    <a:spcPts val="0"/>
-                  </a:spcBef>
-                  <a:spcAft>
-                    <a:spcPts val="0"/>
-                  </a:spcAft>
-                </a:pPr>
+                <a:pPr algn="ctr"/>
                 <a:r>
                   <a:rPr lang="it-IT" sz="1200" b="1">
                     <a:solidFill>
                       <a:srgbClr val="2F5496"/>
                     </a:solidFill>
-                    <a:effectLst/>
                     <a:latin typeface="Times New Roman" panose="02020603050405020304" pitchFamily="18" charset="0"/>
                     <a:ea typeface="Arial Unicode MS" panose="020B0604020202020204" pitchFamily="34" charset="-128"/>
                   </a:rPr>
@@ -3982,14 +3582,12 @@
                     <a:solidFill>
                       <a:srgbClr val="2F5496"/>
                     </a:solidFill>
-                    <a:effectLst/>
                     <a:latin typeface="Times New Roman" panose="02020603050405020304" pitchFamily="18" charset="0"/>
                     <a:ea typeface="Arial Unicode MS" panose="020B0604020202020204" pitchFamily="34" charset="-128"/>
                   </a:rPr>
                   <a:t>Element Extractor</a:t>
                 </a:r>
                 <a:endParaRPr lang="en-US" sz="1200">
-                  <a:effectLst/>
                   <a:latin typeface="Times New Roman" panose="02020603050405020304" pitchFamily="18" charset="0"/>
                   <a:ea typeface="Times New Roman" panose="02020603050405020304" pitchFamily="18" charset="0"/>
                 </a:endParaRPr>
@@ -4029,7 +3627,7 @@
             </a:ln>
             <a:extLst>
               <a:ext uri="{91240B29-F687-4f45-9708-019B960494DF}">
-                <a14:hiddenLine xmlns:wpc="http://schemas.microsoft.com/office/word/2010/wordprocessingCanvas" xmlns:mc="http://schemas.openxmlformats.org/markup-compatibility/2006" xmlns:m="http://schemas.openxmlformats.org/officeDocument/2006/math" xmlns:wp14="http://schemas.microsoft.com/office/word/2010/wordprocessingDrawing" xmlns:wp="http://schemas.openxmlformats.org/drawingml/2006/wordprocessingDrawing" xmlns:w14="http://schemas.microsoft.com/office/word/2010/wordml" xmlns:w15="http://schemas.microsoft.com/office/word/2012/wordml" xmlns:wpg="http://schemas.microsoft.com/office/word/2010/wordprocessingGroup" xmlns:wpi="http://schemas.microsoft.com/office/word/2010/wordprocessingInk" xmlns:wne="http://schemas.microsoft.com/office/word/2006/wordml" xmlns:wps="http://schemas.microsoft.com/office/word/2010/wordprocessingShape" xmlns:cx="http://schemas.microsoft.com/office/drawing/2014/chartex" xmlns:cx1="http://schemas.microsoft.com/office/drawing/2015/9/8/chartex" xmlns:cx2="http://schemas.microsoft.com/office/drawing/2015/10/21/chartex" xmlns:cx3="http://schemas.microsoft.com/office/drawing/2016/5/9/chartex" xmlns:cx4="http://schemas.microsoft.com/office/drawing/2016/5/10/chartex" xmlns:cx5="http://schemas.microsoft.com/office/drawing/2016/5/11/chartex" xmlns:cx6="http://schemas.microsoft.com/office/drawing/2016/5/12/chartex" xmlns:cx7="http://schemas.microsoft.com/office/drawing/2016/5/13/chartex" xmlns:cx8="http://schemas.microsoft.com/office/drawing/2016/5/14/chartex" xmlns:aink="http://schemas.microsoft.com/office/drawing/2016/ink" xmlns:am3d="http://schemas.microsoft.com/office/drawing/2017/model3d" xmlns:w16cid="http://schemas.microsoft.com/office/word/2016/wordml/cid" xmlns:w16se="http://schemas.microsoft.com/office/word/2015/wordml/symex" xmlns:a14="http://schemas.microsoft.com/office/drawing/2010/main" xmlns:w="http://schemas.openxmlformats.org/wordprocessingml/2006/main" xmlns:w10="urn:schemas-microsoft-com:office:word" xmlns:v="urn:schemas-microsoft-com:vml" xmlns:o="urn:schemas-microsoft-com:office:office" xmlns:mv="urn:schemas-microsoft-com:mac:vml" xmlns:mo="http://schemas.microsoft.com/office/mac/office/2008/main" xmlns="" xmlns:arto="http://schemas.microsoft.com/office/word/2006/arto" xmlns:lc="http://schemas.openxmlformats.org/drawingml/2006/lockedCanvas" w="19050">
+                <a14:hiddenLine xmlns:lc="http://schemas.openxmlformats.org/drawingml/2006/lockedCanvas" xmlns:arto="http://schemas.microsoft.com/office/word/2006/arto" xmlns="" xmlns:mo="http://schemas.microsoft.com/office/mac/office/2008/main" xmlns:mv="urn:schemas-microsoft-com:mac:vml" xmlns:o="urn:schemas-microsoft-com:office:office" xmlns:v="urn:schemas-microsoft-com:vml" xmlns:w10="urn:schemas-microsoft-com:office:word" xmlns:w="http://schemas.openxmlformats.org/wordprocessingml/2006/main" xmlns:a14="http://schemas.microsoft.com/office/drawing/2010/main" xmlns:w16se="http://schemas.microsoft.com/office/word/2015/wordml/symex" xmlns:w16cid="http://schemas.microsoft.com/office/word/2016/wordml/cid" xmlns:am3d="http://schemas.microsoft.com/office/drawing/2017/model3d" xmlns:aink="http://schemas.microsoft.com/office/drawing/2016/ink" xmlns:cx8="http://schemas.microsoft.com/office/drawing/2016/5/14/chartex" xmlns:cx7="http://schemas.microsoft.com/office/drawing/2016/5/13/chartex" xmlns:cx6="http://schemas.microsoft.com/office/drawing/2016/5/12/chartex" xmlns:cx5="http://schemas.microsoft.com/office/drawing/2016/5/11/chartex" xmlns:cx4="http://schemas.microsoft.com/office/drawing/2016/5/10/chartex" xmlns:cx3="http://schemas.microsoft.com/office/drawing/2016/5/9/chartex" xmlns:cx2="http://schemas.microsoft.com/office/drawing/2015/10/21/chartex" xmlns:cx1="http://schemas.microsoft.com/office/drawing/2015/9/8/chartex" xmlns:cx="http://schemas.microsoft.com/office/drawing/2014/chartex" xmlns:wps="http://schemas.microsoft.com/office/word/2010/wordprocessingShape" xmlns:wne="http://schemas.microsoft.com/office/word/2006/wordml" xmlns:wpi="http://schemas.microsoft.com/office/word/2010/wordprocessingInk" xmlns:wpg="http://schemas.microsoft.com/office/word/2010/wordprocessingGroup" xmlns:w15="http://schemas.microsoft.com/office/word/2012/wordml" xmlns:w14="http://schemas.microsoft.com/office/word/2010/wordml" xmlns:wp="http://schemas.openxmlformats.org/drawingml/2006/wordprocessingDrawing" xmlns:wp14="http://schemas.microsoft.com/office/word/2010/wordprocessingDrawing" xmlns:m="http://schemas.openxmlformats.org/officeDocument/2006/math" xmlns:mc="http://schemas.openxmlformats.org/markup-compatibility/2006" xmlns:wpc="http://schemas.microsoft.com/office/word/2010/wordprocessingCanvas" w="19050">
                   <a:solidFill>
                     <a:srgbClr val="000000"/>
                   </a:solidFill>
@@ -4046,27 +3644,22 @@
             </a:bodyPr>
             <a:lstStyle/>
             <a:p>
-              <a:pPr marL="0" marR="0" algn="ctr">
+              <a:pPr algn="ctr">
                 <a:spcBef>
                   <a:spcPts val="600"/>
                 </a:spcBef>
-                <a:spcAft>
-                  <a:spcPts val="0"/>
-                </a:spcAft>
               </a:pPr>
               <a:r>
                 <a:rPr lang="en-US" sz="1100" b="1">
                   <a:solidFill>
                     <a:srgbClr val="0D0D0D"/>
                   </a:solidFill>
-                  <a:effectLst/>
                   <a:latin typeface="Times New Roman" panose="02020603050405020304" pitchFamily="18" charset="0"/>
                   <a:ea typeface="Times New Roman" panose="02020603050405020304" pitchFamily="18" charset="0"/>
                 </a:rPr>
                 <a:t>e.g., Point of Care System</a:t>
               </a:r>
               <a:endParaRPr lang="en-US" sz="1200">
-                <a:effectLst/>
                 <a:latin typeface="Times New Roman" panose="02020603050405020304" pitchFamily="18" charset="0"/>
                 <a:ea typeface="Times New Roman" panose="02020603050405020304" pitchFamily="18" charset="0"/>
               </a:endParaRPr>
@@ -4107,7 +3700,7 @@
             </a:ln>
             <a:extLst>
               <a:ext uri="{909E8E84-426E-40dd-AFC4-6F175D3DCCD1}">
-                <a14:hiddenFill xmlns:wpc="http://schemas.microsoft.com/office/word/2010/wordprocessingCanvas" xmlns:mc="http://schemas.openxmlformats.org/markup-compatibility/2006" xmlns:m="http://schemas.openxmlformats.org/officeDocument/2006/math" xmlns:wp14="http://schemas.microsoft.com/office/word/2010/wordprocessingDrawing" xmlns:wp="http://schemas.openxmlformats.org/drawingml/2006/wordprocessingDrawing" xmlns:w14="http://schemas.microsoft.com/office/word/2010/wordml" xmlns:w15="http://schemas.microsoft.com/office/word/2012/wordml" xmlns:wpg="http://schemas.microsoft.com/office/word/2010/wordprocessingGroup" xmlns:wpi="http://schemas.microsoft.com/office/word/2010/wordprocessingInk" xmlns:wne="http://schemas.microsoft.com/office/word/2006/wordml" xmlns:wps="http://schemas.microsoft.com/office/word/2010/wordprocessingShape" xmlns:cx="http://schemas.microsoft.com/office/drawing/2014/chartex" xmlns:cx1="http://schemas.microsoft.com/office/drawing/2015/9/8/chartex" xmlns:cx2="http://schemas.microsoft.com/office/drawing/2015/10/21/chartex" xmlns:cx3="http://schemas.microsoft.com/office/drawing/2016/5/9/chartex" xmlns:cx4="http://schemas.microsoft.com/office/drawing/2016/5/10/chartex" xmlns:cx5="http://schemas.microsoft.com/office/drawing/2016/5/11/chartex" xmlns:cx6="http://schemas.microsoft.com/office/drawing/2016/5/12/chartex" xmlns:cx7="http://schemas.microsoft.com/office/drawing/2016/5/13/chartex" xmlns:cx8="http://schemas.microsoft.com/office/drawing/2016/5/14/chartex" xmlns:aink="http://schemas.microsoft.com/office/drawing/2016/ink" xmlns:am3d="http://schemas.microsoft.com/office/drawing/2017/model3d" xmlns:w16cid="http://schemas.microsoft.com/office/word/2016/wordml/cid" xmlns:w16se="http://schemas.microsoft.com/office/word/2015/wordml/symex" xmlns:a14="http://schemas.microsoft.com/office/drawing/2010/main" xmlns:w="http://schemas.openxmlformats.org/wordprocessingml/2006/main" xmlns:w10="urn:schemas-microsoft-com:office:word" xmlns:v="urn:schemas-microsoft-com:vml" xmlns:o="urn:schemas-microsoft-com:office:office" xmlns:mv="urn:schemas-microsoft-com:mac:vml" xmlns:mo="http://schemas.microsoft.com/office/mac/office/2008/main" xmlns="" xmlns:arto="http://schemas.microsoft.com/office/word/2006/arto" xmlns:lc="http://schemas.openxmlformats.org/drawingml/2006/lockedCanvas">
+                <a14:hiddenFill xmlns:lc="http://schemas.openxmlformats.org/drawingml/2006/lockedCanvas" xmlns:arto="http://schemas.microsoft.com/office/word/2006/arto" xmlns="" xmlns:mo="http://schemas.microsoft.com/office/mac/office/2008/main" xmlns:mv="urn:schemas-microsoft-com:mac:vml" xmlns:o="urn:schemas-microsoft-com:office:office" xmlns:v="urn:schemas-microsoft-com:vml" xmlns:w10="urn:schemas-microsoft-com:office:word" xmlns:w="http://schemas.openxmlformats.org/wordprocessingml/2006/main" xmlns:a14="http://schemas.microsoft.com/office/drawing/2010/main" xmlns:w16se="http://schemas.microsoft.com/office/word/2015/wordml/symex" xmlns:w16cid="http://schemas.microsoft.com/office/word/2016/wordml/cid" xmlns:am3d="http://schemas.microsoft.com/office/drawing/2017/model3d" xmlns:aink="http://schemas.microsoft.com/office/drawing/2016/ink" xmlns:cx8="http://schemas.microsoft.com/office/drawing/2016/5/14/chartex" xmlns:cx7="http://schemas.microsoft.com/office/drawing/2016/5/13/chartex" xmlns:cx6="http://schemas.microsoft.com/office/drawing/2016/5/12/chartex" xmlns:cx5="http://schemas.microsoft.com/office/drawing/2016/5/11/chartex" xmlns:cx4="http://schemas.microsoft.com/office/drawing/2016/5/10/chartex" xmlns:cx3="http://schemas.microsoft.com/office/drawing/2016/5/9/chartex" xmlns:cx2="http://schemas.microsoft.com/office/drawing/2015/10/21/chartex" xmlns:cx1="http://schemas.microsoft.com/office/drawing/2015/9/8/chartex" xmlns:cx="http://schemas.microsoft.com/office/drawing/2014/chartex" xmlns:wps="http://schemas.microsoft.com/office/word/2010/wordprocessingShape" xmlns:wne="http://schemas.microsoft.com/office/word/2006/wordml" xmlns:wpi="http://schemas.microsoft.com/office/word/2010/wordprocessingInk" xmlns:wpg="http://schemas.microsoft.com/office/word/2010/wordprocessingGroup" xmlns:w15="http://schemas.microsoft.com/office/word/2012/wordml" xmlns:w14="http://schemas.microsoft.com/office/word/2010/wordml" xmlns:wp="http://schemas.openxmlformats.org/drawingml/2006/wordprocessingDrawing" xmlns:wp14="http://schemas.microsoft.com/office/word/2010/wordprocessingDrawing" xmlns:m="http://schemas.openxmlformats.org/officeDocument/2006/math" xmlns:mc="http://schemas.openxmlformats.org/markup-compatibility/2006" xmlns:wpc="http://schemas.microsoft.com/office/word/2010/wordprocessingCanvas">
                   <a:noFill/>
                 </a14:hiddenFill>
               </a:ext>
@@ -4154,24 +3747,15 @@
             </a:bodyPr>
             <a:lstStyle/>
             <a:p>
-              <a:pPr marL="0" marR="0" algn="ctr">
-                <a:spcBef>
-                  <a:spcPts val="0"/>
-                </a:spcBef>
-                <a:spcAft>
-                  <a:spcPts val="0"/>
-                </a:spcAft>
-              </a:pPr>
+              <a:pPr algn="ctr"/>
               <a:r>
                 <a:rPr lang="en-US" sz="1000" b="1" dirty="0">
-                  <a:effectLst/>
                   <a:latin typeface="Times New Roman" panose="02020603050405020304" pitchFamily="18" charset="0"/>
                   <a:ea typeface="Arial Unicode MS" panose="020B0604020202020204" pitchFamily="34" charset="-128"/>
                 </a:rPr>
                 <a:t>Document Consumer</a:t>
               </a:r>
               <a:endParaRPr lang="en-US" sz="1200" dirty="0">
-                <a:effectLst/>
                 <a:latin typeface="Times New Roman" panose="02020603050405020304" pitchFamily="18" charset="0"/>
                 <a:ea typeface="Times New Roman" panose="02020603050405020304" pitchFamily="18" charset="0"/>
               </a:endParaRPr>
@@ -4226,24 +3810,15 @@
             </a:bodyPr>
             <a:lstStyle/>
             <a:p>
-              <a:pPr marL="0" marR="0" algn="ctr">
-                <a:spcBef>
-                  <a:spcPts val="0"/>
-                </a:spcBef>
-                <a:spcAft>
-                  <a:spcPts val="0"/>
-                </a:spcAft>
-              </a:pPr>
+              <a:pPr algn="ctr"/>
               <a:r>
                 <a:rPr lang="en-US" sz="1000" b="1">
-                  <a:effectLst/>
                   <a:latin typeface="Times New Roman" panose="02020603050405020304" pitchFamily="18" charset="0"/>
                   <a:ea typeface="Arial Unicode MS" panose="020B0604020202020204" pitchFamily="34" charset="-128"/>
                 </a:rPr>
                 <a:t>Clinical Data Consumer</a:t>
               </a:r>
               <a:endParaRPr lang="en-US" sz="1200">
-                <a:effectLst/>
                 <a:latin typeface="Times New Roman" panose="02020603050405020304" pitchFamily="18" charset="0"/>
                 <a:ea typeface="Times New Roman" panose="02020603050405020304" pitchFamily="18" charset="0"/>
               </a:endParaRPr>
@@ -4278,14 +3853,14 @@
             </a:ln>
             <a:extLst>
               <a:ext uri="{909E8E84-426E-40dd-AFC4-6F175D3DCCD1}">
-                <a14:hiddenFill xmlns:wpc="http://schemas.microsoft.com/office/word/2010/wordprocessingCanvas" xmlns:mc="http://schemas.openxmlformats.org/markup-compatibility/2006" xmlns:m="http://schemas.openxmlformats.org/officeDocument/2006/math" xmlns:wp14="http://schemas.microsoft.com/office/word/2010/wordprocessingDrawing" xmlns:wp="http://schemas.openxmlformats.org/drawingml/2006/wordprocessingDrawing" xmlns:w14="http://schemas.microsoft.com/office/word/2010/wordml" xmlns:w15="http://schemas.microsoft.com/office/word/2012/wordml" xmlns:wpg="http://schemas.microsoft.com/office/word/2010/wordprocessingGroup" xmlns:wpi="http://schemas.microsoft.com/office/word/2010/wordprocessingInk" xmlns:wne="http://schemas.microsoft.com/office/word/2006/wordml" xmlns:wps="http://schemas.microsoft.com/office/word/2010/wordprocessingShape" xmlns:cx="http://schemas.microsoft.com/office/drawing/2014/chartex" xmlns:cx1="http://schemas.microsoft.com/office/drawing/2015/9/8/chartex" xmlns:cx2="http://schemas.microsoft.com/office/drawing/2015/10/21/chartex" xmlns:cx3="http://schemas.microsoft.com/office/drawing/2016/5/9/chartex" xmlns:cx4="http://schemas.microsoft.com/office/drawing/2016/5/10/chartex" xmlns:cx5="http://schemas.microsoft.com/office/drawing/2016/5/11/chartex" xmlns:cx6="http://schemas.microsoft.com/office/drawing/2016/5/12/chartex" xmlns:cx7="http://schemas.microsoft.com/office/drawing/2016/5/13/chartex" xmlns:cx8="http://schemas.microsoft.com/office/drawing/2016/5/14/chartex" xmlns:aink="http://schemas.microsoft.com/office/drawing/2016/ink" xmlns:am3d="http://schemas.microsoft.com/office/drawing/2017/model3d" xmlns:w16cid="http://schemas.microsoft.com/office/word/2016/wordml/cid" xmlns:w16se="http://schemas.microsoft.com/office/word/2015/wordml/symex" xmlns:a14="http://schemas.microsoft.com/office/drawing/2010/main" xmlns:w="http://schemas.openxmlformats.org/wordprocessingml/2006/main" xmlns:w10="urn:schemas-microsoft-com:office:word" xmlns:v="urn:schemas-microsoft-com:vml" xmlns:o="urn:schemas-microsoft-com:office:office" xmlns:mv="urn:schemas-microsoft-com:mac:vml" xmlns:mo="http://schemas.microsoft.com/office/mac/office/2008/main" xmlns="" xmlns:arto="http://schemas.microsoft.com/office/word/2006/arto" xmlns:lc="http://schemas.openxmlformats.org/drawingml/2006/lockedCanvas">
+                <a14:hiddenFill xmlns:lc="http://schemas.openxmlformats.org/drawingml/2006/lockedCanvas" xmlns:arto="http://schemas.microsoft.com/office/word/2006/arto" xmlns="" xmlns:mo="http://schemas.microsoft.com/office/mac/office/2008/main" xmlns:mv="urn:schemas-microsoft-com:mac:vml" xmlns:o="urn:schemas-microsoft-com:office:office" xmlns:v="urn:schemas-microsoft-com:vml" xmlns:w10="urn:schemas-microsoft-com:office:word" xmlns:w="http://schemas.openxmlformats.org/wordprocessingml/2006/main" xmlns:a14="http://schemas.microsoft.com/office/drawing/2010/main" xmlns:w16se="http://schemas.microsoft.com/office/word/2015/wordml/symex" xmlns:w16cid="http://schemas.microsoft.com/office/word/2016/wordml/cid" xmlns:am3d="http://schemas.microsoft.com/office/drawing/2017/model3d" xmlns:aink="http://schemas.microsoft.com/office/drawing/2016/ink" xmlns:cx8="http://schemas.microsoft.com/office/drawing/2016/5/14/chartex" xmlns:cx7="http://schemas.microsoft.com/office/drawing/2016/5/13/chartex" xmlns:cx6="http://schemas.microsoft.com/office/drawing/2016/5/12/chartex" xmlns:cx5="http://schemas.microsoft.com/office/drawing/2016/5/11/chartex" xmlns:cx4="http://schemas.microsoft.com/office/drawing/2016/5/10/chartex" xmlns:cx3="http://schemas.microsoft.com/office/drawing/2016/5/9/chartex" xmlns:cx2="http://schemas.microsoft.com/office/drawing/2015/10/21/chartex" xmlns:cx1="http://schemas.microsoft.com/office/drawing/2015/9/8/chartex" xmlns:cx="http://schemas.microsoft.com/office/drawing/2014/chartex" xmlns:wps="http://schemas.microsoft.com/office/word/2010/wordprocessingShape" xmlns:wne="http://schemas.microsoft.com/office/word/2006/wordml" xmlns:wpi="http://schemas.microsoft.com/office/word/2010/wordprocessingInk" xmlns:wpg="http://schemas.microsoft.com/office/word/2010/wordprocessingGroup" xmlns:w15="http://schemas.microsoft.com/office/word/2012/wordml" xmlns:w14="http://schemas.microsoft.com/office/word/2010/wordml" xmlns:wp="http://schemas.openxmlformats.org/drawingml/2006/wordprocessingDrawing" xmlns:wp14="http://schemas.microsoft.com/office/word/2010/wordprocessingDrawing" xmlns:m="http://schemas.openxmlformats.org/officeDocument/2006/math" xmlns:mc="http://schemas.openxmlformats.org/markup-compatibility/2006" xmlns:wpc="http://schemas.microsoft.com/office/word/2010/wordprocessingCanvas">
                   <a:solidFill>
                     <a:srgbClr val="FFFFFF"/>
                   </a:solidFill>
                 </a14:hiddenFill>
               </a:ext>
               <a:ext uri="{91240B29-F687-4f45-9708-019B960494DF}">
-                <a14:hiddenLine xmlns:wpc="http://schemas.microsoft.com/office/word/2010/wordprocessingCanvas" xmlns:mc="http://schemas.openxmlformats.org/markup-compatibility/2006" xmlns:m="http://schemas.openxmlformats.org/officeDocument/2006/math" xmlns:wp14="http://schemas.microsoft.com/office/word/2010/wordprocessingDrawing" xmlns:wp="http://schemas.openxmlformats.org/drawingml/2006/wordprocessingDrawing" xmlns:w14="http://schemas.microsoft.com/office/word/2010/wordml" xmlns:w15="http://schemas.microsoft.com/office/word/2012/wordml" xmlns:wpg="http://schemas.microsoft.com/office/word/2010/wordprocessingGroup" xmlns:wpi="http://schemas.microsoft.com/office/word/2010/wordprocessingInk" xmlns:wne="http://schemas.microsoft.com/office/word/2006/wordml" xmlns:wps="http://schemas.microsoft.com/office/word/2010/wordprocessingShape" xmlns:cx="http://schemas.microsoft.com/office/drawing/2014/chartex" xmlns:cx1="http://schemas.microsoft.com/office/drawing/2015/9/8/chartex" xmlns:cx2="http://schemas.microsoft.com/office/drawing/2015/10/21/chartex" xmlns:cx3="http://schemas.microsoft.com/office/drawing/2016/5/9/chartex" xmlns:cx4="http://schemas.microsoft.com/office/drawing/2016/5/10/chartex" xmlns:cx5="http://schemas.microsoft.com/office/drawing/2016/5/11/chartex" xmlns:cx6="http://schemas.microsoft.com/office/drawing/2016/5/12/chartex" xmlns:cx7="http://schemas.microsoft.com/office/drawing/2016/5/13/chartex" xmlns:cx8="http://schemas.microsoft.com/office/drawing/2016/5/14/chartex" xmlns:aink="http://schemas.microsoft.com/office/drawing/2016/ink" xmlns:am3d="http://schemas.microsoft.com/office/drawing/2017/model3d" xmlns:w16cid="http://schemas.microsoft.com/office/word/2016/wordml/cid" xmlns:w16se="http://schemas.microsoft.com/office/word/2015/wordml/symex" xmlns:a14="http://schemas.microsoft.com/office/drawing/2010/main" xmlns:w="http://schemas.openxmlformats.org/wordprocessingml/2006/main" xmlns:w10="urn:schemas-microsoft-com:office:word" xmlns:v="urn:schemas-microsoft-com:vml" xmlns:o="urn:schemas-microsoft-com:office:office" xmlns:mv="urn:schemas-microsoft-com:mac:vml" xmlns:mo="http://schemas.microsoft.com/office/mac/office/2008/main" xmlns="" xmlns:arto="http://schemas.microsoft.com/office/word/2006/arto" xmlns:lc="http://schemas.openxmlformats.org/drawingml/2006/lockedCanvas" w="9525">
+                <a14:hiddenLine xmlns:lc="http://schemas.openxmlformats.org/drawingml/2006/lockedCanvas" xmlns:arto="http://schemas.microsoft.com/office/word/2006/arto" xmlns="" xmlns:mo="http://schemas.microsoft.com/office/mac/office/2008/main" xmlns:mv="urn:schemas-microsoft-com:mac:vml" xmlns:o="urn:schemas-microsoft-com:office:office" xmlns:v="urn:schemas-microsoft-com:vml" xmlns:w10="urn:schemas-microsoft-com:office:word" xmlns:w="http://schemas.openxmlformats.org/wordprocessingml/2006/main" xmlns:a14="http://schemas.microsoft.com/office/drawing/2010/main" xmlns:w16se="http://schemas.microsoft.com/office/word/2015/wordml/symex" xmlns:w16cid="http://schemas.microsoft.com/office/word/2016/wordml/cid" xmlns:am3d="http://schemas.microsoft.com/office/drawing/2017/model3d" xmlns:aink="http://schemas.microsoft.com/office/drawing/2016/ink" xmlns:cx8="http://schemas.microsoft.com/office/drawing/2016/5/14/chartex" xmlns:cx7="http://schemas.microsoft.com/office/drawing/2016/5/13/chartex" xmlns:cx6="http://schemas.microsoft.com/office/drawing/2016/5/12/chartex" xmlns:cx5="http://schemas.microsoft.com/office/drawing/2016/5/11/chartex" xmlns:cx4="http://schemas.microsoft.com/office/drawing/2016/5/10/chartex" xmlns:cx3="http://schemas.microsoft.com/office/drawing/2016/5/9/chartex" xmlns:cx2="http://schemas.microsoft.com/office/drawing/2015/10/21/chartex" xmlns:cx1="http://schemas.microsoft.com/office/drawing/2015/9/8/chartex" xmlns:cx="http://schemas.microsoft.com/office/drawing/2014/chartex" xmlns:wps="http://schemas.microsoft.com/office/word/2010/wordprocessingShape" xmlns:wne="http://schemas.microsoft.com/office/word/2006/wordml" xmlns:wpi="http://schemas.microsoft.com/office/word/2010/wordprocessingInk" xmlns:wpg="http://schemas.microsoft.com/office/word/2010/wordprocessingGroup" xmlns:w15="http://schemas.microsoft.com/office/word/2012/wordml" xmlns:w14="http://schemas.microsoft.com/office/word/2010/wordml" xmlns:wp="http://schemas.openxmlformats.org/drawingml/2006/wordprocessingDrawing" xmlns:wp14="http://schemas.microsoft.com/office/word/2010/wordprocessingDrawing" xmlns:m="http://schemas.openxmlformats.org/officeDocument/2006/math" xmlns:mc="http://schemas.openxmlformats.org/markup-compatibility/2006" xmlns:wpc="http://schemas.microsoft.com/office/word/2010/wordprocessingCanvas" w="9525">
                   <a:solidFill>
                     <a:srgbClr val="000000"/>
                   </a:solidFill>
@@ -4302,47 +3877,32 @@
             </a:bodyPr>
             <a:lstStyle/>
             <a:p>
-              <a:pPr marL="0" marR="0">
-                <a:spcBef>
-                  <a:spcPts val="0"/>
-                </a:spcBef>
-                <a:spcAft>
-                  <a:spcPts val="0"/>
-                </a:spcAft>
-              </a:pPr>
               <a:r>
                 <a:rPr lang="en-US" sz="900">
-                  <a:effectLst/>
                   <a:latin typeface="Times New Roman" panose="02020603050405020304" pitchFamily="18" charset="0"/>
                   <a:ea typeface="Arial Unicode MS" panose="020B0604020202020204" pitchFamily="34" charset="-128"/>
                 </a:rPr>
                 <a:t>Publish Documents</a:t>
               </a:r>
               <a:endParaRPr lang="en-US" sz="1200">
-                <a:effectLst/>
                 <a:latin typeface="Times New Roman" panose="02020603050405020304" pitchFamily="18" charset="0"/>
                 <a:ea typeface="Times New Roman" panose="02020603050405020304" pitchFamily="18" charset="0"/>
               </a:endParaRPr>
             </a:p>
             <a:p>
-              <a:pPr marL="0" marR="0">
+              <a:pPr>
                 <a:spcBef>
                   <a:spcPts val="600"/>
                 </a:spcBef>
-                <a:spcAft>
-                  <a:spcPts val="0"/>
-                </a:spcAft>
               </a:pPr>
               <a:r>
                 <a:rPr lang="it-IT" sz="1100">
-                  <a:effectLst/>
                   <a:latin typeface="Arial" panose="020B0604020202020204" pitchFamily="34" charset="0"/>
                   <a:ea typeface="Times New Roman" panose="02020603050405020304" pitchFamily="18" charset="0"/>
                 </a:rPr>
                 <a:t> </a:t>
               </a:r>
               <a:endParaRPr lang="en-US" sz="1200">
-                <a:effectLst/>
                 <a:latin typeface="Times New Roman" panose="02020603050405020304" pitchFamily="18" charset="0"/>
                 <a:ea typeface="Times New Roman" panose="02020603050405020304" pitchFamily="18" charset="0"/>
               </a:endParaRPr>
@@ -4384,7 +3944,7 @@
             </a:ln>
             <a:extLst>
               <a:ext uri="{909E8E84-426E-40dd-AFC4-6F175D3DCCD1}">
-                <a14:hiddenFill xmlns:wpc="http://schemas.microsoft.com/office/word/2010/wordprocessingCanvas" xmlns:mc="http://schemas.openxmlformats.org/markup-compatibility/2006" xmlns:m="http://schemas.openxmlformats.org/officeDocument/2006/math" xmlns:wp14="http://schemas.microsoft.com/office/word/2010/wordprocessingDrawing" xmlns:wp="http://schemas.openxmlformats.org/drawingml/2006/wordprocessingDrawing" xmlns:w14="http://schemas.microsoft.com/office/word/2010/wordml" xmlns:w15="http://schemas.microsoft.com/office/word/2012/wordml" xmlns:wpg="http://schemas.microsoft.com/office/word/2010/wordprocessingGroup" xmlns:wpi="http://schemas.microsoft.com/office/word/2010/wordprocessingInk" xmlns:wne="http://schemas.microsoft.com/office/word/2006/wordml" xmlns:wps="http://schemas.microsoft.com/office/word/2010/wordprocessingShape" xmlns:cx="http://schemas.microsoft.com/office/drawing/2014/chartex" xmlns:cx1="http://schemas.microsoft.com/office/drawing/2015/9/8/chartex" xmlns:cx2="http://schemas.microsoft.com/office/drawing/2015/10/21/chartex" xmlns:cx3="http://schemas.microsoft.com/office/drawing/2016/5/9/chartex" xmlns:cx4="http://schemas.microsoft.com/office/drawing/2016/5/10/chartex" xmlns:cx5="http://schemas.microsoft.com/office/drawing/2016/5/11/chartex" xmlns:cx6="http://schemas.microsoft.com/office/drawing/2016/5/12/chartex" xmlns:cx7="http://schemas.microsoft.com/office/drawing/2016/5/13/chartex" xmlns:cx8="http://schemas.microsoft.com/office/drawing/2016/5/14/chartex" xmlns:aink="http://schemas.microsoft.com/office/drawing/2016/ink" xmlns:am3d="http://schemas.microsoft.com/office/drawing/2017/model3d" xmlns:w16cid="http://schemas.microsoft.com/office/word/2016/wordml/cid" xmlns:w16se="http://schemas.microsoft.com/office/word/2015/wordml/symex" xmlns:a14="http://schemas.microsoft.com/office/drawing/2010/main" xmlns:w="http://schemas.openxmlformats.org/wordprocessingml/2006/main" xmlns:w10="urn:schemas-microsoft-com:office:word" xmlns:v="urn:schemas-microsoft-com:vml" xmlns:o="urn:schemas-microsoft-com:office:office" xmlns:mv="urn:schemas-microsoft-com:mac:vml" xmlns:mo="http://schemas.microsoft.com/office/mac/office/2008/main" xmlns="" xmlns:arto="http://schemas.microsoft.com/office/word/2006/arto" xmlns:lc="http://schemas.openxmlformats.org/drawingml/2006/lockedCanvas">
+                <a14:hiddenFill xmlns:lc="http://schemas.openxmlformats.org/drawingml/2006/lockedCanvas" xmlns:arto="http://schemas.microsoft.com/office/word/2006/arto" xmlns="" xmlns:mo="http://schemas.microsoft.com/office/mac/office/2008/main" xmlns:mv="urn:schemas-microsoft-com:mac:vml" xmlns:o="urn:schemas-microsoft-com:office:office" xmlns:v="urn:schemas-microsoft-com:vml" xmlns:w10="urn:schemas-microsoft-com:office:word" xmlns:w="http://schemas.openxmlformats.org/wordprocessingml/2006/main" xmlns:a14="http://schemas.microsoft.com/office/drawing/2010/main" xmlns:w16se="http://schemas.microsoft.com/office/word/2015/wordml/symex" xmlns:w16cid="http://schemas.microsoft.com/office/word/2016/wordml/cid" xmlns:am3d="http://schemas.microsoft.com/office/drawing/2017/model3d" xmlns:aink="http://schemas.microsoft.com/office/drawing/2016/ink" xmlns:cx8="http://schemas.microsoft.com/office/drawing/2016/5/14/chartex" xmlns:cx7="http://schemas.microsoft.com/office/drawing/2016/5/13/chartex" xmlns:cx6="http://schemas.microsoft.com/office/drawing/2016/5/12/chartex" xmlns:cx5="http://schemas.microsoft.com/office/drawing/2016/5/11/chartex" xmlns:cx4="http://schemas.microsoft.com/office/drawing/2016/5/10/chartex" xmlns:cx3="http://schemas.microsoft.com/office/drawing/2016/5/9/chartex" xmlns:cx2="http://schemas.microsoft.com/office/drawing/2015/10/21/chartex" xmlns:cx1="http://schemas.microsoft.com/office/drawing/2015/9/8/chartex" xmlns:cx="http://schemas.microsoft.com/office/drawing/2014/chartex" xmlns:wps="http://schemas.microsoft.com/office/word/2010/wordprocessingShape" xmlns:wne="http://schemas.microsoft.com/office/word/2006/wordml" xmlns:wpi="http://schemas.microsoft.com/office/word/2010/wordprocessingInk" xmlns:wpg="http://schemas.microsoft.com/office/word/2010/wordprocessingGroup" xmlns:w15="http://schemas.microsoft.com/office/word/2012/wordml" xmlns:w14="http://schemas.microsoft.com/office/word/2010/wordml" xmlns:wp="http://schemas.openxmlformats.org/drawingml/2006/wordprocessingDrawing" xmlns:wp14="http://schemas.microsoft.com/office/word/2010/wordprocessingDrawing" xmlns:m="http://schemas.openxmlformats.org/officeDocument/2006/math" xmlns:mc="http://schemas.openxmlformats.org/markup-compatibility/2006" xmlns:wpc="http://schemas.microsoft.com/office/word/2010/wordprocessingCanvas">
                   <a:noFill/>
                 </a14:hiddenFill>
               </a:ext>
@@ -4419,14 +3979,14 @@
             </a:ln>
             <a:extLst>
               <a:ext uri="{909E8E84-426E-40dd-AFC4-6F175D3DCCD1}">
-                <a14:hiddenFill xmlns:wpc="http://schemas.microsoft.com/office/word/2010/wordprocessingCanvas" xmlns:mc="http://schemas.openxmlformats.org/markup-compatibility/2006" xmlns:m="http://schemas.openxmlformats.org/officeDocument/2006/math" xmlns:wp14="http://schemas.microsoft.com/office/word/2010/wordprocessingDrawing" xmlns:wp="http://schemas.openxmlformats.org/drawingml/2006/wordprocessingDrawing" xmlns:w14="http://schemas.microsoft.com/office/word/2010/wordml" xmlns:w15="http://schemas.microsoft.com/office/word/2012/wordml" xmlns:wpg="http://schemas.microsoft.com/office/word/2010/wordprocessingGroup" xmlns:wpi="http://schemas.microsoft.com/office/word/2010/wordprocessingInk" xmlns:wne="http://schemas.microsoft.com/office/word/2006/wordml" xmlns:wps="http://schemas.microsoft.com/office/word/2010/wordprocessingShape" xmlns:cx="http://schemas.microsoft.com/office/drawing/2014/chartex" xmlns:cx1="http://schemas.microsoft.com/office/drawing/2015/9/8/chartex" xmlns:cx2="http://schemas.microsoft.com/office/drawing/2015/10/21/chartex" xmlns:cx3="http://schemas.microsoft.com/office/drawing/2016/5/9/chartex" xmlns:cx4="http://schemas.microsoft.com/office/drawing/2016/5/10/chartex" xmlns:cx5="http://schemas.microsoft.com/office/drawing/2016/5/11/chartex" xmlns:cx6="http://schemas.microsoft.com/office/drawing/2016/5/12/chartex" xmlns:cx7="http://schemas.microsoft.com/office/drawing/2016/5/13/chartex" xmlns:cx8="http://schemas.microsoft.com/office/drawing/2016/5/14/chartex" xmlns:aink="http://schemas.microsoft.com/office/drawing/2016/ink" xmlns:am3d="http://schemas.microsoft.com/office/drawing/2017/model3d" xmlns:w16cid="http://schemas.microsoft.com/office/word/2016/wordml/cid" xmlns:w16se="http://schemas.microsoft.com/office/word/2015/wordml/symex" xmlns:a14="http://schemas.microsoft.com/office/drawing/2010/main" xmlns:w="http://schemas.openxmlformats.org/wordprocessingml/2006/main" xmlns:w10="urn:schemas-microsoft-com:office:word" xmlns:v="urn:schemas-microsoft-com:vml" xmlns:o="urn:schemas-microsoft-com:office:office" xmlns:mv="urn:schemas-microsoft-com:mac:vml" xmlns:mo="http://schemas.microsoft.com/office/mac/office/2008/main" xmlns="" xmlns:arto="http://schemas.microsoft.com/office/word/2006/arto" xmlns:lc="http://schemas.openxmlformats.org/drawingml/2006/lockedCanvas">
+                <a14:hiddenFill xmlns:lc="http://schemas.openxmlformats.org/drawingml/2006/lockedCanvas" xmlns:arto="http://schemas.microsoft.com/office/word/2006/arto" xmlns="" xmlns:mo="http://schemas.microsoft.com/office/mac/office/2008/main" xmlns:mv="urn:schemas-microsoft-com:mac:vml" xmlns:o="urn:schemas-microsoft-com:office:office" xmlns:v="urn:schemas-microsoft-com:vml" xmlns:w10="urn:schemas-microsoft-com:office:word" xmlns:w="http://schemas.openxmlformats.org/wordprocessingml/2006/main" xmlns:a14="http://schemas.microsoft.com/office/drawing/2010/main" xmlns:w16se="http://schemas.microsoft.com/office/word/2015/wordml/symex" xmlns:w16cid="http://schemas.microsoft.com/office/word/2016/wordml/cid" xmlns:am3d="http://schemas.microsoft.com/office/drawing/2017/model3d" xmlns:aink="http://schemas.microsoft.com/office/drawing/2016/ink" xmlns:cx8="http://schemas.microsoft.com/office/drawing/2016/5/14/chartex" xmlns:cx7="http://schemas.microsoft.com/office/drawing/2016/5/13/chartex" xmlns:cx6="http://schemas.microsoft.com/office/drawing/2016/5/12/chartex" xmlns:cx5="http://schemas.microsoft.com/office/drawing/2016/5/11/chartex" xmlns:cx4="http://schemas.microsoft.com/office/drawing/2016/5/10/chartex" xmlns:cx3="http://schemas.microsoft.com/office/drawing/2016/5/9/chartex" xmlns:cx2="http://schemas.microsoft.com/office/drawing/2015/10/21/chartex" xmlns:cx1="http://schemas.microsoft.com/office/drawing/2015/9/8/chartex" xmlns:cx="http://schemas.microsoft.com/office/drawing/2014/chartex" xmlns:wps="http://schemas.microsoft.com/office/word/2010/wordprocessingShape" xmlns:wne="http://schemas.microsoft.com/office/word/2006/wordml" xmlns:wpi="http://schemas.microsoft.com/office/word/2010/wordprocessingInk" xmlns:wpg="http://schemas.microsoft.com/office/word/2010/wordprocessingGroup" xmlns:w15="http://schemas.microsoft.com/office/word/2012/wordml" xmlns:w14="http://schemas.microsoft.com/office/word/2010/wordml" xmlns:wp="http://schemas.openxmlformats.org/drawingml/2006/wordprocessingDrawing" xmlns:wp14="http://schemas.microsoft.com/office/word/2010/wordprocessingDrawing" xmlns:m="http://schemas.openxmlformats.org/officeDocument/2006/math" xmlns:mc="http://schemas.openxmlformats.org/markup-compatibility/2006" xmlns:wpc="http://schemas.microsoft.com/office/word/2010/wordprocessingCanvas">
                   <a:solidFill>
                     <a:srgbClr val="FFFFFF"/>
                   </a:solidFill>
                 </a14:hiddenFill>
               </a:ext>
               <a:ext uri="{91240B29-F687-4f45-9708-019B960494DF}">
-                <a14:hiddenLine xmlns:wpc="http://schemas.microsoft.com/office/word/2010/wordprocessingCanvas" xmlns:mc="http://schemas.openxmlformats.org/markup-compatibility/2006" xmlns:m="http://schemas.openxmlformats.org/officeDocument/2006/math" xmlns:wp14="http://schemas.microsoft.com/office/word/2010/wordprocessingDrawing" xmlns:wp="http://schemas.openxmlformats.org/drawingml/2006/wordprocessingDrawing" xmlns:w14="http://schemas.microsoft.com/office/word/2010/wordml" xmlns:w15="http://schemas.microsoft.com/office/word/2012/wordml" xmlns:wpg="http://schemas.microsoft.com/office/word/2010/wordprocessingGroup" xmlns:wpi="http://schemas.microsoft.com/office/word/2010/wordprocessingInk" xmlns:wne="http://schemas.microsoft.com/office/word/2006/wordml" xmlns:wps="http://schemas.microsoft.com/office/word/2010/wordprocessingShape" xmlns:cx="http://schemas.microsoft.com/office/drawing/2014/chartex" xmlns:cx1="http://schemas.microsoft.com/office/drawing/2015/9/8/chartex" xmlns:cx2="http://schemas.microsoft.com/office/drawing/2015/10/21/chartex" xmlns:cx3="http://schemas.microsoft.com/office/drawing/2016/5/9/chartex" xmlns:cx4="http://schemas.microsoft.com/office/drawing/2016/5/10/chartex" xmlns:cx5="http://schemas.microsoft.com/office/drawing/2016/5/11/chartex" xmlns:cx6="http://schemas.microsoft.com/office/drawing/2016/5/12/chartex" xmlns:cx7="http://schemas.microsoft.com/office/drawing/2016/5/13/chartex" xmlns:cx8="http://schemas.microsoft.com/office/drawing/2016/5/14/chartex" xmlns:aink="http://schemas.microsoft.com/office/drawing/2016/ink" xmlns:am3d="http://schemas.microsoft.com/office/drawing/2017/model3d" xmlns:w16cid="http://schemas.microsoft.com/office/word/2016/wordml/cid" xmlns:w16se="http://schemas.microsoft.com/office/word/2015/wordml/symex" xmlns:a14="http://schemas.microsoft.com/office/drawing/2010/main" xmlns:w="http://schemas.openxmlformats.org/wordprocessingml/2006/main" xmlns:w10="urn:schemas-microsoft-com:office:word" xmlns:v="urn:schemas-microsoft-com:vml" xmlns:o="urn:schemas-microsoft-com:office:office" xmlns:mv="urn:schemas-microsoft-com:mac:vml" xmlns:mo="http://schemas.microsoft.com/office/mac/office/2008/main" xmlns="" xmlns:arto="http://schemas.microsoft.com/office/word/2006/arto" xmlns:lc="http://schemas.openxmlformats.org/drawingml/2006/lockedCanvas" w="9525">
+                <a14:hiddenLine xmlns:lc="http://schemas.openxmlformats.org/drawingml/2006/lockedCanvas" xmlns:arto="http://schemas.microsoft.com/office/word/2006/arto" xmlns="" xmlns:mo="http://schemas.microsoft.com/office/mac/office/2008/main" xmlns:mv="urn:schemas-microsoft-com:mac:vml" xmlns:o="urn:schemas-microsoft-com:office:office" xmlns:v="urn:schemas-microsoft-com:vml" xmlns:w10="urn:schemas-microsoft-com:office:word" xmlns:w="http://schemas.openxmlformats.org/wordprocessingml/2006/main" xmlns:a14="http://schemas.microsoft.com/office/drawing/2010/main" xmlns:w16se="http://schemas.microsoft.com/office/word/2015/wordml/symex" xmlns:w16cid="http://schemas.microsoft.com/office/word/2016/wordml/cid" xmlns:am3d="http://schemas.microsoft.com/office/drawing/2017/model3d" xmlns:aink="http://schemas.microsoft.com/office/drawing/2016/ink" xmlns:cx8="http://schemas.microsoft.com/office/drawing/2016/5/14/chartex" xmlns:cx7="http://schemas.microsoft.com/office/drawing/2016/5/13/chartex" xmlns:cx6="http://schemas.microsoft.com/office/drawing/2016/5/12/chartex" xmlns:cx5="http://schemas.microsoft.com/office/drawing/2016/5/11/chartex" xmlns:cx4="http://schemas.microsoft.com/office/drawing/2016/5/10/chartex" xmlns:cx3="http://schemas.microsoft.com/office/drawing/2016/5/9/chartex" xmlns:cx2="http://schemas.microsoft.com/office/drawing/2015/10/21/chartex" xmlns:cx1="http://schemas.microsoft.com/office/drawing/2015/9/8/chartex" xmlns:cx="http://schemas.microsoft.com/office/drawing/2014/chartex" xmlns:wps="http://schemas.microsoft.com/office/word/2010/wordprocessingShape" xmlns:wne="http://schemas.microsoft.com/office/word/2006/wordml" xmlns:wpi="http://schemas.microsoft.com/office/word/2010/wordprocessingInk" xmlns:wpg="http://schemas.microsoft.com/office/word/2010/wordprocessingGroup" xmlns:w15="http://schemas.microsoft.com/office/word/2012/wordml" xmlns:w14="http://schemas.microsoft.com/office/word/2010/wordml" xmlns:wp="http://schemas.openxmlformats.org/drawingml/2006/wordprocessingDrawing" xmlns:wp14="http://schemas.microsoft.com/office/word/2010/wordprocessingDrawing" xmlns:m="http://schemas.openxmlformats.org/officeDocument/2006/math" xmlns:mc="http://schemas.openxmlformats.org/markup-compatibility/2006" xmlns:wpc="http://schemas.microsoft.com/office/word/2010/wordprocessingCanvas" w="9525">
                   <a:solidFill>
                     <a:srgbClr val="000000"/>
                   </a:solidFill>
@@ -4443,17 +4003,9 @@
             </a:bodyPr>
             <a:lstStyle/>
             <a:p>
-              <a:pPr marL="0" marR="0" algn="ctr">
-                <a:spcBef>
-                  <a:spcPts val="0"/>
-                </a:spcBef>
-                <a:spcAft>
-                  <a:spcPts val="0"/>
-                </a:spcAft>
-              </a:pPr>
+              <a:pPr algn="ctr"/>
               <a:r>
                 <a:rPr lang="it-IT" sz="900">
-                  <a:effectLst/>
                   <a:latin typeface="Times New Roman" panose="02020603050405020304" pitchFamily="18" charset="0"/>
                   <a:ea typeface="Arial Unicode MS" panose="020B0604020202020204" pitchFamily="34" charset="-128"/>
                 </a:rPr>
@@ -4461,37 +4013,30 @@
               </a:r>
               <a:r>
                 <a:rPr lang="en-US" sz="900">
-                  <a:effectLst/>
                   <a:latin typeface="Times New Roman" panose="02020603050405020304" pitchFamily="18" charset="0"/>
                   <a:ea typeface="Arial Unicode MS" panose="020B0604020202020204" pitchFamily="34" charset="-128"/>
                 </a:rPr>
                 <a:t>Documents</a:t>
               </a:r>
               <a:endParaRPr lang="en-US" sz="1200">
-                <a:effectLst/>
                 <a:latin typeface="Times New Roman" panose="02020603050405020304" pitchFamily="18" charset="0"/>
                 <a:ea typeface="Times New Roman" panose="02020603050405020304" pitchFamily="18" charset="0"/>
               </a:endParaRPr>
             </a:p>
             <a:p>
-              <a:pPr marL="0" marR="0" algn="ctr">
+              <a:pPr algn="ctr">
                 <a:spcBef>
                   <a:spcPts val="600"/>
                 </a:spcBef>
-                <a:spcAft>
-                  <a:spcPts val="0"/>
-                </a:spcAft>
               </a:pPr>
               <a:r>
                 <a:rPr lang="it-IT" sz="1100">
-                  <a:effectLst/>
                   <a:latin typeface="Arial" panose="020B0604020202020204" pitchFamily="34" charset="0"/>
                   <a:ea typeface="Times New Roman" panose="02020603050405020304" pitchFamily="18" charset="0"/>
                 </a:rPr>
                 <a:t> </a:t>
               </a:r>
               <a:endParaRPr lang="en-US" sz="1200">
-                <a:effectLst/>
                 <a:latin typeface="Times New Roman" panose="02020603050405020304" pitchFamily="18" charset="0"/>
                 <a:ea typeface="Times New Roman" panose="02020603050405020304" pitchFamily="18" charset="0"/>
               </a:endParaRPr>
@@ -4532,7 +4077,7 @@
             </a:ln>
             <a:extLst>
               <a:ext uri="{909E8E84-426E-40dd-AFC4-6F175D3DCCD1}">
-                <a14:hiddenFill xmlns:wpc="http://schemas.microsoft.com/office/word/2010/wordprocessingCanvas" xmlns:mc="http://schemas.openxmlformats.org/markup-compatibility/2006" xmlns:m="http://schemas.openxmlformats.org/officeDocument/2006/math" xmlns:wp14="http://schemas.microsoft.com/office/word/2010/wordprocessingDrawing" xmlns:wp="http://schemas.openxmlformats.org/drawingml/2006/wordprocessingDrawing" xmlns:w14="http://schemas.microsoft.com/office/word/2010/wordml" xmlns:w15="http://schemas.microsoft.com/office/word/2012/wordml" xmlns:wpg="http://schemas.microsoft.com/office/word/2010/wordprocessingGroup" xmlns:wpi="http://schemas.microsoft.com/office/word/2010/wordprocessingInk" xmlns:wne="http://schemas.microsoft.com/office/word/2006/wordml" xmlns:wps="http://schemas.microsoft.com/office/word/2010/wordprocessingShape" xmlns:cx="http://schemas.microsoft.com/office/drawing/2014/chartex" xmlns:cx1="http://schemas.microsoft.com/office/drawing/2015/9/8/chartex" xmlns:cx2="http://schemas.microsoft.com/office/drawing/2015/10/21/chartex" xmlns:cx3="http://schemas.microsoft.com/office/drawing/2016/5/9/chartex" xmlns:cx4="http://schemas.microsoft.com/office/drawing/2016/5/10/chartex" xmlns:cx5="http://schemas.microsoft.com/office/drawing/2016/5/11/chartex" xmlns:cx6="http://schemas.microsoft.com/office/drawing/2016/5/12/chartex" xmlns:cx7="http://schemas.microsoft.com/office/drawing/2016/5/13/chartex" xmlns:cx8="http://schemas.microsoft.com/office/drawing/2016/5/14/chartex" xmlns:aink="http://schemas.microsoft.com/office/drawing/2016/ink" xmlns:am3d="http://schemas.microsoft.com/office/drawing/2017/model3d" xmlns:w16cid="http://schemas.microsoft.com/office/word/2016/wordml/cid" xmlns:w16se="http://schemas.microsoft.com/office/word/2015/wordml/symex" xmlns:a14="http://schemas.microsoft.com/office/drawing/2010/main" xmlns:w="http://schemas.openxmlformats.org/wordprocessingml/2006/main" xmlns:w10="urn:schemas-microsoft-com:office:word" xmlns:v="urn:schemas-microsoft-com:vml" xmlns:o="urn:schemas-microsoft-com:office:office" xmlns:mv="urn:schemas-microsoft-com:mac:vml" xmlns:mo="http://schemas.microsoft.com/office/mac/office/2008/main" xmlns="" xmlns:arto="http://schemas.microsoft.com/office/word/2006/arto" xmlns:lc="http://schemas.openxmlformats.org/drawingml/2006/lockedCanvas">
+                <a14:hiddenFill xmlns:lc="http://schemas.openxmlformats.org/drawingml/2006/lockedCanvas" xmlns:arto="http://schemas.microsoft.com/office/word/2006/arto" xmlns="" xmlns:mo="http://schemas.microsoft.com/office/mac/office/2008/main" xmlns:mv="urn:schemas-microsoft-com:mac:vml" xmlns:o="urn:schemas-microsoft-com:office:office" xmlns:v="urn:schemas-microsoft-com:vml" xmlns:w10="urn:schemas-microsoft-com:office:word" xmlns:w="http://schemas.openxmlformats.org/wordprocessingml/2006/main" xmlns:a14="http://schemas.microsoft.com/office/drawing/2010/main" xmlns:w16se="http://schemas.microsoft.com/office/word/2015/wordml/symex" xmlns:w16cid="http://schemas.microsoft.com/office/word/2016/wordml/cid" xmlns:am3d="http://schemas.microsoft.com/office/drawing/2017/model3d" xmlns:aink="http://schemas.microsoft.com/office/drawing/2016/ink" xmlns:cx8="http://schemas.microsoft.com/office/drawing/2016/5/14/chartex" xmlns:cx7="http://schemas.microsoft.com/office/drawing/2016/5/13/chartex" xmlns:cx6="http://schemas.microsoft.com/office/drawing/2016/5/12/chartex" xmlns:cx5="http://schemas.microsoft.com/office/drawing/2016/5/11/chartex" xmlns:cx4="http://schemas.microsoft.com/office/drawing/2016/5/10/chartex" xmlns:cx3="http://schemas.microsoft.com/office/drawing/2016/5/9/chartex" xmlns:cx2="http://schemas.microsoft.com/office/drawing/2015/10/21/chartex" xmlns:cx1="http://schemas.microsoft.com/office/drawing/2015/9/8/chartex" xmlns:cx="http://schemas.microsoft.com/office/drawing/2014/chartex" xmlns:wps="http://schemas.microsoft.com/office/word/2010/wordprocessingShape" xmlns:wne="http://schemas.microsoft.com/office/word/2006/wordml" xmlns:wpi="http://schemas.microsoft.com/office/word/2010/wordprocessingInk" xmlns:wpg="http://schemas.microsoft.com/office/word/2010/wordprocessingGroup" xmlns:w15="http://schemas.microsoft.com/office/word/2012/wordml" xmlns:w14="http://schemas.microsoft.com/office/word/2010/wordml" xmlns:wp="http://schemas.openxmlformats.org/drawingml/2006/wordprocessingDrawing" xmlns:wp14="http://schemas.microsoft.com/office/word/2010/wordprocessingDrawing" xmlns:m="http://schemas.openxmlformats.org/officeDocument/2006/math" xmlns:mc="http://schemas.openxmlformats.org/markup-compatibility/2006" xmlns:wpc="http://schemas.microsoft.com/office/word/2010/wordprocessingCanvas">
                   <a:noFill/>
                 </a14:hiddenFill>
               </a:ext>
@@ -4587,24 +4132,15 @@
             </a:bodyPr>
             <a:lstStyle/>
             <a:p>
-              <a:pPr marL="0" marR="0" algn="ctr">
-                <a:spcBef>
-                  <a:spcPts val="0"/>
-                </a:spcBef>
-                <a:spcAft>
-                  <a:spcPts val="0"/>
-                </a:spcAft>
-              </a:pPr>
+              <a:pPr algn="ctr"/>
               <a:r>
                 <a:rPr lang="en-US" sz="1000" b="1">
-                  <a:effectLst/>
                   <a:latin typeface="Times New Roman" panose="02020603050405020304" pitchFamily="18" charset="0"/>
                   <a:ea typeface="Arial Unicode MS" panose="020B0604020202020204" pitchFamily="34" charset="-128"/>
                 </a:rPr>
                 <a:t>Clinical Data Consumer</a:t>
               </a:r>
               <a:endParaRPr lang="en-US" sz="1200">
-                <a:effectLst/>
                 <a:latin typeface="Times New Roman" panose="02020603050405020304" pitchFamily="18" charset="0"/>
                 <a:ea typeface="Times New Roman" panose="02020603050405020304" pitchFamily="18" charset="0"/>
               </a:endParaRPr>
@@ -4645,7 +4181,7 @@
             </a:ln>
             <a:extLst>
               <a:ext uri="{909E8E84-426E-40dd-AFC4-6F175D3DCCD1}">
-                <a14:hiddenFill xmlns:wpc="http://schemas.microsoft.com/office/word/2010/wordprocessingCanvas" xmlns:mc="http://schemas.openxmlformats.org/markup-compatibility/2006" xmlns:m="http://schemas.openxmlformats.org/officeDocument/2006/math" xmlns:wp14="http://schemas.microsoft.com/office/word/2010/wordprocessingDrawing" xmlns:wp="http://schemas.openxmlformats.org/drawingml/2006/wordprocessingDrawing" xmlns:w14="http://schemas.microsoft.com/office/word/2010/wordml" xmlns:w15="http://schemas.microsoft.com/office/word/2012/wordml" xmlns:wpg="http://schemas.microsoft.com/office/word/2010/wordprocessingGroup" xmlns:wpi="http://schemas.microsoft.com/office/word/2010/wordprocessingInk" xmlns:wne="http://schemas.microsoft.com/office/word/2006/wordml" xmlns:wps="http://schemas.microsoft.com/office/word/2010/wordprocessingShape" xmlns:cx="http://schemas.microsoft.com/office/drawing/2014/chartex" xmlns:cx1="http://schemas.microsoft.com/office/drawing/2015/9/8/chartex" xmlns:cx2="http://schemas.microsoft.com/office/drawing/2015/10/21/chartex" xmlns:cx3="http://schemas.microsoft.com/office/drawing/2016/5/9/chartex" xmlns:cx4="http://schemas.microsoft.com/office/drawing/2016/5/10/chartex" xmlns:cx5="http://schemas.microsoft.com/office/drawing/2016/5/11/chartex" xmlns:cx6="http://schemas.microsoft.com/office/drawing/2016/5/12/chartex" xmlns:cx7="http://schemas.microsoft.com/office/drawing/2016/5/13/chartex" xmlns:cx8="http://schemas.microsoft.com/office/drawing/2016/5/14/chartex" xmlns:aink="http://schemas.microsoft.com/office/drawing/2016/ink" xmlns:am3d="http://schemas.microsoft.com/office/drawing/2017/model3d" xmlns:w16cid="http://schemas.microsoft.com/office/word/2016/wordml/cid" xmlns:w16se="http://schemas.microsoft.com/office/word/2015/wordml/symex" xmlns:a14="http://schemas.microsoft.com/office/drawing/2010/main" xmlns:w="http://schemas.openxmlformats.org/wordprocessingml/2006/main" xmlns:w10="urn:schemas-microsoft-com:office:word" xmlns:v="urn:schemas-microsoft-com:vml" xmlns:o="urn:schemas-microsoft-com:office:office" xmlns:mv="urn:schemas-microsoft-com:mac:vml" xmlns:mo="http://schemas.microsoft.com/office/mac/office/2008/main" xmlns="" xmlns:arto="http://schemas.microsoft.com/office/word/2006/arto" xmlns:lc="http://schemas.openxmlformats.org/drawingml/2006/lockedCanvas">
+                <a14:hiddenFill xmlns:lc="http://schemas.openxmlformats.org/drawingml/2006/lockedCanvas" xmlns:arto="http://schemas.microsoft.com/office/word/2006/arto" xmlns="" xmlns:mo="http://schemas.microsoft.com/office/mac/office/2008/main" xmlns:mv="urn:schemas-microsoft-com:mac:vml" xmlns:o="urn:schemas-microsoft-com:office:office" xmlns:v="urn:schemas-microsoft-com:vml" xmlns:w10="urn:schemas-microsoft-com:office:word" xmlns:w="http://schemas.openxmlformats.org/wordprocessingml/2006/main" xmlns:a14="http://schemas.microsoft.com/office/drawing/2010/main" xmlns:w16se="http://schemas.microsoft.com/office/word/2015/wordml/symex" xmlns:w16cid="http://schemas.microsoft.com/office/word/2016/wordml/cid" xmlns:am3d="http://schemas.microsoft.com/office/drawing/2017/model3d" xmlns:aink="http://schemas.microsoft.com/office/drawing/2016/ink" xmlns:cx8="http://schemas.microsoft.com/office/drawing/2016/5/14/chartex" xmlns:cx7="http://schemas.microsoft.com/office/drawing/2016/5/13/chartex" xmlns:cx6="http://schemas.microsoft.com/office/drawing/2016/5/12/chartex" xmlns:cx5="http://schemas.microsoft.com/office/drawing/2016/5/11/chartex" xmlns:cx4="http://schemas.microsoft.com/office/drawing/2016/5/10/chartex" xmlns:cx3="http://schemas.microsoft.com/office/drawing/2016/5/9/chartex" xmlns:cx2="http://schemas.microsoft.com/office/drawing/2015/10/21/chartex" xmlns:cx1="http://schemas.microsoft.com/office/drawing/2015/9/8/chartex" xmlns:cx="http://schemas.microsoft.com/office/drawing/2014/chartex" xmlns:wps="http://schemas.microsoft.com/office/word/2010/wordprocessingShape" xmlns:wne="http://schemas.microsoft.com/office/word/2006/wordml" xmlns:wpi="http://schemas.microsoft.com/office/word/2010/wordprocessingInk" xmlns:wpg="http://schemas.microsoft.com/office/word/2010/wordprocessingGroup" xmlns:w15="http://schemas.microsoft.com/office/word/2012/wordml" xmlns:w14="http://schemas.microsoft.com/office/word/2010/wordml" xmlns:wp="http://schemas.openxmlformats.org/drawingml/2006/wordprocessingDrawing" xmlns:wp14="http://schemas.microsoft.com/office/word/2010/wordprocessingDrawing" xmlns:m="http://schemas.openxmlformats.org/officeDocument/2006/math" xmlns:mc="http://schemas.openxmlformats.org/markup-compatibility/2006" xmlns:wpc="http://schemas.microsoft.com/office/word/2010/wordprocessingCanvas">
                   <a:noFill/>
                 </a14:hiddenFill>
               </a:ext>
@@ -4680,14 +4216,14 @@
             </a:ln>
             <a:extLst>
               <a:ext uri="{909E8E84-426E-40dd-AFC4-6F175D3DCCD1}">
-                <a14:hiddenFill xmlns:wpc="http://schemas.microsoft.com/office/word/2010/wordprocessingCanvas" xmlns:mc="http://schemas.openxmlformats.org/markup-compatibility/2006" xmlns:m="http://schemas.openxmlformats.org/officeDocument/2006/math" xmlns:wp14="http://schemas.microsoft.com/office/word/2010/wordprocessingDrawing" xmlns:wp="http://schemas.openxmlformats.org/drawingml/2006/wordprocessingDrawing" xmlns:w14="http://schemas.microsoft.com/office/word/2010/wordml" xmlns:w15="http://schemas.microsoft.com/office/word/2012/wordml" xmlns:wpg="http://schemas.microsoft.com/office/word/2010/wordprocessingGroup" xmlns:wpi="http://schemas.microsoft.com/office/word/2010/wordprocessingInk" xmlns:wne="http://schemas.microsoft.com/office/word/2006/wordml" xmlns:wps="http://schemas.microsoft.com/office/word/2010/wordprocessingShape" xmlns:cx="http://schemas.microsoft.com/office/drawing/2014/chartex" xmlns:cx1="http://schemas.microsoft.com/office/drawing/2015/9/8/chartex" xmlns:cx2="http://schemas.microsoft.com/office/drawing/2015/10/21/chartex" xmlns:cx3="http://schemas.microsoft.com/office/drawing/2016/5/9/chartex" xmlns:cx4="http://schemas.microsoft.com/office/drawing/2016/5/10/chartex" xmlns:cx5="http://schemas.microsoft.com/office/drawing/2016/5/11/chartex" xmlns:cx6="http://schemas.microsoft.com/office/drawing/2016/5/12/chartex" xmlns:cx7="http://schemas.microsoft.com/office/drawing/2016/5/13/chartex" xmlns:cx8="http://schemas.microsoft.com/office/drawing/2016/5/14/chartex" xmlns:aink="http://schemas.microsoft.com/office/drawing/2016/ink" xmlns:am3d="http://schemas.microsoft.com/office/drawing/2017/model3d" xmlns:w16cid="http://schemas.microsoft.com/office/word/2016/wordml/cid" xmlns:w16se="http://schemas.microsoft.com/office/word/2015/wordml/symex" xmlns:a14="http://schemas.microsoft.com/office/drawing/2010/main" xmlns:w="http://schemas.openxmlformats.org/wordprocessingml/2006/main" xmlns:w10="urn:schemas-microsoft-com:office:word" xmlns:v="urn:schemas-microsoft-com:vml" xmlns:o="urn:schemas-microsoft-com:office:office" xmlns:mv="urn:schemas-microsoft-com:mac:vml" xmlns:mo="http://schemas.microsoft.com/office/mac/office/2008/main" xmlns="" xmlns:arto="http://schemas.microsoft.com/office/word/2006/arto" xmlns:lc="http://schemas.openxmlformats.org/drawingml/2006/lockedCanvas">
+                <a14:hiddenFill xmlns:lc="http://schemas.openxmlformats.org/drawingml/2006/lockedCanvas" xmlns:arto="http://schemas.microsoft.com/office/word/2006/arto" xmlns="" xmlns:mo="http://schemas.microsoft.com/office/mac/office/2008/main" xmlns:mv="urn:schemas-microsoft-com:mac:vml" xmlns:o="urn:schemas-microsoft-com:office:office" xmlns:v="urn:schemas-microsoft-com:vml" xmlns:w10="urn:schemas-microsoft-com:office:word" xmlns:w="http://schemas.openxmlformats.org/wordprocessingml/2006/main" xmlns:a14="http://schemas.microsoft.com/office/drawing/2010/main" xmlns:w16se="http://schemas.microsoft.com/office/word/2015/wordml/symex" xmlns:w16cid="http://schemas.microsoft.com/office/word/2016/wordml/cid" xmlns:am3d="http://schemas.microsoft.com/office/drawing/2017/model3d" xmlns:aink="http://schemas.microsoft.com/office/drawing/2016/ink" xmlns:cx8="http://schemas.microsoft.com/office/drawing/2016/5/14/chartex" xmlns:cx7="http://schemas.microsoft.com/office/drawing/2016/5/13/chartex" xmlns:cx6="http://schemas.microsoft.com/office/drawing/2016/5/12/chartex" xmlns:cx5="http://schemas.microsoft.com/office/drawing/2016/5/11/chartex" xmlns:cx4="http://schemas.microsoft.com/office/drawing/2016/5/10/chartex" xmlns:cx3="http://schemas.microsoft.com/office/drawing/2016/5/9/chartex" xmlns:cx2="http://schemas.microsoft.com/office/drawing/2015/10/21/chartex" xmlns:cx1="http://schemas.microsoft.com/office/drawing/2015/9/8/chartex" xmlns:cx="http://schemas.microsoft.com/office/drawing/2014/chartex" xmlns:wps="http://schemas.microsoft.com/office/word/2010/wordprocessingShape" xmlns:wne="http://schemas.microsoft.com/office/word/2006/wordml" xmlns:wpi="http://schemas.microsoft.com/office/word/2010/wordprocessingInk" xmlns:wpg="http://schemas.microsoft.com/office/word/2010/wordprocessingGroup" xmlns:w15="http://schemas.microsoft.com/office/word/2012/wordml" xmlns:w14="http://schemas.microsoft.com/office/word/2010/wordml" xmlns:wp="http://schemas.openxmlformats.org/drawingml/2006/wordprocessingDrawing" xmlns:wp14="http://schemas.microsoft.com/office/word/2010/wordprocessingDrawing" xmlns:m="http://schemas.openxmlformats.org/officeDocument/2006/math" xmlns:mc="http://schemas.openxmlformats.org/markup-compatibility/2006" xmlns:wpc="http://schemas.microsoft.com/office/word/2010/wordprocessingCanvas">
                   <a:solidFill>
                     <a:srgbClr val="FFFFFF"/>
                   </a:solidFill>
                 </a14:hiddenFill>
               </a:ext>
               <a:ext uri="{91240B29-F687-4f45-9708-019B960494DF}">
-                <a14:hiddenLine xmlns:wpc="http://schemas.microsoft.com/office/word/2010/wordprocessingCanvas" xmlns:mc="http://schemas.openxmlformats.org/markup-compatibility/2006" xmlns:m="http://schemas.openxmlformats.org/officeDocument/2006/math" xmlns:wp14="http://schemas.microsoft.com/office/word/2010/wordprocessingDrawing" xmlns:wp="http://schemas.openxmlformats.org/drawingml/2006/wordprocessingDrawing" xmlns:w14="http://schemas.microsoft.com/office/word/2010/wordml" xmlns:w15="http://schemas.microsoft.com/office/word/2012/wordml" xmlns:wpg="http://schemas.microsoft.com/office/word/2010/wordprocessingGroup" xmlns:wpi="http://schemas.microsoft.com/office/word/2010/wordprocessingInk" xmlns:wne="http://schemas.microsoft.com/office/word/2006/wordml" xmlns:wps="http://schemas.microsoft.com/office/word/2010/wordprocessingShape" xmlns:cx="http://schemas.microsoft.com/office/drawing/2014/chartex" xmlns:cx1="http://schemas.microsoft.com/office/drawing/2015/9/8/chartex" xmlns:cx2="http://schemas.microsoft.com/office/drawing/2015/10/21/chartex" xmlns:cx3="http://schemas.microsoft.com/office/drawing/2016/5/9/chartex" xmlns:cx4="http://schemas.microsoft.com/office/drawing/2016/5/10/chartex" xmlns:cx5="http://schemas.microsoft.com/office/drawing/2016/5/11/chartex" xmlns:cx6="http://schemas.microsoft.com/office/drawing/2016/5/12/chartex" xmlns:cx7="http://schemas.microsoft.com/office/drawing/2016/5/13/chartex" xmlns:cx8="http://schemas.microsoft.com/office/drawing/2016/5/14/chartex" xmlns:aink="http://schemas.microsoft.com/office/drawing/2016/ink" xmlns:am3d="http://schemas.microsoft.com/office/drawing/2017/model3d" xmlns:w16cid="http://schemas.microsoft.com/office/word/2016/wordml/cid" xmlns:w16se="http://schemas.microsoft.com/office/word/2015/wordml/symex" xmlns:a14="http://schemas.microsoft.com/office/drawing/2010/main" xmlns:w="http://schemas.openxmlformats.org/wordprocessingml/2006/main" xmlns:w10="urn:schemas-microsoft-com:office:word" xmlns:v="urn:schemas-microsoft-com:vml" xmlns:o="urn:schemas-microsoft-com:office:office" xmlns:mv="urn:schemas-microsoft-com:mac:vml" xmlns:mo="http://schemas.microsoft.com/office/mac/office/2008/main" xmlns="" xmlns:arto="http://schemas.microsoft.com/office/word/2006/arto" xmlns:lc="http://schemas.openxmlformats.org/drawingml/2006/lockedCanvas" w="9525">
+                <a14:hiddenLine xmlns:lc="http://schemas.openxmlformats.org/drawingml/2006/lockedCanvas" xmlns:arto="http://schemas.microsoft.com/office/word/2006/arto" xmlns="" xmlns:mo="http://schemas.microsoft.com/office/mac/office/2008/main" xmlns:mv="urn:schemas-microsoft-com:mac:vml" xmlns:o="urn:schemas-microsoft-com:office:office" xmlns:v="urn:schemas-microsoft-com:vml" xmlns:w10="urn:schemas-microsoft-com:office:word" xmlns:w="http://schemas.openxmlformats.org/wordprocessingml/2006/main" xmlns:a14="http://schemas.microsoft.com/office/drawing/2010/main" xmlns:w16se="http://schemas.microsoft.com/office/word/2015/wordml/symex" xmlns:w16cid="http://schemas.microsoft.com/office/word/2016/wordml/cid" xmlns:am3d="http://schemas.microsoft.com/office/drawing/2017/model3d" xmlns:aink="http://schemas.microsoft.com/office/drawing/2016/ink" xmlns:cx8="http://schemas.microsoft.com/office/drawing/2016/5/14/chartex" xmlns:cx7="http://schemas.microsoft.com/office/drawing/2016/5/13/chartex" xmlns:cx6="http://schemas.microsoft.com/office/drawing/2016/5/12/chartex" xmlns:cx5="http://schemas.microsoft.com/office/drawing/2016/5/11/chartex" xmlns:cx4="http://schemas.microsoft.com/office/drawing/2016/5/10/chartex" xmlns:cx3="http://schemas.microsoft.com/office/drawing/2016/5/9/chartex" xmlns:cx2="http://schemas.microsoft.com/office/drawing/2015/10/21/chartex" xmlns:cx1="http://schemas.microsoft.com/office/drawing/2015/9/8/chartex" xmlns:cx="http://schemas.microsoft.com/office/drawing/2014/chartex" xmlns:wps="http://schemas.microsoft.com/office/word/2010/wordprocessingShape" xmlns:wne="http://schemas.microsoft.com/office/word/2006/wordml" xmlns:wpi="http://schemas.microsoft.com/office/word/2010/wordprocessingInk" xmlns:wpg="http://schemas.microsoft.com/office/word/2010/wordprocessingGroup" xmlns:w15="http://schemas.microsoft.com/office/word/2012/wordml" xmlns:w14="http://schemas.microsoft.com/office/word/2010/wordml" xmlns:wp="http://schemas.openxmlformats.org/drawingml/2006/wordprocessingDrawing" xmlns:wp14="http://schemas.microsoft.com/office/word/2010/wordprocessingDrawing" xmlns:m="http://schemas.openxmlformats.org/officeDocument/2006/math" xmlns:mc="http://schemas.openxmlformats.org/markup-compatibility/2006" xmlns:wpc="http://schemas.microsoft.com/office/word/2010/wordprocessingCanvas" w="9525">
                   <a:solidFill>
                     <a:srgbClr val="000000"/>
                   </a:solidFill>
@@ -4704,20 +4240,12 @@
             </a:bodyPr>
             <a:lstStyle/>
             <a:p>
-              <a:pPr marL="0" marR="0" algn="ctr">
-                <a:spcBef>
-                  <a:spcPts val="0"/>
-                </a:spcBef>
-                <a:spcAft>
-                  <a:spcPts val="0"/>
-                </a:spcAft>
-              </a:pPr>
+              <a:pPr algn="ctr"/>
               <a:r>
                 <a:rPr lang="it-IT" sz="1200" b="1">
                   <a:solidFill>
                     <a:srgbClr val="2F5496"/>
                   </a:solidFill>
-                  <a:effectLst/>
                   <a:latin typeface="Times New Roman" panose="02020603050405020304" pitchFamily="18" charset="0"/>
                   <a:ea typeface="Arial Unicode MS" panose="020B0604020202020204" pitchFamily="34" charset="-128"/>
                 </a:rPr>
@@ -4728,40 +4256,29 @@
                   <a:solidFill>
                     <a:srgbClr val="2F5496"/>
                   </a:solidFill>
-                  <a:effectLst/>
                   <a:latin typeface="Times New Roman" panose="02020603050405020304" pitchFamily="18" charset="0"/>
                   <a:ea typeface="Arial Unicode MS" panose="020B0604020202020204" pitchFamily="34" charset="-128"/>
                 </a:rPr>
                 <a:t>Element Provenance</a:t>
               </a:r>
               <a:endParaRPr lang="en-US" sz="1200">
-                <a:effectLst/>
                 <a:latin typeface="Times New Roman" panose="02020603050405020304" pitchFamily="18" charset="0"/>
                 <a:ea typeface="Times New Roman" panose="02020603050405020304" pitchFamily="18" charset="0"/>
               </a:endParaRPr>
             </a:p>
             <a:p>
-              <a:pPr marL="0" marR="0" algn="ctr">
-                <a:spcBef>
-                  <a:spcPts val="0"/>
-                </a:spcBef>
-                <a:spcAft>
-                  <a:spcPts val="0"/>
-                </a:spcAft>
-              </a:pPr>
+              <a:pPr algn="ctr"/>
               <a:r>
                 <a:rPr lang="it-IT" sz="1200" b="1">
                   <a:solidFill>
                     <a:srgbClr val="2F5496"/>
                   </a:solidFill>
-                  <a:effectLst/>
                   <a:latin typeface="Times New Roman" panose="02020603050405020304" pitchFamily="18" charset="0"/>
                   <a:ea typeface="Arial Unicode MS" panose="020B0604020202020204" pitchFamily="34" charset="-128"/>
                 </a:rPr>
                 <a:t>Consumer</a:t>
               </a:r>
               <a:endParaRPr lang="en-US" sz="1200">
-                <a:effectLst/>
                 <a:latin typeface="Times New Roman" panose="02020603050405020304" pitchFamily="18" charset="0"/>
                 <a:ea typeface="Times New Roman" panose="02020603050405020304" pitchFamily="18" charset="0"/>
               </a:endParaRPr>
@@ -4808,24 +4325,15 @@
             </a:bodyPr>
             <a:lstStyle/>
             <a:p>
-              <a:pPr marL="0" marR="0" algn="ctr">
-                <a:spcBef>
-                  <a:spcPts val="0"/>
-                </a:spcBef>
-                <a:spcAft>
-                  <a:spcPts val="0"/>
-                </a:spcAft>
-              </a:pPr>
+              <a:pPr algn="ctr"/>
               <a:r>
                 <a:rPr lang="en-US" sz="1000" b="1">
-                  <a:effectLst/>
                   <a:latin typeface="Times New Roman" panose="02020603050405020304" pitchFamily="18" charset="0"/>
                   <a:ea typeface="Arial Unicode MS" panose="020B0604020202020204" pitchFamily="34" charset="-128"/>
                 </a:rPr>
                 <a:t>Document Source</a:t>
               </a:r>
               <a:endParaRPr lang="en-US" sz="1200">
-                <a:effectLst/>
                 <a:latin typeface="Times New Roman" panose="02020603050405020304" pitchFamily="18" charset="0"/>
                 <a:ea typeface="Times New Roman" panose="02020603050405020304" pitchFamily="18" charset="0"/>
               </a:endParaRPr>
@@ -4860,14 +4368,14 @@
             </a:ln>
             <a:extLst>
               <a:ext uri="{909E8E84-426E-40dd-AFC4-6F175D3DCCD1}">
-                <a14:hiddenFill xmlns:wpc="http://schemas.microsoft.com/office/word/2010/wordprocessingCanvas" xmlns:mc="http://schemas.openxmlformats.org/markup-compatibility/2006" xmlns:m="http://schemas.openxmlformats.org/officeDocument/2006/math" xmlns:wp14="http://schemas.microsoft.com/office/word/2010/wordprocessingDrawing" xmlns:wp="http://schemas.openxmlformats.org/drawingml/2006/wordprocessingDrawing" xmlns:w14="http://schemas.microsoft.com/office/word/2010/wordml" xmlns:w15="http://schemas.microsoft.com/office/word/2012/wordml" xmlns:wpg="http://schemas.microsoft.com/office/word/2010/wordprocessingGroup" xmlns:wpi="http://schemas.microsoft.com/office/word/2010/wordprocessingInk" xmlns:wne="http://schemas.microsoft.com/office/word/2006/wordml" xmlns:wps="http://schemas.microsoft.com/office/word/2010/wordprocessingShape" xmlns:cx="http://schemas.microsoft.com/office/drawing/2014/chartex" xmlns:cx1="http://schemas.microsoft.com/office/drawing/2015/9/8/chartex" xmlns:cx2="http://schemas.microsoft.com/office/drawing/2015/10/21/chartex" xmlns:cx3="http://schemas.microsoft.com/office/drawing/2016/5/9/chartex" xmlns:cx4="http://schemas.microsoft.com/office/drawing/2016/5/10/chartex" xmlns:cx5="http://schemas.microsoft.com/office/drawing/2016/5/11/chartex" xmlns:cx6="http://schemas.microsoft.com/office/drawing/2016/5/12/chartex" xmlns:cx7="http://schemas.microsoft.com/office/drawing/2016/5/13/chartex" xmlns:cx8="http://schemas.microsoft.com/office/drawing/2016/5/14/chartex" xmlns:aink="http://schemas.microsoft.com/office/drawing/2016/ink" xmlns:am3d="http://schemas.microsoft.com/office/drawing/2017/model3d" xmlns:w16cid="http://schemas.microsoft.com/office/word/2016/wordml/cid" xmlns:w16se="http://schemas.microsoft.com/office/word/2015/wordml/symex" xmlns:a14="http://schemas.microsoft.com/office/drawing/2010/main" xmlns:w="http://schemas.openxmlformats.org/wordprocessingml/2006/main" xmlns:w10="urn:schemas-microsoft-com:office:word" xmlns:v="urn:schemas-microsoft-com:vml" xmlns:o="urn:schemas-microsoft-com:office:office" xmlns:mv="urn:schemas-microsoft-com:mac:vml" xmlns:mo="http://schemas.microsoft.com/office/mac/office/2008/main" xmlns="" xmlns:arto="http://schemas.microsoft.com/office/word/2006/arto" xmlns:lc="http://schemas.openxmlformats.org/drawingml/2006/lockedCanvas">
+                <a14:hiddenFill xmlns:lc="http://schemas.openxmlformats.org/drawingml/2006/lockedCanvas" xmlns:arto="http://schemas.microsoft.com/office/word/2006/arto" xmlns="" xmlns:mo="http://schemas.microsoft.com/office/mac/office/2008/main" xmlns:mv="urn:schemas-microsoft-com:mac:vml" xmlns:o="urn:schemas-microsoft-com:office:office" xmlns:v="urn:schemas-microsoft-com:vml" xmlns:w10="urn:schemas-microsoft-com:office:word" xmlns:w="http://schemas.openxmlformats.org/wordprocessingml/2006/main" xmlns:a14="http://schemas.microsoft.com/office/drawing/2010/main" xmlns:w16se="http://schemas.microsoft.com/office/word/2015/wordml/symex" xmlns:w16cid="http://schemas.microsoft.com/office/word/2016/wordml/cid" xmlns:am3d="http://schemas.microsoft.com/office/drawing/2017/model3d" xmlns:aink="http://schemas.microsoft.com/office/drawing/2016/ink" xmlns:cx8="http://schemas.microsoft.com/office/drawing/2016/5/14/chartex" xmlns:cx7="http://schemas.microsoft.com/office/drawing/2016/5/13/chartex" xmlns:cx6="http://schemas.microsoft.com/office/drawing/2016/5/12/chartex" xmlns:cx5="http://schemas.microsoft.com/office/drawing/2016/5/11/chartex" xmlns:cx4="http://schemas.microsoft.com/office/drawing/2016/5/10/chartex" xmlns:cx3="http://schemas.microsoft.com/office/drawing/2016/5/9/chartex" xmlns:cx2="http://schemas.microsoft.com/office/drawing/2015/10/21/chartex" xmlns:cx1="http://schemas.microsoft.com/office/drawing/2015/9/8/chartex" xmlns:cx="http://schemas.microsoft.com/office/drawing/2014/chartex" xmlns:wps="http://schemas.microsoft.com/office/word/2010/wordprocessingShape" xmlns:wne="http://schemas.microsoft.com/office/word/2006/wordml" xmlns:wpi="http://schemas.microsoft.com/office/word/2010/wordprocessingInk" xmlns:wpg="http://schemas.microsoft.com/office/word/2010/wordprocessingGroup" xmlns:w15="http://schemas.microsoft.com/office/word/2012/wordml" xmlns:w14="http://schemas.microsoft.com/office/word/2010/wordml" xmlns:wp="http://schemas.openxmlformats.org/drawingml/2006/wordprocessingDrawing" xmlns:wp14="http://schemas.microsoft.com/office/word/2010/wordprocessingDrawing" xmlns:m="http://schemas.openxmlformats.org/officeDocument/2006/math" xmlns:mc="http://schemas.openxmlformats.org/markup-compatibility/2006" xmlns:wpc="http://schemas.microsoft.com/office/word/2010/wordprocessingCanvas">
                   <a:solidFill>
                     <a:srgbClr val="FFFFFF"/>
                   </a:solidFill>
                 </a14:hiddenFill>
               </a:ext>
               <a:ext uri="{91240B29-F687-4f45-9708-019B960494DF}">
-                <a14:hiddenLine xmlns:wpc="http://schemas.microsoft.com/office/word/2010/wordprocessingCanvas" xmlns:mc="http://schemas.openxmlformats.org/markup-compatibility/2006" xmlns:m="http://schemas.openxmlformats.org/officeDocument/2006/math" xmlns:wp14="http://schemas.microsoft.com/office/word/2010/wordprocessingDrawing" xmlns:wp="http://schemas.openxmlformats.org/drawingml/2006/wordprocessingDrawing" xmlns:w14="http://schemas.microsoft.com/office/word/2010/wordml" xmlns:w15="http://schemas.microsoft.com/office/word/2012/wordml" xmlns:wpg="http://schemas.microsoft.com/office/word/2010/wordprocessingGroup" xmlns:wpi="http://schemas.microsoft.com/office/word/2010/wordprocessingInk" xmlns:wne="http://schemas.microsoft.com/office/word/2006/wordml" xmlns:wps="http://schemas.microsoft.com/office/word/2010/wordprocessingShape" xmlns:cx="http://schemas.microsoft.com/office/drawing/2014/chartex" xmlns:cx1="http://schemas.microsoft.com/office/drawing/2015/9/8/chartex" xmlns:cx2="http://schemas.microsoft.com/office/drawing/2015/10/21/chartex" xmlns:cx3="http://schemas.microsoft.com/office/drawing/2016/5/9/chartex" xmlns:cx4="http://schemas.microsoft.com/office/drawing/2016/5/10/chartex" xmlns:cx5="http://schemas.microsoft.com/office/drawing/2016/5/11/chartex" xmlns:cx6="http://schemas.microsoft.com/office/drawing/2016/5/12/chartex" xmlns:cx7="http://schemas.microsoft.com/office/drawing/2016/5/13/chartex" xmlns:cx8="http://schemas.microsoft.com/office/drawing/2016/5/14/chartex" xmlns:aink="http://schemas.microsoft.com/office/drawing/2016/ink" xmlns:am3d="http://schemas.microsoft.com/office/drawing/2017/model3d" xmlns:w16cid="http://schemas.microsoft.com/office/word/2016/wordml/cid" xmlns:w16se="http://schemas.microsoft.com/office/word/2015/wordml/symex" xmlns:a14="http://schemas.microsoft.com/office/drawing/2010/main" xmlns:w="http://schemas.openxmlformats.org/wordprocessingml/2006/main" xmlns:w10="urn:schemas-microsoft-com:office:word" xmlns:v="urn:schemas-microsoft-com:vml" xmlns:o="urn:schemas-microsoft-com:office:office" xmlns:mv="urn:schemas-microsoft-com:mac:vml" xmlns:mo="http://schemas.microsoft.com/office/mac/office/2008/main" xmlns="" xmlns:arto="http://schemas.microsoft.com/office/word/2006/arto" xmlns:lc="http://schemas.openxmlformats.org/drawingml/2006/lockedCanvas" w="9525">
+                <a14:hiddenLine xmlns:lc="http://schemas.openxmlformats.org/drawingml/2006/lockedCanvas" xmlns:arto="http://schemas.microsoft.com/office/word/2006/arto" xmlns="" xmlns:mo="http://schemas.microsoft.com/office/mac/office/2008/main" xmlns:mv="urn:schemas-microsoft-com:mac:vml" xmlns:o="urn:schemas-microsoft-com:office:office" xmlns:v="urn:schemas-microsoft-com:vml" xmlns:w10="urn:schemas-microsoft-com:office:word" xmlns:w="http://schemas.openxmlformats.org/wordprocessingml/2006/main" xmlns:a14="http://schemas.microsoft.com/office/drawing/2010/main" xmlns:w16se="http://schemas.microsoft.com/office/word/2015/wordml/symex" xmlns:w16cid="http://schemas.microsoft.com/office/word/2016/wordml/cid" xmlns:am3d="http://schemas.microsoft.com/office/drawing/2017/model3d" xmlns:aink="http://schemas.microsoft.com/office/drawing/2016/ink" xmlns:cx8="http://schemas.microsoft.com/office/drawing/2016/5/14/chartex" xmlns:cx7="http://schemas.microsoft.com/office/drawing/2016/5/13/chartex" xmlns:cx6="http://schemas.microsoft.com/office/drawing/2016/5/12/chartex" xmlns:cx5="http://schemas.microsoft.com/office/drawing/2016/5/11/chartex" xmlns:cx4="http://schemas.microsoft.com/office/drawing/2016/5/10/chartex" xmlns:cx3="http://schemas.microsoft.com/office/drawing/2016/5/9/chartex" xmlns:cx2="http://schemas.microsoft.com/office/drawing/2015/10/21/chartex" xmlns:cx1="http://schemas.microsoft.com/office/drawing/2015/9/8/chartex" xmlns:cx="http://schemas.microsoft.com/office/drawing/2014/chartex" xmlns:wps="http://schemas.microsoft.com/office/word/2010/wordprocessingShape" xmlns:wne="http://schemas.microsoft.com/office/word/2006/wordml" xmlns:wpi="http://schemas.microsoft.com/office/word/2010/wordprocessingInk" xmlns:wpg="http://schemas.microsoft.com/office/word/2010/wordprocessingGroup" xmlns:w15="http://schemas.microsoft.com/office/word/2012/wordml" xmlns:w14="http://schemas.microsoft.com/office/word/2010/wordml" xmlns:wp="http://schemas.openxmlformats.org/drawingml/2006/wordprocessingDrawing" xmlns:wp14="http://schemas.microsoft.com/office/word/2010/wordprocessingDrawing" xmlns:m="http://schemas.openxmlformats.org/officeDocument/2006/math" xmlns:mc="http://schemas.openxmlformats.org/markup-compatibility/2006" xmlns:wpc="http://schemas.microsoft.com/office/word/2010/wordprocessingCanvas" w="9525">
                   <a:solidFill>
                     <a:srgbClr val="000000"/>
                   </a:solidFill>
@@ -4884,24 +4392,15 @@
             </a:bodyPr>
             <a:lstStyle/>
             <a:p>
-              <a:pPr marL="0" marR="0" algn="ctr">
-                <a:spcBef>
-                  <a:spcPts val="0"/>
-                </a:spcBef>
-                <a:spcAft>
-                  <a:spcPts val="0"/>
-                </a:spcAft>
-              </a:pPr>
+              <a:pPr algn="ctr"/>
               <a:r>
                 <a:rPr lang="en-US" sz="900">
-                  <a:effectLst/>
                   <a:latin typeface="Times New Roman" panose="02020603050405020304" pitchFamily="18" charset="0"/>
                   <a:ea typeface="Arial Unicode MS" panose="020B0604020202020204" pitchFamily="34" charset="-128"/>
                 </a:rPr>
                 <a:t>Mobile Query for Existing Data </a:t>
               </a:r>
               <a:endParaRPr lang="en-US" sz="1200">
-                <a:effectLst/>
                 <a:latin typeface="Times New Roman" panose="02020603050405020304" pitchFamily="18" charset="0"/>
                 <a:ea typeface="Times New Roman" panose="02020603050405020304" pitchFamily="18" charset="0"/>
               </a:endParaRPr>
@@ -4936,14 +4435,14 @@
             </a:ln>
             <a:extLst>
               <a:ext uri="{909E8E84-426E-40dd-AFC4-6F175D3DCCD1}">
-                <a14:hiddenFill xmlns:wpc="http://schemas.microsoft.com/office/word/2010/wordprocessingCanvas" xmlns:mc="http://schemas.openxmlformats.org/markup-compatibility/2006" xmlns:m="http://schemas.openxmlformats.org/officeDocument/2006/math" xmlns:wp14="http://schemas.microsoft.com/office/word/2010/wordprocessingDrawing" xmlns:wp="http://schemas.openxmlformats.org/drawingml/2006/wordprocessingDrawing" xmlns:w14="http://schemas.microsoft.com/office/word/2010/wordml" xmlns:w15="http://schemas.microsoft.com/office/word/2012/wordml" xmlns:wpg="http://schemas.microsoft.com/office/word/2010/wordprocessingGroup" xmlns:wpi="http://schemas.microsoft.com/office/word/2010/wordprocessingInk" xmlns:wne="http://schemas.microsoft.com/office/word/2006/wordml" xmlns:wps="http://schemas.microsoft.com/office/word/2010/wordprocessingShape" xmlns:cx="http://schemas.microsoft.com/office/drawing/2014/chartex" xmlns:cx1="http://schemas.microsoft.com/office/drawing/2015/9/8/chartex" xmlns:cx2="http://schemas.microsoft.com/office/drawing/2015/10/21/chartex" xmlns:cx3="http://schemas.microsoft.com/office/drawing/2016/5/9/chartex" xmlns:cx4="http://schemas.microsoft.com/office/drawing/2016/5/10/chartex" xmlns:cx5="http://schemas.microsoft.com/office/drawing/2016/5/11/chartex" xmlns:cx6="http://schemas.microsoft.com/office/drawing/2016/5/12/chartex" xmlns:cx7="http://schemas.microsoft.com/office/drawing/2016/5/13/chartex" xmlns:cx8="http://schemas.microsoft.com/office/drawing/2016/5/14/chartex" xmlns:aink="http://schemas.microsoft.com/office/drawing/2016/ink" xmlns:am3d="http://schemas.microsoft.com/office/drawing/2017/model3d" xmlns:w16cid="http://schemas.microsoft.com/office/word/2016/wordml/cid" xmlns:w16se="http://schemas.microsoft.com/office/word/2015/wordml/symex" xmlns:a14="http://schemas.microsoft.com/office/drawing/2010/main" xmlns:w="http://schemas.openxmlformats.org/wordprocessingml/2006/main" xmlns:w10="urn:schemas-microsoft-com:office:word" xmlns:v="urn:schemas-microsoft-com:vml" xmlns:o="urn:schemas-microsoft-com:office:office" xmlns:mv="urn:schemas-microsoft-com:mac:vml" xmlns:mo="http://schemas.microsoft.com/office/mac/office/2008/main" xmlns="" xmlns:arto="http://schemas.microsoft.com/office/word/2006/arto" xmlns:lc="http://schemas.openxmlformats.org/drawingml/2006/lockedCanvas">
+                <a14:hiddenFill xmlns:lc="http://schemas.openxmlformats.org/drawingml/2006/lockedCanvas" xmlns:arto="http://schemas.microsoft.com/office/word/2006/arto" xmlns="" xmlns:mo="http://schemas.microsoft.com/office/mac/office/2008/main" xmlns:mv="urn:schemas-microsoft-com:mac:vml" xmlns:o="urn:schemas-microsoft-com:office:office" xmlns:v="urn:schemas-microsoft-com:vml" xmlns:w10="urn:schemas-microsoft-com:office:word" xmlns:w="http://schemas.openxmlformats.org/wordprocessingml/2006/main" xmlns:a14="http://schemas.microsoft.com/office/drawing/2010/main" xmlns:w16se="http://schemas.microsoft.com/office/word/2015/wordml/symex" xmlns:w16cid="http://schemas.microsoft.com/office/word/2016/wordml/cid" xmlns:am3d="http://schemas.microsoft.com/office/drawing/2017/model3d" xmlns:aink="http://schemas.microsoft.com/office/drawing/2016/ink" xmlns:cx8="http://schemas.microsoft.com/office/drawing/2016/5/14/chartex" xmlns:cx7="http://schemas.microsoft.com/office/drawing/2016/5/13/chartex" xmlns:cx6="http://schemas.microsoft.com/office/drawing/2016/5/12/chartex" xmlns:cx5="http://schemas.microsoft.com/office/drawing/2016/5/11/chartex" xmlns:cx4="http://schemas.microsoft.com/office/drawing/2016/5/10/chartex" xmlns:cx3="http://schemas.microsoft.com/office/drawing/2016/5/9/chartex" xmlns:cx2="http://schemas.microsoft.com/office/drawing/2015/10/21/chartex" xmlns:cx1="http://schemas.microsoft.com/office/drawing/2015/9/8/chartex" xmlns:cx="http://schemas.microsoft.com/office/drawing/2014/chartex" xmlns:wps="http://schemas.microsoft.com/office/word/2010/wordprocessingShape" xmlns:wne="http://schemas.microsoft.com/office/word/2006/wordml" xmlns:wpi="http://schemas.microsoft.com/office/word/2010/wordprocessingInk" xmlns:wpg="http://schemas.microsoft.com/office/word/2010/wordprocessingGroup" xmlns:w15="http://schemas.microsoft.com/office/word/2012/wordml" xmlns:w14="http://schemas.microsoft.com/office/word/2010/wordml" xmlns:wp="http://schemas.openxmlformats.org/drawingml/2006/wordprocessingDrawing" xmlns:wp14="http://schemas.microsoft.com/office/word/2010/wordprocessingDrawing" xmlns:m="http://schemas.openxmlformats.org/officeDocument/2006/math" xmlns:mc="http://schemas.openxmlformats.org/markup-compatibility/2006" xmlns:wpc="http://schemas.microsoft.com/office/word/2010/wordprocessingCanvas">
                   <a:solidFill>
                     <a:srgbClr val="FFFFFF"/>
                   </a:solidFill>
                 </a14:hiddenFill>
               </a:ext>
               <a:ext uri="{91240B29-F687-4f45-9708-019B960494DF}">
-                <a14:hiddenLine xmlns:wpc="http://schemas.microsoft.com/office/word/2010/wordprocessingCanvas" xmlns:mc="http://schemas.openxmlformats.org/markup-compatibility/2006" xmlns:m="http://schemas.openxmlformats.org/officeDocument/2006/math" xmlns:wp14="http://schemas.microsoft.com/office/word/2010/wordprocessingDrawing" xmlns:wp="http://schemas.openxmlformats.org/drawingml/2006/wordprocessingDrawing" xmlns:w14="http://schemas.microsoft.com/office/word/2010/wordml" xmlns:w15="http://schemas.microsoft.com/office/word/2012/wordml" xmlns:wpg="http://schemas.microsoft.com/office/word/2010/wordprocessingGroup" xmlns:wpi="http://schemas.microsoft.com/office/word/2010/wordprocessingInk" xmlns:wne="http://schemas.microsoft.com/office/word/2006/wordml" xmlns:wps="http://schemas.microsoft.com/office/word/2010/wordprocessingShape" xmlns:cx="http://schemas.microsoft.com/office/drawing/2014/chartex" xmlns:cx1="http://schemas.microsoft.com/office/drawing/2015/9/8/chartex" xmlns:cx2="http://schemas.microsoft.com/office/drawing/2015/10/21/chartex" xmlns:cx3="http://schemas.microsoft.com/office/drawing/2016/5/9/chartex" xmlns:cx4="http://schemas.microsoft.com/office/drawing/2016/5/10/chartex" xmlns:cx5="http://schemas.microsoft.com/office/drawing/2016/5/11/chartex" xmlns:cx6="http://schemas.microsoft.com/office/drawing/2016/5/12/chartex" xmlns:cx7="http://schemas.microsoft.com/office/drawing/2016/5/13/chartex" xmlns:cx8="http://schemas.microsoft.com/office/drawing/2016/5/14/chartex" xmlns:aink="http://schemas.microsoft.com/office/drawing/2016/ink" xmlns:am3d="http://schemas.microsoft.com/office/drawing/2017/model3d" xmlns:w16cid="http://schemas.microsoft.com/office/word/2016/wordml/cid" xmlns:w16se="http://schemas.microsoft.com/office/word/2015/wordml/symex" xmlns:a14="http://schemas.microsoft.com/office/drawing/2010/main" xmlns:w="http://schemas.openxmlformats.org/wordprocessingml/2006/main" xmlns:w10="urn:schemas-microsoft-com:office:word" xmlns:v="urn:schemas-microsoft-com:vml" xmlns:o="urn:schemas-microsoft-com:office:office" xmlns:mv="urn:schemas-microsoft-com:mac:vml" xmlns:mo="http://schemas.microsoft.com/office/mac/office/2008/main" xmlns="" xmlns:arto="http://schemas.microsoft.com/office/word/2006/arto" xmlns:lc="http://schemas.openxmlformats.org/drawingml/2006/lockedCanvas" w="9525">
+                <a14:hiddenLine xmlns:lc="http://schemas.openxmlformats.org/drawingml/2006/lockedCanvas" xmlns:arto="http://schemas.microsoft.com/office/word/2006/arto" xmlns="" xmlns:mo="http://schemas.microsoft.com/office/mac/office/2008/main" xmlns:mv="urn:schemas-microsoft-com:mac:vml" xmlns:o="urn:schemas-microsoft-com:office:office" xmlns:v="urn:schemas-microsoft-com:vml" xmlns:w10="urn:schemas-microsoft-com:office:word" xmlns:w="http://schemas.openxmlformats.org/wordprocessingml/2006/main" xmlns:a14="http://schemas.microsoft.com/office/drawing/2010/main" xmlns:w16se="http://schemas.microsoft.com/office/word/2015/wordml/symex" xmlns:w16cid="http://schemas.microsoft.com/office/word/2016/wordml/cid" xmlns:am3d="http://schemas.microsoft.com/office/drawing/2017/model3d" xmlns:aink="http://schemas.microsoft.com/office/drawing/2016/ink" xmlns:cx8="http://schemas.microsoft.com/office/drawing/2016/5/14/chartex" xmlns:cx7="http://schemas.microsoft.com/office/drawing/2016/5/13/chartex" xmlns:cx6="http://schemas.microsoft.com/office/drawing/2016/5/12/chartex" xmlns:cx5="http://schemas.microsoft.com/office/drawing/2016/5/11/chartex" xmlns:cx4="http://schemas.microsoft.com/office/drawing/2016/5/10/chartex" xmlns:cx3="http://schemas.microsoft.com/office/drawing/2016/5/9/chartex" xmlns:cx2="http://schemas.microsoft.com/office/drawing/2015/10/21/chartex" xmlns:cx1="http://schemas.microsoft.com/office/drawing/2015/9/8/chartex" xmlns:cx="http://schemas.microsoft.com/office/drawing/2014/chartex" xmlns:wps="http://schemas.microsoft.com/office/word/2010/wordprocessingShape" xmlns:wne="http://schemas.microsoft.com/office/word/2006/wordml" xmlns:wpi="http://schemas.microsoft.com/office/word/2010/wordprocessingInk" xmlns:wpg="http://schemas.microsoft.com/office/word/2010/wordprocessingGroup" xmlns:w15="http://schemas.microsoft.com/office/word/2012/wordml" xmlns:w14="http://schemas.microsoft.com/office/word/2010/wordml" xmlns:wp="http://schemas.openxmlformats.org/drawingml/2006/wordprocessingDrawing" xmlns:wp14="http://schemas.microsoft.com/office/word/2010/wordprocessingDrawing" xmlns:m="http://schemas.openxmlformats.org/officeDocument/2006/math" xmlns:mc="http://schemas.openxmlformats.org/markup-compatibility/2006" xmlns:wpc="http://schemas.microsoft.com/office/word/2010/wordprocessingCanvas" w="9525">
                   <a:solidFill>
                     <a:srgbClr val="000000"/>
                   </a:solidFill>
@@ -4960,47 +4459,29 @@
             </a:bodyPr>
             <a:lstStyle/>
             <a:p>
-              <a:pPr marL="0" marR="0" algn="ctr">
-                <a:spcBef>
-                  <a:spcPts val="0"/>
-                </a:spcBef>
-                <a:spcAft>
-                  <a:spcPts val="0"/>
-                </a:spcAft>
-              </a:pPr>
+              <a:pPr algn="ctr"/>
               <a:r>
                 <a:rPr lang="en-US" sz="900">
-                  <a:effectLst/>
                   <a:latin typeface="Times New Roman" panose="02020603050405020304" pitchFamily="18" charset="0"/>
                   <a:ea typeface="Arial Unicode MS" panose="020B0604020202020204" pitchFamily="34" charset="-128"/>
                 </a:rPr>
                 <a:t>Mobile Query for Existing Data</a:t>
               </a:r>
               <a:endParaRPr lang="en-US" sz="1200">
-                <a:effectLst/>
                 <a:latin typeface="Times New Roman" panose="02020603050405020304" pitchFamily="18" charset="0"/>
                 <a:ea typeface="Times New Roman" panose="02020603050405020304" pitchFamily="18" charset="0"/>
               </a:endParaRPr>
             </a:p>
             <a:p>
-              <a:pPr marL="0" marR="0" algn="ctr">
-                <a:spcBef>
-                  <a:spcPts val="0"/>
-                </a:spcBef>
-                <a:spcAft>
-                  <a:spcPts val="0"/>
-                </a:spcAft>
-              </a:pPr>
+              <a:pPr algn="ctr"/>
               <a:r>
                 <a:rPr lang="en-US" sz="700">
-                  <a:effectLst/>
                   <a:latin typeface="Times New Roman" panose="02020603050405020304" pitchFamily="18" charset="0"/>
                   <a:ea typeface="Times New Roman" panose="02020603050405020304" pitchFamily="18" charset="0"/>
                 </a:rPr>
                 <a:t> </a:t>
               </a:r>
               <a:endParaRPr lang="en-US" sz="1200">
-                <a:effectLst/>
                 <a:latin typeface="Times New Roman" panose="02020603050405020304" pitchFamily="18" charset="0"/>
                 <a:ea typeface="Times New Roman" panose="02020603050405020304" pitchFamily="18" charset="0"/>
               </a:endParaRPr>
@@ -5078,8 +4559,8 @@
         </p:nvSpPr>
         <p:spPr bwMode="auto">
           <a:xfrm>
-            <a:off x="307910" y="9670098"/>
-            <a:ext cx="12192000" cy="457200"/>
+            <a:off x="2036824" y="9767893"/>
+            <a:ext cx="5686172" cy="261610"/>
           </a:xfrm>
           <a:prstGeom prst="rect">
             <a:avLst/>
@@ -5127,45 +4608,23 @@
           </a:bodyPr>
           <a:lstStyle/>
           <a:p>
-            <a:pPr marL="0" marR="0" lvl="0" indent="0" algn="ctr" defTabSz="914400" rtl="0" eaLnBrk="0" fontAlgn="base" latinLnBrk="0" hangingPunct="0">
-              <a:lnSpc>
-                <a:spcPct val="100000"/>
-              </a:lnSpc>
+            <a:pPr algn="ctr" eaLnBrk="0" fontAlgn="base" hangingPunct="0">
               <a:spcBef>
                 <a:spcPct val="0"/>
               </a:spcBef>
               <a:spcAft>
                 <a:spcPct val="0"/>
               </a:spcAft>
-              <a:buClrTx/>
-              <a:buSzTx/>
-              <a:buFontTx/>
-              <a:buNone/>
-              <a:tabLst/>
             </a:pPr>
             <a:r>
-              <a:rPr kumimoji="0" lang="en-US" altLang="en-US" sz="1100" b="1" i="0" u="none" strike="noStrike" cap="none" normalizeH="0" baseline="0">
-                <a:ln>
-                  <a:noFill/>
-                </a:ln>
-                <a:solidFill>
-                  <a:schemeClr val="tx1"/>
-                </a:solidFill>
-                <a:effectLst/>
+              <a:rPr lang="en-US" altLang="en-US" sz="1100" b="1">
                 <a:latin typeface="Arial" panose="020B0604020202020204" pitchFamily="34" charset="0"/>
                 <a:ea typeface="Times New Roman" panose="02020603050405020304" pitchFamily="18" charset="0"/>
                 <a:cs typeface="Arial" panose="020B0604020202020204" pitchFamily="34" charset="0"/>
               </a:rPr>
               <a:t>Figure 45-2: mXDE Profile combining actors and transactions of other IHE Profiles</a:t>
             </a:r>
-            <a:endParaRPr kumimoji="0" lang="en-US" altLang="en-US" sz="1800" b="0" i="0" u="none" strike="noStrike" cap="none" normalizeH="0" baseline="0">
-              <a:ln>
-                <a:noFill/>
-              </a:ln>
-              <a:solidFill>
-                <a:schemeClr val="tx1"/>
-              </a:solidFill>
-              <a:effectLst/>
+            <a:endParaRPr lang="en-US" altLang="en-US">
               <a:latin typeface="Arial" panose="020B0604020202020204" pitchFamily="34" charset="0"/>
             </a:endParaRPr>
           </a:p>
@@ -5187,7 +4646,7 @@
 <file path=ppt/theme/theme1.xml><?xml version="1.0" encoding="utf-8"?>
 <a:theme xmlns:a="http://schemas.openxmlformats.org/drawingml/2006/main" name="Office Theme">
   <a:themeElements>
-    <a:clrScheme name="Office">
+    <a:clrScheme name="Office Theme">
       <a:dk1>
         <a:sysClr val="windowText" lastClr="000000"/>
       </a:dk1>
@@ -5225,7 +4684,7 @@
         <a:srgbClr val="954F72"/>
       </a:folHlink>
     </a:clrScheme>
-    <a:fontScheme name="Office">
+    <a:fontScheme name="Office Theme">
       <a:majorFont>
         <a:latin typeface="Calibri Light" panose="020F0302020204030204"/>
         <a:ea typeface=""/>
@@ -5260,23 +4719,6 @@
         <a:font script="Viet" typeface="Times New Roman"/>
         <a:font script="Uigh" typeface="Microsoft Uighur"/>
         <a:font script="Geor" typeface="Sylfaen"/>
-        <a:font script="Armn" typeface="Arial"/>
-        <a:font script="Bugi" typeface="Leelawadee UI"/>
-        <a:font script="Bopo" typeface="Microsoft JhengHei"/>
-        <a:font script="Java" typeface="Javanese Text"/>
-        <a:font script="Lisu" typeface="Segoe UI"/>
-        <a:font script="Mymr" typeface="Myanmar Text"/>
-        <a:font script="Nkoo" typeface="Ebrima"/>
-        <a:font script="Olck" typeface="Nirmala UI"/>
-        <a:font script="Osma" typeface="Ebrima"/>
-        <a:font script="Phag" typeface="Phagspa"/>
-        <a:font script="Syrn" typeface="Estrangelo Edessa"/>
-        <a:font script="Syrj" typeface="Estrangelo Edessa"/>
-        <a:font script="Syre" typeface="Estrangelo Edessa"/>
-        <a:font script="Sora" typeface="Nirmala UI"/>
-        <a:font script="Tale" typeface="Microsoft Tai Le"/>
-        <a:font script="Talu" typeface="Microsoft New Tai Lue"/>
-        <a:font script="Tfng" typeface="Ebrima"/>
       </a:majorFont>
       <a:minorFont>
         <a:latin typeface="Calibri" panose="020F0502020204030204"/>
@@ -5312,26 +4754,9 @@
         <a:font script="Viet" typeface="Arial"/>
         <a:font script="Uigh" typeface="Microsoft Uighur"/>
         <a:font script="Geor" typeface="Sylfaen"/>
-        <a:font script="Armn" typeface="Arial"/>
-        <a:font script="Bugi" typeface="Leelawadee UI"/>
-        <a:font script="Bopo" typeface="Microsoft JhengHei"/>
-        <a:font script="Java" typeface="Javanese Text"/>
-        <a:font script="Lisu" typeface="Segoe UI"/>
-        <a:font script="Mymr" typeface="Myanmar Text"/>
-        <a:font script="Nkoo" typeface="Ebrima"/>
-        <a:font script="Olck" typeface="Nirmala UI"/>
-        <a:font script="Osma" typeface="Ebrima"/>
-        <a:font script="Phag" typeface="Phagspa"/>
-        <a:font script="Syrn" typeface="Estrangelo Edessa"/>
-        <a:font script="Syrj" typeface="Estrangelo Edessa"/>
-        <a:font script="Syre" typeface="Estrangelo Edessa"/>
-        <a:font script="Sora" typeface="Nirmala UI"/>
-        <a:font script="Tale" typeface="Microsoft Tai Le"/>
-        <a:font script="Talu" typeface="Microsoft New Tai Lue"/>
-        <a:font script="Tfng" typeface="Ebrima"/>
       </a:minorFont>
     </a:fontScheme>
-    <a:fmtScheme name="Office">
+    <a:fmtScheme name="Office Theme">
       <a:fillStyleLst>
         <a:solidFill>
           <a:schemeClr val="phClr"/>

--- a/input/images-source/452.pptx
+++ b/input/images-source/452.pptx
@@ -2971,12 +2971,35 @@
           <a:chExt cx="0" cy="0"/>
         </a:xfrm>
       </p:grpSpPr>
+      <p:sp>
+        <p:nvSpPr>
+          <p:cNvPr id="33" name="Rectangle 32">
+            <a:extLst>
+              <a:ext uri="{FF2B5EF4-FFF2-40B4-BE49-F238E27FC236}">
+                <a16:creationId xmlns:a16="http://schemas.microsoft.com/office/drawing/2014/main" id="{23559981-7083-5530-3F0B-F9495DCC95BA}"/>
+              </a:ext>
+            </a:extLst>
+          </p:cNvPr>
+          <p:cNvSpPr/>
+          <p:nvPr/>
+        </p:nvSpPr>
+        <p:spPr>
+          <a:xfrm>
+            <a:off x="1209870" y="877078"/>
+            <a:ext cx="5943600" cy="4186555"/>
+          </a:xfrm>
+          <a:prstGeom prst="rect">
+            <a:avLst/>
+          </a:prstGeom>
+          <a:noFill/>
+        </p:spPr>
+      </p:sp>
       <p:grpSp>
         <p:nvGrpSpPr>
-          <p:cNvPr id="32" name="Area di disegno 254">
+          <p:cNvPr id="34" name="Gruppo 90">
             <a:extLst>
               <a:ext uri="{FF2B5EF4-FFF2-40B4-BE49-F238E27FC236}">
-                <a16:creationId xmlns:a16="http://schemas.microsoft.com/office/drawing/2014/main" id="{1D8A4365-777A-BE37-0A87-C54079A0BDBA}"/>
+                <a16:creationId xmlns:a16="http://schemas.microsoft.com/office/drawing/2014/main" id="{9254D650-73F6-2037-8AEB-0F5D1BDBB407}"/>
               </a:ext>
             </a:extLst>
           </p:cNvPr>
@@ -2985,18 +3008,81 @@
         </p:nvGrpSpPr>
         <p:grpSpPr>
           <a:xfrm>
-            <a:off x="1209870" y="877078"/>
-            <a:ext cx="5943600" cy="4186555"/>
-            <a:chOff x="0" y="0"/>
-            <a:chExt cx="5943600" cy="4186555"/>
+            <a:off x="3204405" y="2756142"/>
+            <a:ext cx="3248026" cy="2271682"/>
+            <a:chOff x="1932501" y="2230321"/>
+            <a:chExt cx="3473238" cy="2362276"/>
           </a:xfrm>
         </p:grpSpPr>
         <p:sp>
           <p:nvSpPr>
-            <p:cNvPr id="33" name="Rectangle 32">
+            <p:cNvPr id="50" name="Thought Bubble: Cloud 49">
               <a:extLst>
                 <a:ext uri="{FF2B5EF4-FFF2-40B4-BE49-F238E27FC236}">
-                  <a16:creationId xmlns:a16="http://schemas.microsoft.com/office/drawing/2014/main" id="{23559981-7083-5530-3F0B-F9495DCC95BA}"/>
+                  <a16:creationId xmlns:a16="http://schemas.microsoft.com/office/drawing/2014/main" id="{5D5D47FE-6EE8-37EC-EE5E-0715B506C66C}"/>
+                </a:ext>
+              </a:extLst>
+            </p:cNvPr>
+            <p:cNvSpPr>
+              <a:spLocks noChangeArrowheads="1"/>
+            </p:cNvSpPr>
+            <p:nvPr/>
+          </p:nvSpPr>
+          <p:spPr bwMode="auto">
+            <a:xfrm>
+              <a:off x="1932501" y="2230321"/>
+              <a:ext cx="3473238" cy="2362276"/>
+            </a:xfrm>
+            <a:prstGeom prst="cloudCallout">
+              <a:avLst>
+                <a:gd name="adj1" fmla="val -12301"/>
+                <a:gd name="adj2" fmla="val 15458"/>
+              </a:avLst>
+            </a:prstGeom>
+            <a:blipFill dpi="0" rotWithShape="1">
+              <a:blip r:embed="rId2"/>
+              <a:srcRect/>
+              <a:tile tx="0" ty="0" sx="100000" sy="100000" flip="none" algn="tl"/>
+            </a:blipFill>
+            <a:ln w="12700">
+              <a:solidFill>
+                <a:schemeClr val="accent1">
+                  <a:lumMod val="75000"/>
+                  <a:lumOff val="0"/>
+                </a:schemeClr>
+              </a:solidFill>
+              <a:miter lim="800000"/>
+              <a:headEnd/>
+              <a:tailEnd/>
+            </a:ln>
+          </p:spPr>
+          <p:txBody>
+            <a:bodyPr rot="0" vert="horz" wrap="square" lIns="91440" tIns="45720" rIns="91440" bIns="45720" anchor="ctr" anchorCtr="0" upright="1">
+              <a:noAutofit/>
+            </a:bodyPr>
+            <a:lstStyle/>
+            <a:p>
+              <a:pPr algn="ctr">
+                <a:spcBef>
+                  <a:spcPts val="600"/>
+                </a:spcBef>
+              </a:pPr>
+              <a:r>
+                <a:rPr lang="en-US" sz="1200">
+                  <a:latin typeface="Times New Roman" panose="02020603050405020304" pitchFamily="18" charset="0"/>
+                  <a:ea typeface="Times New Roman" panose="02020603050405020304" pitchFamily="18" charset="0"/>
+                </a:rPr>
+                <a:t> </a:t>
+              </a:r>
+            </a:p>
+          </p:txBody>
+        </p:sp>
+        <p:sp>
+          <p:nvSpPr>
+            <p:cNvPr id="51" name="Esagono 6">
+              <a:extLst>
+                <a:ext uri="{FF2B5EF4-FFF2-40B4-BE49-F238E27FC236}">
+                  <a16:creationId xmlns:a16="http://schemas.microsoft.com/office/drawing/2014/main" id="{05C5B1F2-606F-5A74-FFDD-80A7CE25FA80}"/>
                 </a:ext>
               </a:extLst>
             </p:cNvPr>
@@ -3005,41 +3091,97 @@
           </p:nvSpPr>
           <p:spPr>
             <a:xfrm>
-              <a:off x="0" y="0"/>
-              <a:ext cx="5943600" cy="4186555"/>
+              <a:off x="3735830" y="2874440"/>
+              <a:ext cx="1116205" cy="895522"/>
             </a:xfrm>
-            <a:prstGeom prst="rect">
+            <a:prstGeom prst="hexagon">
               <a:avLst/>
             </a:prstGeom>
-            <a:noFill/>
+            <a:pattFill prst="pct10">
+              <a:fgClr>
+                <a:schemeClr val="accent1"/>
+              </a:fgClr>
+              <a:bgClr>
+                <a:schemeClr val="bg1"/>
+              </a:bgClr>
+            </a:pattFill>
+            <a:ln w="19050">
+              <a:solidFill>
+                <a:schemeClr val="tx1"/>
+              </a:solidFill>
+            </a:ln>
           </p:spPr>
+          <p:style>
+            <a:lnRef idx="2">
+              <a:schemeClr val="accent1">
+                <a:shade val="50000"/>
+              </a:schemeClr>
+            </a:lnRef>
+            <a:fillRef idx="1">
+              <a:schemeClr val="accent1"/>
+            </a:fillRef>
+            <a:effectRef idx="0">
+              <a:schemeClr val="accent1"/>
+            </a:effectRef>
+            <a:fontRef idx="minor">
+              <a:schemeClr val="lt1"/>
+            </a:fontRef>
+          </p:style>
+          <p:txBody>
+            <a:bodyPr rot="0" spcFirstLastPara="0" vert="horz" wrap="square" lIns="0" tIns="0" rIns="0" bIns="0" numCol="1" spcCol="0" rtlCol="0" fromWordArt="0" anchor="ctr" anchorCtr="0" forceAA="0" compatLnSpc="1">
+              <a:prstTxWarp prst="textNoShape">
+                <a:avLst/>
+              </a:prstTxWarp>
+              <a:noAutofit/>
+            </a:bodyPr>
+            <a:lstStyle/>
+            <a:p>
+              <a:pPr algn="ctr"/>
+              <a:r>
+                <a:rPr lang="en-US" sz="1000" b="1">
+                  <a:solidFill>
+                    <a:srgbClr val="0D0D0D"/>
+                  </a:solidFill>
+                  <a:latin typeface="Times New Roman" panose="02020603050405020304" pitchFamily="18" charset="0"/>
+                  <a:ea typeface="Arial Unicode MS" panose="020B0604020202020204" pitchFamily="34" charset="-128"/>
+                </a:rPr>
+                <a:t>Clinical Data Source</a:t>
+              </a:r>
+              <a:endParaRPr lang="en-US" sz="1200">
+                <a:latin typeface="Times New Roman" panose="02020603050405020304" pitchFamily="18" charset="0"/>
+                <a:ea typeface="Times New Roman" panose="02020603050405020304" pitchFamily="18" charset="0"/>
+              </a:endParaRPr>
+            </a:p>
+          </p:txBody>
         </p:sp>
         <p:grpSp>
           <p:nvGrpSpPr>
-            <p:cNvPr id="34" name="Gruppo 90">
+            <p:cNvPr id="52" name="Group 51">
               <a:extLst>
                 <a:ext uri="{FF2B5EF4-FFF2-40B4-BE49-F238E27FC236}">
-                  <a16:creationId xmlns:a16="http://schemas.microsoft.com/office/drawing/2014/main" id="{9254D650-73F6-2037-8AEB-0F5D1BDBB407}"/>
+                  <a16:creationId xmlns:a16="http://schemas.microsoft.com/office/drawing/2014/main" id="{237D6321-DD60-D978-881D-1546D1BE2A34}"/>
                 </a:ext>
               </a:extLst>
             </p:cNvPr>
-            <p:cNvGrpSpPr/>
+            <p:cNvGrpSpPr>
+              <a:grpSpLocks/>
+            </p:cNvGrpSpPr>
             <p:nvPr/>
           </p:nvGrpSpPr>
-          <p:grpSpPr>
+          <p:grpSpPr bwMode="auto">
             <a:xfrm>
-              <a:off x="1994535" y="1879064"/>
-              <a:ext cx="3248026" cy="2271682"/>
-              <a:chOff x="1932501" y="2230321"/>
-              <a:chExt cx="3473238" cy="2362276"/>
+              <a:off x="2725300" y="2910840"/>
+              <a:ext cx="1105800" cy="786130"/>
+              <a:chOff x="15736" y="28814"/>
+              <a:chExt cx="11058" cy="8474"/>
             </a:xfrm>
           </p:grpSpPr>
           <p:sp>
             <p:nvSpPr>
-              <p:cNvPr id="50" name="Thought Bubble: Cloud 49">
+              <p:cNvPr id="57" name="Flowchart: Magnetic Disk 56">
                 <a:extLst>
                   <a:ext uri="{FF2B5EF4-FFF2-40B4-BE49-F238E27FC236}">
-                    <a16:creationId xmlns:a16="http://schemas.microsoft.com/office/drawing/2014/main" id="{5D5D47FE-6EE8-37EC-EE5E-0715B506C66C}"/>
+                    <a16:creationId xmlns:a16="http://schemas.microsoft.com/office/drawing/2014/main" id="{D650359A-F6A2-631C-EE47-B60C56905DF3}"/>
                   </a:ext>
                 </a:extLst>
               </p:cNvPr>
@@ -3050,309 +3192,14 @@
             </p:nvSpPr>
             <p:spPr bwMode="auto">
               <a:xfrm>
-                <a:off x="1932501" y="2230321"/>
-                <a:ext cx="3473238" cy="2362276"/>
+                <a:off x="15736" y="28814"/>
+                <a:ext cx="11058" cy="8283"/>
               </a:xfrm>
-              <a:prstGeom prst="cloudCallout">
-                <a:avLst>
-                  <a:gd name="adj1" fmla="val -12301"/>
-                  <a:gd name="adj2" fmla="val 15458"/>
-                </a:avLst>
-              </a:prstGeom>
-              <a:blipFill dpi="0" rotWithShape="1">
-                <a:blip r:embed="rId2"/>
-                <a:srcRect/>
-                <a:tile tx="0" ty="0" sx="100000" sy="100000" flip="none" algn="tl"/>
-              </a:blipFill>
-              <a:ln w="12700">
-                <a:solidFill>
-                  <a:schemeClr val="accent1">
-                    <a:lumMod val="75000"/>
-                    <a:lumOff val="0"/>
-                  </a:schemeClr>
-                </a:solidFill>
-                <a:miter lim="800000"/>
-                <a:headEnd/>
-                <a:tailEnd/>
-              </a:ln>
-            </p:spPr>
-            <p:txBody>
-              <a:bodyPr rot="0" vert="horz" wrap="square" lIns="91440" tIns="45720" rIns="91440" bIns="45720" anchor="ctr" anchorCtr="0" upright="1">
-                <a:noAutofit/>
-              </a:bodyPr>
-              <a:lstStyle/>
-              <a:p>
-                <a:pPr algn="ctr">
-                  <a:spcBef>
-                    <a:spcPts val="600"/>
-                  </a:spcBef>
-                </a:pPr>
-                <a:r>
-                  <a:rPr lang="en-US" sz="1200">
-                    <a:latin typeface="Times New Roman" panose="02020603050405020304" pitchFamily="18" charset="0"/>
-                    <a:ea typeface="Times New Roman" panose="02020603050405020304" pitchFamily="18" charset="0"/>
-                  </a:rPr>
-                  <a:t> </a:t>
-                </a:r>
-              </a:p>
-            </p:txBody>
-          </p:sp>
-          <p:sp>
-            <p:nvSpPr>
-              <p:cNvPr id="51" name="Esagono 6">
-                <a:extLst>
-                  <a:ext uri="{FF2B5EF4-FFF2-40B4-BE49-F238E27FC236}">
-                    <a16:creationId xmlns:a16="http://schemas.microsoft.com/office/drawing/2014/main" id="{05C5B1F2-606F-5A74-FFDD-80A7CE25FA80}"/>
-                  </a:ext>
-                </a:extLst>
-              </p:cNvPr>
-              <p:cNvSpPr/>
-              <p:nvPr/>
-            </p:nvSpPr>
-            <p:spPr>
-              <a:xfrm>
-                <a:off x="3735830" y="2874440"/>
-                <a:ext cx="1116205" cy="895522"/>
-              </a:xfrm>
-              <a:prstGeom prst="hexagon">
+              <a:prstGeom prst="flowChartMagneticDisk">
                 <a:avLst/>
               </a:prstGeom>
-              <a:pattFill prst="pct10">
-                <a:fgClr>
-                  <a:schemeClr val="accent1"/>
-                </a:fgClr>
-                <a:bgClr>
-                  <a:schemeClr val="bg1"/>
-                </a:bgClr>
-              </a:pattFill>
-              <a:ln w="19050">
-                <a:solidFill>
-                  <a:schemeClr val="tx1"/>
-                </a:solidFill>
-              </a:ln>
-            </p:spPr>
-            <p:style>
-              <a:lnRef idx="2">
-                <a:schemeClr val="accent1">
-                  <a:shade val="50000"/>
-                </a:schemeClr>
-              </a:lnRef>
-              <a:fillRef idx="1">
-                <a:schemeClr val="accent1"/>
-              </a:fillRef>
-              <a:effectRef idx="0">
-                <a:schemeClr val="accent1"/>
-              </a:effectRef>
-              <a:fontRef idx="minor">
-                <a:schemeClr val="lt1"/>
-              </a:fontRef>
-            </p:style>
-            <p:txBody>
-              <a:bodyPr rot="0" spcFirstLastPara="0" vert="horz" wrap="square" lIns="0" tIns="0" rIns="0" bIns="0" numCol="1" spcCol="0" rtlCol="0" fromWordArt="0" anchor="ctr" anchorCtr="0" forceAA="0" compatLnSpc="1">
-                <a:prstTxWarp prst="textNoShape">
-                  <a:avLst/>
-                </a:prstTxWarp>
-                <a:noAutofit/>
-              </a:bodyPr>
-              <a:lstStyle/>
-              <a:p>
-                <a:pPr algn="ctr"/>
-                <a:r>
-                  <a:rPr lang="en-US" sz="1000" b="1">
-                    <a:solidFill>
-                      <a:srgbClr val="0D0D0D"/>
-                    </a:solidFill>
-                    <a:latin typeface="Times New Roman" panose="02020603050405020304" pitchFamily="18" charset="0"/>
-                    <a:ea typeface="Arial Unicode MS" panose="020B0604020202020204" pitchFamily="34" charset="-128"/>
-                  </a:rPr>
-                  <a:t>Clinical Data Source</a:t>
-                </a:r>
-                <a:endParaRPr lang="en-US" sz="1200">
-                  <a:latin typeface="Times New Roman" panose="02020603050405020304" pitchFamily="18" charset="0"/>
-                  <a:ea typeface="Times New Roman" panose="02020603050405020304" pitchFamily="18" charset="0"/>
-                </a:endParaRPr>
-              </a:p>
-            </p:txBody>
-          </p:sp>
-          <p:grpSp>
-            <p:nvGrpSpPr>
-              <p:cNvPr id="52" name="Group 51">
-                <a:extLst>
-                  <a:ext uri="{FF2B5EF4-FFF2-40B4-BE49-F238E27FC236}">
-                    <a16:creationId xmlns:a16="http://schemas.microsoft.com/office/drawing/2014/main" id="{237D6321-DD60-D978-881D-1546D1BE2A34}"/>
-                  </a:ext>
-                </a:extLst>
-              </p:cNvPr>
-              <p:cNvGrpSpPr>
-                <a:grpSpLocks/>
-              </p:cNvGrpSpPr>
-              <p:nvPr/>
-            </p:nvGrpSpPr>
-            <p:grpSpPr bwMode="auto">
-              <a:xfrm>
-                <a:off x="2725300" y="2910840"/>
-                <a:ext cx="1105800" cy="786130"/>
-                <a:chOff x="15736" y="28814"/>
-                <a:chExt cx="11058" cy="8474"/>
-              </a:xfrm>
-            </p:grpSpPr>
-            <p:sp>
-              <p:nvSpPr>
-                <p:cNvPr id="57" name="Flowchart: Magnetic Disk 56">
-                  <a:extLst>
-                    <a:ext uri="{FF2B5EF4-FFF2-40B4-BE49-F238E27FC236}">
-                      <a16:creationId xmlns:a16="http://schemas.microsoft.com/office/drawing/2014/main" id="{D650359A-F6A2-631C-EE47-B60C56905DF3}"/>
-                    </a:ext>
-                  </a:extLst>
-                </p:cNvPr>
-                <p:cNvSpPr>
-                  <a:spLocks noChangeArrowheads="1"/>
-                </p:cNvSpPr>
-                <p:nvPr/>
-              </p:nvSpPr>
-              <p:spPr bwMode="auto">
-                <a:xfrm>
-                  <a:off x="15736" y="28814"/>
-                  <a:ext cx="11058" cy="8283"/>
-                </a:xfrm>
-                <a:prstGeom prst="flowChartMagneticDisk">
-                  <a:avLst/>
-                </a:prstGeom>
-                <a:solidFill>
-                  <a:schemeClr val="bg2">
-                    <a:lumMod val="75000"/>
-                    <a:lumOff val="0"/>
-                  </a:schemeClr>
-                </a:solidFill>
-                <a:ln w="19050">
-                  <a:solidFill>
-                    <a:schemeClr val="tx1">
-                      <a:lumMod val="100000"/>
-                      <a:lumOff val="0"/>
-                    </a:schemeClr>
-                  </a:solidFill>
-                  <a:miter lim="800000"/>
-                  <a:headEnd/>
-                  <a:tailEnd/>
-                </a:ln>
-              </p:spPr>
-              <p:txBody>
-                <a:bodyPr rot="0" vert="horz" wrap="square" lIns="91440" tIns="45720" rIns="91440" bIns="45720" anchor="ctr" anchorCtr="0" upright="1">
-                  <a:noAutofit/>
-                </a:bodyPr>
-                <a:lstStyle/>
-                <a:p>
-                  <a:endParaRPr lang="en-US"/>
-                </a:p>
-              </p:txBody>
-            </p:sp>
-            <p:sp>
-              <p:nvSpPr>
-                <p:cNvPr id="58" name="Rectangle 57">
-                  <a:extLst>
-                    <a:ext uri="{FF2B5EF4-FFF2-40B4-BE49-F238E27FC236}">
-                      <a16:creationId xmlns:a16="http://schemas.microsoft.com/office/drawing/2014/main" id="{432690E3-287A-A999-6C56-65BBAE6CF226}"/>
-                    </a:ext>
-                  </a:extLst>
-                </p:cNvPr>
-                <p:cNvSpPr>
-                  <a:spLocks noChangeArrowheads="1"/>
-                </p:cNvSpPr>
-                <p:nvPr/>
-              </p:nvSpPr>
-              <p:spPr bwMode="auto">
-                <a:xfrm>
-                  <a:off x="16343" y="32040"/>
-                  <a:ext cx="10451" cy="5248"/>
-                </a:xfrm>
-                <a:prstGeom prst="rect">
-                  <a:avLst/>
-                </a:prstGeom>
-                <a:noFill/>
-                <a:ln>
-                  <a:noFill/>
-                </a:ln>
-                <a:extLst>
-                  <a:ext uri="{909E8E84-426E-40dd-AFC4-6F175D3DCCD1}">
-                    <a14:hiddenFill xmlns:lc="http://schemas.openxmlformats.org/drawingml/2006/lockedCanvas" xmlns:arto="http://schemas.microsoft.com/office/word/2006/arto" xmlns="" xmlns:mo="http://schemas.microsoft.com/office/mac/office/2008/main" xmlns:mv="urn:schemas-microsoft-com:mac:vml" xmlns:o="urn:schemas-microsoft-com:office:office" xmlns:v="urn:schemas-microsoft-com:vml" xmlns:w10="urn:schemas-microsoft-com:office:word" xmlns:w="http://schemas.openxmlformats.org/wordprocessingml/2006/main" xmlns:a14="http://schemas.microsoft.com/office/drawing/2010/main" xmlns:w16se="http://schemas.microsoft.com/office/word/2015/wordml/symex" xmlns:w16cid="http://schemas.microsoft.com/office/word/2016/wordml/cid" xmlns:am3d="http://schemas.microsoft.com/office/drawing/2017/model3d" xmlns:aink="http://schemas.microsoft.com/office/drawing/2016/ink" xmlns:cx8="http://schemas.microsoft.com/office/drawing/2016/5/14/chartex" xmlns:cx7="http://schemas.microsoft.com/office/drawing/2016/5/13/chartex" xmlns:cx6="http://schemas.microsoft.com/office/drawing/2016/5/12/chartex" xmlns:cx5="http://schemas.microsoft.com/office/drawing/2016/5/11/chartex" xmlns:cx4="http://schemas.microsoft.com/office/drawing/2016/5/10/chartex" xmlns:cx3="http://schemas.microsoft.com/office/drawing/2016/5/9/chartex" xmlns:cx2="http://schemas.microsoft.com/office/drawing/2015/10/21/chartex" xmlns:cx1="http://schemas.microsoft.com/office/drawing/2015/9/8/chartex" xmlns:cx="http://schemas.microsoft.com/office/drawing/2014/chartex" xmlns:wps="http://schemas.microsoft.com/office/word/2010/wordprocessingShape" xmlns:wne="http://schemas.microsoft.com/office/word/2006/wordml" xmlns:wpi="http://schemas.microsoft.com/office/word/2010/wordprocessingInk" xmlns:wpg="http://schemas.microsoft.com/office/word/2010/wordprocessingGroup" xmlns:w15="http://schemas.microsoft.com/office/word/2012/wordml" xmlns:w14="http://schemas.microsoft.com/office/word/2010/wordml" xmlns:wp="http://schemas.openxmlformats.org/drawingml/2006/wordprocessingDrawing" xmlns:wp14="http://schemas.microsoft.com/office/word/2010/wordprocessingDrawing" xmlns:m="http://schemas.openxmlformats.org/officeDocument/2006/math" xmlns:mc="http://schemas.openxmlformats.org/markup-compatibility/2006" xmlns:wpc="http://schemas.microsoft.com/office/word/2010/wordprocessingCanvas">
-                      <a:solidFill>
-                        <a:srgbClr val="FFFFFF"/>
-                      </a:solidFill>
-                    </a14:hiddenFill>
-                  </a:ext>
-                  <a:ext uri="{91240B29-F687-4f45-9708-019B960494DF}">
-                    <a14:hiddenLine xmlns:lc="http://schemas.openxmlformats.org/drawingml/2006/lockedCanvas" xmlns:arto="http://schemas.microsoft.com/office/word/2006/arto" xmlns="" xmlns:mo="http://schemas.microsoft.com/office/mac/office/2008/main" xmlns:mv="urn:schemas-microsoft-com:mac:vml" xmlns:o="urn:schemas-microsoft-com:office:office" xmlns:v="urn:schemas-microsoft-com:vml" xmlns:w10="urn:schemas-microsoft-com:office:word" xmlns:w="http://schemas.openxmlformats.org/wordprocessingml/2006/main" xmlns:a14="http://schemas.microsoft.com/office/drawing/2010/main" xmlns:w16se="http://schemas.microsoft.com/office/word/2015/wordml/symex" xmlns:w16cid="http://schemas.microsoft.com/office/word/2016/wordml/cid" xmlns:am3d="http://schemas.microsoft.com/office/drawing/2017/model3d" xmlns:aink="http://schemas.microsoft.com/office/drawing/2016/ink" xmlns:cx8="http://schemas.microsoft.com/office/drawing/2016/5/14/chartex" xmlns:cx7="http://schemas.microsoft.com/office/drawing/2016/5/13/chartex" xmlns:cx6="http://schemas.microsoft.com/office/drawing/2016/5/12/chartex" xmlns:cx5="http://schemas.microsoft.com/office/drawing/2016/5/11/chartex" xmlns:cx4="http://schemas.microsoft.com/office/drawing/2016/5/10/chartex" xmlns:cx3="http://schemas.microsoft.com/office/drawing/2016/5/9/chartex" xmlns:cx2="http://schemas.microsoft.com/office/drawing/2015/10/21/chartex" xmlns:cx1="http://schemas.microsoft.com/office/drawing/2015/9/8/chartex" xmlns:cx="http://schemas.microsoft.com/office/drawing/2014/chartex" xmlns:wps="http://schemas.microsoft.com/office/word/2010/wordprocessingShape" xmlns:wne="http://schemas.microsoft.com/office/word/2006/wordml" xmlns:wpi="http://schemas.microsoft.com/office/word/2010/wordprocessingInk" xmlns:wpg="http://schemas.microsoft.com/office/word/2010/wordprocessingGroup" xmlns:w15="http://schemas.microsoft.com/office/word/2012/wordml" xmlns:w14="http://schemas.microsoft.com/office/word/2010/wordml" xmlns:wp="http://schemas.openxmlformats.org/drawingml/2006/wordprocessingDrawing" xmlns:wp14="http://schemas.microsoft.com/office/word/2010/wordprocessingDrawing" xmlns:m="http://schemas.openxmlformats.org/officeDocument/2006/math" xmlns:mc="http://schemas.openxmlformats.org/markup-compatibility/2006" xmlns:wpc="http://schemas.microsoft.com/office/word/2010/wordprocessingCanvas" w="19050">
-                      <a:solidFill>
-                        <a:srgbClr val="000000"/>
-                      </a:solidFill>
-                      <a:miter lim="800000"/>
-                      <a:headEnd/>
-                      <a:tailEnd/>
-                    </a14:hiddenLine>
-                  </a:ext>
-                </a:extLst>
-              </p:spPr>
-              <p:txBody>
-                <a:bodyPr rot="0" vert="horz" wrap="square" lIns="91440" tIns="45720" rIns="91440" bIns="45720" anchor="t" anchorCtr="0" upright="1">
-                  <a:noAutofit/>
-                </a:bodyPr>
-                <a:lstStyle/>
-                <a:p>
-                  <a:pPr algn="ctr"/>
-                  <a:r>
-                    <a:rPr lang="en-US" sz="1000" b="1">
-                      <a:latin typeface="Times New Roman" panose="02020603050405020304" pitchFamily="18" charset="0"/>
-                      <a:ea typeface="Arial Unicode MS" panose="020B0604020202020204" pitchFamily="34" charset="-128"/>
-                    </a:rPr>
-                    <a:t>Document</a:t>
-                  </a:r>
-                  <a:br>
-                    <a:rPr lang="en-US" sz="1000" b="1">
-                      <a:latin typeface="Times New Roman" panose="02020603050405020304" pitchFamily="18" charset="0"/>
-                      <a:ea typeface="Arial Unicode MS" panose="020B0604020202020204" pitchFamily="34" charset="-128"/>
-                    </a:rPr>
-                  </a:br>
-                  <a:r>
-                    <a:rPr lang="en-US" sz="1000" b="1">
-                      <a:latin typeface="Times New Roman" panose="02020603050405020304" pitchFamily="18" charset="0"/>
-                      <a:ea typeface="Arial Unicode MS" panose="020B0604020202020204" pitchFamily="34" charset="-128"/>
-                    </a:rPr>
-                    <a:t>Repository</a:t>
-                  </a:r>
-                  <a:endParaRPr lang="en-US" sz="1200">
-                    <a:latin typeface="Times New Roman" panose="02020603050405020304" pitchFamily="18" charset="0"/>
-                    <a:ea typeface="Times New Roman" panose="02020603050405020304" pitchFamily="18" charset="0"/>
-                  </a:endParaRPr>
-                </a:p>
-              </p:txBody>
-            </p:sp>
-          </p:grpSp>
-          <p:sp>
-            <p:nvSpPr>
-              <p:cNvPr id="53" name="Sun 52">
-                <a:extLst>
-                  <a:ext uri="{FF2B5EF4-FFF2-40B4-BE49-F238E27FC236}">
-                    <a16:creationId xmlns:a16="http://schemas.microsoft.com/office/drawing/2014/main" id="{06060366-8D1F-9357-953C-DB024C3BF42C}"/>
-                  </a:ext>
-                </a:extLst>
-              </p:cNvPr>
-              <p:cNvSpPr>
-                <a:spLocks noChangeArrowheads="1"/>
-              </p:cNvSpPr>
-              <p:nvPr/>
-            </p:nvSpPr>
-            <p:spPr bwMode="auto">
-              <a:xfrm>
-                <a:off x="2406500" y="3572068"/>
-                <a:ext cx="1722500" cy="787315"/>
-              </a:xfrm>
-              <a:prstGeom prst="sun">
-                <a:avLst>
-                  <a:gd name="adj" fmla="val 25000"/>
-                </a:avLst>
-              </a:prstGeom>
               <a:solidFill>
-                <a:schemeClr val="bg1">
+                <a:schemeClr val="bg2">
                   <a:lumMod val="75000"/>
                   <a:lumOff val="0"/>
                 </a:schemeClr>
@@ -3381,10 +3228,10 @@
           </p:sp>
           <p:sp>
             <p:nvSpPr>
-              <p:cNvPr id="54" name="Rectangle 53">
+              <p:cNvPr id="58" name="Rectangle 57">
                 <a:extLst>
                   <a:ext uri="{FF2B5EF4-FFF2-40B4-BE49-F238E27FC236}">
-                    <a16:creationId xmlns:a16="http://schemas.microsoft.com/office/drawing/2014/main" id="{2F9BA305-2F57-122D-7C31-607065B6BC2A}"/>
+                    <a16:creationId xmlns:a16="http://schemas.microsoft.com/office/drawing/2014/main" id="{432690E3-287A-A999-6C56-65BBAE6CF226}"/>
                   </a:ext>
                 </a:extLst>
               </p:cNvPr>
@@ -3395,8 +3242,8 @@
             </p:nvSpPr>
             <p:spPr bwMode="auto">
               <a:xfrm>
-                <a:off x="2732500" y="3763372"/>
-                <a:ext cx="1116400" cy="468409"/>
+                <a:off x="16343" y="32040"/>
+                <a:ext cx="10451" cy="5248"/>
               </a:xfrm>
               <a:prstGeom prst="rect">
                 <a:avLst/>
@@ -3407,14 +3254,14 @@
               </a:ln>
               <a:extLst>
                 <a:ext uri="{909E8E84-426E-40dd-AFC4-6F175D3DCCD1}">
-                  <a14:hiddenFill xmlns:lc="http://schemas.openxmlformats.org/drawingml/2006/lockedCanvas" xmlns:arto="http://schemas.microsoft.com/office/word/2006/arto" xmlns="" xmlns:mo="http://schemas.microsoft.com/office/mac/office/2008/main" xmlns:mv="urn:schemas-microsoft-com:mac:vml" xmlns:o="urn:schemas-microsoft-com:office:office" xmlns:v="urn:schemas-microsoft-com:vml" xmlns:w10="urn:schemas-microsoft-com:office:word" xmlns:w="http://schemas.openxmlformats.org/wordprocessingml/2006/main" xmlns:a14="http://schemas.microsoft.com/office/drawing/2010/main" xmlns:w16se="http://schemas.microsoft.com/office/word/2015/wordml/symex" xmlns:w16cid="http://schemas.microsoft.com/office/word/2016/wordml/cid" xmlns:am3d="http://schemas.microsoft.com/office/drawing/2017/model3d" xmlns:aink="http://schemas.microsoft.com/office/drawing/2016/ink" xmlns:cx8="http://schemas.microsoft.com/office/drawing/2016/5/14/chartex" xmlns:cx7="http://schemas.microsoft.com/office/drawing/2016/5/13/chartex" xmlns:cx6="http://schemas.microsoft.com/office/drawing/2016/5/12/chartex" xmlns:cx5="http://schemas.microsoft.com/office/drawing/2016/5/11/chartex" xmlns:cx4="http://schemas.microsoft.com/office/drawing/2016/5/10/chartex" xmlns:cx3="http://schemas.microsoft.com/office/drawing/2016/5/9/chartex" xmlns:cx2="http://schemas.microsoft.com/office/drawing/2015/10/21/chartex" xmlns:cx1="http://schemas.microsoft.com/office/drawing/2015/9/8/chartex" xmlns:cx="http://schemas.microsoft.com/office/drawing/2014/chartex" xmlns:wps="http://schemas.microsoft.com/office/word/2010/wordprocessingShape" xmlns:wne="http://schemas.microsoft.com/office/word/2006/wordml" xmlns:wpi="http://schemas.microsoft.com/office/word/2010/wordprocessingInk" xmlns:wpg="http://schemas.microsoft.com/office/word/2010/wordprocessingGroup" xmlns:w15="http://schemas.microsoft.com/office/word/2012/wordml" xmlns:w14="http://schemas.microsoft.com/office/word/2010/wordml" xmlns:wp="http://schemas.openxmlformats.org/drawingml/2006/wordprocessingDrawing" xmlns:wp14="http://schemas.microsoft.com/office/word/2010/wordprocessingDrawing" xmlns:m="http://schemas.openxmlformats.org/officeDocument/2006/math" xmlns:mc="http://schemas.openxmlformats.org/markup-compatibility/2006" xmlns:wpc="http://schemas.microsoft.com/office/word/2010/wordprocessingCanvas">
+                  <a14:hiddenFill xmlns:wpc="http://schemas.microsoft.com/office/word/2010/wordprocessingCanvas" xmlns:mc="http://schemas.openxmlformats.org/markup-compatibility/2006" xmlns:m="http://schemas.openxmlformats.org/officeDocument/2006/math" xmlns:wp14="http://schemas.microsoft.com/office/word/2010/wordprocessingDrawing" xmlns:wp="http://schemas.openxmlformats.org/drawingml/2006/wordprocessingDrawing" xmlns:w14="http://schemas.microsoft.com/office/word/2010/wordml" xmlns:w15="http://schemas.microsoft.com/office/word/2012/wordml" xmlns:wpg="http://schemas.microsoft.com/office/word/2010/wordprocessingGroup" xmlns:wpi="http://schemas.microsoft.com/office/word/2010/wordprocessingInk" xmlns:wne="http://schemas.microsoft.com/office/word/2006/wordml" xmlns:wps="http://schemas.microsoft.com/office/word/2010/wordprocessingShape" xmlns:cx="http://schemas.microsoft.com/office/drawing/2014/chartex" xmlns:cx1="http://schemas.microsoft.com/office/drawing/2015/9/8/chartex" xmlns:cx2="http://schemas.microsoft.com/office/drawing/2015/10/21/chartex" xmlns:cx3="http://schemas.microsoft.com/office/drawing/2016/5/9/chartex" xmlns:cx4="http://schemas.microsoft.com/office/drawing/2016/5/10/chartex" xmlns:cx5="http://schemas.microsoft.com/office/drawing/2016/5/11/chartex" xmlns:cx6="http://schemas.microsoft.com/office/drawing/2016/5/12/chartex" xmlns:cx7="http://schemas.microsoft.com/office/drawing/2016/5/13/chartex" xmlns:cx8="http://schemas.microsoft.com/office/drawing/2016/5/14/chartex" xmlns:aink="http://schemas.microsoft.com/office/drawing/2016/ink" xmlns:am3d="http://schemas.microsoft.com/office/drawing/2017/model3d" xmlns:w16cid="http://schemas.microsoft.com/office/word/2016/wordml/cid" xmlns:w16se="http://schemas.microsoft.com/office/word/2015/wordml/symex" xmlns:a14="http://schemas.microsoft.com/office/drawing/2010/main" xmlns:w="http://schemas.openxmlformats.org/wordprocessingml/2006/main" xmlns:w10="urn:schemas-microsoft-com:office:word" xmlns:v="urn:schemas-microsoft-com:vml" xmlns:o="urn:schemas-microsoft-com:office:office" xmlns:mv="urn:schemas-microsoft-com:mac:vml" xmlns:mo="http://schemas.microsoft.com/office/mac/office/2008/main" xmlns="" xmlns:arto="http://schemas.microsoft.com/office/word/2006/arto" xmlns:lc="http://schemas.openxmlformats.org/drawingml/2006/lockedCanvas">
                     <a:solidFill>
                       <a:srgbClr val="FFFFFF"/>
                     </a:solidFill>
                   </a14:hiddenFill>
                 </a:ext>
                 <a:ext uri="{91240B29-F687-4f45-9708-019B960494DF}">
-                  <a14:hiddenLine xmlns:lc="http://schemas.openxmlformats.org/drawingml/2006/lockedCanvas" xmlns:arto="http://schemas.microsoft.com/office/word/2006/arto" xmlns="" xmlns:mo="http://schemas.microsoft.com/office/mac/office/2008/main" xmlns:mv="urn:schemas-microsoft-com:mac:vml" xmlns:o="urn:schemas-microsoft-com:office:office" xmlns:v="urn:schemas-microsoft-com:vml" xmlns:w10="urn:schemas-microsoft-com:office:word" xmlns:w="http://schemas.openxmlformats.org/wordprocessingml/2006/main" xmlns:a14="http://schemas.microsoft.com/office/drawing/2010/main" xmlns:w16se="http://schemas.microsoft.com/office/word/2015/wordml/symex" xmlns:w16cid="http://schemas.microsoft.com/office/word/2016/wordml/cid" xmlns:am3d="http://schemas.microsoft.com/office/drawing/2017/model3d" xmlns:aink="http://schemas.microsoft.com/office/drawing/2016/ink" xmlns:cx8="http://schemas.microsoft.com/office/drawing/2016/5/14/chartex" xmlns:cx7="http://schemas.microsoft.com/office/drawing/2016/5/13/chartex" xmlns:cx6="http://schemas.microsoft.com/office/drawing/2016/5/12/chartex" xmlns:cx5="http://schemas.microsoft.com/office/drawing/2016/5/11/chartex" xmlns:cx4="http://schemas.microsoft.com/office/drawing/2016/5/10/chartex" xmlns:cx3="http://schemas.microsoft.com/office/drawing/2016/5/9/chartex" xmlns:cx2="http://schemas.microsoft.com/office/drawing/2015/10/21/chartex" xmlns:cx1="http://schemas.microsoft.com/office/drawing/2015/9/8/chartex" xmlns:cx="http://schemas.microsoft.com/office/drawing/2014/chartex" xmlns:wps="http://schemas.microsoft.com/office/word/2010/wordprocessingShape" xmlns:wne="http://schemas.microsoft.com/office/word/2006/wordml" xmlns:wpi="http://schemas.microsoft.com/office/word/2010/wordprocessingInk" xmlns:wpg="http://schemas.microsoft.com/office/word/2010/wordprocessingGroup" xmlns:w15="http://schemas.microsoft.com/office/word/2012/wordml" xmlns:w14="http://schemas.microsoft.com/office/word/2010/wordml" xmlns:wp="http://schemas.openxmlformats.org/drawingml/2006/wordprocessingDrawing" xmlns:wp14="http://schemas.microsoft.com/office/word/2010/wordprocessingDrawing" xmlns:m="http://schemas.openxmlformats.org/officeDocument/2006/math" xmlns:mc="http://schemas.openxmlformats.org/markup-compatibility/2006" xmlns:wpc="http://schemas.microsoft.com/office/word/2010/wordprocessingCanvas" w="19050">
+                  <a14:hiddenLine xmlns:wpc="http://schemas.microsoft.com/office/word/2010/wordprocessingCanvas" xmlns:mc="http://schemas.openxmlformats.org/markup-compatibility/2006" xmlns:m="http://schemas.openxmlformats.org/officeDocument/2006/math" xmlns:wp14="http://schemas.microsoft.com/office/word/2010/wordprocessingDrawing" xmlns:wp="http://schemas.openxmlformats.org/drawingml/2006/wordprocessingDrawing" xmlns:w14="http://schemas.microsoft.com/office/word/2010/wordml" xmlns:w15="http://schemas.microsoft.com/office/word/2012/wordml" xmlns:wpg="http://schemas.microsoft.com/office/word/2010/wordprocessingGroup" xmlns:wpi="http://schemas.microsoft.com/office/word/2010/wordprocessingInk" xmlns:wne="http://schemas.microsoft.com/office/word/2006/wordml" xmlns:wps="http://schemas.microsoft.com/office/word/2010/wordprocessingShape" xmlns:cx="http://schemas.microsoft.com/office/drawing/2014/chartex" xmlns:cx1="http://schemas.microsoft.com/office/drawing/2015/9/8/chartex" xmlns:cx2="http://schemas.microsoft.com/office/drawing/2015/10/21/chartex" xmlns:cx3="http://schemas.microsoft.com/office/drawing/2016/5/9/chartex" xmlns:cx4="http://schemas.microsoft.com/office/drawing/2016/5/10/chartex" xmlns:cx5="http://schemas.microsoft.com/office/drawing/2016/5/11/chartex" xmlns:cx6="http://schemas.microsoft.com/office/drawing/2016/5/12/chartex" xmlns:cx7="http://schemas.microsoft.com/office/drawing/2016/5/13/chartex" xmlns:cx8="http://schemas.microsoft.com/office/drawing/2016/5/14/chartex" xmlns:aink="http://schemas.microsoft.com/office/drawing/2016/ink" xmlns:am3d="http://schemas.microsoft.com/office/drawing/2017/model3d" xmlns:w16cid="http://schemas.microsoft.com/office/word/2016/wordml/cid" xmlns:w16se="http://schemas.microsoft.com/office/word/2015/wordml/symex" xmlns:a14="http://schemas.microsoft.com/office/drawing/2010/main" xmlns:w="http://schemas.openxmlformats.org/wordprocessingml/2006/main" xmlns:w10="urn:schemas-microsoft-com:office:word" xmlns:v="urn:schemas-microsoft-com:vml" xmlns:o="urn:schemas-microsoft-com:office:office" xmlns:mv="urn:schemas-microsoft-com:mac:vml" xmlns:mo="http://schemas.microsoft.com/office/mac/office/2008/main" xmlns="" xmlns:arto="http://schemas.microsoft.com/office/word/2006/arto" xmlns:lc="http://schemas.openxmlformats.org/drawingml/2006/lockedCanvas" w="19050">
                     <a:solidFill>
                       <a:srgbClr val="000000"/>
                     </a:solidFill>
@@ -3433,159 +3280,24 @@
               <a:p>
                 <a:pPr algn="ctr"/>
                 <a:r>
-                  <a:rPr lang="it-IT" sz="1000" b="1">
+                  <a:rPr lang="en-US" sz="1000" b="1">
                     <a:latin typeface="Times New Roman" panose="02020603050405020304" pitchFamily="18" charset="0"/>
                     <a:ea typeface="Arial Unicode MS" panose="020B0604020202020204" pitchFamily="34" charset="-128"/>
                   </a:rPr>
-                  <a:t>Document </a:t>
+                  <a:t>Document</a:t>
                 </a:r>
-                <a:endParaRPr lang="en-US" sz="1200">
-                  <a:latin typeface="Times New Roman" panose="02020603050405020304" pitchFamily="18" charset="0"/>
-                  <a:ea typeface="Times New Roman" panose="02020603050405020304" pitchFamily="18" charset="0"/>
-                </a:endParaRPr>
-              </a:p>
-              <a:p>
-                <a:pPr algn="ctr"/>
-                <a:r>
-                  <a:rPr lang="it-IT" sz="1000" b="1">
+                <a:br>
+                  <a:rPr lang="en-US" sz="1000" b="1">
                     <a:latin typeface="Times New Roman" panose="02020603050405020304" pitchFamily="18" charset="0"/>
                     <a:ea typeface="Arial Unicode MS" panose="020B0604020202020204" pitchFamily="34" charset="-128"/>
                   </a:rPr>
-                  <a:t>Registry</a:t>
-                </a:r>
-                <a:endParaRPr lang="en-US" sz="1200">
-                  <a:latin typeface="Times New Roman" panose="02020603050405020304" pitchFamily="18" charset="0"/>
-                  <a:ea typeface="Times New Roman" panose="02020603050405020304" pitchFamily="18" charset="0"/>
-                </a:endParaRPr>
-              </a:p>
-            </p:txBody>
-          </p:sp>
-          <p:sp>
-            <p:nvSpPr>
-              <p:cNvPr id="55" name="Arrow: Curved Down 54">
-                <a:extLst>
-                  <a:ext uri="{FF2B5EF4-FFF2-40B4-BE49-F238E27FC236}">
-                    <a16:creationId xmlns:a16="http://schemas.microsoft.com/office/drawing/2014/main" id="{EAD02E1B-715F-C60B-BF70-00EDF1E511AA}"/>
-                  </a:ext>
-                </a:extLst>
-              </p:cNvPr>
-              <p:cNvSpPr>
-                <a:spLocks noChangeArrowheads="1"/>
-              </p:cNvSpPr>
-              <p:nvPr/>
-            </p:nvSpPr>
-            <p:spPr bwMode="auto">
-              <a:xfrm>
-                <a:off x="3339548" y="2744909"/>
-                <a:ext cx="1079218" cy="236832"/>
-              </a:xfrm>
-              <a:prstGeom prst="curvedDownArrow">
-                <a:avLst>
-                  <a:gd name="adj1" fmla="val 25002"/>
-                  <a:gd name="adj2" fmla="val 50004"/>
-                  <a:gd name="adj3" fmla="val 25000"/>
-                </a:avLst>
-              </a:prstGeom>
-              <a:solidFill>
-                <a:schemeClr val="accent1">
-                  <a:lumMod val="100000"/>
-                  <a:lumOff val="0"/>
-                </a:schemeClr>
-              </a:solidFill>
-              <a:ln w="12700">
-                <a:solidFill>
-                  <a:schemeClr val="accent1">
-                    <a:lumMod val="50000"/>
-                    <a:lumOff val="0"/>
-                  </a:schemeClr>
-                </a:solidFill>
-                <a:miter lim="800000"/>
-                <a:headEnd/>
-                <a:tailEnd/>
-              </a:ln>
-            </p:spPr>
-            <p:txBody>
-              <a:bodyPr rot="0" vert="horz" wrap="square" lIns="91440" tIns="45720" rIns="91440" bIns="45720" anchor="ctr" anchorCtr="0" upright="1">
-                <a:noAutofit/>
-              </a:bodyPr>
-              <a:lstStyle/>
-              <a:p>
-                <a:endParaRPr lang="en-US"/>
-              </a:p>
-            </p:txBody>
-          </p:sp>
-          <p:sp>
-            <p:nvSpPr>
-              <p:cNvPr id="56" name="Text Box 11">
-                <a:extLst>
-                  <a:ext uri="{FF2B5EF4-FFF2-40B4-BE49-F238E27FC236}">
-                    <a16:creationId xmlns:a16="http://schemas.microsoft.com/office/drawing/2014/main" id="{1AE49DF3-D186-6198-D60E-6D798D55A2C5}"/>
-                  </a:ext>
-                </a:extLst>
-              </p:cNvPr>
-              <p:cNvSpPr txBox="1">
-                <a:spLocks noChangeArrowheads="1"/>
-              </p:cNvSpPr>
-              <p:nvPr/>
-            </p:nvSpPr>
-            <p:spPr bwMode="auto">
-              <a:xfrm>
-                <a:off x="2725300" y="2453684"/>
-                <a:ext cx="2197536" cy="318454"/>
-              </a:xfrm>
-              <a:prstGeom prst="rect">
-                <a:avLst/>
-              </a:prstGeom>
-              <a:noFill/>
-              <a:ln>
-                <a:noFill/>
-              </a:ln>
-              <a:extLst>
-                <a:ext uri="{909E8E84-426E-40dd-AFC4-6F175D3DCCD1}">
-                  <a14:hiddenFill xmlns:lc="http://schemas.openxmlformats.org/drawingml/2006/lockedCanvas" xmlns:arto="http://schemas.microsoft.com/office/word/2006/arto" xmlns="" xmlns:mo="http://schemas.microsoft.com/office/mac/office/2008/main" xmlns:mv="urn:schemas-microsoft-com:mac:vml" xmlns:o="urn:schemas-microsoft-com:office:office" xmlns:v="urn:schemas-microsoft-com:vml" xmlns:w10="urn:schemas-microsoft-com:office:word" xmlns:w="http://schemas.openxmlformats.org/wordprocessingml/2006/main" xmlns:a14="http://schemas.microsoft.com/office/drawing/2010/main" xmlns:w16se="http://schemas.microsoft.com/office/word/2015/wordml/symex" xmlns:w16cid="http://schemas.microsoft.com/office/word/2016/wordml/cid" xmlns:am3d="http://schemas.microsoft.com/office/drawing/2017/model3d" xmlns:aink="http://schemas.microsoft.com/office/drawing/2016/ink" xmlns:cx8="http://schemas.microsoft.com/office/drawing/2016/5/14/chartex" xmlns:cx7="http://schemas.microsoft.com/office/drawing/2016/5/13/chartex" xmlns:cx6="http://schemas.microsoft.com/office/drawing/2016/5/12/chartex" xmlns:cx5="http://schemas.microsoft.com/office/drawing/2016/5/11/chartex" xmlns:cx4="http://schemas.microsoft.com/office/drawing/2016/5/10/chartex" xmlns:cx3="http://schemas.microsoft.com/office/drawing/2016/5/9/chartex" xmlns:cx2="http://schemas.microsoft.com/office/drawing/2015/10/21/chartex" xmlns:cx1="http://schemas.microsoft.com/office/drawing/2015/9/8/chartex" xmlns:cx="http://schemas.microsoft.com/office/drawing/2014/chartex" xmlns:wps="http://schemas.microsoft.com/office/word/2010/wordprocessingShape" xmlns:wne="http://schemas.microsoft.com/office/word/2006/wordml" xmlns:wpi="http://schemas.microsoft.com/office/word/2010/wordprocessingInk" xmlns:wpg="http://schemas.microsoft.com/office/word/2010/wordprocessingGroup" xmlns:w15="http://schemas.microsoft.com/office/word/2012/wordml" xmlns:w14="http://schemas.microsoft.com/office/word/2010/wordml" xmlns:wp="http://schemas.openxmlformats.org/drawingml/2006/wordprocessingDrawing" xmlns:wp14="http://schemas.microsoft.com/office/word/2010/wordprocessingDrawing" xmlns:m="http://schemas.openxmlformats.org/officeDocument/2006/math" xmlns:mc="http://schemas.openxmlformats.org/markup-compatibility/2006" xmlns:wpc="http://schemas.microsoft.com/office/word/2010/wordprocessingCanvas">
-                    <a:solidFill>
-                      <a:srgbClr val="FFFFFF"/>
-                    </a:solidFill>
-                  </a14:hiddenFill>
-                </a:ext>
-                <a:ext uri="{91240B29-F687-4f45-9708-019B960494DF}">
-                  <a14:hiddenLine xmlns:lc="http://schemas.openxmlformats.org/drawingml/2006/lockedCanvas" xmlns:arto="http://schemas.microsoft.com/office/word/2006/arto" xmlns="" xmlns:mo="http://schemas.microsoft.com/office/mac/office/2008/main" xmlns:mv="urn:schemas-microsoft-com:mac:vml" xmlns:o="urn:schemas-microsoft-com:office:office" xmlns:v="urn:schemas-microsoft-com:vml" xmlns:w10="urn:schemas-microsoft-com:office:word" xmlns:w="http://schemas.openxmlformats.org/wordprocessingml/2006/main" xmlns:a14="http://schemas.microsoft.com/office/drawing/2010/main" xmlns:w16se="http://schemas.microsoft.com/office/word/2015/wordml/symex" xmlns:w16cid="http://schemas.microsoft.com/office/word/2016/wordml/cid" xmlns:am3d="http://schemas.microsoft.com/office/drawing/2017/model3d" xmlns:aink="http://schemas.microsoft.com/office/drawing/2016/ink" xmlns:cx8="http://schemas.microsoft.com/office/drawing/2016/5/14/chartex" xmlns:cx7="http://schemas.microsoft.com/office/drawing/2016/5/13/chartex" xmlns:cx6="http://schemas.microsoft.com/office/drawing/2016/5/12/chartex" xmlns:cx5="http://schemas.microsoft.com/office/drawing/2016/5/11/chartex" xmlns:cx4="http://schemas.microsoft.com/office/drawing/2016/5/10/chartex" xmlns:cx3="http://schemas.microsoft.com/office/drawing/2016/5/9/chartex" xmlns:cx2="http://schemas.microsoft.com/office/drawing/2015/10/21/chartex" xmlns:cx1="http://schemas.microsoft.com/office/drawing/2015/9/8/chartex" xmlns:cx="http://schemas.microsoft.com/office/drawing/2014/chartex" xmlns:wps="http://schemas.microsoft.com/office/word/2010/wordprocessingShape" xmlns:wne="http://schemas.microsoft.com/office/word/2006/wordml" xmlns:wpi="http://schemas.microsoft.com/office/word/2010/wordprocessingInk" xmlns:wpg="http://schemas.microsoft.com/office/word/2010/wordprocessingGroup" xmlns:w15="http://schemas.microsoft.com/office/word/2012/wordml" xmlns:w14="http://schemas.microsoft.com/office/word/2010/wordml" xmlns:wp="http://schemas.openxmlformats.org/drawingml/2006/wordprocessingDrawing" xmlns:wp14="http://schemas.microsoft.com/office/word/2010/wordprocessingDrawing" xmlns:m="http://schemas.openxmlformats.org/officeDocument/2006/math" xmlns:mc="http://schemas.openxmlformats.org/markup-compatibility/2006" xmlns:wpc="http://schemas.microsoft.com/office/word/2010/wordprocessingCanvas" w="9525">
-                    <a:solidFill>
-                      <a:srgbClr val="000000"/>
-                    </a:solidFill>
-                    <a:miter lim="800000"/>
-                    <a:headEnd/>
-                    <a:tailEnd/>
-                  </a14:hiddenLine>
-                </a:ext>
-              </a:extLst>
-            </p:spPr>
-            <p:txBody>
-              <a:bodyPr rot="0" vert="horz" wrap="square" lIns="0" tIns="45720" rIns="0" bIns="45720" anchor="t" anchorCtr="0" upright="1">
-                <a:noAutofit/>
-              </a:bodyPr>
-              <a:lstStyle/>
-              <a:p>
-                <a:pPr algn="ctr"/>
+                </a:br>
                 <a:r>
-                  <a:rPr lang="it-IT" sz="1200" b="1">
-                    <a:solidFill>
-                      <a:srgbClr val="2F5496"/>
-                    </a:solidFill>
+                  <a:rPr lang="en-US" sz="1000" b="1">
                     <a:latin typeface="Times New Roman" panose="02020603050405020304" pitchFamily="18" charset="0"/>
                     <a:ea typeface="Arial Unicode MS" panose="020B0604020202020204" pitchFamily="34" charset="-128"/>
                   </a:rPr>
-                  <a:t>Data </a:t>
-                </a:r>
-                <a:r>
-                  <a:rPr lang="en-US" sz="1200" b="1">
-                    <a:solidFill>
-                      <a:srgbClr val="2F5496"/>
-                    </a:solidFill>
-                    <a:latin typeface="Times New Roman" panose="02020603050405020304" pitchFamily="18" charset="0"/>
-                    <a:ea typeface="Arial Unicode MS" panose="020B0604020202020204" pitchFamily="34" charset="-128"/>
-                  </a:rPr>
-                  <a:t>Element Extractor</a:t>
+                  <a:t>Repository</a:t>
                 </a:r>
                 <a:endParaRPr lang="en-US" sz="1200">
                   <a:latin typeface="Times New Roman" panose="02020603050405020304" pitchFamily="18" charset="0"/>
@@ -3597,10 +3309,10 @@
         </p:grpSp>
         <p:sp>
           <p:nvSpPr>
-            <p:cNvPr id="35" name="Rectangle 34">
+            <p:cNvPr id="53" name="Sun 52">
               <a:extLst>
                 <a:ext uri="{FF2B5EF4-FFF2-40B4-BE49-F238E27FC236}">
-                  <a16:creationId xmlns:a16="http://schemas.microsoft.com/office/drawing/2014/main" id="{93DFE287-E965-1AB7-397F-998D2FAF166B}"/>
+                  <a16:creationId xmlns:a16="http://schemas.microsoft.com/office/drawing/2014/main" id="{06060366-8D1F-9357-953C-DB024C3BF42C}"/>
                 </a:ext>
               </a:extLst>
             </p:cNvPr>
@@ -3611,130 +3323,26 @@
           </p:nvSpPr>
           <p:spPr bwMode="auto">
             <a:xfrm>
-              <a:off x="430530" y="10"/>
-              <a:ext cx="5273970" cy="1357612"/>
+              <a:off x="2406500" y="3572068"/>
+              <a:ext cx="1722500" cy="787315"/>
             </a:xfrm>
-            <a:prstGeom prst="rect">
-              <a:avLst/>
-            </a:prstGeom>
-            <a:blipFill dpi="0" rotWithShape="1">
-              <a:blip r:embed="rId3"/>
-              <a:srcRect/>
-              <a:tile tx="0" ty="0" sx="100000" sy="100000" flip="none" algn="tl"/>
-            </a:blipFill>
-            <a:ln>
-              <a:noFill/>
-            </a:ln>
-            <a:extLst>
-              <a:ext uri="{91240B29-F687-4f45-9708-019B960494DF}">
-                <a14:hiddenLine xmlns:lc="http://schemas.openxmlformats.org/drawingml/2006/lockedCanvas" xmlns:arto="http://schemas.microsoft.com/office/word/2006/arto" xmlns="" xmlns:mo="http://schemas.microsoft.com/office/mac/office/2008/main" xmlns:mv="urn:schemas-microsoft-com:mac:vml" xmlns:o="urn:schemas-microsoft-com:office:office" xmlns:v="urn:schemas-microsoft-com:vml" xmlns:w10="urn:schemas-microsoft-com:office:word" xmlns:w="http://schemas.openxmlformats.org/wordprocessingml/2006/main" xmlns:a14="http://schemas.microsoft.com/office/drawing/2010/main" xmlns:w16se="http://schemas.microsoft.com/office/word/2015/wordml/symex" xmlns:w16cid="http://schemas.microsoft.com/office/word/2016/wordml/cid" xmlns:am3d="http://schemas.microsoft.com/office/drawing/2017/model3d" xmlns:aink="http://schemas.microsoft.com/office/drawing/2016/ink" xmlns:cx8="http://schemas.microsoft.com/office/drawing/2016/5/14/chartex" xmlns:cx7="http://schemas.microsoft.com/office/drawing/2016/5/13/chartex" xmlns:cx6="http://schemas.microsoft.com/office/drawing/2016/5/12/chartex" xmlns:cx5="http://schemas.microsoft.com/office/drawing/2016/5/11/chartex" xmlns:cx4="http://schemas.microsoft.com/office/drawing/2016/5/10/chartex" xmlns:cx3="http://schemas.microsoft.com/office/drawing/2016/5/9/chartex" xmlns:cx2="http://schemas.microsoft.com/office/drawing/2015/10/21/chartex" xmlns:cx1="http://schemas.microsoft.com/office/drawing/2015/9/8/chartex" xmlns:cx="http://schemas.microsoft.com/office/drawing/2014/chartex" xmlns:wps="http://schemas.microsoft.com/office/word/2010/wordprocessingShape" xmlns:wne="http://schemas.microsoft.com/office/word/2006/wordml" xmlns:wpi="http://schemas.microsoft.com/office/word/2010/wordprocessingInk" xmlns:wpg="http://schemas.microsoft.com/office/word/2010/wordprocessingGroup" xmlns:w15="http://schemas.microsoft.com/office/word/2012/wordml" xmlns:w14="http://schemas.microsoft.com/office/word/2010/wordml" xmlns:wp="http://schemas.openxmlformats.org/drawingml/2006/wordprocessingDrawing" xmlns:wp14="http://schemas.microsoft.com/office/word/2010/wordprocessingDrawing" xmlns:m="http://schemas.openxmlformats.org/officeDocument/2006/math" xmlns:mc="http://schemas.openxmlformats.org/markup-compatibility/2006" xmlns:wpc="http://schemas.microsoft.com/office/word/2010/wordprocessingCanvas" w="19050">
-                  <a:solidFill>
-                    <a:srgbClr val="000000"/>
-                  </a:solidFill>
-                  <a:miter lim="800000"/>
-                  <a:headEnd/>
-                  <a:tailEnd/>
-                </a14:hiddenLine>
-              </a:ext>
-            </a:extLst>
-          </p:spPr>
-          <p:txBody>
-            <a:bodyPr rot="0" vert="horz" wrap="square" lIns="0" tIns="0" rIns="0" bIns="0" anchor="t" anchorCtr="0" upright="1">
-              <a:noAutofit/>
-            </a:bodyPr>
-            <a:lstStyle/>
-            <a:p>
-              <a:pPr algn="ctr">
-                <a:spcBef>
-                  <a:spcPts val="600"/>
-                </a:spcBef>
-              </a:pPr>
-              <a:r>
-                <a:rPr lang="en-US" sz="1100" b="1">
-                  <a:solidFill>
-                    <a:srgbClr val="0D0D0D"/>
-                  </a:solidFill>
-                  <a:latin typeface="Times New Roman" panose="02020603050405020304" pitchFamily="18" charset="0"/>
-                  <a:ea typeface="Times New Roman" panose="02020603050405020304" pitchFamily="18" charset="0"/>
-                </a:rPr>
-                <a:t>e.g., Point of Care System</a:t>
-              </a:r>
-              <a:endParaRPr lang="en-US" sz="1200">
-                <a:latin typeface="Times New Roman" panose="02020603050405020304" pitchFamily="18" charset="0"/>
-                <a:ea typeface="Times New Roman" panose="02020603050405020304" pitchFamily="18" charset="0"/>
-              </a:endParaRPr>
-            </a:p>
-          </p:txBody>
-        </p:sp>
-        <p:cxnSp>
-          <p:nvCxnSpPr>
-            <p:cNvPr id="36" name="Straight Arrow Connector 35">
-              <a:extLst>
-                <a:ext uri="{FF2B5EF4-FFF2-40B4-BE49-F238E27FC236}">
-                  <a16:creationId xmlns:a16="http://schemas.microsoft.com/office/drawing/2014/main" id="{6929D2AC-5DD3-FEC5-EC0E-349968C7F4BC}"/>
-                </a:ext>
-              </a:extLst>
-            </p:cNvPr>
-            <p:cNvCxnSpPr>
-              <a:cxnSpLocks noChangeShapeType="1"/>
-              <a:stCxn id="38" idx="2"/>
-            </p:cNvCxnSpPr>
-            <p:nvPr/>
-          </p:nvCxnSpPr>
-          <p:spPr bwMode="auto">
-            <a:xfrm flipH="1">
-              <a:off x="4351020" y="1189466"/>
-              <a:ext cx="102480" cy="1580300"/>
-            </a:xfrm>
-            <a:prstGeom prst="straightConnector1">
-              <a:avLst/>
-            </a:prstGeom>
-            <a:noFill/>
-            <a:ln w="19050">
-              <a:solidFill>
-                <a:schemeClr val="tx1"/>
-              </a:solidFill>
-              <a:miter lim="800000"/>
-              <a:headEnd/>
-              <a:tailEnd type="triangle" w="med" len="med"/>
-            </a:ln>
-            <a:extLst>
-              <a:ext uri="{909E8E84-426E-40dd-AFC4-6F175D3DCCD1}">
-                <a14:hiddenFill xmlns:lc="http://schemas.openxmlformats.org/drawingml/2006/lockedCanvas" xmlns:arto="http://schemas.microsoft.com/office/word/2006/arto" xmlns="" xmlns:mo="http://schemas.microsoft.com/office/mac/office/2008/main" xmlns:mv="urn:schemas-microsoft-com:mac:vml" xmlns:o="urn:schemas-microsoft-com:office:office" xmlns:v="urn:schemas-microsoft-com:vml" xmlns:w10="urn:schemas-microsoft-com:office:word" xmlns:w="http://schemas.openxmlformats.org/wordprocessingml/2006/main" xmlns:a14="http://schemas.microsoft.com/office/drawing/2010/main" xmlns:w16se="http://schemas.microsoft.com/office/word/2015/wordml/symex" xmlns:w16cid="http://schemas.microsoft.com/office/word/2016/wordml/cid" xmlns:am3d="http://schemas.microsoft.com/office/drawing/2017/model3d" xmlns:aink="http://schemas.microsoft.com/office/drawing/2016/ink" xmlns:cx8="http://schemas.microsoft.com/office/drawing/2016/5/14/chartex" xmlns:cx7="http://schemas.microsoft.com/office/drawing/2016/5/13/chartex" xmlns:cx6="http://schemas.microsoft.com/office/drawing/2016/5/12/chartex" xmlns:cx5="http://schemas.microsoft.com/office/drawing/2016/5/11/chartex" xmlns:cx4="http://schemas.microsoft.com/office/drawing/2016/5/10/chartex" xmlns:cx3="http://schemas.microsoft.com/office/drawing/2016/5/9/chartex" xmlns:cx2="http://schemas.microsoft.com/office/drawing/2015/10/21/chartex" xmlns:cx1="http://schemas.microsoft.com/office/drawing/2015/9/8/chartex" xmlns:cx="http://schemas.microsoft.com/office/drawing/2014/chartex" xmlns:wps="http://schemas.microsoft.com/office/word/2010/wordprocessingShape" xmlns:wne="http://schemas.microsoft.com/office/word/2006/wordml" xmlns:wpi="http://schemas.microsoft.com/office/word/2010/wordprocessingInk" xmlns:wpg="http://schemas.microsoft.com/office/word/2010/wordprocessingGroup" xmlns:w15="http://schemas.microsoft.com/office/word/2012/wordml" xmlns:w14="http://schemas.microsoft.com/office/word/2010/wordml" xmlns:wp="http://schemas.openxmlformats.org/drawingml/2006/wordprocessingDrawing" xmlns:wp14="http://schemas.microsoft.com/office/word/2010/wordprocessingDrawing" xmlns:m="http://schemas.openxmlformats.org/officeDocument/2006/math" xmlns:mc="http://schemas.openxmlformats.org/markup-compatibility/2006" xmlns:wpc="http://schemas.microsoft.com/office/word/2010/wordprocessingCanvas">
-                  <a:noFill/>
-                </a14:hiddenFill>
-              </a:ext>
-            </a:extLst>
-          </p:spPr>
-        </p:cxnSp>
-        <p:sp>
-          <p:nvSpPr>
-            <p:cNvPr id="37" name="Rectangle 36">
-              <a:extLst>
-                <a:ext uri="{FF2B5EF4-FFF2-40B4-BE49-F238E27FC236}">
-                  <a16:creationId xmlns:a16="http://schemas.microsoft.com/office/drawing/2014/main" id="{66DE6F18-20C0-31B3-C9B1-61BCCAFB341F}"/>
-                </a:ext>
-              </a:extLst>
-            </p:cNvPr>
-            <p:cNvSpPr>
-              <a:spLocks noChangeArrowheads="1"/>
-            </p:cNvSpPr>
-            <p:nvPr/>
-          </p:nvSpPr>
-          <p:spPr bwMode="auto">
-            <a:xfrm>
-              <a:off x="1410000" y="714058"/>
-              <a:ext cx="1045000" cy="475408"/>
-            </a:xfrm>
-            <a:prstGeom prst="rect">
-              <a:avLst/>
+            <a:prstGeom prst="sun">
+              <a:avLst>
+                <a:gd name="adj" fmla="val 25000"/>
+              </a:avLst>
             </a:prstGeom>
             <a:solidFill>
-              <a:srgbClr val="BFBFBF"/>
+              <a:schemeClr val="bg1">
+                <a:lumMod val="75000"/>
+                <a:lumOff val="0"/>
+              </a:schemeClr>
             </a:solidFill>
             <a:ln w="19050">
               <a:solidFill>
-                <a:srgbClr val="000000"/>
+                <a:schemeClr val="tx1">
+                  <a:lumMod val="100000"/>
+                  <a:lumOff val="0"/>
+                </a:schemeClr>
               </a:solidFill>
               <a:miter lim="800000"/>
               <a:headEnd/>
@@ -3747,27 +3355,16 @@
             </a:bodyPr>
             <a:lstStyle/>
             <a:p>
-              <a:pPr algn="ctr"/>
-              <a:r>
-                <a:rPr lang="en-US" sz="1000" b="1" dirty="0">
-                  <a:latin typeface="Times New Roman" panose="02020603050405020304" pitchFamily="18" charset="0"/>
-                  <a:ea typeface="Arial Unicode MS" panose="020B0604020202020204" pitchFamily="34" charset="-128"/>
-                </a:rPr>
-                <a:t>Document Consumer</a:t>
-              </a:r>
-              <a:endParaRPr lang="en-US" sz="1200" dirty="0">
-                <a:latin typeface="Times New Roman" panose="02020603050405020304" pitchFamily="18" charset="0"/>
-                <a:ea typeface="Times New Roman" panose="02020603050405020304" pitchFamily="18" charset="0"/>
-              </a:endParaRPr>
+              <a:endParaRPr lang="en-US"/>
             </a:p>
           </p:txBody>
         </p:sp>
         <p:sp>
           <p:nvSpPr>
-            <p:cNvPr id="38" name="Rectangle 37">
+            <p:cNvPr id="54" name="Rectangle 53">
               <a:extLst>
                 <a:ext uri="{FF2B5EF4-FFF2-40B4-BE49-F238E27FC236}">
-                  <a16:creationId xmlns:a16="http://schemas.microsoft.com/office/drawing/2014/main" id="{6D323927-C268-F025-A8EC-1ED662D0EB45}"/>
+                  <a16:creationId xmlns:a16="http://schemas.microsoft.com/office/drawing/2014/main" id="{2F9BA305-2F57-122D-7C31-607065B6BC2A}"/>
                 </a:ext>
               </a:extLst>
             </p:cNvPr>
@@ -3778,71 +3375,8 @@
           </p:nvSpPr>
           <p:spPr bwMode="auto">
             <a:xfrm>
-              <a:off x="3931000" y="722010"/>
-              <a:ext cx="1045000" cy="467456"/>
-            </a:xfrm>
-            <a:prstGeom prst="rect">
-              <a:avLst/>
-            </a:prstGeom>
-            <a:pattFill prst="pct20">
-              <a:fgClr>
-                <a:srgbClr val="BFBFBF"/>
-              </a:fgClr>
-              <a:bgClr>
-                <a:schemeClr val="bg1">
-                  <a:lumMod val="100000"/>
-                  <a:lumOff val="0"/>
-                </a:schemeClr>
-              </a:bgClr>
-            </a:pattFill>
-            <a:ln w="19050">
-              <a:solidFill>
-                <a:srgbClr val="000000"/>
-              </a:solidFill>
-              <a:miter lim="800000"/>
-              <a:headEnd/>
-              <a:tailEnd/>
-            </a:ln>
-          </p:spPr>
-          <p:txBody>
-            <a:bodyPr rot="0" vert="horz" wrap="square" lIns="91440" tIns="45720" rIns="91440" bIns="45720" anchor="ctr" anchorCtr="0" upright="1">
-              <a:noAutofit/>
-            </a:bodyPr>
-            <a:lstStyle/>
-            <a:p>
-              <a:pPr algn="ctr"/>
-              <a:r>
-                <a:rPr lang="en-US" sz="1000" b="1">
-                  <a:latin typeface="Times New Roman" panose="02020603050405020304" pitchFamily="18" charset="0"/>
-                  <a:ea typeface="Arial Unicode MS" panose="020B0604020202020204" pitchFamily="34" charset="-128"/>
-                </a:rPr>
-                <a:t>Clinical Data Consumer</a:t>
-              </a:r>
-              <a:endParaRPr lang="en-US" sz="1200">
-                <a:latin typeface="Times New Roman" panose="02020603050405020304" pitchFamily="18" charset="0"/>
-                <a:ea typeface="Times New Roman" panose="02020603050405020304" pitchFamily="18" charset="0"/>
-              </a:endParaRPr>
-            </a:p>
-          </p:txBody>
-        </p:sp>
-        <p:sp>
-          <p:nvSpPr>
-            <p:cNvPr id="39" name="Text Box 11">
-              <a:extLst>
-                <a:ext uri="{FF2B5EF4-FFF2-40B4-BE49-F238E27FC236}">
-                  <a16:creationId xmlns:a16="http://schemas.microsoft.com/office/drawing/2014/main" id="{94CE173D-7BB6-CD34-E7FA-4A5BACBD8311}"/>
-                </a:ext>
-              </a:extLst>
-            </p:cNvPr>
-            <p:cNvSpPr txBox="1">
-              <a:spLocks noChangeArrowheads="1"/>
-            </p:cNvSpPr>
-            <p:nvPr/>
-          </p:nvSpPr>
-          <p:spPr bwMode="auto">
-            <a:xfrm>
-              <a:off x="1569109" y="2695618"/>
-              <a:ext cx="1000100" cy="222396"/>
+              <a:off x="2732500" y="3763372"/>
+              <a:ext cx="1116400" cy="468409"/>
             </a:xfrm>
             <a:prstGeom prst="rect">
               <a:avLst/>
@@ -3853,529 +3387,14 @@
             </a:ln>
             <a:extLst>
               <a:ext uri="{909E8E84-426E-40dd-AFC4-6F175D3DCCD1}">
-                <a14:hiddenFill xmlns:lc="http://schemas.openxmlformats.org/drawingml/2006/lockedCanvas" xmlns:arto="http://schemas.microsoft.com/office/word/2006/arto" xmlns="" xmlns:mo="http://schemas.microsoft.com/office/mac/office/2008/main" xmlns:mv="urn:schemas-microsoft-com:mac:vml" xmlns:o="urn:schemas-microsoft-com:office:office" xmlns:v="urn:schemas-microsoft-com:vml" xmlns:w10="urn:schemas-microsoft-com:office:word" xmlns:w="http://schemas.openxmlformats.org/wordprocessingml/2006/main" xmlns:a14="http://schemas.microsoft.com/office/drawing/2010/main" xmlns:w16se="http://schemas.microsoft.com/office/word/2015/wordml/symex" xmlns:w16cid="http://schemas.microsoft.com/office/word/2016/wordml/cid" xmlns:am3d="http://schemas.microsoft.com/office/drawing/2017/model3d" xmlns:aink="http://schemas.microsoft.com/office/drawing/2016/ink" xmlns:cx8="http://schemas.microsoft.com/office/drawing/2016/5/14/chartex" xmlns:cx7="http://schemas.microsoft.com/office/drawing/2016/5/13/chartex" xmlns:cx6="http://schemas.microsoft.com/office/drawing/2016/5/12/chartex" xmlns:cx5="http://schemas.microsoft.com/office/drawing/2016/5/11/chartex" xmlns:cx4="http://schemas.microsoft.com/office/drawing/2016/5/10/chartex" xmlns:cx3="http://schemas.microsoft.com/office/drawing/2016/5/9/chartex" xmlns:cx2="http://schemas.microsoft.com/office/drawing/2015/10/21/chartex" xmlns:cx1="http://schemas.microsoft.com/office/drawing/2015/9/8/chartex" xmlns:cx="http://schemas.microsoft.com/office/drawing/2014/chartex" xmlns:wps="http://schemas.microsoft.com/office/word/2010/wordprocessingShape" xmlns:wne="http://schemas.microsoft.com/office/word/2006/wordml" xmlns:wpi="http://schemas.microsoft.com/office/word/2010/wordprocessingInk" xmlns:wpg="http://schemas.microsoft.com/office/word/2010/wordprocessingGroup" xmlns:w15="http://schemas.microsoft.com/office/word/2012/wordml" xmlns:w14="http://schemas.microsoft.com/office/word/2010/wordml" xmlns:wp="http://schemas.openxmlformats.org/drawingml/2006/wordprocessingDrawing" xmlns:wp14="http://schemas.microsoft.com/office/word/2010/wordprocessingDrawing" xmlns:m="http://schemas.openxmlformats.org/officeDocument/2006/math" xmlns:mc="http://schemas.openxmlformats.org/markup-compatibility/2006" xmlns:wpc="http://schemas.microsoft.com/office/word/2010/wordprocessingCanvas">
+                <a14:hiddenFill xmlns:wpc="http://schemas.microsoft.com/office/word/2010/wordprocessingCanvas" xmlns:mc="http://schemas.openxmlformats.org/markup-compatibility/2006" xmlns:m="http://schemas.openxmlformats.org/officeDocument/2006/math" xmlns:wp14="http://schemas.microsoft.com/office/word/2010/wordprocessingDrawing" xmlns:wp="http://schemas.openxmlformats.org/drawingml/2006/wordprocessingDrawing" xmlns:w14="http://schemas.microsoft.com/office/word/2010/wordml" xmlns:w15="http://schemas.microsoft.com/office/word/2012/wordml" xmlns:wpg="http://schemas.microsoft.com/office/word/2010/wordprocessingGroup" xmlns:wpi="http://schemas.microsoft.com/office/word/2010/wordprocessingInk" xmlns:wne="http://schemas.microsoft.com/office/word/2006/wordml" xmlns:wps="http://schemas.microsoft.com/office/word/2010/wordprocessingShape" xmlns:cx="http://schemas.microsoft.com/office/drawing/2014/chartex" xmlns:cx1="http://schemas.microsoft.com/office/drawing/2015/9/8/chartex" xmlns:cx2="http://schemas.microsoft.com/office/drawing/2015/10/21/chartex" xmlns:cx3="http://schemas.microsoft.com/office/drawing/2016/5/9/chartex" xmlns:cx4="http://schemas.microsoft.com/office/drawing/2016/5/10/chartex" xmlns:cx5="http://schemas.microsoft.com/office/drawing/2016/5/11/chartex" xmlns:cx6="http://schemas.microsoft.com/office/drawing/2016/5/12/chartex" xmlns:cx7="http://schemas.microsoft.com/office/drawing/2016/5/13/chartex" xmlns:cx8="http://schemas.microsoft.com/office/drawing/2016/5/14/chartex" xmlns:aink="http://schemas.microsoft.com/office/drawing/2016/ink" xmlns:am3d="http://schemas.microsoft.com/office/drawing/2017/model3d" xmlns:w16cid="http://schemas.microsoft.com/office/word/2016/wordml/cid" xmlns:w16se="http://schemas.microsoft.com/office/word/2015/wordml/symex" xmlns:a14="http://schemas.microsoft.com/office/drawing/2010/main" xmlns:w="http://schemas.openxmlformats.org/wordprocessingml/2006/main" xmlns:w10="urn:schemas-microsoft-com:office:word" xmlns:v="urn:schemas-microsoft-com:vml" xmlns:o="urn:schemas-microsoft-com:office:office" xmlns:mv="urn:schemas-microsoft-com:mac:vml" xmlns:mo="http://schemas.microsoft.com/office/mac/office/2008/main" xmlns="" xmlns:arto="http://schemas.microsoft.com/office/word/2006/arto" xmlns:lc="http://schemas.openxmlformats.org/drawingml/2006/lockedCanvas">
                   <a:solidFill>
                     <a:srgbClr val="FFFFFF"/>
                   </a:solidFill>
                 </a14:hiddenFill>
               </a:ext>
               <a:ext uri="{91240B29-F687-4f45-9708-019B960494DF}">
-                <a14:hiddenLine xmlns:lc="http://schemas.openxmlformats.org/drawingml/2006/lockedCanvas" xmlns:arto="http://schemas.microsoft.com/office/word/2006/arto" xmlns="" xmlns:mo="http://schemas.microsoft.com/office/mac/office/2008/main" xmlns:mv="urn:schemas-microsoft-com:mac:vml" xmlns:o="urn:schemas-microsoft-com:office:office" xmlns:v="urn:schemas-microsoft-com:vml" xmlns:w10="urn:schemas-microsoft-com:office:word" xmlns:w="http://schemas.openxmlformats.org/wordprocessingml/2006/main" xmlns:a14="http://schemas.microsoft.com/office/drawing/2010/main" xmlns:w16se="http://schemas.microsoft.com/office/word/2015/wordml/symex" xmlns:w16cid="http://schemas.microsoft.com/office/word/2016/wordml/cid" xmlns:am3d="http://schemas.microsoft.com/office/drawing/2017/model3d" xmlns:aink="http://schemas.microsoft.com/office/drawing/2016/ink" xmlns:cx8="http://schemas.microsoft.com/office/drawing/2016/5/14/chartex" xmlns:cx7="http://schemas.microsoft.com/office/drawing/2016/5/13/chartex" xmlns:cx6="http://schemas.microsoft.com/office/drawing/2016/5/12/chartex" xmlns:cx5="http://schemas.microsoft.com/office/drawing/2016/5/11/chartex" xmlns:cx4="http://schemas.microsoft.com/office/drawing/2016/5/10/chartex" xmlns:cx3="http://schemas.microsoft.com/office/drawing/2016/5/9/chartex" xmlns:cx2="http://schemas.microsoft.com/office/drawing/2015/10/21/chartex" xmlns:cx1="http://schemas.microsoft.com/office/drawing/2015/9/8/chartex" xmlns:cx="http://schemas.microsoft.com/office/drawing/2014/chartex" xmlns:wps="http://schemas.microsoft.com/office/word/2010/wordprocessingShape" xmlns:wne="http://schemas.microsoft.com/office/word/2006/wordml" xmlns:wpi="http://schemas.microsoft.com/office/word/2010/wordprocessingInk" xmlns:wpg="http://schemas.microsoft.com/office/word/2010/wordprocessingGroup" xmlns:w15="http://schemas.microsoft.com/office/word/2012/wordml" xmlns:w14="http://schemas.microsoft.com/office/word/2010/wordml" xmlns:wp="http://schemas.openxmlformats.org/drawingml/2006/wordprocessingDrawing" xmlns:wp14="http://schemas.microsoft.com/office/word/2010/wordprocessingDrawing" xmlns:m="http://schemas.openxmlformats.org/officeDocument/2006/math" xmlns:mc="http://schemas.openxmlformats.org/markup-compatibility/2006" xmlns:wpc="http://schemas.microsoft.com/office/word/2010/wordprocessingCanvas" w="9525">
-                  <a:solidFill>
-                    <a:srgbClr val="000000"/>
-                  </a:solidFill>
-                  <a:miter lim="800000"/>
-                  <a:headEnd/>
-                  <a:tailEnd/>
-                </a14:hiddenLine>
-              </a:ext>
-            </a:extLst>
-          </p:spPr>
-          <p:txBody>
-            <a:bodyPr rot="0" vert="horz" wrap="square" lIns="0" tIns="45720" rIns="0" bIns="45720" anchor="t" anchorCtr="0" upright="1">
-              <a:noAutofit/>
-            </a:bodyPr>
-            <a:lstStyle/>
-            <a:p>
-              <a:r>
-                <a:rPr lang="en-US" sz="900">
-                  <a:latin typeface="Times New Roman" panose="02020603050405020304" pitchFamily="18" charset="0"/>
-                  <a:ea typeface="Arial Unicode MS" panose="020B0604020202020204" pitchFamily="34" charset="-128"/>
-                </a:rPr>
-                <a:t>Publish Documents</a:t>
-              </a:r>
-              <a:endParaRPr lang="en-US" sz="1200">
-                <a:latin typeface="Times New Roman" panose="02020603050405020304" pitchFamily="18" charset="0"/>
-                <a:ea typeface="Times New Roman" panose="02020603050405020304" pitchFamily="18" charset="0"/>
-              </a:endParaRPr>
-            </a:p>
-            <a:p>
-              <a:pPr>
-                <a:spcBef>
-                  <a:spcPts val="600"/>
-                </a:spcBef>
-              </a:pPr>
-              <a:r>
-                <a:rPr lang="it-IT" sz="1100">
-                  <a:latin typeface="Arial" panose="020B0604020202020204" pitchFamily="34" charset="0"/>
-                  <a:ea typeface="Times New Roman" panose="02020603050405020304" pitchFamily="18" charset="0"/>
-                </a:rPr>
-                <a:t> </a:t>
-              </a:r>
-              <a:endParaRPr lang="en-US" sz="1200">
-                <a:latin typeface="Times New Roman" panose="02020603050405020304" pitchFamily="18" charset="0"/>
-                <a:ea typeface="Times New Roman" panose="02020603050405020304" pitchFamily="18" charset="0"/>
-              </a:endParaRPr>
-            </a:p>
-          </p:txBody>
-        </p:sp>
-        <p:cxnSp>
-          <p:nvCxnSpPr>
-            <p:cNvPr id="40" name="Straight Arrow Connector 39">
-              <a:extLst>
-                <a:ext uri="{FF2B5EF4-FFF2-40B4-BE49-F238E27FC236}">
-                  <a16:creationId xmlns:a16="http://schemas.microsoft.com/office/drawing/2014/main" id="{481477E1-A29C-E0B1-6130-F6AA39041D25}"/>
-                </a:ext>
-              </a:extLst>
-            </p:cNvPr>
-            <p:cNvCxnSpPr>
-              <a:cxnSpLocks noChangeShapeType="1"/>
-              <a:stCxn id="46" idx="3"/>
-              <a:endCxn id="57" idx="2"/>
-            </p:cNvCxnSpPr>
-            <p:nvPr/>
-          </p:nvCxnSpPr>
-          <p:spPr bwMode="auto">
-            <a:xfrm flipV="1">
-              <a:off x="1443990" y="2902957"/>
-              <a:ext cx="1291937" cy="5958"/>
-            </a:xfrm>
-            <a:prstGeom prst="straightConnector1">
-              <a:avLst/>
-            </a:prstGeom>
-            <a:noFill/>
-            <a:ln w="19050">
-              <a:solidFill>
-                <a:schemeClr val="tx1"/>
-              </a:solidFill>
-              <a:miter lim="800000"/>
-              <a:headEnd/>
-              <a:tailEnd type="stealth" w="med" len="med"/>
-            </a:ln>
-            <a:extLst>
-              <a:ext uri="{909E8E84-426E-40dd-AFC4-6F175D3DCCD1}">
-                <a14:hiddenFill xmlns:lc="http://schemas.openxmlformats.org/drawingml/2006/lockedCanvas" xmlns:arto="http://schemas.microsoft.com/office/word/2006/arto" xmlns="" xmlns:mo="http://schemas.microsoft.com/office/mac/office/2008/main" xmlns:mv="urn:schemas-microsoft-com:mac:vml" xmlns:o="urn:schemas-microsoft-com:office:office" xmlns:v="urn:schemas-microsoft-com:vml" xmlns:w10="urn:schemas-microsoft-com:office:word" xmlns:w="http://schemas.openxmlformats.org/wordprocessingml/2006/main" xmlns:a14="http://schemas.microsoft.com/office/drawing/2010/main" xmlns:w16se="http://schemas.microsoft.com/office/word/2015/wordml/symex" xmlns:w16cid="http://schemas.microsoft.com/office/word/2016/wordml/cid" xmlns:am3d="http://schemas.microsoft.com/office/drawing/2017/model3d" xmlns:aink="http://schemas.microsoft.com/office/drawing/2016/ink" xmlns:cx8="http://schemas.microsoft.com/office/drawing/2016/5/14/chartex" xmlns:cx7="http://schemas.microsoft.com/office/drawing/2016/5/13/chartex" xmlns:cx6="http://schemas.microsoft.com/office/drawing/2016/5/12/chartex" xmlns:cx5="http://schemas.microsoft.com/office/drawing/2016/5/11/chartex" xmlns:cx4="http://schemas.microsoft.com/office/drawing/2016/5/10/chartex" xmlns:cx3="http://schemas.microsoft.com/office/drawing/2016/5/9/chartex" xmlns:cx2="http://schemas.microsoft.com/office/drawing/2015/10/21/chartex" xmlns:cx1="http://schemas.microsoft.com/office/drawing/2015/9/8/chartex" xmlns:cx="http://schemas.microsoft.com/office/drawing/2014/chartex" xmlns:wps="http://schemas.microsoft.com/office/word/2010/wordprocessingShape" xmlns:wne="http://schemas.microsoft.com/office/word/2006/wordml" xmlns:wpi="http://schemas.microsoft.com/office/word/2010/wordprocessingInk" xmlns:wpg="http://schemas.microsoft.com/office/word/2010/wordprocessingGroup" xmlns:w15="http://schemas.microsoft.com/office/word/2012/wordml" xmlns:w14="http://schemas.microsoft.com/office/word/2010/wordml" xmlns:wp="http://schemas.openxmlformats.org/drawingml/2006/wordprocessingDrawing" xmlns:wp14="http://schemas.microsoft.com/office/word/2010/wordprocessingDrawing" xmlns:m="http://schemas.openxmlformats.org/officeDocument/2006/math" xmlns:mc="http://schemas.openxmlformats.org/markup-compatibility/2006" xmlns:wpc="http://schemas.microsoft.com/office/word/2010/wordprocessingCanvas">
-                  <a:noFill/>
-                </a14:hiddenFill>
-              </a:ext>
-            </a:extLst>
-          </p:spPr>
-        </p:cxnSp>
-        <p:sp>
-          <p:nvSpPr>
-            <p:cNvPr id="41" name="Text Box 11">
-              <a:extLst>
-                <a:ext uri="{FF2B5EF4-FFF2-40B4-BE49-F238E27FC236}">
-                  <a16:creationId xmlns:a16="http://schemas.microsoft.com/office/drawing/2014/main" id="{1DBE0177-A450-1DFE-94F3-6C4E87102205}"/>
-                </a:ext>
-              </a:extLst>
-            </p:cNvPr>
-            <p:cNvSpPr txBox="1">
-              <a:spLocks noChangeArrowheads="1"/>
-            </p:cNvSpPr>
-            <p:nvPr/>
-          </p:nvSpPr>
-          <p:spPr bwMode="auto">
-            <a:xfrm>
-              <a:off x="1882300" y="1602740"/>
-              <a:ext cx="1000100" cy="364207"/>
-            </a:xfrm>
-            <a:prstGeom prst="rect">
-              <a:avLst/>
-            </a:prstGeom>
-            <a:noFill/>
-            <a:ln>
-              <a:noFill/>
-            </a:ln>
-            <a:extLst>
-              <a:ext uri="{909E8E84-426E-40dd-AFC4-6F175D3DCCD1}">
-                <a14:hiddenFill xmlns:lc="http://schemas.openxmlformats.org/drawingml/2006/lockedCanvas" xmlns:arto="http://schemas.microsoft.com/office/word/2006/arto" xmlns="" xmlns:mo="http://schemas.microsoft.com/office/mac/office/2008/main" xmlns:mv="urn:schemas-microsoft-com:mac:vml" xmlns:o="urn:schemas-microsoft-com:office:office" xmlns:v="urn:schemas-microsoft-com:vml" xmlns:w10="urn:schemas-microsoft-com:office:word" xmlns:w="http://schemas.openxmlformats.org/wordprocessingml/2006/main" xmlns:a14="http://schemas.microsoft.com/office/drawing/2010/main" xmlns:w16se="http://schemas.microsoft.com/office/word/2015/wordml/symex" xmlns:w16cid="http://schemas.microsoft.com/office/word/2016/wordml/cid" xmlns:am3d="http://schemas.microsoft.com/office/drawing/2017/model3d" xmlns:aink="http://schemas.microsoft.com/office/drawing/2016/ink" xmlns:cx8="http://schemas.microsoft.com/office/drawing/2016/5/14/chartex" xmlns:cx7="http://schemas.microsoft.com/office/drawing/2016/5/13/chartex" xmlns:cx6="http://schemas.microsoft.com/office/drawing/2016/5/12/chartex" xmlns:cx5="http://schemas.microsoft.com/office/drawing/2016/5/11/chartex" xmlns:cx4="http://schemas.microsoft.com/office/drawing/2016/5/10/chartex" xmlns:cx3="http://schemas.microsoft.com/office/drawing/2016/5/9/chartex" xmlns:cx2="http://schemas.microsoft.com/office/drawing/2015/10/21/chartex" xmlns:cx1="http://schemas.microsoft.com/office/drawing/2015/9/8/chartex" xmlns:cx="http://schemas.microsoft.com/office/drawing/2014/chartex" xmlns:wps="http://schemas.microsoft.com/office/word/2010/wordprocessingShape" xmlns:wne="http://schemas.microsoft.com/office/word/2006/wordml" xmlns:wpi="http://schemas.microsoft.com/office/word/2010/wordprocessingInk" xmlns:wpg="http://schemas.microsoft.com/office/word/2010/wordprocessingGroup" xmlns:w15="http://schemas.microsoft.com/office/word/2012/wordml" xmlns:w14="http://schemas.microsoft.com/office/word/2010/wordml" xmlns:wp="http://schemas.openxmlformats.org/drawingml/2006/wordprocessingDrawing" xmlns:wp14="http://schemas.microsoft.com/office/word/2010/wordprocessingDrawing" xmlns:m="http://schemas.openxmlformats.org/officeDocument/2006/math" xmlns:mc="http://schemas.openxmlformats.org/markup-compatibility/2006" xmlns:wpc="http://schemas.microsoft.com/office/word/2010/wordprocessingCanvas">
-                  <a:solidFill>
-                    <a:srgbClr val="FFFFFF"/>
-                  </a:solidFill>
-                </a14:hiddenFill>
-              </a:ext>
-              <a:ext uri="{91240B29-F687-4f45-9708-019B960494DF}">
-                <a14:hiddenLine xmlns:lc="http://schemas.openxmlformats.org/drawingml/2006/lockedCanvas" xmlns:arto="http://schemas.microsoft.com/office/word/2006/arto" xmlns="" xmlns:mo="http://schemas.microsoft.com/office/mac/office/2008/main" xmlns:mv="urn:schemas-microsoft-com:mac:vml" xmlns:o="urn:schemas-microsoft-com:office:office" xmlns:v="urn:schemas-microsoft-com:vml" xmlns:w10="urn:schemas-microsoft-com:office:word" xmlns:w="http://schemas.openxmlformats.org/wordprocessingml/2006/main" xmlns:a14="http://schemas.microsoft.com/office/drawing/2010/main" xmlns:w16se="http://schemas.microsoft.com/office/word/2015/wordml/symex" xmlns:w16cid="http://schemas.microsoft.com/office/word/2016/wordml/cid" xmlns:am3d="http://schemas.microsoft.com/office/drawing/2017/model3d" xmlns:aink="http://schemas.microsoft.com/office/drawing/2016/ink" xmlns:cx8="http://schemas.microsoft.com/office/drawing/2016/5/14/chartex" xmlns:cx7="http://schemas.microsoft.com/office/drawing/2016/5/13/chartex" xmlns:cx6="http://schemas.microsoft.com/office/drawing/2016/5/12/chartex" xmlns:cx5="http://schemas.microsoft.com/office/drawing/2016/5/11/chartex" xmlns:cx4="http://schemas.microsoft.com/office/drawing/2016/5/10/chartex" xmlns:cx3="http://schemas.microsoft.com/office/drawing/2016/5/9/chartex" xmlns:cx2="http://schemas.microsoft.com/office/drawing/2015/10/21/chartex" xmlns:cx1="http://schemas.microsoft.com/office/drawing/2015/9/8/chartex" xmlns:cx="http://schemas.microsoft.com/office/drawing/2014/chartex" xmlns:wps="http://schemas.microsoft.com/office/word/2010/wordprocessingShape" xmlns:wne="http://schemas.microsoft.com/office/word/2006/wordml" xmlns:wpi="http://schemas.microsoft.com/office/word/2010/wordprocessingInk" xmlns:wpg="http://schemas.microsoft.com/office/word/2010/wordprocessingGroup" xmlns:w15="http://schemas.microsoft.com/office/word/2012/wordml" xmlns:w14="http://schemas.microsoft.com/office/word/2010/wordml" xmlns:wp="http://schemas.openxmlformats.org/drawingml/2006/wordprocessingDrawing" xmlns:wp14="http://schemas.microsoft.com/office/word/2010/wordprocessingDrawing" xmlns:m="http://schemas.openxmlformats.org/officeDocument/2006/math" xmlns:mc="http://schemas.openxmlformats.org/markup-compatibility/2006" xmlns:wpc="http://schemas.microsoft.com/office/word/2010/wordprocessingCanvas" w="9525">
-                  <a:solidFill>
-                    <a:srgbClr val="000000"/>
-                  </a:solidFill>
-                  <a:miter lim="800000"/>
-                  <a:headEnd/>
-                  <a:tailEnd/>
-                </a14:hiddenLine>
-              </a:ext>
-            </a:extLst>
-          </p:spPr>
-          <p:txBody>
-            <a:bodyPr rot="0" vert="horz" wrap="square" lIns="0" tIns="45720" rIns="0" bIns="45720" anchor="t" anchorCtr="0" upright="1">
-              <a:noAutofit/>
-            </a:bodyPr>
-            <a:lstStyle/>
-            <a:p>
-              <a:pPr algn="ctr"/>
-              <a:r>
-                <a:rPr lang="it-IT" sz="900">
-                  <a:latin typeface="Times New Roman" panose="02020603050405020304" pitchFamily="18" charset="0"/>
-                  <a:ea typeface="Arial Unicode MS" panose="020B0604020202020204" pitchFamily="34" charset="-128"/>
-                </a:rPr>
-                <a:t>Query and Retrieve </a:t>
-              </a:r>
-              <a:r>
-                <a:rPr lang="en-US" sz="900">
-                  <a:latin typeface="Times New Roman" panose="02020603050405020304" pitchFamily="18" charset="0"/>
-                  <a:ea typeface="Arial Unicode MS" panose="020B0604020202020204" pitchFamily="34" charset="-128"/>
-                </a:rPr>
-                <a:t>Documents</a:t>
-              </a:r>
-              <a:endParaRPr lang="en-US" sz="1200">
-                <a:latin typeface="Times New Roman" panose="02020603050405020304" pitchFamily="18" charset="0"/>
-                <a:ea typeface="Times New Roman" panose="02020603050405020304" pitchFamily="18" charset="0"/>
-              </a:endParaRPr>
-            </a:p>
-            <a:p>
-              <a:pPr algn="ctr">
-                <a:spcBef>
-                  <a:spcPts val="600"/>
-                </a:spcBef>
-              </a:pPr>
-              <a:r>
-                <a:rPr lang="it-IT" sz="1100">
-                  <a:latin typeface="Arial" panose="020B0604020202020204" pitchFamily="34" charset="0"/>
-                  <a:ea typeface="Times New Roman" panose="02020603050405020304" pitchFamily="18" charset="0"/>
-                </a:rPr>
-                <a:t> </a:t>
-              </a:r>
-              <a:endParaRPr lang="en-US" sz="1200">
-                <a:latin typeface="Times New Roman" panose="02020603050405020304" pitchFamily="18" charset="0"/>
-                <a:ea typeface="Times New Roman" panose="02020603050405020304" pitchFamily="18" charset="0"/>
-              </a:endParaRPr>
-            </a:p>
-          </p:txBody>
-        </p:sp>
-        <p:cxnSp>
-          <p:nvCxnSpPr>
-            <p:cNvPr id="42" name="Straight Arrow Connector 41">
-              <a:extLst>
-                <a:ext uri="{FF2B5EF4-FFF2-40B4-BE49-F238E27FC236}">
-                  <a16:creationId xmlns:a16="http://schemas.microsoft.com/office/drawing/2014/main" id="{5E59CC79-565D-9B99-EEF7-8B8C42D94F5D}"/>
-                </a:ext>
-              </a:extLst>
-            </p:cNvPr>
-            <p:cNvCxnSpPr>
-              <a:cxnSpLocks noChangeShapeType="1"/>
-              <a:stCxn id="37" idx="2"/>
-            </p:cNvCxnSpPr>
-            <p:nvPr/>
-          </p:nvCxnSpPr>
-          <p:spPr bwMode="auto">
-            <a:xfrm>
-              <a:off x="1932500" y="1189384"/>
-              <a:ext cx="1163125" cy="1544291"/>
-            </a:xfrm>
-            <a:prstGeom prst="straightConnector1">
-              <a:avLst/>
-            </a:prstGeom>
-            <a:noFill/>
-            <a:ln w="19050">
-              <a:solidFill>
-                <a:schemeClr val="tx1"/>
-              </a:solidFill>
-              <a:miter lim="800000"/>
-              <a:headEnd/>
-              <a:tailEnd type="stealth" w="med" len="med"/>
-            </a:ln>
-            <a:extLst>
-              <a:ext uri="{909E8E84-426E-40dd-AFC4-6F175D3DCCD1}">
-                <a14:hiddenFill xmlns:lc="http://schemas.openxmlformats.org/drawingml/2006/lockedCanvas" xmlns:arto="http://schemas.microsoft.com/office/word/2006/arto" xmlns="" xmlns:mo="http://schemas.microsoft.com/office/mac/office/2008/main" xmlns:mv="urn:schemas-microsoft-com:mac:vml" xmlns:o="urn:schemas-microsoft-com:office:office" xmlns:v="urn:schemas-microsoft-com:vml" xmlns:w10="urn:schemas-microsoft-com:office:word" xmlns:w="http://schemas.openxmlformats.org/wordprocessingml/2006/main" xmlns:a14="http://schemas.microsoft.com/office/drawing/2010/main" xmlns:w16se="http://schemas.microsoft.com/office/word/2015/wordml/symex" xmlns:w16cid="http://schemas.microsoft.com/office/word/2016/wordml/cid" xmlns:am3d="http://schemas.microsoft.com/office/drawing/2017/model3d" xmlns:aink="http://schemas.microsoft.com/office/drawing/2016/ink" xmlns:cx8="http://schemas.microsoft.com/office/drawing/2016/5/14/chartex" xmlns:cx7="http://schemas.microsoft.com/office/drawing/2016/5/13/chartex" xmlns:cx6="http://schemas.microsoft.com/office/drawing/2016/5/12/chartex" xmlns:cx5="http://schemas.microsoft.com/office/drawing/2016/5/11/chartex" xmlns:cx4="http://schemas.microsoft.com/office/drawing/2016/5/10/chartex" xmlns:cx3="http://schemas.microsoft.com/office/drawing/2016/5/9/chartex" xmlns:cx2="http://schemas.microsoft.com/office/drawing/2015/10/21/chartex" xmlns:cx1="http://schemas.microsoft.com/office/drawing/2015/9/8/chartex" xmlns:cx="http://schemas.microsoft.com/office/drawing/2014/chartex" xmlns:wps="http://schemas.microsoft.com/office/word/2010/wordprocessingShape" xmlns:wne="http://schemas.microsoft.com/office/word/2006/wordml" xmlns:wpi="http://schemas.microsoft.com/office/word/2010/wordprocessingInk" xmlns:wpg="http://schemas.microsoft.com/office/word/2010/wordprocessingGroup" xmlns:w15="http://schemas.microsoft.com/office/word/2012/wordml" xmlns:w14="http://schemas.microsoft.com/office/word/2010/wordml" xmlns:wp="http://schemas.openxmlformats.org/drawingml/2006/wordprocessingDrawing" xmlns:wp14="http://schemas.microsoft.com/office/word/2010/wordprocessingDrawing" xmlns:m="http://schemas.openxmlformats.org/officeDocument/2006/math" xmlns:mc="http://schemas.openxmlformats.org/markup-compatibility/2006" xmlns:wpc="http://schemas.microsoft.com/office/word/2010/wordprocessingCanvas">
-                  <a:noFill/>
-                </a14:hiddenFill>
-              </a:ext>
-            </a:extLst>
-          </p:spPr>
-        </p:cxnSp>
-        <p:sp>
-          <p:nvSpPr>
-            <p:cNvPr id="43" name="Rectangle 42">
-              <a:extLst>
-                <a:ext uri="{FF2B5EF4-FFF2-40B4-BE49-F238E27FC236}">
-                  <a16:creationId xmlns:a16="http://schemas.microsoft.com/office/drawing/2014/main" id="{E51BEF95-A0D2-57D7-F01C-30D90972404F}"/>
-                </a:ext>
-              </a:extLst>
-            </p:cNvPr>
-            <p:cNvSpPr>
-              <a:spLocks noChangeArrowheads="1"/>
-            </p:cNvSpPr>
-            <p:nvPr/>
-          </p:nvSpPr>
-          <p:spPr bwMode="auto">
-            <a:xfrm>
-              <a:off x="2455000" y="714057"/>
-              <a:ext cx="1045000" cy="470931"/>
-            </a:xfrm>
-            <a:prstGeom prst="rect">
-              <a:avLst/>
-            </a:prstGeom>
-            <a:pattFill prst="pct20">
-              <a:fgClr>
-                <a:srgbClr val="BFBFBF"/>
-              </a:fgClr>
-              <a:bgClr>
-                <a:schemeClr val="bg1">
-                  <a:lumMod val="100000"/>
-                  <a:lumOff val="0"/>
-                </a:schemeClr>
-              </a:bgClr>
-            </a:pattFill>
-            <a:ln w="19050">
-              <a:solidFill>
-                <a:srgbClr val="000000"/>
-              </a:solidFill>
-              <a:miter lim="800000"/>
-              <a:headEnd/>
-              <a:tailEnd/>
-            </a:ln>
-          </p:spPr>
-          <p:txBody>
-            <a:bodyPr rot="0" vert="horz" wrap="square" lIns="91440" tIns="45720" rIns="91440" bIns="45720" anchor="ctr" anchorCtr="0" upright="1">
-              <a:noAutofit/>
-            </a:bodyPr>
-            <a:lstStyle/>
-            <a:p>
-              <a:pPr algn="ctr"/>
-              <a:r>
-                <a:rPr lang="en-US" sz="1000" b="1">
-                  <a:latin typeface="Times New Roman" panose="02020603050405020304" pitchFamily="18" charset="0"/>
-                  <a:ea typeface="Arial Unicode MS" panose="020B0604020202020204" pitchFamily="34" charset="-128"/>
-                </a:rPr>
-                <a:t>Clinical Data Consumer</a:t>
-              </a:r>
-              <a:endParaRPr lang="en-US" sz="1200">
-                <a:latin typeface="Times New Roman" panose="02020603050405020304" pitchFamily="18" charset="0"/>
-                <a:ea typeface="Times New Roman" panose="02020603050405020304" pitchFamily="18" charset="0"/>
-              </a:endParaRPr>
-            </a:p>
-          </p:txBody>
-        </p:sp>
-        <p:cxnSp>
-          <p:nvCxnSpPr>
-            <p:cNvPr id="44" name="Straight Arrow Connector 43">
-              <a:extLst>
-                <a:ext uri="{FF2B5EF4-FFF2-40B4-BE49-F238E27FC236}">
-                  <a16:creationId xmlns:a16="http://schemas.microsoft.com/office/drawing/2014/main" id="{1554F63F-9D8B-C689-E903-A6BC541BA561}"/>
-                </a:ext>
-              </a:extLst>
-            </p:cNvPr>
-            <p:cNvCxnSpPr>
-              <a:cxnSpLocks noChangeShapeType="1"/>
-              <a:stCxn id="43" idx="2"/>
-            </p:cNvCxnSpPr>
-            <p:nvPr/>
-          </p:nvCxnSpPr>
-          <p:spPr bwMode="auto">
-            <a:xfrm>
-              <a:off x="2977500" y="1184988"/>
-              <a:ext cx="1083960" cy="1584778"/>
-            </a:xfrm>
-            <a:prstGeom prst="straightConnector1">
-              <a:avLst/>
-            </a:prstGeom>
-            <a:noFill/>
-            <a:ln w="19050">
-              <a:solidFill>
-                <a:schemeClr val="tx1"/>
-              </a:solidFill>
-              <a:miter lim="800000"/>
-              <a:headEnd/>
-              <a:tailEnd type="triangle" w="med" len="med"/>
-            </a:ln>
-            <a:extLst>
-              <a:ext uri="{909E8E84-426E-40dd-AFC4-6F175D3DCCD1}">
-                <a14:hiddenFill xmlns:lc="http://schemas.openxmlformats.org/drawingml/2006/lockedCanvas" xmlns:arto="http://schemas.microsoft.com/office/word/2006/arto" xmlns="" xmlns:mo="http://schemas.microsoft.com/office/mac/office/2008/main" xmlns:mv="urn:schemas-microsoft-com:mac:vml" xmlns:o="urn:schemas-microsoft-com:office:office" xmlns:v="urn:schemas-microsoft-com:vml" xmlns:w10="urn:schemas-microsoft-com:office:word" xmlns:w="http://schemas.openxmlformats.org/wordprocessingml/2006/main" xmlns:a14="http://schemas.microsoft.com/office/drawing/2010/main" xmlns:w16se="http://schemas.microsoft.com/office/word/2015/wordml/symex" xmlns:w16cid="http://schemas.microsoft.com/office/word/2016/wordml/cid" xmlns:am3d="http://schemas.microsoft.com/office/drawing/2017/model3d" xmlns:aink="http://schemas.microsoft.com/office/drawing/2016/ink" xmlns:cx8="http://schemas.microsoft.com/office/drawing/2016/5/14/chartex" xmlns:cx7="http://schemas.microsoft.com/office/drawing/2016/5/13/chartex" xmlns:cx6="http://schemas.microsoft.com/office/drawing/2016/5/12/chartex" xmlns:cx5="http://schemas.microsoft.com/office/drawing/2016/5/11/chartex" xmlns:cx4="http://schemas.microsoft.com/office/drawing/2016/5/10/chartex" xmlns:cx3="http://schemas.microsoft.com/office/drawing/2016/5/9/chartex" xmlns:cx2="http://schemas.microsoft.com/office/drawing/2015/10/21/chartex" xmlns:cx1="http://schemas.microsoft.com/office/drawing/2015/9/8/chartex" xmlns:cx="http://schemas.microsoft.com/office/drawing/2014/chartex" xmlns:wps="http://schemas.microsoft.com/office/word/2010/wordprocessingShape" xmlns:wne="http://schemas.microsoft.com/office/word/2006/wordml" xmlns:wpi="http://schemas.microsoft.com/office/word/2010/wordprocessingInk" xmlns:wpg="http://schemas.microsoft.com/office/word/2010/wordprocessingGroup" xmlns:w15="http://schemas.microsoft.com/office/word/2012/wordml" xmlns:w14="http://schemas.microsoft.com/office/word/2010/wordml" xmlns:wp="http://schemas.openxmlformats.org/drawingml/2006/wordprocessingDrawing" xmlns:wp14="http://schemas.microsoft.com/office/word/2010/wordprocessingDrawing" xmlns:m="http://schemas.openxmlformats.org/officeDocument/2006/math" xmlns:mc="http://schemas.openxmlformats.org/markup-compatibility/2006" xmlns:wpc="http://schemas.microsoft.com/office/word/2010/wordprocessingCanvas">
-                  <a:noFill/>
-                </a14:hiddenFill>
-              </a:ext>
-            </a:extLst>
-          </p:spPr>
-        </p:cxnSp>
-        <p:sp>
-          <p:nvSpPr>
-            <p:cNvPr id="45" name="Text Box 11">
-              <a:extLst>
-                <a:ext uri="{FF2B5EF4-FFF2-40B4-BE49-F238E27FC236}">
-                  <a16:creationId xmlns:a16="http://schemas.microsoft.com/office/drawing/2014/main" id="{21B9AF2C-7F53-9CAB-93DD-FA4D68C72835}"/>
-                </a:ext>
-              </a:extLst>
-            </p:cNvPr>
-            <p:cNvSpPr txBox="1">
-              <a:spLocks noChangeArrowheads="1"/>
-            </p:cNvSpPr>
-            <p:nvPr/>
-          </p:nvSpPr>
-          <p:spPr bwMode="auto">
-            <a:xfrm>
-              <a:off x="1468437" y="244411"/>
-              <a:ext cx="2067340" cy="459105"/>
-            </a:xfrm>
-            <a:prstGeom prst="rect">
-              <a:avLst/>
-            </a:prstGeom>
-            <a:noFill/>
-            <a:ln>
-              <a:noFill/>
-            </a:ln>
-            <a:extLst>
-              <a:ext uri="{909E8E84-426E-40dd-AFC4-6F175D3DCCD1}">
-                <a14:hiddenFill xmlns:lc="http://schemas.openxmlformats.org/drawingml/2006/lockedCanvas" xmlns:arto="http://schemas.microsoft.com/office/word/2006/arto" xmlns="" xmlns:mo="http://schemas.microsoft.com/office/mac/office/2008/main" xmlns:mv="urn:schemas-microsoft-com:mac:vml" xmlns:o="urn:schemas-microsoft-com:office:office" xmlns:v="urn:schemas-microsoft-com:vml" xmlns:w10="urn:schemas-microsoft-com:office:word" xmlns:w="http://schemas.openxmlformats.org/wordprocessingml/2006/main" xmlns:a14="http://schemas.microsoft.com/office/drawing/2010/main" xmlns:w16se="http://schemas.microsoft.com/office/word/2015/wordml/symex" xmlns:w16cid="http://schemas.microsoft.com/office/word/2016/wordml/cid" xmlns:am3d="http://schemas.microsoft.com/office/drawing/2017/model3d" xmlns:aink="http://schemas.microsoft.com/office/drawing/2016/ink" xmlns:cx8="http://schemas.microsoft.com/office/drawing/2016/5/14/chartex" xmlns:cx7="http://schemas.microsoft.com/office/drawing/2016/5/13/chartex" xmlns:cx6="http://schemas.microsoft.com/office/drawing/2016/5/12/chartex" xmlns:cx5="http://schemas.microsoft.com/office/drawing/2016/5/11/chartex" xmlns:cx4="http://schemas.microsoft.com/office/drawing/2016/5/10/chartex" xmlns:cx3="http://schemas.microsoft.com/office/drawing/2016/5/9/chartex" xmlns:cx2="http://schemas.microsoft.com/office/drawing/2015/10/21/chartex" xmlns:cx1="http://schemas.microsoft.com/office/drawing/2015/9/8/chartex" xmlns:cx="http://schemas.microsoft.com/office/drawing/2014/chartex" xmlns:wps="http://schemas.microsoft.com/office/word/2010/wordprocessingShape" xmlns:wne="http://schemas.microsoft.com/office/word/2006/wordml" xmlns:wpi="http://schemas.microsoft.com/office/word/2010/wordprocessingInk" xmlns:wpg="http://schemas.microsoft.com/office/word/2010/wordprocessingGroup" xmlns:w15="http://schemas.microsoft.com/office/word/2012/wordml" xmlns:w14="http://schemas.microsoft.com/office/word/2010/wordml" xmlns:wp="http://schemas.openxmlformats.org/drawingml/2006/wordprocessingDrawing" xmlns:wp14="http://schemas.microsoft.com/office/word/2010/wordprocessingDrawing" xmlns:m="http://schemas.openxmlformats.org/officeDocument/2006/math" xmlns:mc="http://schemas.openxmlformats.org/markup-compatibility/2006" xmlns:wpc="http://schemas.microsoft.com/office/word/2010/wordprocessingCanvas">
-                  <a:solidFill>
-                    <a:srgbClr val="FFFFFF"/>
-                  </a:solidFill>
-                </a14:hiddenFill>
-              </a:ext>
-              <a:ext uri="{91240B29-F687-4f45-9708-019B960494DF}">
-                <a14:hiddenLine xmlns:lc="http://schemas.openxmlformats.org/drawingml/2006/lockedCanvas" xmlns:arto="http://schemas.microsoft.com/office/word/2006/arto" xmlns="" xmlns:mo="http://schemas.microsoft.com/office/mac/office/2008/main" xmlns:mv="urn:schemas-microsoft-com:mac:vml" xmlns:o="urn:schemas-microsoft-com:office:office" xmlns:v="urn:schemas-microsoft-com:vml" xmlns:w10="urn:schemas-microsoft-com:office:word" xmlns:w="http://schemas.openxmlformats.org/wordprocessingml/2006/main" xmlns:a14="http://schemas.microsoft.com/office/drawing/2010/main" xmlns:w16se="http://schemas.microsoft.com/office/word/2015/wordml/symex" xmlns:w16cid="http://schemas.microsoft.com/office/word/2016/wordml/cid" xmlns:am3d="http://schemas.microsoft.com/office/drawing/2017/model3d" xmlns:aink="http://schemas.microsoft.com/office/drawing/2016/ink" xmlns:cx8="http://schemas.microsoft.com/office/drawing/2016/5/14/chartex" xmlns:cx7="http://schemas.microsoft.com/office/drawing/2016/5/13/chartex" xmlns:cx6="http://schemas.microsoft.com/office/drawing/2016/5/12/chartex" xmlns:cx5="http://schemas.microsoft.com/office/drawing/2016/5/11/chartex" xmlns:cx4="http://schemas.microsoft.com/office/drawing/2016/5/10/chartex" xmlns:cx3="http://schemas.microsoft.com/office/drawing/2016/5/9/chartex" xmlns:cx2="http://schemas.microsoft.com/office/drawing/2015/10/21/chartex" xmlns:cx1="http://schemas.microsoft.com/office/drawing/2015/9/8/chartex" xmlns:cx="http://schemas.microsoft.com/office/drawing/2014/chartex" xmlns:wps="http://schemas.microsoft.com/office/word/2010/wordprocessingShape" xmlns:wne="http://schemas.microsoft.com/office/word/2006/wordml" xmlns:wpi="http://schemas.microsoft.com/office/word/2010/wordprocessingInk" xmlns:wpg="http://schemas.microsoft.com/office/word/2010/wordprocessingGroup" xmlns:w15="http://schemas.microsoft.com/office/word/2012/wordml" xmlns:w14="http://schemas.microsoft.com/office/word/2010/wordml" xmlns:wp="http://schemas.openxmlformats.org/drawingml/2006/wordprocessingDrawing" xmlns:wp14="http://schemas.microsoft.com/office/word/2010/wordprocessingDrawing" xmlns:m="http://schemas.openxmlformats.org/officeDocument/2006/math" xmlns:mc="http://schemas.openxmlformats.org/markup-compatibility/2006" xmlns:wpc="http://schemas.microsoft.com/office/word/2010/wordprocessingCanvas" w="9525">
-                  <a:solidFill>
-                    <a:srgbClr val="000000"/>
-                  </a:solidFill>
-                  <a:miter lim="800000"/>
-                  <a:headEnd/>
-                  <a:tailEnd/>
-                </a14:hiddenLine>
-              </a:ext>
-            </a:extLst>
-          </p:spPr>
-          <p:txBody>
-            <a:bodyPr rot="0" vert="horz" wrap="square" lIns="0" tIns="45720" rIns="0" bIns="45720" anchor="t" anchorCtr="0" upright="1">
-              <a:noAutofit/>
-            </a:bodyPr>
-            <a:lstStyle/>
-            <a:p>
-              <a:pPr algn="ctr"/>
-              <a:r>
-                <a:rPr lang="it-IT" sz="1200" b="1">
-                  <a:solidFill>
-                    <a:srgbClr val="2F5496"/>
-                  </a:solidFill>
-                  <a:latin typeface="Times New Roman" panose="02020603050405020304" pitchFamily="18" charset="0"/>
-                  <a:ea typeface="Arial Unicode MS" panose="020B0604020202020204" pitchFamily="34" charset="-128"/>
-                </a:rPr>
-                <a:t>Data </a:t>
-              </a:r>
-              <a:r>
-                <a:rPr lang="en-US" sz="1200" b="1">
-                  <a:solidFill>
-                    <a:srgbClr val="2F5496"/>
-                  </a:solidFill>
-                  <a:latin typeface="Times New Roman" panose="02020603050405020304" pitchFamily="18" charset="0"/>
-                  <a:ea typeface="Arial Unicode MS" panose="020B0604020202020204" pitchFamily="34" charset="-128"/>
-                </a:rPr>
-                <a:t>Element Provenance</a:t>
-              </a:r>
-              <a:endParaRPr lang="en-US" sz="1200">
-                <a:latin typeface="Times New Roman" panose="02020603050405020304" pitchFamily="18" charset="0"/>
-                <a:ea typeface="Times New Roman" panose="02020603050405020304" pitchFamily="18" charset="0"/>
-              </a:endParaRPr>
-            </a:p>
-            <a:p>
-              <a:pPr algn="ctr"/>
-              <a:r>
-                <a:rPr lang="it-IT" sz="1200" b="1">
-                  <a:solidFill>
-                    <a:srgbClr val="2F5496"/>
-                  </a:solidFill>
-                  <a:latin typeface="Times New Roman" panose="02020603050405020304" pitchFamily="18" charset="0"/>
-                  <a:ea typeface="Arial Unicode MS" panose="020B0604020202020204" pitchFamily="34" charset="-128"/>
-                </a:rPr>
-                <a:t>Consumer</a:t>
-              </a:r>
-              <a:endParaRPr lang="en-US" sz="1200">
-                <a:latin typeface="Times New Roman" panose="02020603050405020304" pitchFamily="18" charset="0"/>
-                <a:ea typeface="Times New Roman" panose="02020603050405020304" pitchFamily="18" charset="0"/>
-              </a:endParaRPr>
-            </a:p>
-          </p:txBody>
-        </p:sp>
-        <p:sp>
-          <p:nvSpPr>
-            <p:cNvPr id="46" name="Rectangle 45">
-              <a:extLst>
-                <a:ext uri="{FF2B5EF4-FFF2-40B4-BE49-F238E27FC236}">
-                  <a16:creationId xmlns:a16="http://schemas.microsoft.com/office/drawing/2014/main" id="{40942C5C-C7BA-0FEC-1177-B3477C3D2B92}"/>
-                </a:ext>
-              </a:extLst>
-            </p:cNvPr>
-            <p:cNvSpPr>
-              <a:spLocks noChangeArrowheads="1"/>
-            </p:cNvSpPr>
-            <p:nvPr/>
-          </p:nvSpPr>
-          <p:spPr bwMode="auto">
-            <a:xfrm>
-              <a:off x="455295" y="2640965"/>
-              <a:ext cx="988695" cy="535899"/>
-            </a:xfrm>
-            <a:prstGeom prst="rect">
-              <a:avLst/>
-            </a:prstGeom>
-            <a:solidFill>
-              <a:srgbClr val="BFBFBF"/>
-            </a:solidFill>
-            <a:ln w="19050">
-              <a:solidFill>
-                <a:srgbClr val="000000"/>
-              </a:solidFill>
-              <a:miter lim="800000"/>
-              <a:headEnd/>
-              <a:tailEnd/>
-            </a:ln>
-          </p:spPr>
-          <p:txBody>
-            <a:bodyPr rot="0" vert="horz" wrap="square" lIns="91440" tIns="45720" rIns="91440" bIns="45720" anchor="ctr" anchorCtr="0" upright="1">
-              <a:noAutofit/>
-            </a:bodyPr>
-            <a:lstStyle/>
-            <a:p>
-              <a:pPr algn="ctr"/>
-              <a:r>
-                <a:rPr lang="en-US" sz="1000" b="1">
-                  <a:latin typeface="Times New Roman" panose="02020603050405020304" pitchFamily="18" charset="0"/>
-                  <a:ea typeface="Arial Unicode MS" panose="020B0604020202020204" pitchFamily="34" charset="-128"/>
-                </a:rPr>
-                <a:t>Document Source</a:t>
-              </a:r>
-              <a:endParaRPr lang="en-US" sz="1200">
-                <a:latin typeface="Times New Roman" panose="02020603050405020304" pitchFamily="18" charset="0"/>
-                <a:ea typeface="Times New Roman" panose="02020603050405020304" pitchFamily="18" charset="0"/>
-              </a:endParaRPr>
-            </a:p>
-          </p:txBody>
-        </p:sp>
-        <p:sp>
-          <p:nvSpPr>
-            <p:cNvPr id="47" name="Text Box 11">
-              <a:extLst>
-                <a:ext uri="{FF2B5EF4-FFF2-40B4-BE49-F238E27FC236}">
-                  <a16:creationId xmlns:a16="http://schemas.microsoft.com/office/drawing/2014/main" id="{D84A2BA8-4F57-378D-1A4A-5152DFA7770B}"/>
-                </a:ext>
-              </a:extLst>
-            </p:cNvPr>
-            <p:cNvSpPr txBox="1">
-              <a:spLocks noChangeArrowheads="1"/>
-            </p:cNvSpPr>
-            <p:nvPr/>
-          </p:nvSpPr>
-          <p:spPr bwMode="auto">
-            <a:xfrm>
-              <a:off x="2802463" y="1507521"/>
-              <a:ext cx="1051900" cy="379423"/>
-            </a:xfrm>
-            <a:prstGeom prst="rect">
-              <a:avLst/>
-            </a:prstGeom>
-            <a:noFill/>
-            <a:ln>
-              <a:noFill/>
-            </a:ln>
-            <a:extLst>
-              <a:ext uri="{909E8E84-426E-40dd-AFC4-6F175D3DCCD1}">
-                <a14:hiddenFill xmlns:lc="http://schemas.openxmlformats.org/drawingml/2006/lockedCanvas" xmlns:arto="http://schemas.microsoft.com/office/word/2006/arto" xmlns="" xmlns:mo="http://schemas.microsoft.com/office/mac/office/2008/main" xmlns:mv="urn:schemas-microsoft-com:mac:vml" xmlns:o="urn:schemas-microsoft-com:office:office" xmlns:v="urn:schemas-microsoft-com:vml" xmlns:w10="urn:schemas-microsoft-com:office:word" xmlns:w="http://schemas.openxmlformats.org/wordprocessingml/2006/main" xmlns:a14="http://schemas.microsoft.com/office/drawing/2010/main" xmlns:w16se="http://schemas.microsoft.com/office/word/2015/wordml/symex" xmlns:w16cid="http://schemas.microsoft.com/office/word/2016/wordml/cid" xmlns:am3d="http://schemas.microsoft.com/office/drawing/2017/model3d" xmlns:aink="http://schemas.microsoft.com/office/drawing/2016/ink" xmlns:cx8="http://schemas.microsoft.com/office/drawing/2016/5/14/chartex" xmlns:cx7="http://schemas.microsoft.com/office/drawing/2016/5/13/chartex" xmlns:cx6="http://schemas.microsoft.com/office/drawing/2016/5/12/chartex" xmlns:cx5="http://schemas.microsoft.com/office/drawing/2016/5/11/chartex" xmlns:cx4="http://schemas.microsoft.com/office/drawing/2016/5/10/chartex" xmlns:cx3="http://schemas.microsoft.com/office/drawing/2016/5/9/chartex" xmlns:cx2="http://schemas.microsoft.com/office/drawing/2015/10/21/chartex" xmlns:cx1="http://schemas.microsoft.com/office/drawing/2015/9/8/chartex" xmlns:cx="http://schemas.microsoft.com/office/drawing/2014/chartex" xmlns:wps="http://schemas.microsoft.com/office/word/2010/wordprocessingShape" xmlns:wne="http://schemas.microsoft.com/office/word/2006/wordml" xmlns:wpi="http://schemas.microsoft.com/office/word/2010/wordprocessingInk" xmlns:wpg="http://schemas.microsoft.com/office/word/2010/wordprocessingGroup" xmlns:w15="http://schemas.microsoft.com/office/word/2012/wordml" xmlns:w14="http://schemas.microsoft.com/office/word/2010/wordml" xmlns:wp="http://schemas.openxmlformats.org/drawingml/2006/wordprocessingDrawing" xmlns:wp14="http://schemas.microsoft.com/office/word/2010/wordprocessingDrawing" xmlns:m="http://schemas.openxmlformats.org/officeDocument/2006/math" xmlns:mc="http://schemas.openxmlformats.org/markup-compatibility/2006" xmlns:wpc="http://schemas.microsoft.com/office/word/2010/wordprocessingCanvas">
-                  <a:solidFill>
-                    <a:srgbClr val="FFFFFF"/>
-                  </a:solidFill>
-                </a14:hiddenFill>
-              </a:ext>
-              <a:ext uri="{91240B29-F687-4f45-9708-019B960494DF}">
-                <a14:hiddenLine xmlns:lc="http://schemas.openxmlformats.org/drawingml/2006/lockedCanvas" xmlns:arto="http://schemas.microsoft.com/office/word/2006/arto" xmlns="" xmlns:mo="http://schemas.microsoft.com/office/mac/office/2008/main" xmlns:mv="urn:schemas-microsoft-com:mac:vml" xmlns:o="urn:schemas-microsoft-com:office:office" xmlns:v="urn:schemas-microsoft-com:vml" xmlns:w10="urn:schemas-microsoft-com:office:word" xmlns:w="http://schemas.openxmlformats.org/wordprocessingml/2006/main" xmlns:a14="http://schemas.microsoft.com/office/drawing/2010/main" xmlns:w16se="http://schemas.microsoft.com/office/word/2015/wordml/symex" xmlns:w16cid="http://schemas.microsoft.com/office/word/2016/wordml/cid" xmlns:am3d="http://schemas.microsoft.com/office/drawing/2017/model3d" xmlns:aink="http://schemas.microsoft.com/office/drawing/2016/ink" xmlns:cx8="http://schemas.microsoft.com/office/drawing/2016/5/14/chartex" xmlns:cx7="http://schemas.microsoft.com/office/drawing/2016/5/13/chartex" xmlns:cx6="http://schemas.microsoft.com/office/drawing/2016/5/12/chartex" xmlns:cx5="http://schemas.microsoft.com/office/drawing/2016/5/11/chartex" xmlns:cx4="http://schemas.microsoft.com/office/drawing/2016/5/10/chartex" xmlns:cx3="http://schemas.microsoft.com/office/drawing/2016/5/9/chartex" xmlns:cx2="http://schemas.microsoft.com/office/drawing/2015/10/21/chartex" xmlns:cx1="http://schemas.microsoft.com/office/drawing/2015/9/8/chartex" xmlns:cx="http://schemas.microsoft.com/office/drawing/2014/chartex" xmlns:wps="http://schemas.microsoft.com/office/word/2010/wordprocessingShape" xmlns:wne="http://schemas.microsoft.com/office/word/2006/wordml" xmlns:wpi="http://schemas.microsoft.com/office/word/2010/wordprocessingInk" xmlns:wpg="http://schemas.microsoft.com/office/word/2010/wordprocessingGroup" xmlns:w15="http://schemas.microsoft.com/office/word/2012/wordml" xmlns:w14="http://schemas.microsoft.com/office/word/2010/wordml" xmlns:wp="http://schemas.openxmlformats.org/drawingml/2006/wordprocessingDrawing" xmlns:wp14="http://schemas.microsoft.com/office/word/2010/wordprocessingDrawing" xmlns:m="http://schemas.openxmlformats.org/officeDocument/2006/math" xmlns:mc="http://schemas.openxmlformats.org/markup-compatibility/2006" xmlns:wpc="http://schemas.microsoft.com/office/word/2010/wordprocessingCanvas" w="9525">
+                <a14:hiddenLine xmlns:wpc="http://schemas.microsoft.com/office/word/2010/wordprocessingCanvas" xmlns:mc="http://schemas.openxmlformats.org/markup-compatibility/2006" xmlns:m="http://schemas.openxmlformats.org/officeDocument/2006/math" xmlns:wp14="http://schemas.microsoft.com/office/word/2010/wordprocessingDrawing" xmlns:wp="http://schemas.openxmlformats.org/drawingml/2006/wordprocessingDrawing" xmlns:w14="http://schemas.microsoft.com/office/word/2010/wordml" xmlns:w15="http://schemas.microsoft.com/office/word/2012/wordml" xmlns:wpg="http://schemas.microsoft.com/office/word/2010/wordprocessingGroup" xmlns:wpi="http://schemas.microsoft.com/office/word/2010/wordprocessingInk" xmlns:wne="http://schemas.microsoft.com/office/word/2006/wordml" xmlns:wps="http://schemas.microsoft.com/office/word/2010/wordprocessingShape" xmlns:cx="http://schemas.microsoft.com/office/drawing/2014/chartex" xmlns:cx1="http://schemas.microsoft.com/office/drawing/2015/9/8/chartex" xmlns:cx2="http://schemas.microsoft.com/office/drawing/2015/10/21/chartex" xmlns:cx3="http://schemas.microsoft.com/office/drawing/2016/5/9/chartex" xmlns:cx4="http://schemas.microsoft.com/office/drawing/2016/5/10/chartex" xmlns:cx5="http://schemas.microsoft.com/office/drawing/2016/5/11/chartex" xmlns:cx6="http://schemas.microsoft.com/office/drawing/2016/5/12/chartex" xmlns:cx7="http://schemas.microsoft.com/office/drawing/2016/5/13/chartex" xmlns:cx8="http://schemas.microsoft.com/office/drawing/2016/5/14/chartex" xmlns:aink="http://schemas.microsoft.com/office/drawing/2016/ink" xmlns:am3d="http://schemas.microsoft.com/office/drawing/2017/model3d" xmlns:w16cid="http://schemas.microsoft.com/office/word/2016/wordml/cid" xmlns:w16se="http://schemas.microsoft.com/office/word/2015/wordml/symex" xmlns:a14="http://schemas.microsoft.com/office/drawing/2010/main" xmlns:w="http://schemas.openxmlformats.org/wordprocessingml/2006/main" xmlns:w10="urn:schemas-microsoft-com:office:word" xmlns:v="urn:schemas-microsoft-com:vml" xmlns:o="urn:schemas-microsoft-com:office:office" xmlns:mv="urn:schemas-microsoft-com:mac:vml" xmlns:mo="http://schemas.microsoft.com/office/mac/office/2008/main" xmlns="" xmlns:arto="http://schemas.microsoft.com/office/word/2006/arto" xmlns:lc="http://schemas.openxmlformats.org/drawingml/2006/lockedCanvas" w="19050">
                   <a:solidFill>
                     <a:srgbClr val="000000"/>
                   </a:solidFill>
@@ -4394,11 +3413,25 @@
             <a:p>
               <a:pPr algn="ctr"/>
               <a:r>
-                <a:rPr lang="en-US" sz="900">
+                <a:rPr lang="it-IT" sz="1000" b="1">
                   <a:latin typeface="Times New Roman" panose="02020603050405020304" pitchFamily="18" charset="0"/>
                   <a:ea typeface="Arial Unicode MS" panose="020B0604020202020204" pitchFamily="34" charset="-128"/>
                 </a:rPr>
-                <a:t>Mobile Query for Existing Data </a:t>
+                <a:t>Document </a:t>
+              </a:r>
+              <a:endParaRPr lang="en-US" sz="1200">
+                <a:latin typeface="Times New Roman" panose="02020603050405020304" pitchFamily="18" charset="0"/>
+                <a:ea typeface="Times New Roman" panose="02020603050405020304" pitchFamily="18" charset="0"/>
+              </a:endParaRPr>
+            </a:p>
+            <a:p>
+              <a:pPr algn="ctr"/>
+              <a:r>
+                <a:rPr lang="it-IT" sz="1000" b="1">
+                  <a:latin typeface="Times New Roman" panose="02020603050405020304" pitchFamily="18" charset="0"/>
+                  <a:ea typeface="Arial Unicode MS" panose="020B0604020202020204" pitchFamily="34" charset="-128"/>
+                </a:rPr>
+                <a:t>Registry</a:t>
               </a:r>
               <a:endParaRPr lang="en-US" sz="1200">
                 <a:latin typeface="Times New Roman" panose="02020603050405020304" pitchFamily="18" charset="0"/>
@@ -4409,91 +3442,10 @@
         </p:sp>
         <p:sp>
           <p:nvSpPr>
-            <p:cNvPr id="48" name="Text Box 11">
+            <p:cNvPr id="55" name="Arrow: Curved Down 54">
               <a:extLst>
                 <a:ext uri="{FF2B5EF4-FFF2-40B4-BE49-F238E27FC236}">
-                  <a16:creationId xmlns:a16="http://schemas.microsoft.com/office/drawing/2014/main" id="{E565FC68-3BDC-2DDC-CABD-F8D1F7ADF011}"/>
-                </a:ext>
-              </a:extLst>
-            </p:cNvPr>
-            <p:cNvSpPr txBox="1">
-              <a:spLocks noChangeArrowheads="1"/>
-            </p:cNvSpPr>
-            <p:nvPr/>
-          </p:nvSpPr>
-          <p:spPr bwMode="auto">
-            <a:xfrm>
-              <a:off x="3931000" y="1507521"/>
-              <a:ext cx="1052000" cy="392908"/>
-            </a:xfrm>
-            <a:prstGeom prst="rect">
-              <a:avLst/>
-            </a:prstGeom>
-            <a:noFill/>
-            <a:ln>
-              <a:noFill/>
-            </a:ln>
-            <a:extLst>
-              <a:ext uri="{909E8E84-426E-40dd-AFC4-6F175D3DCCD1}">
-                <a14:hiddenFill xmlns:lc="http://schemas.openxmlformats.org/drawingml/2006/lockedCanvas" xmlns:arto="http://schemas.microsoft.com/office/word/2006/arto" xmlns="" xmlns:mo="http://schemas.microsoft.com/office/mac/office/2008/main" xmlns:mv="urn:schemas-microsoft-com:mac:vml" xmlns:o="urn:schemas-microsoft-com:office:office" xmlns:v="urn:schemas-microsoft-com:vml" xmlns:w10="urn:schemas-microsoft-com:office:word" xmlns:w="http://schemas.openxmlformats.org/wordprocessingml/2006/main" xmlns:a14="http://schemas.microsoft.com/office/drawing/2010/main" xmlns:w16se="http://schemas.microsoft.com/office/word/2015/wordml/symex" xmlns:w16cid="http://schemas.microsoft.com/office/word/2016/wordml/cid" xmlns:am3d="http://schemas.microsoft.com/office/drawing/2017/model3d" xmlns:aink="http://schemas.microsoft.com/office/drawing/2016/ink" xmlns:cx8="http://schemas.microsoft.com/office/drawing/2016/5/14/chartex" xmlns:cx7="http://schemas.microsoft.com/office/drawing/2016/5/13/chartex" xmlns:cx6="http://schemas.microsoft.com/office/drawing/2016/5/12/chartex" xmlns:cx5="http://schemas.microsoft.com/office/drawing/2016/5/11/chartex" xmlns:cx4="http://schemas.microsoft.com/office/drawing/2016/5/10/chartex" xmlns:cx3="http://schemas.microsoft.com/office/drawing/2016/5/9/chartex" xmlns:cx2="http://schemas.microsoft.com/office/drawing/2015/10/21/chartex" xmlns:cx1="http://schemas.microsoft.com/office/drawing/2015/9/8/chartex" xmlns:cx="http://schemas.microsoft.com/office/drawing/2014/chartex" xmlns:wps="http://schemas.microsoft.com/office/word/2010/wordprocessingShape" xmlns:wne="http://schemas.microsoft.com/office/word/2006/wordml" xmlns:wpi="http://schemas.microsoft.com/office/word/2010/wordprocessingInk" xmlns:wpg="http://schemas.microsoft.com/office/word/2010/wordprocessingGroup" xmlns:w15="http://schemas.microsoft.com/office/word/2012/wordml" xmlns:w14="http://schemas.microsoft.com/office/word/2010/wordml" xmlns:wp="http://schemas.openxmlformats.org/drawingml/2006/wordprocessingDrawing" xmlns:wp14="http://schemas.microsoft.com/office/word/2010/wordprocessingDrawing" xmlns:m="http://schemas.openxmlformats.org/officeDocument/2006/math" xmlns:mc="http://schemas.openxmlformats.org/markup-compatibility/2006" xmlns:wpc="http://schemas.microsoft.com/office/word/2010/wordprocessingCanvas">
-                  <a:solidFill>
-                    <a:srgbClr val="FFFFFF"/>
-                  </a:solidFill>
-                </a14:hiddenFill>
-              </a:ext>
-              <a:ext uri="{91240B29-F687-4f45-9708-019B960494DF}">
-                <a14:hiddenLine xmlns:lc="http://schemas.openxmlformats.org/drawingml/2006/lockedCanvas" xmlns:arto="http://schemas.microsoft.com/office/word/2006/arto" xmlns="" xmlns:mo="http://schemas.microsoft.com/office/mac/office/2008/main" xmlns:mv="urn:schemas-microsoft-com:mac:vml" xmlns:o="urn:schemas-microsoft-com:office:office" xmlns:v="urn:schemas-microsoft-com:vml" xmlns:w10="urn:schemas-microsoft-com:office:word" xmlns:w="http://schemas.openxmlformats.org/wordprocessingml/2006/main" xmlns:a14="http://schemas.microsoft.com/office/drawing/2010/main" xmlns:w16se="http://schemas.microsoft.com/office/word/2015/wordml/symex" xmlns:w16cid="http://schemas.microsoft.com/office/word/2016/wordml/cid" xmlns:am3d="http://schemas.microsoft.com/office/drawing/2017/model3d" xmlns:aink="http://schemas.microsoft.com/office/drawing/2016/ink" xmlns:cx8="http://schemas.microsoft.com/office/drawing/2016/5/14/chartex" xmlns:cx7="http://schemas.microsoft.com/office/drawing/2016/5/13/chartex" xmlns:cx6="http://schemas.microsoft.com/office/drawing/2016/5/12/chartex" xmlns:cx5="http://schemas.microsoft.com/office/drawing/2016/5/11/chartex" xmlns:cx4="http://schemas.microsoft.com/office/drawing/2016/5/10/chartex" xmlns:cx3="http://schemas.microsoft.com/office/drawing/2016/5/9/chartex" xmlns:cx2="http://schemas.microsoft.com/office/drawing/2015/10/21/chartex" xmlns:cx1="http://schemas.microsoft.com/office/drawing/2015/9/8/chartex" xmlns:cx="http://schemas.microsoft.com/office/drawing/2014/chartex" xmlns:wps="http://schemas.microsoft.com/office/word/2010/wordprocessingShape" xmlns:wne="http://schemas.microsoft.com/office/word/2006/wordml" xmlns:wpi="http://schemas.microsoft.com/office/word/2010/wordprocessingInk" xmlns:wpg="http://schemas.microsoft.com/office/word/2010/wordprocessingGroup" xmlns:w15="http://schemas.microsoft.com/office/word/2012/wordml" xmlns:w14="http://schemas.microsoft.com/office/word/2010/wordml" xmlns:wp="http://schemas.openxmlformats.org/drawingml/2006/wordprocessingDrawing" xmlns:wp14="http://schemas.microsoft.com/office/word/2010/wordprocessingDrawing" xmlns:m="http://schemas.openxmlformats.org/officeDocument/2006/math" xmlns:mc="http://schemas.openxmlformats.org/markup-compatibility/2006" xmlns:wpc="http://schemas.microsoft.com/office/word/2010/wordprocessingCanvas" w="9525">
-                  <a:solidFill>
-                    <a:srgbClr val="000000"/>
-                  </a:solidFill>
-                  <a:miter lim="800000"/>
-                  <a:headEnd/>
-                  <a:tailEnd/>
-                </a14:hiddenLine>
-              </a:ext>
-            </a:extLst>
-          </p:spPr>
-          <p:txBody>
-            <a:bodyPr rot="0" vert="horz" wrap="square" lIns="91440" tIns="45720" rIns="91440" bIns="45720" anchor="t" anchorCtr="0" upright="1">
-              <a:noAutofit/>
-            </a:bodyPr>
-            <a:lstStyle/>
-            <a:p>
-              <a:pPr algn="ctr"/>
-              <a:r>
-                <a:rPr lang="en-US" sz="900">
-                  <a:latin typeface="Times New Roman" panose="02020603050405020304" pitchFamily="18" charset="0"/>
-                  <a:ea typeface="Arial Unicode MS" panose="020B0604020202020204" pitchFamily="34" charset="-128"/>
-                </a:rPr>
-                <a:t>Mobile Query for Existing Data</a:t>
-              </a:r>
-              <a:endParaRPr lang="en-US" sz="1200">
-                <a:latin typeface="Times New Roman" panose="02020603050405020304" pitchFamily="18" charset="0"/>
-                <a:ea typeface="Times New Roman" panose="02020603050405020304" pitchFamily="18" charset="0"/>
-              </a:endParaRPr>
-            </a:p>
-            <a:p>
-              <a:pPr algn="ctr"/>
-              <a:r>
-                <a:rPr lang="en-US" sz="700">
-                  <a:latin typeface="Times New Roman" panose="02020603050405020304" pitchFamily="18" charset="0"/>
-                  <a:ea typeface="Times New Roman" panose="02020603050405020304" pitchFamily="18" charset="0"/>
-                </a:rPr>
-                <a:t> </a:t>
-              </a:r>
-              <a:endParaRPr lang="en-US" sz="1200">
-                <a:latin typeface="Times New Roman" panose="02020603050405020304" pitchFamily="18" charset="0"/>
-                <a:ea typeface="Times New Roman" panose="02020603050405020304" pitchFamily="18" charset="0"/>
-              </a:endParaRPr>
-            </a:p>
-          </p:txBody>
-        </p:sp>
-        <p:sp>
-          <p:nvSpPr>
-            <p:cNvPr id="49" name="Arrow: Curved Down 48">
-              <a:extLst>
-                <a:ext uri="{FF2B5EF4-FFF2-40B4-BE49-F238E27FC236}">
-                  <a16:creationId xmlns:a16="http://schemas.microsoft.com/office/drawing/2014/main" id="{D0881D71-0AFC-0439-060B-BF24B486A6FD}"/>
+                  <a16:creationId xmlns:a16="http://schemas.microsoft.com/office/drawing/2014/main" id="{EAD02E1B-715F-C60B-BF70-00EDF1E511AA}"/>
                 </a:ext>
               </a:extLst>
             </p:cNvPr>
@@ -4503,9 +3455,9 @@
             <p:nvPr/>
           </p:nvSpPr>
           <p:spPr bwMode="auto">
-            <a:xfrm flipH="1">
-              <a:off x="1882300" y="423919"/>
-              <a:ext cx="1190800" cy="279597"/>
+            <a:xfrm>
+              <a:off x="3339548" y="2744909"/>
+              <a:ext cx="1079218" cy="236832"/>
             </a:xfrm>
             <a:prstGeom prst="curvedDownArrow">
               <a:avLst>
@@ -4542,13 +3494,93 @@
             </a:p>
           </p:txBody>
         </p:sp>
+        <p:sp>
+          <p:nvSpPr>
+            <p:cNvPr id="56" name="Text Box 11">
+              <a:extLst>
+                <a:ext uri="{FF2B5EF4-FFF2-40B4-BE49-F238E27FC236}">
+                  <a16:creationId xmlns:a16="http://schemas.microsoft.com/office/drawing/2014/main" id="{1AE49DF3-D186-6198-D60E-6D798D55A2C5}"/>
+                </a:ext>
+              </a:extLst>
+            </p:cNvPr>
+            <p:cNvSpPr txBox="1">
+              <a:spLocks noChangeArrowheads="1"/>
+            </p:cNvSpPr>
+            <p:nvPr/>
+          </p:nvSpPr>
+          <p:spPr bwMode="auto">
+            <a:xfrm>
+              <a:off x="2725300" y="2453684"/>
+              <a:ext cx="2197536" cy="318454"/>
+            </a:xfrm>
+            <a:prstGeom prst="rect">
+              <a:avLst/>
+            </a:prstGeom>
+            <a:noFill/>
+            <a:ln>
+              <a:noFill/>
+            </a:ln>
+            <a:extLst>
+              <a:ext uri="{909E8E84-426E-40dd-AFC4-6F175D3DCCD1}">
+                <a14:hiddenFill xmlns:wpc="http://schemas.microsoft.com/office/word/2010/wordprocessingCanvas" xmlns:mc="http://schemas.openxmlformats.org/markup-compatibility/2006" xmlns:m="http://schemas.openxmlformats.org/officeDocument/2006/math" xmlns:wp14="http://schemas.microsoft.com/office/word/2010/wordprocessingDrawing" xmlns:wp="http://schemas.openxmlformats.org/drawingml/2006/wordprocessingDrawing" xmlns:w14="http://schemas.microsoft.com/office/word/2010/wordml" xmlns:w15="http://schemas.microsoft.com/office/word/2012/wordml" xmlns:wpg="http://schemas.microsoft.com/office/word/2010/wordprocessingGroup" xmlns:wpi="http://schemas.microsoft.com/office/word/2010/wordprocessingInk" xmlns:wne="http://schemas.microsoft.com/office/word/2006/wordml" xmlns:wps="http://schemas.microsoft.com/office/word/2010/wordprocessingShape" xmlns:cx="http://schemas.microsoft.com/office/drawing/2014/chartex" xmlns:cx1="http://schemas.microsoft.com/office/drawing/2015/9/8/chartex" xmlns:cx2="http://schemas.microsoft.com/office/drawing/2015/10/21/chartex" xmlns:cx3="http://schemas.microsoft.com/office/drawing/2016/5/9/chartex" xmlns:cx4="http://schemas.microsoft.com/office/drawing/2016/5/10/chartex" xmlns:cx5="http://schemas.microsoft.com/office/drawing/2016/5/11/chartex" xmlns:cx6="http://schemas.microsoft.com/office/drawing/2016/5/12/chartex" xmlns:cx7="http://schemas.microsoft.com/office/drawing/2016/5/13/chartex" xmlns:cx8="http://schemas.microsoft.com/office/drawing/2016/5/14/chartex" xmlns:aink="http://schemas.microsoft.com/office/drawing/2016/ink" xmlns:am3d="http://schemas.microsoft.com/office/drawing/2017/model3d" xmlns:w16cid="http://schemas.microsoft.com/office/word/2016/wordml/cid" xmlns:w16se="http://schemas.microsoft.com/office/word/2015/wordml/symex" xmlns:a14="http://schemas.microsoft.com/office/drawing/2010/main" xmlns:w="http://schemas.openxmlformats.org/wordprocessingml/2006/main" xmlns:w10="urn:schemas-microsoft-com:office:word" xmlns:v="urn:schemas-microsoft-com:vml" xmlns:o="urn:schemas-microsoft-com:office:office" xmlns:mv="urn:schemas-microsoft-com:mac:vml" xmlns:mo="http://schemas.microsoft.com/office/mac/office/2008/main" xmlns="" xmlns:arto="http://schemas.microsoft.com/office/word/2006/arto" xmlns:lc="http://schemas.openxmlformats.org/drawingml/2006/lockedCanvas">
+                  <a:solidFill>
+                    <a:srgbClr val="FFFFFF"/>
+                  </a:solidFill>
+                </a14:hiddenFill>
+              </a:ext>
+              <a:ext uri="{91240B29-F687-4f45-9708-019B960494DF}">
+                <a14:hiddenLine xmlns:wpc="http://schemas.microsoft.com/office/word/2010/wordprocessingCanvas" xmlns:mc="http://schemas.openxmlformats.org/markup-compatibility/2006" xmlns:m="http://schemas.openxmlformats.org/officeDocument/2006/math" xmlns:wp14="http://schemas.microsoft.com/office/word/2010/wordprocessingDrawing" xmlns:wp="http://schemas.openxmlformats.org/drawingml/2006/wordprocessingDrawing" xmlns:w14="http://schemas.microsoft.com/office/word/2010/wordml" xmlns:w15="http://schemas.microsoft.com/office/word/2012/wordml" xmlns:wpg="http://schemas.microsoft.com/office/word/2010/wordprocessingGroup" xmlns:wpi="http://schemas.microsoft.com/office/word/2010/wordprocessingInk" xmlns:wne="http://schemas.microsoft.com/office/word/2006/wordml" xmlns:wps="http://schemas.microsoft.com/office/word/2010/wordprocessingShape" xmlns:cx="http://schemas.microsoft.com/office/drawing/2014/chartex" xmlns:cx1="http://schemas.microsoft.com/office/drawing/2015/9/8/chartex" xmlns:cx2="http://schemas.microsoft.com/office/drawing/2015/10/21/chartex" xmlns:cx3="http://schemas.microsoft.com/office/drawing/2016/5/9/chartex" xmlns:cx4="http://schemas.microsoft.com/office/drawing/2016/5/10/chartex" xmlns:cx5="http://schemas.microsoft.com/office/drawing/2016/5/11/chartex" xmlns:cx6="http://schemas.microsoft.com/office/drawing/2016/5/12/chartex" xmlns:cx7="http://schemas.microsoft.com/office/drawing/2016/5/13/chartex" xmlns:cx8="http://schemas.microsoft.com/office/drawing/2016/5/14/chartex" xmlns:aink="http://schemas.microsoft.com/office/drawing/2016/ink" xmlns:am3d="http://schemas.microsoft.com/office/drawing/2017/model3d" xmlns:w16cid="http://schemas.microsoft.com/office/word/2016/wordml/cid" xmlns:w16se="http://schemas.microsoft.com/office/word/2015/wordml/symex" xmlns:a14="http://schemas.microsoft.com/office/drawing/2010/main" xmlns:w="http://schemas.openxmlformats.org/wordprocessingml/2006/main" xmlns:w10="urn:schemas-microsoft-com:office:word" xmlns:v="urn:schemas-microsoft-com:vml" xmlns:o="urn:schemas-microsoft-com:office:office" xmlns:mv="urn:schemas-microsoft-com:mac:vml" xmlns:mo="http://schemas.microsoft.com/office/mac/office/2008/main" xmlns="" xmlns:arto="http://schemas.microsoft.com/office/word/2006/arto" xmlns:lc="http://schemas.openxmlformats.org/drawingml/2006/lockedCanvas" w="9525">
+                  <a:solidFill>
+                    <a:srgbClr val="000000"/>
+                  </a:solidFill>
+                  <a:miter lim="800000"/>
+                  <a:headEnd/>
+                  <a:tailEnd/>
+                </a14:hiddenLine>
+              </a:ext>
+            </a:extLst>
+          </p:spPr>
+          <p:txBody>
+            <a:bodyPr rot="0" vert="horz" wrap="square" lIns="0" tIns="45720" rIns="0" bIns="45720" anchor="t" anchorCtr="0" upright="1">
+              <a:noAutofit/>
+            </a:bodyPr>
+            <a:lstStyle/>
+            <a:p>
+              <a:pPr algn="ctr"/>
+              <a:r>
+                <a:rPr lang="it-IT" sz="1200" b="1">
+                  <a:solidFill>
+                    <a:srgbClr val="2F5496"/>
+                  </a:solidFill>
+                  <a:latin typeface="Times New Roman" panose="02020603050405020304" pitchFamily="18" charset="0"/>
+                  <a:ea typeface="Arial Unicode MS" panose="020B0604020202020204" pitchFamily="34" charset="-128"/>
+                </a:rPr>
+                <a:t>Data </a:t>
+              </a:r>
+              <a:r>
+                <a:rPr lang="en-US" sz="1200" b="1">
+                  <a:solidFill>
+                    <a:srgbClr val="2F5496"/>
+                  </a:solidFill>
+                  <a:latin typeface="Times New Roman" panose="02020603050405020304" pitchFamily="18" charset="0"/>
+                  <a:ea typeface="Arial Unicode MS" panose="020B0604020202020204" pitchFamily="34" charset="-128"/>
+                </a:rPr>
+                <a:t>Element Extractor</a:t>
+              </a:r>
+              <a:endParaRPr lang="en-US" sz="1200">
+                <a:latin typeface="Times New Roman" panose="02020603050405020304" pitchFamily="18" charset="0"/>
+                <a:ea typeface="Times New Roman" panose="02020603050405020304" pitchFamily="18" charset="0"/>
+              </a:endParaRPr>
+            </a:p>
+          </p:txBody>
+        </p:sp>
       </p:grpSp>
       <p:sp>
         <p:nvSpPr>
-          <p:cNvPr id="59" name="Rectangle 88">
+          <p:cNvPr id="35" name="Rectangle 34">
             <a:extLst>
               <a:ext uri="{FF2B5EF4-FFF2-40B4-BE49-F238E27FC236}">
-                <a16:creationId xmlns:a16="http://schemas.microsoft.com/office/drawing/2014/main" id="{86EA916B-5691-1173-7B16-F12E7643DB6F}"/>
+                <a16:creationId xmlns:a16="http://schemas.microsoft.com/office/drawing/2014/main" id="{93DFE287-E965-1AB7-397F-998D2FAF166B}"/>
               </a:ext>
             </a:extLst>
           </p:cNvPr>
@@ -4559,8 +3591,238 @@
         </p:nvSpPr>
         <p:spPr bwMode="auto">
           <a:xfrm>
-            <a:off x="2036824" y="9767893"/>
-            <a:ext cx="5686172" cy="261610"/>
+            <a:off x="1640400" y="877088"/>
+            <a:ext cx="5273970" cy="1357612"/>
+          </a:xfrm>
+          <a:prstGeom prst="rect">
+            <a:avLst/>
+          </a:prstGeom>
+          <a:blipFill dpi="0" rotWithShape="1">
+            <a:blip r:embed="rId3"/>
+            <a:srcRect/>
+            <a:tile tx="0" ty="0" sx="100000" sy="100000" flip="none" algn="tl"/>
+          </a:blipFill>
+          <a:ln>
+            <a:noFill/>
+          </a:ln>
+          <a:extLst>
+            <a:ext uri="{91240B29-F687-4f45-9708-019B960494DF}">
+              <a14:hiddenLine xmlns:wpc="http://schemas.microsoft.com/office/word/2010/wordprocessingCanvas" xmlns:mc="http://schemas.openxmlformats.org/markup-compatibility/2006" xmlns:m="http://schemas.openxmlformats.org/officeDocument/2006/math" xmlns:wp14="http://schemas.microsoft.com/office/word/2010/wordprocessingDrawing" xmlns:wp="http://schemas.openxmlformats.org/drawingml/2006/wordprocessingDrawing" xmlns:w14="http://schemas.microsoft.com/office/word/2010/wordml" xmlns:w15="http://schemas.microsoft.com/office/word/2012/wordml" xmlns:wpg="http://schemas.microsoft.com/office/word/2010/wordprocessingGroup" xmlns:wpi="http://schemas.microsoft.com/office/word/2010/wordprocessingInk" xmlns:wne="http://schemas.microsoft.com/office/word/2006/wordml" xmlns:wps="http://schemas.microsoft.com/office/word/2010/wordprocessingShape" xmlns:cx="http://schemas.microsoft.com/office/drawing/2014/chartex" xmlns:cx1="http://schemas.microsoft.com/office/drawing/2015/9/8/chartex" xmlns:cx2="http://schemas.microsoft.com/office/drawing/2015/10/21/chartex" xmlns:cx3="http://schemas.microsoft.com/office/drawing/2016/5/9/chartex" xmlns:cx4="http://schemas.microsoft.com/office/drawing/2016/5/10/chartex" xmlns:cx5="http://schemas.microsoft.com/office/drawing/2016/5/11/chartex" xmlns:cx6="http://schemas.microsoft.com/office/drawing/2016/5/12/chartex" xmlns:cx7="http://schemas.microsoft.com/office/drawing/2016/5/13/chartex" xmlns:cx8="http://schemas.microsoft.com/office/drawing/2016/5/14/chartex" xmlns:aink="http://schemas.microsoft.com/office/drawing/2016/ink" xmlns:am3d="http://schemas.microsoft.com/office/drawing/2017/model3d" xmlns:w16cid="http://schemas.microsoft.com/office/word/2016/wordml/cid" xmlns:w16se="http://schemas.microsoft.com/office/word/2015/wordml/symex" xmlns:a14="http://schemas.microsoft.com/office/drawing/2010/main" xmlns:w="http://schemas.openxmlformats.org/wordprocessingml/2006/main" xmlns:w10="urn:schemas-microsoft-com:office:word" xmlns:v="urn:schemas-microsoft-com:vml" xmlns:o="urn:schemas-microsoft-com:office:office" xmlns:mv="urn:schemas-microsoft-com:mac:vml" xmlns:mo="http://schemas.microsoft.com/office/mac/office/2008/main" xmlns="" xmlns:arto="http://schemas.microsoft.com/office/word/2006/arto" xmlns:lc="http://schemas.openxmlformats.org/drawingml/2006/lockedCanvas" w="19050">
+                <a:solidFill>
+                  <a:srgbClr val="000000"/>
+                </a:solidFill>
+                <a:miter lim="800000"/>
+                <a:headEnd/>
+                <a:tailEnd/>
+              </a14:hiddenLine>
+            </a:ext>
+          </a:extLst>
+        </p:spPr>
+        <p:txBody>
+          <a:bodyPr rot="0" vert="horz" wrap="square" lIns="0" tIns="0" rIns="0" bIns="0" anchor="t" anchorCtr="0" upright="1">
+            <a:noAutofit/>
+          </a:bodyPr>
+          <a:lstStyle/>
+          <a:p>
+            <a:pPr algn="ctr">
+              <a:spcBef>
+                <a:spcPts val="600"/>
+              </a:spcBef>
+            </a:pPr>
+            <a:r>
+              <a:rPr lang="en-US" sz="1100" b="1">
+                <a:solidFill>
+                  <a:srgbClr val="0D0D0D"/>
+                </a:solidFill>
+                <a:latin typeface="Times New Roman" panose="02020603050405020304" pitchFamily="18" charset="0"/>
+                <a:ea typeface="Times New Roman" panose="02020603050405020304" pitchFamily="18" charset="0"/>
+              </a:rPr>
+              <a:t>e.g., Point of Care System</a:t>
+            </a:r>
+            <a:endParaRPr lang="en-US" sz="1200">
+              <a:latin typeface="Times New Roman" panose="02020603050405020304" pitchFamily="18" charset="0"/>
+              <a:ea typeface="Times New Roman" panose="02020603050405020304" pitchFamily="18" charset="0"/>
+            </a:endParaRPr>
+          </a:p>
+        </p:txBody>
+      </p:sp>
+      <p:cxnSp>
+        <p:nvCxnSpPr>
+          <p:cNvPr id="36" name="Straight Arrow Connector 35">
+            <a:extLst>
+              <a:ext uri="{FF2B5EF4-FFF2-40B4-BE49-F238E27FC236}">
+                <a16:creationId xmlns:a16="http://schemas.microsoft.com/office/drawing/2014/main" id="{6929D2AC-5DD3-FEC5-EC0E-349968C7F4BC}"/>
+              </a:ext>
+            </a:extLst>
+          </p:cNvPr>
+          <p:cNvCxnSpPr>
+            <a:cxnSpLocks noChangeShapeType="1"/>
+            <a:stCxn id="38" idx="2"/>
+          </p:cNvCxnSpPr>
+          <p:nvPr/>
+        </p:nvCxnSpPr>
+        <p:spPr bwMode="auto">
+          <a:xfrm flipH="1">
+            <a:off x="5560890" y="2066544"/>
+            <a:ext cx="102480" cy="1580300"/>
+          </a:xfrm>
+          <a:prstGeom prst="straightConnector1">
+            <a:avLst/>
+          </a:prstGeom>
+          <a:noFill/>
+          <a:ln w="19050">
+            <a:solidFill>
+              <a:schemeClr val="tx1"/>
+            </a:solidFill>
+            <a:miter lim="800000"/>
+            <a:headEnd/>
+            <a:tailEnd type="triangle" w="med" len="med"/>
+          </a:ln>
+          <a:extLst>
+            <a:ext uri="{909E8E84-426E-40dd-AFC4-6F175D3DCCD1}">
+              <a14:hiddenFill xmlns:wpc="http://schemas.microsoft.com/office/word/2010/wordprocessingCanvas" xmlns:mc="http://schemas.openxmlformats.org/markup-compatibility/2006" xmlns:m="http://schemas.openxmlformats.org/officeDocument/2006/math" xmlns:wp14="http://schemas.microsoft.com/office/word/2010/wordprocessingDrawing" xmlns:wp="http://schemas.openxmlformats.org/drawingml/2006/wordprocessingDrawing" xmlns:w14="http://schemas.microsoft.com/office/word/2010/wordml" xmlns:w15="http://schemas.microsoft.com/office/word/2012/wordml" xmlns:wpg="http://schemas.microsoft.com/office/word/2010/wordprocessingGroup" xmlns:wpi="http://schemas.microsoft.com/office/word/2010/wordprocessingInk" xmlns:wne="http://schemas.microsoft.com/office/word/2006/wordml" xmlns:wps="http://schemas.microsoft.com/office/word/2010/wordprocessingShape" xmlns:cx="http://schemas.microsoft.com/office/drawing/2014/chartex" xmlns:cx1="http://schemas.microsoft.com/office/drawing/2015/9/8/chartex" xmlns:cx2="http://schemas.microsoft.com/office/drawing/2015/10/21/chartex" xmlns:cx3="http://schemas.microsoft.com/office/drawing/2016/5/9/chartex" xmlns:cx4="http://schemas.microsoft.com/office/drawing/2016/5/10/chartex" xmlns:cx5="http://schemas.microsoft.com/office/drawing/2016/5/11/chartex" xmlns:cx6="http://schemas.microsoft.com/office/drawing/2016/5/12/chartex" xmlns:cx7="http://schemas.microsoft.com/office/drawing/2016/5/13/chartex" xmlns:cx8="http://schemas.microsoft.com/office/drawing/2016/5/14/chartex" xmlns:aink="http://schemas.microsoft.com/office/drawing/2016/ink" xmlns:am3d="http://schemas.microsoft.com/office/drawing/2017/model3d" xmlns:w16cid="http://schemas.microsoft.com/office/word/2016/wordml/cid" xmlns:w16se="http://schemas.microsoft.com/office/word/2015/wordml/symex" xmlns:a14="http://schemas.microsoft.com/office/drawing/2010/main" xmlns:w="http://schemas.openxmlformats.org/wordprocessingml/2006/main" xmlns:w10="urn:schemas-microsoft-com:office:word" xmlns:v="urn:schemas-microsoft-com:vml" xmlns:o="urn:schemas-microsoft-com:office:office" xmlns:mv="urn:schemas-microsoft-com:mac:vml" xmlns:mo="http://schemas.microsoft.com/office/mac/office/2008/main" xmlns="" xmlns:arto="http://schemas.microsoft.com/office/word/2006/arto" xmlns:lc="http://schemas.openxmlformats.org/drawingml/2006/lockedCanvas">
+                <a:noFill/>
+              </a14:hiddenFill>
+            </a:ext>
+          </a:extLst>
+        </p:spPr>
+      </p:cxnSp>
+      <p:sp>
+        <p:nvSpPr>
+          <p:cNvPr id="37" name="Rectangle 36">
+            <a:extLst>
+              <a:ext uri="{FF2B5EF4-FFF2-40B4-BE49-F238E27FC236}">
+                <a16:creationId xmlns:a16="http://schemas.microsoft.com/office/drawing/2014/main" id="{66DE6F18-20C0-31B3-C9B1-61BCCAFB341F}"/>
+              </a:ext>
+            </a:extLst>
+          </p:cNvPr>
+          <p:cNvSpPr>
+            <a:spLocks noChangeArrowheads="1"/>
+          </p:cNvSpPr>
+          <p:nvPr/>
+        </p:nvSpPr>
+        <p:spPr bwMode="auto">
+          <a:xfrm>
+            <a:off x="2619870" y="1591136"/>
+            <a:ext cx="1045000" cy="475408"/>
+          </a:xfrm>
+          <a:prstGeom prst="rect">
+            <a:avLst/>
+          </a:prstGeom>
+          <a:solidFill>
+            <a:srgbClr val="BFBFBF"/>
+          </a:solidFill>
+          <a:ln w="19050">
+            <a:solidFill>
+              <a:srgbClr val="000000"/>
+            </a:solidFill>
+            <a:miter lim="800000"/>
+            <a:headEnd/>
+            <a:tailEnd/>
+          </a:ln>
+        </p:spPr>
+        <p:txBody>
+          <a:bodyPr rot="0" vert="horz" wrap="square" lIns="91440" tIns="45720" rIns="91440" bIns="45720" anchor="ctr" anchorCtr="0" upright="1">
+            <a:noAutofit/>
+          </a:bodyPr>
+          <a:lstStyle/>
+          <a:p>
+            <a:pPr algn="ctr"/>
+            <a:r>
+              <a:rPr lang="en-US" sz="1000" b="1" dirty="0">
+                <a:latin typeface="Times New Roman" panose="02020603050405020304" pitchFamily="18" charset="0"/>
+                <a:ea typeface="Arial Unicode MS" panose="020B0604020202020204" pitchFamily="34" charset="-128"/>
+              </a:rPr>
+              <a:t>Document Consumer</a:t>
+            </a:r>
+            <a:endParaRPr lang="en-US" sz="1200" dirty="0">
+              <a:latin typeface="Times New Roman" panose="02020603050405020304" pitchFamily="18" charset="0"/>
+              <a:ea typeface="Times New Roman" panose="02020603050405020304" pitchFamily="18" charset="0"/>
+            </a:endParaRPr>
+          </a:p>
+        </p:txBody>
+      </p:sp>
+      <p:sp>
+        <p:nvSpPr>
+          <p:cNvPr id="38" name="Rectangle 37">
+            <a:extLst>
+              <a:ext uri="{FF2B5EF4-FFF2-40B4-BE49-F238E27FC236}">
+                <a16:creationId xmlns:a16="http://schemas.microsoft.com/office/drawing/2014/main" id="{6D323927-C268-F025-A8EC-1ED662D0EB45}"/>
+              </a:ext>
+            </a:extLst>
+          </p:cNvPr>
+          <p:cNvSpPr>
+            <a:spLocks noChangeArrowheads="1"/>
+          </p:cNvSpPr>
+          <p:nvPr/>
+        </p:nvSpPr>
+        <p:spPr bwMode="auto">
+          <a:xfrm>
+            <a:off x="5140870" y="1599088"/>
+            <a:ext cx="1045000" cy="467456"/>
+          </a:xfrm>
+          <a:prstGeom prst="rect">
+            <a:avLst/>
+          </a:prstGeom>
+          <a:pattFill prst="pct20">
+            <a:fgClr>
+              <a:srgbClr val="BFBFBF"/>
+            </a:fgClr>
+            <a:bgClr>
+              <a:schemeClr val="bg1">
+                <a:lumMod val="100000"/>
+                <a:lumOff val="0"/>
+              </a:schemeClr>
+            </a:bgClr>
+          </a:pattFill>
+          <a:ln w="19050">
+            <a:solidFill>
+              <a:srgbClr val="000000"/>
+            </a:solidFill>
+            <a:miter lim="800000"/>
+            <a:headEnd/>
+            <a:tailEnd/>
+          </a:ln>
+        </p:spPr>
+        <p:txBody>
+          <a:bodyPr rot="0" vert="horz" wrap="square" lIns="91440" tIns="45720" rIns="91440" bIns="45720" anchor="ctr" anchorCtr="0" upright="1">
+            <a:noAutofit/>
+          </a:bodyPr>
+          <a:lstStyle/>
+          <a:p>
+            <a:pPr algn="ctr"/>
+            <a:r>
+              <a:rPr lang="en-US" sz="1000" b="1">
+                <a:latin typeface="Times New Roman" panose="02020603050405020304" pitchFamily="18" charset="0"/>
+                <a:ea typeface="Arial Unicode MS" panose="020B0604020202020204" pitchFamily="34" charset="-128"/>
+              </a:rPr>
+              <a:t>Clinical Data Consumer</a:t>
+            </a:r>
+            <a:endParaRPr lang="en-US" sz="1200">
+              <a:latin typeface="Times New Roman" panose="02020603050405020304" pitchFamily="18" charset="0"/>
+              <a:ea typeface="Times New Roman" panose="02020603050405020304" pitchFamily="18" charset="0"/>
+            </a:endParaRPr>
+          </a:p>
+        </p:txBody>
+      </p:sp>
+      <p:sp>
+        <p:nvSpPr>
+          <p:cNvPr id="39" name="Text Box 11">
+            <a:extLst>
+              <a:ext uri="{FF2B5EF4-FFF2-40B4-BE49-F238E27FC236}">
+                <a16:creationId xmlns:a16="http://schemas.microsoft.com/office/drawing/2014/main" id="{94CE173D-7BB6-CD34-E7FA-4A5BACBD8311}"/>
+              </a:ext>
+            </a:extLst>
+          </p:cNvPr>
+          <p:cNvSpPr txBox="1">
+            <a:spLocks noChangeArrowheads="1"/>
+          </p:cNvSpPr>
+          <p:nvPr/>
+        </p:nvSpPr>
+        <p:spPr bwMode="auto">
+          <a:xfrm>
+            <a:off x="2778979" y="3572696"/>
+            <a:ext cx="1000100" cy="222396"/>
           </a:xfrm>
           <a:prstGeom prst="rect">
             <a:avLst/>
@@ -4569,64 +3831,694 @@
           <a:ln>
             <a:noFill/>
           </a:ln>
-          <a:effectLst/>
           <a:extLst>
-            <a:ext uri="{909E8E84-426E-40DD-AFC4-6F175D3DCCD1}">
-              <a14:hiddenFill xmlns:a14="http://schemas.microsoft.com/office/drawing/2010/main">
+            <a:ext uri="{909E8E84-426E-40dd-AFC4-6F175D3DCCD1}">
+              <a14:hiddenFill xmlns:wpc="http://schemas.microsoft.com/office/word/2010/wordprocessingCanvas" xmlns:mc="http://schemas.openxmlformats.org/markup-compatibility/2006" xmlns:m="http://schemas.openxmlformats.org/officeDocument/2006/math" xmlns:wp14="http://schemas.microsoft.com/office/word/2010/wordprocessingDrawing" xmlns:wp="http://schemas.openxmlformats.org/drawingml/2006/wordprocessingDrawing" xmlns:w14="http://schemas.microsoft.com/office/word/2010/wordml" xmlns:w15="http://schemas.microsoft.com/office/word/2012/wordml" xmlns:wpg="http://schemas.microsoft.com/office/word/2010/wordprocessingGroup" xmlns:wpi="http://schemas.microsoft.com/office/word/2010/wordprocessingInk" xmlns:wne="http://schemas.microsoft.com/office/word/2006/wordml" xmlns:wps="http://schemas.microsoft.com/office/word/2010/wordprocessingShape" xmlns:cx="http://schemas.microsoft.com/office/drawing/2014/chartex" xmlns:cx1="http://schemas.microsoft.com/office/drawing/2015/9/8/chartex" xmlns:cx2="http://schemas.microsoft.com/office/drawing/2015/10/21/chartex" xmlns:cx3="http://schemas.microsoft.com/office/drawing/2016/5/9/chartex" xmlns:cx4="http://schemas.microsoft.com/office/drawing/2016/5/10/chartex" xmlns:cx5="http://schemas.microsoft.com/office/drawing/2016/5/11/chartex" xmlns:cx6="http://schemas.microsoft.com/office/drawing/2016/5/12/chartex" xmlns:cx7="http://schemas.microsoft.com/office/drawing/2016/5/13/chartex" xmlns:cx8="http://schemas.microsoft.com/office/drawing/2016/5/14/chartex" xmlns:aink="http://schemas.microsoft.com/office/drawing/2016/ink" xmlns:am3d="http://schemas.microsoft.com/office/drawing/2017/model3d" xmlns:w16cid="http://schemas.microsoft.com/office/word/2016/wordml/cid" xmlns:w16se="http://schemas.microsoft.com/office/word/2015/wordml/symex" xmlns:a14="http://schemas.microsoft.com/office/drawing/2010/main" xmlns:w="http://schemas.openxmlformats.org/wordprocessingml/2006/main" xmlns:w10="urn:schemas-microsoft-com:office:word" xmlns:v="urn:schemas-microsoft-com:vml" xmlns:o="urn:schemas-microsoft-com:office:office" xmlns:mv="urn:schemas-microsoft-com:mac:vml" xmlns:mo="http://schemas.microsoft.com/office/mac/office/2008/main" xmlns="" xmlns:arto="http://schemas.microsoft.com/office/word/2006/arto" xmlns:lc="http://schemas.openxmlformats.org/drawingml/2006/lockedCanvas">
                 <a:solidFill>
-                  <a:schemeClr val="accent1"/>
+                  <a:srgbClr val="FFFFFF"/>
                 </a:solidFill>
               </a14:hiddenFill>
             </a:ext>
-            <a:ext uri="{91240B29-F687-4F45-9708-019B960494DF}">
-              <a14:hiddenLine xmlns:a14="http://schemas.microsoft.com/office/drawing/2010/main" w="9525">
+            <a:ext uri="{91240B29-F687-4f45-9708-019B960494DF}">
+              <a14:hiddenLine xmlns:wpc="http://schemas.microsoft.com/office/word/2010/wordprocessingCanvas" xmlns:mc="http://schemas.openxmlformats.org/markup-compatibility/2006" xmlns:m="http://schemas.openxmlformats.org/officeDocument/2006/math" xmlns:wp14="http://schemas.microsoft.com/office/word/2010/wordprocessingDrawing" xmlns:wp="http://schemas.openxmlformats.org/drawingml/2006/wordprocessingDrawing" xmlns:w14="http://schemas.microsoft.com/office/word/2010/wordml" xmlns:w15="http://schemas.microsoft.com/office/word/2012/wordml" xmlns:wpg="http://schemas.microsoft.com/office/word/2010/wordprocessingGroup" xmlns:wpi="http://schemas.microsoft.com/office/word/2010/wordprocessingInk" xmlns:wne="http://schemas.microsoft.com/office/word/2006/wordml" xmlns:wps="http://schemas.microsoft.com/office/word/2010/wordprocessingShape" xmlns:cx="http://schemas.microsoft.com/office/drawing/2014/chartex" xmlns:cx1="http://schemas.microsoft.com/office/drawing/2015/9/8/chartex" xmlns:cx2="http://schemas.microsoft.com/office/drawing/2015/10/21/chartex" xmlns:cx3="http://schemas.microsoft.com/office/drawing/2016/5/9/chartex" xmlns:cx4="http://schemas.microsoft.com/office/drawing/2016/5/10/chartex" xmlns:cx5="http://schemas.microsoft.com/office/drawing/2016/5/11/chartex" xmlns:cx6="http://schemas.microsoft.com/office/drawing/2016/5/12/chartex" xmlns:cx7="http://schemas.microsoft.com/office/drawing/2016/5/13/chartex" xmlns:cx8="http://schemas.microsoft.com/office/drawing/2016/5/14/chartex" xmlns:aink="http://schemas.microsoft.com/office/drawing/2016/ink" xmlns:am3d="http://schemas.microsoft.com/office/drawing/2017/model3d" xmlns:w16cid="http://schemas.microsoft.com/office/word/2016/wordml/cid" xmlns:w16se="http://schemas.microsoft.com/office/word/2015/wordml/symex" xmlns:a14="http://schemas.microsoft.com/office/drawing/2010/main" xmlns:w="http://schemas.openxmlformats.org/wordprocessingml/2006/main" xmlns:w10="urn:schemas-microsoft-com:office:word" xmlns:v="urn:schemas-microsoft-com:vml" xmlns:o="urn:schemas-microsoft-com:office:office" xmlns:mv="urn:schemas-microsoft-com:mac:vml" xmlns:mo="http://schemas.microsoft.com/office/mac/office/2008/main" xmlns="" xmlns:arto="http://schemas.microsoft.com/office/word/2006/arto" xmlns:lc="http://schemas.openxmlformats.org/drawingml/2006/lockedCanvas" w="9525">
                 <a:solidFill>
-                  <a:schemeClr val="tx1"/>
+                  <a:srgbClr val="000000"/>
                 </a:solidFill>
                 <a:miter lim="800000"/>
                 <a:headEnd/>
                 <a:tailEnd/>
               </a14:hiddenLine>
             </a:ext>
-            <a:ext uri="{AF507438-7753-43E0-B8FC-AC1667EBCBE1}">
-              <a14:hiddenEffects xmlns:a14="http://schemas.microsoft.com/office/drawing/2010/main">
-                <a:effectLst>
-                  <a:outerShdw dist="35921" dir="2700000" algn="ctr" rotWithShape="0">
-                    <a:schemeClr val="bg2"/>
-                  </a:outerShdw>
-                </a:effectLst>
-              </a14:hiddenEffects>
+          </a:extLst>
+        </p:spPr>
+        <p:txBody>
+          <a:bodyPr rot="0" vert="horz" wrap="square" lIns="0" tIns="45720" rIns="0" bIns="45720" anchor="t" anchorCtr="0" upright="1">
+            <a:noAutofit/>
+          </a:bodyPr>
+          <a:lstStyle/>
+          <a:p>
+            <a:r>
+              <a:rPr lang="en-US" sz="900">
+                <a:latin typeface="Times New Roman" panose="02020603050405020304" pitchFamily="18" charset="0"/>
+                <a:ea typeface="Arial Unicode MS" panose="020B0604020202020204" pitchFamily="34" charset="-128"/>
+              </a:rPr>
+              <a:t>Publish Documents</a:t>
+            </a:r>
+            <a:endParaRPr lang="en-US" sz="1200">
+              <a:latin typeface="Times New Roman" panose="02020603050405020304" pitchFamily="18" charset="0"/>
+              <a:ea typeface="Times New Roman" panose="02020603050405020304" pitchFamily="18" charset="0"/>
+            </a:endParaRPr>
+          </a:p>
+          <a:p>
+            <a:pPr>
+              <a:spcBef>
+                <a:spcPts val="600"/>
+              </a:spcBef>
+            </a:pPr>
+            <a:r>
+              <a:rPr lang="it-IT" sz="1100">
+                <a:latin typeface="Arial" panose="020B0604020202020204" pitchFamily="34" charset="0"/>
+                <a:ea typeface="Times New Roman" panose="02020603050405020304" pitchFamily="18" charset="0"/>
+              </a:rPr>
+              <a:t> </a:t>
+            </a:r>
+            <a:endParaRPr lang="en-US" sz="1200">
+              <a:latin typeface="Times New Roman" panose="02020603050405020304" pitchFamily="18" charset="0"/>
+              <a:ea typeface="Times New Roman" panose="02020603050405020304" pitchFamily="18" charset="0"/>
+            </a:endParaRPr>
+          </a:p>
+        </p:txBody>
+      </p:sp>
+      <p:cxnSp>
+        <p:nvCxnSpPr>
+          <p:cNvPr id="40" name="Straight Arrow Connector 39">
+            <a:extLst>
+              <a:ext uri="{FF2B5EF4-FFF2-40B4-BE49-F238E27FC236}">
+                <a16:creationId xmlns:a16="http://schemas.microsoft.com/office/drawing/2014/main" id="{481477E1-A29C-E0B1-6130-F6AA39041D25}"/>
+              </a:ext>
+            </a:extLst>
+          </p:cNvPr>
+          <p:cNvCxnSpPr>
+            <a:cxnSpLocks noChangeShapeType="1"/>
+            <a:stCxn id="46" idx="3"/>
+            <a:endCxn id="57" idx="2"/>
+          </p:cNvCxnSpPr>
+          <p:nvPr/>
+        </p:nvCxnSpPr>
+        <p:spPr bwMode="auto">
+          <a:xfrm flipV="1">
+            <a:off x="2653860" y="3780035"/>
+            <a:ext cx="1291937" cy="5958"/>
+          </a:xfrm>
+          <a:prstGeom prst="straightConnector1">
+            <a:avLst/>
+          </a:prstGeom>
+          <a:noFill/>
+          <a:ln w="19050">
+            <a:solidFill>
+              <a:schemeClr val="tx1"/>
+            </a:solidFill>
+            <a:miter lim="800000"/>
+            <a:headEnd/>
+            <a:tailEnd type="stealth" w="med" len="med"/>
+          </a:ln>
+          <a:extLst>
+            <a:ext uri="{909E8E84-426E-40dd-AFC4-6F175D3DCCD1}">
+              <a14:hiddenFill xmlns:wpc="http://schemas.microsoft.com/office/word/2010/wordprocessingCanvas" xmlns:mc="http://schemas.openxmlformats.org/markup-compatibility/2006" xmlns:m="http://schemas.openxmlformats.org/officeDocument/2006/math" xmlns:wp14="http://schemas.microsoft.com/office/word/2010/wordprocessingDrawing" xmlns:wp="http://schemas.openxmlformats.org/drawingml/2006/wordprocessingDrawing" xmlns:w14="http://schemas.microsoft.com/office/word/2010/wordml" xmlns:w15="http://schemas.microsoft.com/office/word/2012/wordml" xmlns:wpg="http://schemas.microsoft.com/office/word/2010/wordprocessingGroup" xmlns:wpi="http://schemas.microsoft.com/office/word/2010/wordprocessingInk" xmlns:wne="http://schemas.microsoft.com/office/word/2006/wordml" xmlns:wps="http://schemas.microsoft.com/office/word/2010/wordprocessingShape" xmlns:cx="http://schemas.microsoft.com/office/drawing/2014/chartex" xmlns:cx1="http://schemas.microsoft.com/office/drawing/2015/9/8/chartex" xmlns:cx2="http://schemas.microsoft.com/office/drawing/2015/10/21/chartex" xmlns:cx3="http://schemas.microsoft.com/office/drawing/2016/5/9/chartex" xmlns:cx4="http://schemas.microsoft.com/office/drawing/2016/5/10/chartex" xmlns:cx5="http://schemas.microsoft.com/office/drawing/2016/5/11/chartex" xmlns:cx6="http://schemas.microsoft.com/office/drawing/2016/5/12/chartex" xmlns:cx7="http://schemas.microsoft.com/office/drawing/2016/5/13/chartex" xmlns:cx8="http://schemas.microsoft.com/office/drawing/2016/5/14/chartex" xmlns:aink="http://schemas.microsoft.com/office/drawing/2016/ink" xmlns:am3d="http://schemas.microsoft.com/office/drawing/2017/model3d" xmlns:w16cid="http://schemas.microsoft.com/office/word/2016/wordml/cid" xmlns:w16se="http://schemas.microsoft.com/office/word/2015/wordml/symex" xmlns:a14="http://schemas.microsoft.com/office/drawing/2010/main" xmlns:w="http://schemas.openxmlformats.org/wordprocessingml/2006/main" xmlns:w10="urn:schemas-microsoft-com:office:word" xmlns:v="urn:schemas-microsoft-com:vml" xmlns:o="urn:schemas-microsoft-com:office:office" xmlns:mv="urn:schemas-microsoft-com:mac:vml" xmlns:mo="http://schemas.microsoft.com/office/mac/office/2008/main" xmlns="" xmlns:arto="http://schemas.microsoft.com/office/word/2006/arto" xmlns:lc="http://schemas.openxmlformats.org/drawingml/2006/lockedCanvas">
+                <a:noFill/>
+              </a14:hiddenFill>
             </a:ext>
           </a:extLst>
         </p:spPr>
-        <p:txBody>
-          <a:bodyPr vert="horz" wrap="none" lIns="91440" tIns="45720" rIns="91440" bIns="45720" numCol="1" anchor="ctr" anchorCtr="0" compatLnSpc="1">
-            <a:prstTxWarp prst="textNoShape">
-              <a:avLst/>
-            </a:prstTxWarp>
-            <a:spAutoFit/>
+      </p:cxnSp>
+      <p:sp>
+        <p:nvSpPr>
+          <p:cNvPr id="41" name="Text Box 11">
+            <a:extLst>
+              <a:ext uri="{FF2B5EF4-FFF2-40B4-BE49-F238E27FC236}">
+                <a16:creationId xmlns:a16="http://schemas.microsoft.com/office/drawing/2014/main" id="{1DBE0177-A450-1DFE-94F3-6C4E87102205}"/>
+              </a:ext>
+            </a:extLst>
+          </p:cNvPr>
+          <p:cNvSpPr txBox="1">
+            <a:spLocks noChangeArrowheads="1"/>
+          </p:cNvSpPr>
+          <p:nvPr/>
+        </p:nvSpPr>
+        <p:spPr bwMode="auto">
+          <a:xfrm>
+            <a:off x="3092170" y="2479818"/>
+            <a:ext cx="1000100" cy="364207"/>
+          </a:xfrm>
+          <a:prstGeom prst="rect">
+            <a:avLst/>
+          </a:prstGeom>
+          <a:noFill/>
+          <a:ln>
+            <a:noFill/>
+          </a:ln>
+          <a:extLst>
+            <a:ext uri="{909E8E84-426E-40dd-AFC4-6F175D3DCCD1}">
+              <a14:hiddenFill xmlns:wpc="http://schemas.microsoft.com/office/word/2010/wordprocessingCanvas" xmlns:mc="http://schemas.openxmlformats.org/markup-compatibility/2006" xmlns:m="http://schemas.openxmlformats.org/officeDocument/2006/math" xmlns:wp14="http://schemas.microsoft.com/office/word/2010/wordprocessingDrawing" xmlns:wp="http://schemas.openxmlformats.org/drawingml/2006/wordprocessingDrawing" xmlns:w14="http://schemas.microsoft.com/office/word/2010/wordml" xmlns:w15="http://schemas.microsoft.com/office/word/2012/wordml" xmlns:wpg="http://schemas.microsoft.com/office/word/2010/wordprocessingGroup" xmlns:wpi="http://schemas.microsoft.com/office/word/2010/wordprocessingInk" xmlns:wne="http://schemas.microsoft.com/office/word/2006/wordml" xmlns:wps="http://schemas.microsoft.com/office/word/2010/wordprocessingShape" xmlns:cx="http://schemas.microsoft.com/office/drawing/2014/chartex" xmlns:cx1="http://schemas.microsoft.com/office/drawing/2015/9/8/chartex" xmlns:cx2="http://schemas.microsoft.com/office/drawing/2015/10/21/chartex" xmlns:cx3="http://schemas.microsoft.com/office/drawing/2016/5/9/chartex" xmlns:cx4="http://schemas.microsoft.com/office/drawing/2016/5/10/chartex" xmlns:cx5="http://schemas.microsoft.com/office/drawing/2016/5/11/chartex" xmlns:cx6="http://schemas.microsoft.com/office/drawing/2016/5/12/chartex" xmlns:cx7="http://schemas.microsoft.com/office/drawing/2016/5/13/chartex" xmlns:cx8="http://schemas.microsoft.com/office/drawing/2016/5/14/chartex" xmlns:aink="http://schemas.microsoft.com/office/drawing/2016/ink" xmlns:am3d="http://schemas.microsoft.com/office/drawing/2017/model3d" xmlns:w16cid="http://schemas.microsoft.com/office/word/2016/wordml/cid" xmlns:w16se="http://schemas.microsoft.com/office/word/2015/wordml/symex" xmlns:a14="http://schemas.microsoft.com/office/drawing/2010/main" xmlns:w="http://schemas.openxmlformats.org/wordprocessingml/2006/main" xmlns:w10="urn:schemas-microsoft-com:office:word" xmlns:v="urn:schemas-microsoft-com:vml" xmlns:o="urn:schemas-microsoft-com:office:office" xmlns:mv="urn:schemas-microsoft-com:mac:vml" xmlns:mo="http://schemas.microsoft.com/office/mac/office/2008/main" xmlns="" xmlns:arto="http://schemas.microsoft.com/office/word/2006/arto" xmlns:lc="http://schemas.openxmlformats.org/drawingml/2006/lockedCanvas">
+                <a:solidFill>
+                  <a:srgbClr val="FFFFFF"/>
+                </a:solidFill>
+              </a14:hiddenFill>
+            </a:ext>
+            <a:ext uri="{91240B29-F687-4f45-9708-019B960494DF}">
+              <a14:hiddenLine xmlns:wpc="http://schemas.microsoft.com/office/word/2010/wordprocessingCanvas" xmlns:mc="http://schemas.openxmlformats.org/markup-compatibility/2006" xmlns:m="http://schemas.openxmlformats.org/officeDocument/2006/math" xmlns:wp14="http://schemas.microsoft.com/office/word/2010/wordprocessingDrawing" xmlns:wp="http://schemas.openxmlformats.org/drawingml/2006/wordprocessingDrawing" xmlns:w14="http://schemas.microsoft.com/office/word/2010/wordml" xmlns:w15="http://schemas.microsoft.com/office/word/2012/wordml" xmlns:wpg="http://schemas.microsoft.com/office/word/2010/wordprocessingGroup" xmlns:wpi="http://schemas.microsoft.com/office/word/2010/wordprocessingInk" xmlns:wne="http://schemas.microsoft.com/office/word/2006/wordml" xmlns:wps="http://schemas.microsoft.com/office/word/2010/wordprocessingShape" xmlns:cx="http://schemas.microsoft.com/office/drawing/2014/chartex" xmlns:cx1="http://schemas.microsoft.com/office/drawing/2015/9/8/chartex" xmlns:cx2="http://schemas.microsoft.com/office/drawing/2015/10/21/chartex" xmlns:cx3="http://schemas.microsoft.com/office/drawing/2016/5/9/chartex" xmlns:cx4="http://schemas.microsoft.com/office/drawing/2016/5/10/chartex" xmlns:cx5="http://schemas.microsoft.com/office/drawing/2016/5/11/chartex" xmlns:cx6="http://schemas.microsoft.com/office/drawing/2016/5/12/chartex" xmlns:cx7="http://schemas.microsoft.com/office/drawing/2016/5/13/chartex" xmlns:cx8="http://schemas.microsoft.com/office/drawing/2016/5/14/chartex" xmlns:aink="http://schemas.microsoft.com/office/drawing/2016/ink" xmlns:am3d="http://schemas.microsoft.com/office/drawing/2017/model3d" xmlns:w16cid="http://schemas.microsoft.com/office/word/2016/wordml/cid" xmlns:w16se="http://schemas.microsoft.com/office/word/2015/wordml/symex" xmlns:a14="http://schemas.microsoft.com/office/drawing/2010/main" xmlns:w="http://schemas.openxmlformats.org/wordprocessingml/2006/main" xmlns:w10="urn:schemas-microsoft-com:office:word" xmlns:v="urn:schemas-microsoft-com:vml" xmlns:o="urn:schemas-microsoft-com:office:office" xmlns:mv="urn:schemas-microsoft-com:mac:vml" xmlns:mo="http://schemas.microsoft.com/office/mac/office/2008/main" xmlns="" xmlns:arto="http://schemas.microsoft.com/office/word/2006/arto" xmlns:lc="http://schemas.openxmlformats.org/drawingml/2006/lockedCanvas" w="9525">
+                <a:solidFill>
+                  <a:srgbClr val="000000"/>
+                </a:solidFill>
+                <a:miter lim="800000"/>
+                <a:headEnd/>
+                <a:tailEnd/>
+              </a14:hiddenLine>
+            </a:ext>
+          </a:extLst>
+        </p:spPr>
+        <p:txBody>
+          <a:bodyPr rot="0" vert="horz" wrap="square" lIns="0" tIns="45720" rIns="0" bIns="45720" anchor="t" anchorCtr="0" upright="1">
+            <a:noAutofit/>
           </a:bodyPr>
           <a:lstStyle/>
           <a:p>
-            <a:pPr algn="ctr" eaLnBrk="0" fontAlgn="base" hangingPunct="0">
+            <a:pPr algn="ctr"/>
+            <a:r>
+              <a:rPr lang="it-IT" sz="900">
+                <a:latin typeface="Times New Roman" panose="02020603050405020304" pitchFamily="18" charset="0"/>
+                <a:ea typeface="Arial Unicode MS" panose="020B0604020202020204" pitchFamily="34" charset="-128"/>
+              </a:rPr>
+              <a:t>Query and Retrieve </a:t>
+            </a:r>
+            <a:r>
+              <a:rPr lang="en-US" sz="900">
+                <a:latin typeface="Times New Roman" panose="02020603050405020304" pitchFamily="18" charset="0"/>
+                <a:ea typeface="Arial Unicode MS" panose="020B0604020202020204" pitchFamily="34" charset="-128"/>
+              </a:rPr>
+              <a:t>Documents</a:t>
+            </a:r>
+            <a:endParaRPr lang="en-US" sz="1200">
+              <a:latin typeface="Times New Roman" panose="02020603050405020304" pitchFamily="18" charset="0"/>
+              <a:ea typeface="Times New Roman" panose="02020603050405020304" pitchFamily="18" charset="0"/>
+            </a:endParaRPr>
+          </a:p>
+          <a:p>
+            <a:pPr algn="ctr">
               <a:spcBef>
-                <a:spcPct val="0"/>
+                <a:spcPts val="600"/>
               </a:spcBef>
-              <a:spcAft>
-                <a:spcPct val="0"/>
-              </a:spcAft>
             </a:pPr>
             <a:r>
-              <a:rPr lang="en-US" altLang="en-US" sz="1100" b="1">
+              <a:rPr lang="it-IT" sz="1100">
                 <a:latin typeface="Arial" panose="020B0604020202020204" pitchFamily="34" charset="0"/>
                 <a:ea typeface="Times New Roman" panose="02020603050405020304" pitchFamily="18" charset="0"/>
-                <a:cs typeface="Arial" panose="020B0604020202020204" pitchFamily="34" charset="0"/>
               </a:rPr>
-              <a:t>Figure 45-2: mXDE Profile combining actors and transactions of other IHE Profiles</a:t>
-            </a:r>
-            <a:endParaRPr lang="en-US" altLang="en-US">
-              <a:latin typeface="Arial" panose="020B0604020202020204" pitchFamily="34" charset="0"/>
+              <a:t> </a:t>
+            </a:r>
+            <a:endParaRPr lang="en-US" sz="1200">
+              <a:latin typeface="Times New Roman" panose="02020603050405020304" pitchFamily="18" charset="0"/>
+              <a:ea typeface="Times New Roman" panose="02020603050405020304" pitchFamily="18" charset="0"/>
             </a:endParaRPr>
+          </a:p>
+        </p:txBody>
+      </p:sp>
+      <p:cxnSp>
+        <p:nvCxnSpPr>
+          <p:cNvPr id="42" name="Straight Arrow Connector 41">
+            <a:extLst>
+              <a:ext uri="{FF2B5EF4-FFF2-40B4-BE49-F238E27FC236}">
+                <a16:creationId xmlns:a16="http://schemas.microsoft.com/office/drawing/2014/main" id="{5E59CC79-565D-9B99-EEF7-8B8C42D94F5D}"/>
+              </a:ext>
+            </a:extLst>
+          </p:cNvPr>
+          <p:cNvCxnSpPr>
+            <a:cxnSpLocks noChangeShapeType="1"/>
+            <a:stCxn id="37" idx="2"/>
+          </p:cNvCxnSpPr>
+          <p:nvPr/>
+        </p:nvCxnSpPr>
+        <p:spPr bwMode="auto">
+          <a:xfrm>
+            <a:off x="3142370" y="2066462"/>
+            <a:ext cx="1163125" cy="1544291"/>
+          </a:xfrm>
+          <a:prstGeom prst="straightConnector1">
+            <a:avLst/>
+          </a:prstGeom>
+          <a:noFill/>
+          <a:ln w="19050">
+            <a:solidFill>
+              <a:schemeClr val="tx1"/>
+            </a:solidFill>
+            <a:miter lim="800000"/>
+            <a:headEnd/>
+            <a:tailEnd type="stealth" w="med" len="med"/>
+          </a:ln>
+          <a:extLst>
+            <a:ext uri="{909E8E84-426E-40dd-AFC4-6F175D3DCCD1}">
+              <a14:hiddenFill xmlns:wpc="http://schemas.microsoft.com/office/word/2010/wordprocessingCanvas" xmlns:mc="http://schemas.openxmlformats.org/markup-compatibility/2006" xmlns:m="http://schemas.openxmlformats.org/officeDocument/2006/math" xmlns:wp14="http://schemas.microsoft.com/office/word/2010/wordprocessingDrawing" xmlns:wp="http://schemas.openxmlformats.org/drawingml/2006/wordprocessingDrawing" xmlns:w14="http://schemas.microsoft.com/office/word/2010/wordml" xmlns:w15="http://schemas.microsoft.com/office/word/2012/wordml" xmlns:wpg="http://schemas.microsoft.com/office/word/2010/wordprocessingGroup" xmlns:wpi="http://schemas.microsoft.com/office/word/2010/wordprocessingInk" xmlns:wne="http://schemas.microsoft.com/office/word/2006/wordml" xmlns:wps="http://schemas.microsoft.com/office/word/2010/wordprocessingShape" xmlns:cx="http://schemas.microsoft.com/office/drawing/2014/chartex" xmlns:cx1="http://schemas.microsoft.com/office/drawing/2015/9/8/chartex" xmlns:cx2="http://schemas.microsoft.com/office/drawing/2015/10/21/chartex" xmlns:cx3="http://schemas.microsoft.com/office/drawing/2016/5/9/chartex" xmlns:cx4="http://schemas.microsoft.com/office/drawing/2016/5/10/chartex" xmlns:cx5="http://schemas.microsoft.com/office/drawing/2016/5/11/chartex" xmlns:cx6="http://schemas.microsoft.com/office/drawing/2016/5/12/chartex" xmlns:cx7="http://schemas.microsoft.com/office/drawing/2016/5/13/chartex" xmlns:cx8="http://schemas.microsoft.com/office/drawing/2016/5/14/chartex" xmlns:aink="http://schemas.microsoft.com/office/drawing/2016/ink" xmlns:am3d="http://schemas.microsoft.com/office/drawing/2017/model3d" xmlns:w16cid="http://schemas.microsoft.com/office/word/2016/wordml/cid" xmlns:w16se="http://schemas.microsoft.com/office/word/2015/wordml/symex" xmlns:a14="http://schemas.microsoft.com/office/drawing/2010/main" xmlns:w="http://schemas.openxmlformats.org/wordprocessingml/2006/main" xmlns:w10="urn:schemas-microsoft-com:office:word" xmlns:v="urn:schemas-microsoft-com:vml" xmlns:o="urn:schemas-microsoft-com:office:office" xmlns:mv="urn:schemas-microsoft-com:mac:vml" xmlns:mo="http://schemas.microsoft.com/office/mac/office/2008/main" xmlns="" xmlns:arto="http://schemas.microsoft.com/office/word/2006/arto" xmlns:lc="http://schemas.openxmlformats.org/drawingml/2006/lockedCanvas">
+                <a:noFill/>
+              </a14:hiddenFill>
+            </a:ext>
+          </a:extLst>
+        </p:spPr>
+      </p:cxnSp>
+      <p:sp>
+        <p:nvSpPr>
+          <p:cNvPr id="43" name="Rectangle 42">
+            <a:extLst>
+              <a:ext uri="{FF2B5EF4-FFF2-40B4-BE49-F238E27FC236}">
+                <a16:creationId xmlns:a16="http://schemas.microsoft.com/office/drawing/2014/main" id="{E51BEF95-A0D2-57D7-F01C-30D90972404F}"/>
+              </a:ext>
+            </a:extLst>
+          </p:cNvPr>
+          <p:cNvSpPr>
+            <a:spLocks noChangeArrowheads="1"/>
+          </p:cNvSpPr>
+          <p:nvPr/>
+        </p:nvSpPr>
+        <p:spPr bwMode="auto">
+          <a:xfrm>
+            <a:off x="3664870" y="1591135"/>
+            <a:ext cx="1045000" cy="470931"/>
+          </a:xfrm>
+          <a:prstGeom prst="rect">
+            <a:avLst/>
+          </a:prstGeom>
+          <a:pattFill prst="pct20">
+            <a:fgClr>
+              <a:srgbClr val="BFBFBF"/>
+            </a:fgClr>
+            <a:bgClr>
+              <a:schemeClr val="bg1">
+                <a:lumMod val="100000"/>
+                <a:lumOff val="0"/>
+              </a:schemeClr>
+            </a:bgClr>
+          </a:pattFill>
+          <a:ln w="19050">
+            <a:solidFill>
+              <a:srgbClr val="000000"/>
+            </a:solidFill>
+            <a:miter lim="800000"/>
+            <a:headEnd/>
+            <a:tailEnd/>
+          </a:ln>
+        </p:spPr>
+        <p:txBody>
+          <a:bodyPr rot="0" vert="horz" wrap="square" lIns="91440" tIns="45720" rIns="91440" bIns="45720" anchor="ctr" anchorCtr="0" upright="1">
+            <a:noAutofit/>
+          </a:bodyPr>
+          <a:lstStyle/>
+          <a:p>
+            <a:pPr algn="ctr"/>
+            <a:r>
+              <a:rPr lang="en-US" sz="1000" b="1">
+                <a:latin typeface="Times New Roman" panose="02020603050405020304" pitchFamily="18" charset="0"/>
+                <a:ea typeface="Arial Unicode MS" panose="020B0604020202020204" pitchFamily="34" charset="-128"/>
+              </a:rPr>
+              <a:t>Clinical Data Consumer</a:t>
+            </a:r>
+            <a:endParaRPr lang="en-US" sz="1200">
+              <a:latin typeface="Times New Roman" panose="02020603050405020304" pitchFamily="18" charset="0"/>
+              <a:ea typeface="Times New Roman" panose="02020603050405020304" pitchFamily="18" charset="0"/>
+            </a:endParaRPr>
+          </a:p>
+        </p:txBody>
+      </p:sp>
+      <p:cxnSp>
+        <p:nvCxnSpPr>
+          <p:cNvPr id="44" name="Straight Arrow Connector 43">
+            <a:extLst>
+              <a:ext uri="{FF2B5EF4-FFF2-40B4-BE49-F238E27FC236}">
+                <a16:creationId xmlns:a16="http://schemas.microsoft.com/office/drawing/2014/main" id="{1554F63F-9D8B-C689-E903-A6BC541BA561}"/>
+              </a:ext>
+            </a:extLst>
+          </p:cNvPr>
+          <p:cNvCxnSpPr>
+            <a:cxnSpLocks noChangeShapeType="1"/>
+            <a:stCxn id="43" idx="2"/>
+          </p:cNvCxnSpPr>
+          <p:nvPr/>
+        </p:nvCxnSpPr>
+        <p:spPr bwMode="auto">
+          <a:xfrm>
+            <a:off x="4187370" y="2062066"/>
+            <a:ext cx="1083960" cy="1584778"/>
+          </a:xfrm>
+          <a:prstGeom prst="straightConnector1">
+            <a:avLst/>
+          </a:prstGeom>
+          <a:noFill/>
+          <a:ln w="19050">
+            <a:solidFill>
+              <a:schemeClr val="tx1"/>
+            </a:solidFill>
+            <a:miter lim="800000"/>
+            <a:headEnd/>
+            <a:tailEnd type="triangle" w="med" len="med"/>
+          </a:ln>
+          <a:extLst>
+            <a:ext uri="{909E8E84-426E-40dd-AFC4-6F175D3DCCD1}">
+              <a14:hiddenFill xmlns:wpc="http://schemas.microsoft.com/office/word/2010/wordprocessingCanvas" xmlns:mc="http://schemas.openxmlformats.org/markup-compatibility/2006" xmlns:m="http://schemas.openxmlformats.org/officeDocument/2006/math" xmlns:wp14="http://schemas.microsoft.com/office/word/2010/wordprocessingDrawing" xmlns:wp="http://schemas.openxmlformats.org/drawingml/2006/wordprocessingDrawing" xmlns:w14="http://schemas.microsoft.com/office/word/2010/wordml" xmlns:w15="http://schemas.microsoft.com/office/word/2012/wordml" xmlns:wpg="http://schemas.microsoft.com/office/word/2010/wordprocessingGroup" xmlns:wpi="http://schemas.microsoft.com/office/word/2010/wordprocessingInk" xmlns:wne="http://schemas.microsoft.com/office/word/2006/wordml" xmlns:wps="http://schemas.microsoft.com/office/word/2010/wordprocessingShape" xmlns:cx="http://schemas.microsoft.com/office/drawing/2014/chartex" xmlns:cx1="http://schemas.microsoft.com/office/drawing/2015/9/8/chartex" xmlns:cx2="http://schemas.microsoft.com/office/drawing/2015/10/21/chartex" xmlns:cx3="http://schemas.microsoft.com/office/drawing/2016/5/9/chartex" xmlns:cx4="http://schemas.microsoft.com/office/drawing/2016/5/10/chartex" xmlns:cx5="http://schemas.microsoft.com/office/drawing/2016/5/11/chartex" xmlns:cx6="http://schemas.microsoft.com/office/drawing/2016/5/12/chartex" xmlns:cx7="http://schemas.microsoft.com/office/drawing/2016/5/13/chartex" xmlns:cx8="http://schemas.microsoft.com/office/drawing/2016/5/14/chartex" xmlns:aink="http://schemas.microsoft.com/office/drawing/2016/ink" xmlns:am3d="http://schemas.microsoft.com/office/drawing/2017/model3d" xmlns:w16cid="http://schemas.microsoft.com/office/word/2016/wordml/cid" xmlns:w16se="http://schemas.microsoft.com/office/word/2015/wordml/symex" xmlns:a14="http://schemas.microsoft.com/office/drawing/2010/main" xmlns:w="http://schemas.openxmlformats.org/wordprocessingml/2006/main" xmlns:w10="urn:schemas-microsoft-com:office:word" xmlns:v="urn:schemas-microsoft-com:vml" xmlns:o="urn:schemas-microsoft-com:office:office" xmlns:mv="urn:schemas-microsoft-com:mac:vml" xmlns:mo="http://schemas.microsoft.com/office/mac/office/2008/main" xmlns="" xmlns:arto="http://schemas.microsoft.com/office/word/2006/arto" xmlns:lc="http://schemas.openxmlformats.org/drawingml/2006/lockedCanvas">
+                <a:noFill/>
+              </a14:hiddenFill>
+            </a:ext>
+          </a:extLst>
+        </p:spPr>
+      </p:cxnSp>
+      <p:sp>
+        <p:nvSpPr>
+          <p:cNvPr id="45" name="Text Box 11">
+            <a:extLst>
+              <a:ext uri="{FF2B5EF4-FFF2-40B4-BE49-F238E27FC236}">
+                <a16:creationId xmlns:a16="http://schemas.microsoft.com/office/drawing/2014/main" id="{21B9AF2C-7F53-9CAB-93DD-FA4D68C72835}"/>
+              </a:ext>
+            </a:extLst>
+          </p:cNvPr>
+          <p:cNvSpPr txBox="1">
+            <a:spLocks noChangeArrowheads="1"/>
+          </p:cNvSpPr>
+          <p:nvPr/>
+        </p:nvSpPr>
+        <p:spPr bwMode="auto">
+          <a:xfrm>
+            <a:off x="2678307" y="1121489"/>
+            <a:ext cx="2067340" cy="459105"/>
+          </a:xfrm>
+          <a:prstGeom prst="rect">
+            <a:avLst/>
+          </a:prstGeom>
+          <a:noFill/>
+          <a:ln>
+            <a:noFill/>
+          </a:ln>
+          <a:extLst>
+            <a:ext uri="{909E8E84-426E-40dd-AFC4-6F175D3DCCD1}">
+              <a14:hiddenFill xmlns:wpc="http://schemas.microsoft.com/office/word/2010/wordprocessingCanvas" xmlns:mc="http://schemas.openxmlformats.org/markup-compatibility/2006" xmlns:m="http://schemas.openxmlformats.org/officeDocument/2006/math" xmlns:wp14="http://schemas.microsoft.com/office/word/2010/wordprocessingDrawing" xmlns:wp="http://schemas.openxmlformats.org/drawingml/2006/wordprocessingDrawing" xmlns:w14="http://schemas.microsoft.com/office/word/2010/wordml" xmlns:w15="http://schemas.microsoft.com/office/word/2012/wordml" xmlns:wpg="http://schemas.microsoft.com/office/word/2010/wordprocessingGroup" xmlns:wpi="http://schemas.microsoft.com/office/word/2010/wordprocessingInk" xmlns:wne="http://schemas.microsoft.com/office/word/2006/wordml" xmlns:wps="http://schemas.microsoft.com/office/word/2010/wordprocessingShape" xmlns:cx="http://schemas.microsoft.com/office/drawing/2014/chartex" xmlns:cx1="http://schemas.microsoft.com/office/drawing/2015/9/8/chartex" xmlns:cx2="http://schemas.microsoft.com/office/drawing/2015/10/21/chartex" xmlns:cx3="http://schemas.microsoft.com/office/drawing/2016/5/9/chartex" xmlns:cx4="http://schemas.microsoft.com/office/drawing/2016/5/10/chartex" xmlns:cx5="http://schemas.microsoft.com/office/drawing/2016/5/11/chartex" xmlns:cx6="http://schemas.microsoft.com/office/drawing/2016/5/12/chartex" xmlns:cx7="http://schemas.microsoft.com/office/drawing/2016/5/13/chartex" xmlns:cx8="http://schemas.microsoft.com/office/drawing/2016/5/14/chartex" xmlns:aink="http://schemas.microsoft.com/office/drawing/2016/ink" xmlns:am3d="http://schemas.microsoft.com/office/drawing/2017/model3d" xmlns:w16cid="http://schemas.microsoft.com/office/word/2016/wordml/cid" xmlns:w16se="http://schemas.microsoft.com/office/word/2015/wordml/symex" xmlns:a14="http://schemas.microsoft.com/office/drawing/2010/main" xmlns:w="http://schemas.openxmlformats.org/wordprocessingml/2006/main" xmlns:w10="urn:schemas-microsoft-com:office:word" xmlns:v="urn:schemas-microsoft-com:vml" xmlns:o="urn:schemas-microsoft-com:office:office" xmlns:mv="urn:schemas-microsoft-com:mac:vml" xmlns:mo="http://schemas.microsoft.com/office/mac/office/2008/main" xmlns="" xmlns:arto="http://schemas.microsoft.com/office/word/2006/arto" xmlns:lc="http://schemas.openxmlformats.org/drawingml/2006/lockedCanvas">
+                <a:solidFill>
+                  <a:srgbClr val="FFFFFF"/>
+                </a:solidFill>
+              </a14:hiddenFill>
+            </a:ext>
+            <a:ext uri="{91240B29-F687-4f45-9708-019B960494DF}">
+              <a14:hiddenLine xmlns:wpc="http://schemas.microsoft.com/office/word/2010/wordprocessingCanvas" xmlns:mc="http://schemas.openxmlformats.org/markup-compatibility/2006" xmlns:m="http://schemas.openxmlformats.org/officeDocument/2006/math" xmlns:wp14="http://schemas.microsoft.com/office/word/2010/wordprocessingDrawing" xmlns:wp="http://schemas.openxmlformats.org/drawingml/2006/wordprocessingDrawing" xmlns:w14="http://schemas.microsoft.com/office/word/2010/wordml" xmlns:w15="http://schemas.microsoft.com/office/word/2012/wordml" xmlns:wpg="http://schemas.microsoft.com/office/word/2010/wordprocessingGroup" xmlns:wpi="http://schemas.microsoft.com/office/word/2010/wordprocessingInk" xmlns:wne="http://schemas.microsoft.com/office/word/2006/wordml" xmlns:wps="http://schemas.microsoft.com/office/word/2010/wordprocessingShape" xmlns:cx="http://schemas.microsoft.com/office/drawing/2014/chartex" xmlns:cx1="http://schemas.microsoft.com/office/drawing/2015/9/8/chartex" xmlns:cx2="http://schemas.microsoft.com/office/drawing/2015/10/21/chartex" xmlns:cx3="http://schemas.microsoft.com/office/drawing/2016/5/9/chartex" xmlns:cx4="http://schemas.microsoft.com/office/drawing/2016/5/10/chartex" xmlns:cx5="http://schemas.microsoft.com/office/drawing/2016/5/11/chartex" xmlns:cx6="http://schemas.microsoft.com/office/drawing/2016/5/12/chartex" xmlns:cx7="http://schemas.microsoft.com/office/drawing/2016/5/13/chartex" xmlns:cx8="http://schemas.microsoft.com/office/drawing/2016/5/14/chartex" xmlns:aink="http://schemas.microsoft.com/office/drawing/2016/ink" xmlns:am3d="http://schemas.microsoft.com/office/drawing/2017/model3d" xmlns:w16cid="http://schemas.microsoft.com/office/word/2016/wordml/cid" xmlns:w16se="http://schemas.microsoft.com/office/word/2015/wordml/symex" xmlns:a14="http://schemas.microsoft.com/office/drawing/2010/main" xmlns:w="http://schemas.openxmlformats.org/wordprocessingml/2006/main" xmlns:w10="urn:schemas-microsoft-com:office:word" xmlns:v="urn:schemas-microsoft-com:vml" xmlns:o="urn:schemas-microsoft-com:office:office" xmlns:mv="urn:schemas-microsoft-com:mac:vml" xmlns:mo="http://schemas.microsoft.com/office/mac/office/2008/main" xmlns="" xmlns:arto="http://schemas.microsoft.com/office/word/2006/arto" xmlns:lc="http://schemas.openxmlformats.org/drawingml/2006/lockedCanvas" w="9525">
+                <a:solidFill>
+                  <a:srgbClr val="000000"/>
+                </a:solidFill>
+                <a:miter lim="800000"/>
+                <a:headEnd/>
+                <a:tailEnd/>
+              </a14:hiddenLine>
+            </a:ext>
+          </a:extLst>
+        </p:spPr>
+        <p:txBody>
+          <a:bodyPr rot="0" vert="horz" wrap="square" lIns="0" tIns="45720" rIns="0" bIns="45720" anchor="t" anchorCtr="0" upright="1">
+            <a:noAutofit/>
+          </a:bodyPr>
+          <a:lstStyle/>
+          <a:p>
+            <a:pPr algn="ctr"/>
+            <a:r>
+              <a:rPr lang="it-IT" sz="1200" b="1">
+                <a:solidFill>
+                  <a:srgbClr val="2F5496"/>
+                </a:solidFill>
+                <a:latin typeface="Times New Roman" panose="02020603050405020304" pitchFamily="18" charset="0"/>
+                <a:ea typeface="Arial Unicode MS" panose="020B0604020202020204" pitchFamily="34" charset="-128"/>
+              </a:rPr>
+              <a:t>Data </a:t>
+            </a:r>
+            <a:r>
+              <a:rPr lang="en-US" sz="1200" b="1">
+                <a:solidFill>
+                  <a:srgbClr val="2F5496"/>
+                </a:solidFill>
+                <a:latin typeface="Times New Roman" panose="02020603050405020304" pitchFamily="18" charset="0"/>
+                <a:ea typeface="Arial Unicode MS" panose="020B0604020202020204" pitchFamily="34" charset="-128"/>
+              </a:rPr>
+              <a:t>Element Provenance</a:t>
+            </a:r>
+            <a:endParaRPr lang="en-US" sz="1200">
+              <a:latin typeface="Times New Roman" panose="02020603050405020304" pitchFamily="18" charset="0"/>
+              <a:ea typeface="Times New Roman" panose="02020603050405020304" pitchFamily="18" charset="0"/>
+            </a:endParaRPr>
+          </a:p>
+          <a:p>
+            <a:pPr algn="ctr"/>
+            <a:r>
+              <a:rPr lang="it-IT" sz="1200" b="1">
+                <a:solidFill>
+                  <a:srgbClr val="2F5496"/>
+                </a:solidFill>
+                <a:latin typeface="Times New Roman" panose="02020603050405020304" pitchFamily="18" charset="0"/>
+                <a:ea typeface="Arial Unicode MS" panose="020B0604020202020204" pitchFamily="34" charset="-128"/>
+              </a:rPr>
+              <a:t>Consumer</a:t>
+            </a:r>
+            <a:endParaRPr lang="en-US" sz="1200">
+              <a:latin typeface="Times New Roman" panose="02020603050405020304" pitchFamily="18" charset="0"/>
+              <a:ea typeface="Times New Roman" panose="02020603050405020304" pitchFamily="18" charset="0"/>
+            </a:endParaRPr>
+          </a:p>
+        </p:txBody>
+      </p:sp>
+      <p:sp>
+        <p:nvSpPr>
+          <p:cNvPr id="46" name="Rectangle 45">
+            <a:extLst>
+              <a:ext uri="{FF2B5EF4-FFF2-40B4-BE49-F238E27FC236}">
+                <a16:creationId xmlns:a16="http://schemas.microsoft.com/office/drawing/2014/main" id="{40942C5C-C7BA-0FEC-1177-B3477C3D2B92}"/>
+              </a:ext>
+            </a:extLst>
+          </p:cNvPr>
+          <p:cNvSpPr>
+            <a:spLocks noChangeArrowheads="1"/>
+          </p:cNvSpPr>
+          <p:nvPr/>
+        </p:nvSpPr>
+        <p:spPr bwMode="auto">
+          <a:xfrm>
+            <a:off x="1665165" y="3518043"/>
+            <a:ext cx="988695" cy="535899"/>
+          </a:xfrm>
+          <a:prstGeom prst="rect">
+            <a:avLst/>
+          </a:prstGeom>
+          <a:solidFill>
+            <a:srgbClr val="BFBFBF"/>
+          </a:solidFill>
+          <a:ln w="19050">
+            <a:solidFill>
+              <a:srgbClr val="000000"/>
+            </a:solidFill>
+            <a:miter lim="800000"/>
+            <a:headEnd/>
+            <a:tailEnd/>
+          </a:ln>
+        </p:spPr>
+        <p:txBody>
+          <a:bodyPr rot="0" vert="horz" wrap="square" lIns="91440" tIns="45720" rIns="91440" bIns="45720" anchor="ctr" anchorCtr="0" upright="1">
+            <a:noAutofit/>
+          </a:bodyPr>
+          <a:lstStyle/>
+          <a:p>
+            <a:pPr algn="ctr"/>
+            <a:r>
+              <a:rPr lang="en-US" sz="1000" b="1">
+                <a:latin typeface="Times New Roman" panose="02020603050405020304" pitchFamily="18" charset="0"/>
+                <a:ea typeface="Arial Unicode MS" panose="020B0604020202020204" pitchFamily="34" charset="-128"/>
+              </a:rPr>
+              <a:t>Document Source</a:t>
+            </a:r>
+            <a:endParaRPr lang="en-US" sz="1200">
+              <a:latin typeface="Times New Roman" panose="02020603050405020304" pitchFamily="18" charset="0"/>
+              <a:ea typeface="Times New Roman" panose="02020603050405020304" pitchFamily="18" charset="0"/>
+            </a:endParaRPr>
+          </a:p>
+        </p:txBody>
+      </p:sp>
+      <p:sp>
+        <p:nvSpPr>
+          <p:cNvPr id="47" name="Text Box 11">
+            <a:extLst>
+              <a:ext uri="{FF2B5EF4-FFF2-40B4-BE49-F238E27FC236}">
+                <a16:creationId xmlns:a16="http://schemas.microsoft.com/office/drawing/2014/main" id="{D84A2BA8-4F57-378D-1A4A-5152DFA7770B}"/>
+              </a:ext>
+            </a:extLst>
+          </p:cNvPr>
+          <p:cNvSpPr txBox="1">
+            <a:spLocks noChangeArrowheads="1"/>
+          </p:cNvSpPr>
+          <p:nvPr/>
+        </p:nvSpPr>
+        <p:spPr bwMode="auto">
+          <a:xfrm>
+            <a:off x="4012333" y="2384599"/>
+            <a:ext cx="1051900" cy="379423"/>
+          </a:xfrm>
+          <a:prstGeom prst="rect">
+            <a:avLst/>
+          </a:prstGeom>
+          <a:noFill/>
+          <a:ln>
+            <a:noFill/>
+          </a:ln>
+          <a:extLst>
+            <a:ext uri="{909E8E84-426E-40dd-AFC4-6F175D3DCCD1}">
+              <a14:hiddenFill xmlns:wpc="http://schemas.microsoft.com/office/word/2010/wordprocessingCanvas" xmlns:mc="http://schemas.openxmlformats.org/markup-compatibility/2006" xmlns:m="http://schemas.openxmlformats.org/officeDocument/2006/math" xmlns:wp14="http://schemas.microsoft.com/office/word/2010/wordprocessingDrawing" xmlns:wp="http://schemas.openxmlformats.org/drawingml/2006/wordprocessingDrawing" xmlns:w14="http://schemas.microsoft.com/office/word/2010/wordml" xmlns:w15="http://schemas.microsoft.com/office/word/2012/wordml" xmlns:wpg="http://schemas.microsoft.com/office/word/2010/wordprocessingGroup" xmlns:wpi="http://schemas.microsoft.com/office/word/2010/wordprocessingInk" xmlns:wne="http://schemas.microsoft.com/office/word/2006/wordml" xmlns:wps="http://schemas.microsoft.com/office/word/2010/wordprocessingShape" xmlns:cx="http://schemas.microsoft.com/office/drawing/2014/chartex" xmlns:cx1="http://schemas.microsoft.com/office/drawing/2015/9/8/chartex" xmlns:cx2="http://schemas.microsoft.com/office/drawing/2015/10/21/chartex" xmlns:cx3="http://schemas.microsoft.com/office/drawing/2016/5/9/chartex" xmlns:cx4="http://schemas.microsoft.com/office/drawing/2016/5/10/chartex" xmlns:cx5="http://schemas.microsoft.com/office/drawing/2016/5/11/chartex" xmlns:cx6="http://schemas.microsoft.com/office/drawing/2016/5/12/chartex" xmlns:cx7="http://schemas.microsoft.com/office/drawing/2016/5/13/chartex" xmlns:cx8="http://schemas.microsoft.com/office/drawing/2016/5/14/chartex" xmlns:aink="http://schemas.microsoft.com/office/drawing/2016/ink" xmlns:am3d="http://schemas.microsoft.com/office/drawing/2017/model3d" xmlns:w16cid="http://schemas.microsoft.com/office/word/2016/wordml/cid" xmlns:w16se="http://schemas.microsoft.com/office/word/2015/wordml/symex" xmlns:a14="http://schemas.microsoft.com/office/drawing/2010/main" xmlns:w="http://schemas.openxmlformats.org/wordprocessingml/2006/main" xmlns:w10="urn:schemas-microsoft-com:office:word" xmlns:v="urn:schemas-microsoft-com:vml" xmlns:o="urn:schemas-microsoft-com:office:office" xmlns:mv="urn:schemas-microsoft-com:mac:vml" xmlns:mo="http://schemas.microsoft.com/office/mac/office/2008/main" xmlns="" xmlns:arto="http://schemas.microsoft.com/office/word/2006/arto" xmlns:lc="http://schemas.openxmlformats.org/drawingml/2006/lockedCanvas">
+                <a:solidFill>
+                  <a:srgbClr val="FFFFFF"/>
+                </a:solidFill>
+              </a14:hiddenFill>
+            </a:ext>
+            <a:ext uri="{91240B29-F687-4f45-9708-019B960494DF}">
+              <a14:hiddenLine xmlns:wpc="http://schemas.microsoft.com/office/word/2010/wordprocessingCanvas" xmlns:mc="http://schemas.openxmlformats.org/markup-compatibility/2006" xmlns:m="http://schemas.openxmlformats.org/officeDocument/2006/math" xmlns:wp14="http://schemas.microsoft.com/office/word/2010/wordprocessingDrawing" xmlns:wp="http://schemas.openxmlformats.org/drawingml/2006/wordprocessingDrawing" xmlns:w14="http://schemas.microsoft.com/office/word/2010/wordml" xmlns:w15="http://schemas.microsoft.com/office/word/2012/wordml" xmlns:wpg="http://schemas.microsoft.com/office/word/2010/wordprocessingGroup" xmlns:wpi="http://schemas.microsoft.com/office/word/2010/wordprocessingInk" xmlns:wne="http://schemas.microsoft.com/office/word/2006/wordml" xmlns:wps="http://schemas.microsoft.com/office/word/2010/wordprocessingShape" xmlns:cx="http://schemas.microsoft.com/office/drawing/2014/chartex" xmlns:cx1="http://schemas.microsoft.com/office/drawing/2015/9/8/chartex" xmlns:cx2="http://schemas.microsoft.com/office/drawing/2015/10/21/chartex" xmlns:cx3="http://schemas.microsoft.com/office/drawing/2016/5/9/chartex" xmlns:cx4="http://schemas.microsoft.com/office/drawing/2016/5/10/chartex" xmlns:cx5="http://schemas.microsoft.com/office/drawing/2016/5/11/chartex" xmlns:cx6="http://schemas.microsoft.com/office/drawing/2016/5/12/chartex" xmlns:cx7="http://schemas.microsoft.com/office/drawing/2016/5/13/chartex" xmlns:cx8="http://schemas.microsoft.com/office/drawing/2016/5/14/chartex" xmlns:aink="http://schemas.microsoft.com/office/drawing/2016/ink" xmlns:am3d="http://schemas.microsoft.com/office/drawing/2017/model3d" xmlns:w16cid="http://schemas.microsoft.com/office/word/2016/wordml/cid" xmlns:w16se="http://schemas.microsoft.com/office/word/2015/wordml/symex" xmlns:a14="http://schemas.microsoft.com/office/drawing/2010/main" xmlns:w="http://schemas.openxmlformats.org/wordprocessingml/2006/main" xmlns:w10="urn:schemas-microsoft-com:office:word" xmlns:v="urn:schemas-microsoft-com:vml" xmlns:o="urn:schemas-microsoft-com:office:office" xmlns:mv="urn:schemas-microsoft-com:mac:vml" xmlns:mo="http://schemas.microsoft.com/office/mac/office/2008/main" xmlns="" xmlns:arto="http://schemas.microsoft.com/office/word/2006/arto" xmlns:lc="http://schemas.openxmlformats.org/drawingml/2006/lockedCanvas" w="9525">
+                <a:solidFill>
+                  <a:srgbClr val="000000"/>
+                </a:solidFill>
+                <a:miter lim="800000"/>
+                <a:headEnd/>
+                <a:tailEnd/>
+              </a14:hiddenLine>
+            </a:ext>
+          </a:extLst>
+        </p:spPr>
+        <p:txBody>
+          <a:bodyPr rot="0" vert="horz" wrap="square" lIns="91440" tIns="45720" rIns="91440" bIns="45720" anchor="t" anchorCtr="0" upright="1">
+            <a:noAutofit/>
+          </a:bodyPr>
+          <a:lstStyle/>
+          <a:p>
+            <a:pPr algn="ctr"/>
+            <a:r>
+              <a:rPr lang="en-US" sz="900">
+                <a:latin typeface="Times New Roman" panose="02020603050405020304" pitchFamily="18" charset="0"/>
+                <a:ea typeface="Arial Unicode MS" panose="020B0604020202020204" pitchFamily="34" charset="-128"/>
+              </a:rPr>
+              <a:t>Mobile Query for Existing Data </a:t>
+            </a:r>
+            <a:endParaRPr lang="en-US" sz="1200">
+              <a:latin typeface="Times New Roman" panose="02020603050405020304" pitchFamily="18" charset="0"/>
+              <a:ea typeface="Times New Roman" panose="02020603050405020304" pitchFamily="18" charset="0"/>
+            </a:endParaRPr>
+          </a:p>
+        </p:txBody>
+      </p:sp>
+      <p:sp>
+        <p:nvSpPr>
+          <p:cNvPr id="48" name="Text Box 11">
+            <a:extLst>
+              <a:ext uri="{FF2B5EF4-FFF2-40B4-BE49-F238E27FC236}">
+                <a16:creationId xmlns:a16="http://schemas.microsoft.com/office/drawing/2014/main" id="{E565FC68-3BDC-2DDC-CABD-F8D1F7ADF011}"/>
+              </a:ext>
+            </a:extLst>
+          </p:cNvPr>
+          <p:cNvSpPr txBox="1">
+            <a:spLocks noChangeArrowheads="1"/>
+          </p:cNvSpPr>
+          <p:nvPr/>
+        </p:nvSpPr>
+        <p:spPr bwMode="auto">
+          <a:xfrm>
+            <a:off x="5140870" y="2384599"/>
+            <a:ext cx="1052000" cy="392908"/>
+          </a:xfrm>
+          <a:prstGeom prst="rect">
+            <a:avLst/>
+          </a:prstGeom>
+          <a:noFill/>
+          <a:ln>
+            <a:noFill/>
+          </a:ln>
+          <a:extLst>
+            <a:ext uri="{909E8E84-426E-40dd-AFC4-6F175D3DCCD1}">
+              <a14:hiddenFill xmlns:wpc="http://schemas.microsoft.com/office/word/2010/wordprocessingCanvas" xmlns:mc="http://schemas.openxmlformats.org/markup-compatibility/2006" xmlns:m="http://schemas.openxmlformats.org/officeDocument/2006/math" xmlns:wp14="http://schemas.microsoft.com/office/word/2010/wordprocessingDrawing" xmlns:wp="http://schemas.openxmlformats.org/drawingml/2006/wordprocessingDrawing" xmlns:w14="http://schemas.microsoft.com/office/word/2010/wordml" xmlns:w15="http://schemas.microsoft.com/office/word/2012/wordml" xmlns:wpg="http://schemas.microsoft.com/office/word/2010/wordprocessingGroup" xmlns:wpi="http://schemas.microsoft.com/office/word/2010/wordprocessingInk" xmlns:wne="http://schemas.microsoft.com/office/word/2006/wordml" xmlns:wps="http://schemas.microsoft.com/office/word/2010/wordprocessingShape" xmlns:cx="http://schemas.microsoft.com/office/drawing/2014/chartex" xmlns:cx1="http://schemas.microsoft.com/office/drawing/2015/9/8/chartex" xmlns:cx2="http://schemas.microsoft.com/office/drawing/2015/10/21/chartex" xmlns:cx3="http://schemas.microsoft.com/office/drawing/2016/5/9/chartex" xmlns:cx4="http://schemas.microsoft.com/office/drawing/2016/5/10/chartex" xmlns:cx5="http://schemas.microsoft.com/office/drawing/2016/5/11/chartex" xmlns:cx6="http://schemas.microsoft.com/office/drawing/2016/5/12/chartex" xmlns:cx7="http://schemas.microsoft.com/office/drawing/2016/5/13/chartex" xmlns:cx8="http://schemas.microsoft.com/office/drawing/2016/5/14/chartex" xmlns:aink="http://schemas.microsoft.com/office/drawing/2016/ink" xmlns:am3d="http://schemas.microsoft.com/office/drawing/2017/model3d" xmlns:w16cid="http://schemas.microsoft.com/office/word/2016/wordml/cid" xmlns:w16se="http://schemas.microsoft.com/office/word/2015/wordml/symex" xmlns:a14="http://schemas.microsoft.com/office/drawing/2010/main" xmlns:w="http://schemas.openxmlformats.org/wordprocessingml/2006/main" xmlns:w10="urn:schemas-microsoft-com:office:word" xmlns:v="urn:schemas-microsoft-com:vml" xmlns:o="urn:schemas-microsoft-com:office:office" xmlns:mv="urn:schemas-microsoft-com:mac:vml" xmlns:mo="http://schemas.microsoft.com/office/mac/office/2008/main" xmlns="" xmlns:arto="http://schemas.microsoft.com/office/word/2006/arto" xmlns:lc="http://schemas.openxmlformats.org/drawingml/2006/lockedCanvas">
+                <a:solidFill>
+                  <a:srgbClr val="FFFFFF"/>
+                </a:solidFill>
+              </a14:hiddenFill>
+            </a:ext>
+            <a:ext uri="{91240B29-F687-4f45-9708-019B960494DF}">
+              <a14:hiddenLine xmlns:wpc="http://schemas.microsoft.com/office/word/2010/wordprocessingCanvas" xmlns:mc="http://schemas.openxmlformats.org/markup-compatibility/2006" xmlns:m="http://schemas.openxmlformats.org/officeDocument/2006/math" xmlns:wp14="http://schemas.microsoft.com/office/word/2010/wordprocessingDrawing" xmlns:wp="http://schemas.openxmlformats.org/drawingml/2006/wordprocessingDrawing" xmlns:w14="http://schemas.microsoft.com/office/word/2010/wordml" xmlns:w15="http://schemas.microsoft.com/office/word/2012/wordml" xmlns:wpg="http://schemas.microsoft.com/office/word/2010/wordprocessingGroup" xmlns:wpi="http://schemas.microsoft.com/office/word/2010/wordprocessingInk" xmlns:wne="http://schemas.microsoft.com/office/word/2006/wordml" xmlns:wps="http://schemas.microsoft.com/office/word/2010/wordprocessingShape" xmlns:cx="http://schemas.microsoft.com/office/drawing/2014/chartex" xmlns:cx1="http://schemas.microsoft.com/office/drawing/2015/9/8/chartex" xmlns:cx2="http://schemas.microsoft.com/office/drawing/2015/10/21/chartex" xmlns:cx3="http://schemas.microsoft.com/office/drawing/2016/5/9/chartex" xmlns:cx4="http://schemas.microsoft.com/office/drawing/2016/5/10/chartex" xmlns:cx5="http://schemas.microsoft.com/office/drawing/2016/5/11/chartex" xmlns:cx6="http://schemas.microsoft.com/office/drawing/2016/5/12/chartex" xmlns:cx7="http://schemas.microsoft.com/office/drawing/2016/5/13/chartex" xmlns:cx8="http://schemas.microsoft.com/office/drawing/2016/5/14/chartex" xmlns:aink="http://schemas.microsoft.com/office/drawing/2016/ink" xmlns:am3d="http://schemas.microsoft.com/office/drawing/2017/model3d" xmlns:w16cid="http://schemas.microsoft.com/office/word/2016/wordml/cid" xmlns:w16se="http://schemas.microsoft.com/office/word/2015/wordml/symex" xmlns:a14="http://schemas.microsoft.com/office/drawing/2010/main" xmlns:w="http://schemas.openxmlformats.org/wordprocessingml/2006/main" xmlns:w10="urn:schemas-microsoft-com:office:word" xmlns:v="urn:schemas-microsoft-com:vml" xmlns:o="urn:schemas-microsoft-com:office:office" xmlns:mv="urn:schemas-microsoft-com:mac:vml" xmlns:mo="http://schemas.microsoft.com/office/mac/office/2008/main" xmlns="" xmlns:arto="http://schemas.microsoft.com/office/word/2006/arto" xmlns:lc="http://schemas.openxmlformats.org/drawingml/2006/lockedCanvas" w="9525">
+                <a:solidFill>
+                  <a:srgbClr val="000000"/>
+                </a:solidFill>
+                <a:miter lim="800000"/>
+                <a:headEnd/>
+                <a:tailEnd/>
+              </a14:hiddenLine>
+            </a:ext>
+          </a:extLst>
+        </p:spPr>
+        <p:txBody>
+          <a:bodyPr rot="0" vert="horz" wrap="square" lIns="91440" tIns="45720" rIns="91440" bIns="45720" anchor="t" anchorCtr="0" upright="1">
+            <a:noAutofit/>
+          </a:bodyPr>
+          <a:lstStyle/>
+          <a:p>
+            <a:pPr algn="ctr"/>
+            <a:r>
+              <a:rPr lang="en-US" sz="900">
+                <a:latin typeface="Times New Roman" panose="02020603050405020304" pitchFamily="18" charset="0"/>
+                <a:ea typeface="Arial Unicode MS" panose="020B0604020202020204" pitchFamily="34" charset="-128"/>
+              </a:rPr>
+              <a:t>Mobile Query for Existing Data</a:t>
+            </a:r>
+            <a:endParaRPr lang="en-US" sz="1200">
+              <a:latin typeface="Times New Roman" panose="02020603050405020304" pitchFamily="18" charset="0"/>
+              <a:ea typeface="Times New Roman" panose="02020603050405020304" pitchFamily="18" charset="0"/>
+            </a:endParaRPr>
+          </a:p>
+          <a:p>
+            <a:pPr algn="ctr"/>
+            <a:r>
+              <a:rPr lang="en-US" sz="700">
+                <a:latin typeface="Times New Roman" panose="02020603050405020304" pitchFamily="18" charset="0"/>
+                <a:ea typeface="Times New Roman" panose="02020603050405020304" pitchFamily="18" charset="0"/>
+              </a:rPr>
+              <a:t> </a:t>
+            </a:r>
+            <a:endParaRPr lang="en-US" sz="1200">
+              <a:latin typeface="Times New Roman" panose="02020603050405020304" pitchFamily="18" charset="0"/>
+              <a:ea typeface="Times New Roman" panose="02020603050405020304" pitchFamily="18" charset="0"/>
+            </a:endParaRPr>
+          </a:p>
+        </p:txBody>
+      </p:sp>
+      <p:sp>
+        <p:nvSpPr>
+          <p:cNvPr id="49" name="Arrow: Curved Down 48">
+            <a:extLst>
+              <a:ext uri="{FF2B5EF4-FFF2-40B4-BE49-F238E27FC236}">
+                <a16:creationId xmlns:a16="http://schemas.microsoft.com/office/drawing/2014/main" id="{D0881D71-0AFC-0439-060B-BF24B486A6FD}"/>
+              </a:ext>
+            </a:extLst>
+          </p:cNvPr>
+          <p:cNvSpPr>
+            <a:spLocks noChangeArrowheads="1"/>
+          </p:cNvSpPr>
+          <p:nvPr/>
+        </p:nvSpPr>
+        <p:spPr bwMode="auto">
+          <a:xfrm flipH="1">
+            <a:off x="3092170" y="1300997"/>
+            <a:ext cx="1190800" cy="279597"/>
+          </a:xfrm>
+          <a:prstGeom prst="curvedDownArrow">
+            <a:avLst>
+              <a:gd name="adj1" fmla="val 25002"/>
+              <a:gd name="adj2" fmla="val 50004"/>
+              <a:gd name="adj3" fmla="val 25000"/>
+            </a:avLst>
+          </a:prstGeom>
+          <a:solidFill>
+            <a:schemeClr val="accent1">
+              <a:lumMod val="100000"/>
+              <a:lumOff val="0"/>
+            </a:schemeClr>
+          </a:solidFill>
+          <a:ln w="12700">
+            <a:solidFill>
+              <a:schemeClr val="accent1">
+                <a:lumMod val="50000"/>
+                <a:lumOff val="0"/>
+              </a:schemeClr>
+            </a:solidFill>
+            <a:miter lim="800000"/>
+            <a:headEnd/>
+            <a:tailEnd/>
+          </a:ln>
+        </p:spPr>
+        <p:txBody>
+          <a:bodyPr rot="0" vert="horz" wrap="square" lIns="91440" tIns="45720" rIns="91440" bIns="45720" anchor="ctr" anchorCtr="0" upright="1">
+            <a:noAutofit/>
+          </a:bodyPr>
+          <a:lstStyle/>
+          <a:p>
+            <a:endParaRPr lang="en-US"/>
           </a:p>
         </p:txBody>
       </p:sp>
